--- a/Anvisys-Profile.pptx
+++ b/Anvisys-Profile.pptx
@@ -123,7 +123,7 @@
   </p:defaultTextStyle>
   <p:extLst>
     <p:ext uri="{EFAFB233-063F-42B5-8137-9DF3F51BA10A}">
-      <p15:sldGuideLst xmlns:p15="http://schemas.microsoft.com/office/powerpoint/2012/main">
+      <p15:sldGuideLst xmlns:p15="http://schemas.microsoft.com/office/powerpoint/2012/main" xmlns="">
         <p15:guide id="1" orient="horz" pos="2160">
           <p15:clr>
             <a:srgbClr val="A4A3A4"/>
@@ -8187,7 +8187,7 @@
             <p:cNvPr id="46" name="Picture 45">
               <a:extLst>
                 <a:ext uri="{FF2B5EF4-FFF2-40B4-BE49-F238E27FC236}">
-                  <a16:creationId xmlns:a16="http://schemas.microsoft.com/office/drawing/2014/main" id="{13C97FC4-4358-46A7-89E4-BB08F494C22B}"/>
+                  <a16:creationId xmlns:a16="http://schemas.microsoft.com/office/drawing/2014/main" xmlns="" id="{13C97FC4-4358-46A7-89E4-BB08F494C22B}"/>
                 </a:ext>
               </a:extLst>
             </p:cNvPr>
@@ -14680,6 +14680,36 @@
           <a:chExt cx="0" cy="0"/>
         </a:xfrm>
       </p:grpSpPr>
+      <p:sp>
+        <p:nvSpPr>
+          <p:cNvPr id="2" name="TextBox 1"/>
+          <p:cNvSpPr txBox="1"/>
+          <p:nvPr/>
+        </p:nvSpPr>
+        <p:spPr>
+          <a:xfrm>
+            <a:off x="3131840" y="1988840"/>
+            <a:ext cx="1445780" cy="369332"/>
+          </a:xfrm>
+          <a:prstGeom prst="rect">
+            <a:avLst/>
+          </a:prstGeom>
+          <a:noFill/>
+        </p:spPr>
+        <p:txBody>
+          <a:bodyPr wrap="none" rtlCol="0">
+            <a:spAutoFit/>
+          </a:bodyPr>
+          <a:lstStyle/>
+          <a:p>
+            <a:r>
+              <a:rPr lang="en-IN" dirty="0" smtClean="0"/>
+              <a:t>Any Question</a:t>
+            </a:r>
+            <a:endParaRPr lang="en-IN" dirty="0"/>
+          </a:p>
+        </p:txBody>
+      </p:sp>
     </p:spTree>
     <p:extLst>
       <p:ext uri="{BB962C8B-B14F-4D97-AF65-F5344CB8AC3E}">
@@ -17635,7 +17665,7 @@
           <p:cNvPr id="2" name="Title 1">
             <a:extLst>
               <a:ext uri="{FF2B5EF4-FFF2-40B4-BE49-F238E27FC236}">
-                <a16:creationId xmlns:a16="http://schemas.microsoft.com/office/drawing/2014/main" id="{865131AC-C32E-4601-89C1-F9ECEAF1EE04}"/>
+                <a16:creationId xmlns:a16="http://schemas.microsoft.com/office/drawing/2014/main" xmlns="" id="{865131AC-C32E-4601-89C1-F9ECEAF1EE04}"/>
               </a:ext>
             </a:extLst>
           </p:cNvPr>
@@ -17663,7 +17693,7 @@
           <p:cNvPr id="4" name="Content Placeholder 3">
             <a:extLst>
               <a:ext uri="{FF2B5EF4-FFF2-40B4-BE49-F238E27FC236}">
-                <a16:creationId xmlns:a16="http://schemas.microsoft.com/office/drawing/2014/main" id="{A72069BE-05CC-45C4-AAAF-DD81FB7FC5EC}"/>
+                <a16:creationId xmlns:a16="http://schemas.microsoft.com/office/drawing/2014/main" xmlns="" id="{A72069BE-05CC-45C4-AAAF-DD81FB7FC5EC}"/>
               </a:ext>
             </a:extLst>
           </p:cNvPr>
@@ -17695,7 +17725,7 @@
           <p:cNvPr id="6" name="Content Placeholder 4">
             <a:extLst>
               <a:ext uri="{FF2B5EF4-FFF2-40B4-BE49-F238E27FC236}">
-                <a16:creationId xmlns:a16="http://schemas.microsoft.com/office/drawing/2014/main" id="{7BF9F0F9-5BC9-4CB9-99D8-5D9E77EBA532}"/>
+                <a16:creationId xmlns:a16="http://schemas.microsoft.com/office/drawing/2014/main" xmlns="" id="{7BF9F0F9-5BC9-4CB9-99D8-5D9E77EBA532}"/>
               </a:ext>
             </a:extLst>
           </p:cNvPr>
@@ -17985,7 +18015,7 @@
           <p:cNvPr id="2" name="Title 1">
             <a:extLst>
               <a:ext uri="{FF2B5EF4-FFF2-40B4-BE49-F238E27FC236}">
-                <a16:creationId xmlns:a16="http://schemas.microsoft.com/office/drawing/2014/main" id="{FDB1AA29-50E7-47E6-B428-02DFC33376E2}"/>
+                <a16:creationId xmlns:a16="http://schemas.microsoft.com/office/drawing/2014/main" xmlns="" id="{FDB1AA29-50E7-47E6-B428-02DFC33376E2}"/>
               </a:ext>
             </a:extLst>
           </p:cNvPr>
@@ -18013,7 +18043,7 @@
           <p:cNvPr id="5" name="Content Placeholder 4">
             <a:extLst>
               <a:ext uri="{FF2B5EF4-FFF2-40B4-BE49-F238E27FC236}">
-                <a16:creationId xmlns:a16="http://schemas.microsoft.com/office/drawing/2014/main" id="{847CD382-9F7F-4E8D-9A4A-354D788A0575}"/>
+                <a16:creationId xmlns:a16="http://schemas.microsoft.com/office/drawing/2014/main" xmlns="" id="{847CD382-9F7F-4E8D-9A4A-354D788A0575}"/>
               </a:ext>
             </a:extLst>
           </p:cNvPr>
@@ -18048,7 +18078,7 @@
           <p:cNvPr id="6" name="Rectangle 5">
             <a:extLst>
               <a:ext uri="{FF2B5EF4-FFF2-40B4-BE49-F238E27FC236}">
-                <a16:creationId xmlns:a16="http://schemas.microsoft.com/office/drawing/2014/main" id="{098B67DA-9FA7-4BEF-A34E-941BB7FC651C}"/>
+                <a16:creationId xmlns:a16="http://schemas.microsoft.com/office/drawing/2014/main" xmlns="" id="{098B67DA-9FA7-4BEF-A34E-941BB7FC651C}"/>
               </a:ext>
             </a:extLst>
           </p:cNvPr>
@@ -18160,7 +18190,7 @@
           <p:cNvPr id="2" name="Title 1">
             <a:extLst>
               <a:ext uri="{FF2B5EF4-FFF2-40B4-BE49-F238E27FC236}">
-                <a16:creationId xmlns:a16="http://schemas.microsoft.com/office/drawing/2014/main" id="{50593DC5-4360-41D5-8B5E-737BD66331DD}"/>
+                <a16:creationId xmlns:a16="http://schemas.microsoft.com/office/drawing/2014/main" xmlns="" id="{50593DC5-4360-41D5-8B5E-737BD66331DD}"/>
               </a:ext>
             </a:extLst>
           </p:cNvPr>
@@ -18188,7 +18218,7 @@
           <p:cNvPr id="3" name="Content Placeholder 2">
             <a:extLst>
               <a:ext uri="{FF2B5EF4-FFF2-40B4-BE49-F238E27FC236}">
-                <a16:creationId xmlns:a16="http://schemas.microsoft.com/office/drawing/2014/main" id="{C5AE02B3-EF90-4416-AEEE-224A06B0B82F}"/>
+                <a16:creationId xmlns:a16="http://schemas.microsoft.com/office/drawing/2014/main" xmlns="" id="{C5AE02B3-EF90-4416-AEEE-224A06B0B82F}"/>
               </a:ext>
             </a:extLst>
           </p:cNvPr>
@@ -18258,7 +18288,7 @@
           <p:cNvPr id="4" name="Picture 3">
             <a:extLst>
               <a:ext uri="{FF2B5EF4-FFF2-40B4-BE49-F238E27FC236}">
-                <a16:creationId xmlns:a16="http://schemas.microsoft.com/office/drawing/2014/main" id="{A42434AC-FE93-41AA-8252-B01263232350}"/>
+                <a16:creationId xmlns:a16="http://schemas.microsoft.com/office/drawing/2014/main" xmlns="" id="{A42434AC-FE93-41AA-8252-B01263232350}"/>
               </a:ext>
             </a:extLst>
           </p:cNvPr>
@@ -18318,7 +18348,7 @@
           <p:cNvPr id="2" name="Title 1">
             <a:extLst>
               <a:ext uri="{FF2B5EF4-FFF2-40B4-BE49-F238E27FC236}">
-                <a16:creationId xmlns:a16="http://schemas.microsoft.com/office/drawing/2014/main" id="{C92193BD-EEB5-4CC3-BE21-D39BD95A385D}"/>
+                <a16:creationId xmlns:a16="http://schemas.microsoft.com/office/drawing/2014/main" xmlns="" id="{C92193BD-EEB5-4CC3-BE21-D39BD95A385D}"/>
               </a:ext>
             </a:extLst>
           </p:cNvPr>
@@ -18346,7 +18376,7 @@
           <p:cNvPr id="3" name="Content Placeholder 2">
             <a:extLst>
               <a:ext uri="{FF2B5EF4-FFF2-40B4-BE49-F238E27FC236}">
-                <a16:creationId xmlns:a16="http://schemas.microsoft.com/office/drawing/2014/main" id="{A4590DDC-E5B1-460D-8B70-03C4082BCC79}"/>
+                <a16:creationId xmlns:a16="http://schemas.microsoft.com/office/drawing/2014/main" xmlns="" id="{A4590DDC-E5B1-460D-8B70-03C4082BCC79}"/>
               </a:ext>
             </a:extLst>
           </p:cNvPr>

--- a/Anvisys-Profile.pptx
+++ b/Anvisys-Profile.pptx
@@ -23,7 +23,7 @@
     <p:sldId id="264" r:id="rId14"/>
     <p:sldId id="265" r:id="rId15"/>
     <p:sldId id="266" r:id="rId16"/>
-    <p:sldId id="267" r:id="rId17"/>
+    <p:sldId id="273" r:id="rId17"/>
   </p:sldIdLst>
   <p:sldSz cx="9144000" cy="6858000" type="screen4x3"/>
   <p:notesSz cx="6858000" cy="9144000"/>
@@ -124,7 +124,7 @@
   </p:defaultTextStyle>
   <p:extLst>
     <p:ext uri="{EFAFB233-063F-42B5-8137-9DF3F51BA10A}">
-      <p15:sldGuideLst xmlns="" xmlns:p15="http://schemas.microsoft.com/office/powerpoint/2012/main">
+      <p15:sldGuideLst xmlns:p15="http://schemas.microsoft.com/office/powerpoint/2012/main" xmlns="">
         <p15:guide id="1" orient="horz" pos="2160">
           <p15:clr>
             <a:srgbClr val="A4A3A4"/>
@@ -223,7 +223,7 @@
           <a:p>
             <a:fld id="{9836EA8E-4424-4A9A-BA95-A118E6208F28}" type="datetimeFigureOut">
               <a:rPr lang="en-IN" smtClean="0"/>
-              <a:t>24-06-2019</a:t>
+              <a:t>27-06-2019</a:t>
             </a:fld>
             <a:endParaRPr lang="en-IN"/>
           </a:p>
@@ -575,6 +575,106 @@
 </p:notes>
 </file>
 
+<file path=ppt/notesSlides/notesSlide2.xml><?xml version="1.0" encoding="utf-8"?>
+<p:notes xmlns:a="http://schemas.openxmlformats.org/drawingml/2006/main" xmlns:r="http://schemas.openxmlformats.org/officeDocument/2006/relationships" xmlns:p="http://schemas.openxmlformats.org/presentationml/2006/main">
+  <p:cSld>
+    <p:spTree>
+      <p:nvGrpSpPr>
+        <p:cNvPr id="1" name=""/>
+        <p:cNvGrpSpPr/>
+        <p:nvPr/>
+      </p:nvGrpSpPr>
+      <p:grpSpPr>
+        <a:xfrm>
+          <a:off x="0" y="0"/>
+          <a:ext cx="0" cy="0"/>
+          <a:chOff x="0" y="0"/>
+          <a:chExt cx="0" cy="0"/>
+        </a:xfrm>
+      </p:grpSpPr>
+      <p:sp>
+        <p:nvSpPr>
+          <p:cNvPr id="2" name="Slide Image Placeholder 1"/>
+          <p:cNvSpPr>
+            <a:spLocks noGrp="1" noRot="1" noChangeAspect="1"/>
+          </p:cNvSpPr>
+          <p:nvPr>
+            <p:ph type="sldImg"/>
+          </p:nvPr>
+        </p:nvSpPr>
+        <p:spPr/>
+      </p:sp>
+      <p:sp>
+        <p:nvSpPr>
+          <p:cNvPr id="3" name="Notes Placeholder 2"/>
+          <p:cNvSpPr>
+            <a:spLocks noGrp="1"/>
+          </p:cNvSpPr>
+          <p:nvPr>
+            <p:ph type="body" idx="1"/>
+          </p:nvPr>
+        </p:nvSpPr>
+        <p:spPr/>
+        <p:txBody>
+          <a:bodyPr/>
+          <a:lstStyle/>
+          <a:p>
+            <a:r>
+              <a:rPr lang="en-IN" dirty="0" smtClean="0"/>
+              <a:t>Need</a:t>
+            </a:r>
+            <a:r>
+              <a:rPr lang="en-IN" baseline="0" dirty="0" smtClean="0"/>
+              <a:t> to change the message at the top as per the requirement </a:t>
+            </a:r>
+          </a:p>
+          <a:p>
+            <a:r>
+              <a:rPr lang="en-IN" baseline="0" dirty="0" smtClean="0"/>
+              <a:t>Slide is about the services we offer to our clients. </a:t>
+            </a:r>
+          </a:p>
+          <a:p>
+            <a:endParaRPr lang="en-IN" dirty="0"/>
+          </a:p>
+        </p:txBody>
+      </p:sp>
+      <p:sp>
+        <p:nvSpPr>
+          <p:cNvPr id="4" name="Slide Number Placeholder 3"/>
+          <p:cNvSpPr>
+            <a:spLocks noGrp="1"/>
+          </p:cNvSpPr>
+          <p:nvPr>
+            <p:ph type="sldNum" sz="quarter" idx="10"/>
+          </p:nvPr>
+        </p:nvSpPr>
+        <p:spPr/>
+        <p:txBody>
+          <a:bodyPr/>
+          <a:lstStyle/>
+          <a:p>
+            <a:fld id="{DBB8162B-FCEB-413A-811F-0A462A2092A9}" type="slidenum">
+              <a:rPr lang="en-IN" smtClean="0"/>
+              <a:t>16</a:t>
+            </a:fld>
+            <a:endParaRPr lang="en-IN"/>
+          </a:p>
+        </p:txBody>
+      </p:sp>
+    </p:spTree>
+    <p:extLst>
+      <p:ext uri="{BB962C8B-B14F-4D97-AF65-F5344CB8AC3E}">
+        <p14:creationId xmlns:p14="http://schemas.microsoft.com/office/powerpoint/2010/main" val="334959490"/>
+      </p:ext>
+    </p:extLst>
+  </p:cSld>
+  <p:clrMapOvr>
+    <a:masterClrMapping/>
+  </p:clrMapOvr>
+</p:notes>
+</file>
+
 <file path=ppt/slideLayouts/slideLayout1.xml><?xml version="1.0" encoding="utf-8"?>
 <p:sldLayout xmlns:a="http://schemas.openxmlformats.org/drawingml/2006/main" xmlns:r="http://schemas.openxmlformats.org/officeDocument/2006/relationships" xmlns:p="http://schemas.openxmlformats.org/presentationml/2006/main" type="title" preserve="1">
   <p:cSld name="Title Slide">
@@ -756,7 +856,7 @@
           <a:p>
             <a:fld id="{D88684BC-97E8-4EB7-B548-A80FF2565271}" type="datetimeFigureOut">
               <a:rPr lang="en-IN" smtClean="0"/>
-              <a:t>24-06-2019</a:t>
+              <a:t>27-06-2019</a:t>
             </a:fld>
             <a:endParaRPr lang="en-IN"/>
           </a:p>
@@ -926,7 +1026,7 @@
           <a:p>
             <a:fld id="{D88684BC-97E8-4EB7-B548-A80FF2565271}" type="datetimeFigureOut">
               <a:rPr lang="en-IN" smtClean="0"/>
-              <a:t>24-06-2019</a:t>
+              <a:t>27-06-2019</a:t>
             </a:fld>
             <a:endParaRPr lang="en-IN"/>
           </a:p>
@@ -1106,7 +1206,7 @@
           <a:p>
             <a:fld id="{D88684BC-97E8-4EB7-B548-A80FF2565271}" type="datetimeFigureOut">
               <a:rPr lang="en-IN" smtClean="0"/>
-              <a:t>24-06-2019</a:t>
+              <a:t>27-06-2019</a:t>
             </a:fld>
             <a:endParaRPr lang="en-IN"/>
           </a:p>
@@ -1276,7 +1376,7 @@
           <a:p>
             <a:fld id="{D88684BC-97E8-4EB7-B548-A80FF2565271}" type="datetimeFigureOut">
               <a:rPr lang="en-IN" smtClean="0"/>
-              <a:t>24-06-2019</a:t>
+              <a:t>27-06-2019</a:t>
             </a:fld>
             <a:endParaRPr lang="en-IN"/>
           </a:p>
@@ -1522,7 +1622,7 @@
           <a:p>
             <a:fld id="{D88684BC-97E8-4EB7-B548-A80FF2565271}" type="datetimeFigureOut">
               <a:rPr lang="en-IN" smtClean="0"/>
-              <a:t>24-06-2019</a:t>
+              <a:t>27-06-2019</a:t>
             </a:fld>
             <a:endParaRPr lang="en-IN"/>
           </a:p>
@@ -1810,7 +1910,7 @@
           <a:p>
             <a:fld id="{D88684BC-97E8-4EB7-B548-A80FF2565271}" type="datetimeFigureOut">
               <a:rPr lang="en-IN" smtClean="0"/>
-              <a:t>24-06-2019</a:t>
+              <a:t>27-06-2019</a:t>
             </a:fld>
             <a:endParaRPr lang="en-IN"/>
           </a:p>
@@ -2232,7 +2332,7 @@
           <a:p>
             <a:fld id="{D88684BC-97E8-4EB7-B548-A80FF2565271}" type="datetimeFigureOut">
               <a:rPr lang="en-IN" smtClean="0"/>
-              <a:t>24-06-2019</a:t>
+              <a:t>27-06-2019</a:t>
             </a:fld>
             <a:endParaRPr lang="en-IN"/>
           </a:p>
@@ -2350,7 +2450,7 @@
           <a:p>
             <a:fld id="{D88684BC-97E8-4EB7-B548-A80FF2565271}" type="datetimeFigureOut">
               <a:rPr lang="en-IN" smtClean="0"/>
-              <a:t>24-06-2019</a:t>
+              <a:t>27-06-2019</a:t>
             </a:fld>
             <a:endParaRPr lang="en-IN"/>
           </a:p>
@@ -2445,7 +2545,7 @@
           <a:p>
             <a:fld id="{D88684BC-97E8-4EB7-B548-A80FF2565271}" type="datetimeFigureOut">
               <a:rPr lang="en-IN" smtClean="0"/>
-              <a:t>24-06-2019</a:t>
+              <a:t>27-06-2019</a:t>
             </a:fld>
             <a:endParaRPr lang="en-IN"/>
           </a:p>
@@ -2722,7 +2822,7 @@
           <a:p>
             <a:fld id="{D88684BC-97E8-4EB7-B548-A80FF2565271}" type="datetimeFigureOut">
               <a:rPr lang="en-IN" smtClean="0"/>
-              <a:t>24-06-2019</a:t>
+              <a:t>27-06-2019</a:t>
             </a:fld>
             <a:endParaRPr lang="en-IN"/>
           </a:p>
@@ -2975,7 +3075,7 @@
           <a:p>
             <a:fld id="{D88684BC-97E8-4EB7-B548-A80FF2565271}" type="datetimeFigureOut">
               <a:rPr lang="en-IN" smtClean="0"/>
-              <a:t>24-06-2019</a:t>
+              <a:t>27-06-2019</a:t>
             </a:fld>
             <a:endParaRPr lang="en-IN"/>
           </a:p>
@@ -3188,7 +3288,7 @@
           <a:p>
             <a:fld id="{D88684BC-97E8-4EB7-B548-A80FF2565271}" type="datetimeFigureOut">
               <a:rPr lang="en-IN" smtClean="0"/>
-              <a:t>24-06-2019</a:t>
+              <a:t>27-06-2019</a:t>
             </a:fld>
             <a:endParaRPr lang="en-IN"/>
           </a:p>
@@ -10385,7 +10485,7 @@
             <p:cNvPr id="46" name="Picture 45">
               <a:extLst>
                 <a:ext uri="{FF2B5EF4-FFF2-40B4-BE49-F238E27FC236}">
-                  <a16:creationId xmlns="" xmlns:a16="http://schemas.microsoft.com/office/drawing/2014/main" id="{13C97FC4-4358-46A7-89E4-BB08F494C22B}"/>
+                  <a16:creationId xmlns:a16="http://schemas.microsoft.com/office/drawing/2014/main" xmlns="" id="{13C97FC4-4358-46A7-89E4-BB08F494C22B}"/>
                 </a:ext>
               </a:extLst>
             </p:cNvPr>
@@ -16864,6 +16964,24 @@
 <file path=ppt/slides/slide16.xml><?xml version="1.0" encoding="utf-8"?>
 <p:sld xmlns:a="http://schemas.openxmlformats.org/drawingml/2006/main" xmlns:r="http://schemas.openxmlformats.org/officeDocument/2006/relationships" xmlns:p="http://schemas.openxmlformats.org/presentationml/2006/main">
   <p:cSld>
+    <p:bg>
+      <p:bgPr>
+        <a:gradFill>
+          <a:gsLst>
+            <a:gs pos="88000">
+              <a:schemeClr val="accent5"/>
+            </a:gs>
+            <a:gs pos="100000">
+              <a:schemeClr val="accent1">
+                <a:lumMod val="75000"/>
+              </a:schemeClr>
+            </a:gs>
+          </a:gsLst>
+          <a:lin ang="2700000" scaled="0"/>
+        </a:gradFill>
+        <a:effectLst/>
+      </p:bgPr>
+    </p:bg>
     <p:spTree>
       <p:nvGrpSpPr>
         <p:cNvPr id="1" name=""/>
@@ -16880,14 +16998,2929 @@
       </p:grpSpPr>
       <p:sp>
         <p:nvSpPr>
-          <p:cNvPr id="2" name="TextBox 1"/>
+          <p:cNvPr id="1046" name="Rounded Rectangle 1045"/>
+          <p:cNvSpPr/>
+          <p:nvPr/>
+        </p:nvSpPr>
+        <p:spPr>
+          <a:xfrm>
+            <a:off x="0" y="5284549"/>
+            <a:ext cx="9144000" cy="1554131"/>
+          </a:xfrm>
+          <a:prstGeom prst="roundRect">
+            <a:avLst>
+              <a:gd name="adj" fmla="val 0"/>
+            </a:avLst>
+          </a:prstGeom>
+          <a:solidFill>
+            <a:schemeClr val="bg1"/>
+          </a:solidFill>
+          <a:ln>
+            <a:solidFill>
+              <a:schemeClr val="bg1"/>
+            </a:solidFill>
+          </a:ln>
+        </p:spPr>
+        <p:style>
+          <a:lnRef idx="2">
+            <a:schemeClr val="accent1">
+              <a:shade val="50000"/>
+            </a:schemeClr>
+          </a:lnRef>
+          <a:fillRef idx="1">
+            <a:schemeClr val="accent1"/>
+          </a:fillRef>
+          <a:effectRef idx="0">
+            <a:schemeClr val="accent1"/>
+          </a:effectRef>
+          <a:fontRef idx="minor">
+            <a:schemeClr val="lt1"/>
+          </a:fontRef>
+        </p:style>
+        <p:txBody>
+          <a:bodyPr rtlCol="0" anchor="ctr"/>
+          <a:lstStyle/>
+          <a:p>
+            <a:pPr algn="ctr"/>
+            <a:endParaRPr lang="en-IN"/>
+          </a:p>
+        </p:txBody>
+      </p:sp>
+      <p:sp>
+        <p:nvSpPr>
+          <p:cNvPr id="151" name="Parallelogram 150"/>
+          <p:cNvSpPr/>
+          <p:nvPr/>
+        </p:nvSpPr>
+        <p:spPr>
+          <a:xfrm flipH="1">
+            <a:off x="53284" y="33384"/>
+            <a:ext cx="2592288" cy="6805297"/>
+          </a:xfrm>
+          <a:prstGeom prst="parallelogram">
+            <a:avLst>
+              <a:gd name="adj" fmla="val 43114"/>
+            </a:avLst>
+          </a:prstGeom>
+          <a:solidFill>
+            <a:schemeClr val="bg1"/>
+          </a:solidFill>
+          <a:ln>
+            <a:solidFill>
+              <a:schemeClr val="bg1"/>
+            </a:solidFill>
+          </a:ln>
+        </p:spPr>
+        <p:style>
+          <a:lnRef idx="2">
+            <a:schemeClr val="accent1">
+              <a:shade val="50000"/>
+            </a:schemeClr>
+          </a:lnRef>
+          <a:fillRef idx="1">
+            <a:schemeClr val="accent1"/>
+          </a:fillRef>
+          <a:effectRef idx="0">
+            <a:schemeClr val="accent1"/>
+          </a:effectRef>
+          <a:fontRef idx="minor">
+            <a:schemeClr val="lt1"/>
+          </a:fontRef>
+        </p:style>
+        <p:txBody>
+          <a:bodyPr rtlCol="0" anchor="ctr"/>
+          <a:lstStyle/>
+          <a:p>
+            <a:pPr algn="ctr"/>
+            <a:endParaRPr lang="en-IN"/>
+          </a:p>
+        </p:txBody>
+      </p:sp>
+      <p:grpSp>
+        <p:nvGrpSpPr>
+          <p:cNvPr id="68" name="Group 67"/>
+          <p:cNvGrpSpPr/>
+          <p:nvPr/>
+        </p:nvGrpSpPr>
+        <p:grpSpPr>
+          <a:xfrm>
+            <a:off x="664486" y="2941319"/>
+            <a:ext cx="2221429" cy="2439520"/>
+            <a:chOff x="-447013" y="679431"/>
+            <a:chExt cx="4434142" cy="4884174"/>
+          </a:xfrm>
+        </p:grpSpPr>
+        <p:grpSp>
+          <p:nvGrpSpPr>
+            <p:cNvPr id="52" name="Group 51"/>
+            <p:cNvGrpSpPr/>
+            <p:nvPr/>
+          </p:nvGrpSpPr>
+          <p:grpSpPr>
+            <a:xfrm>
+              <a:off x="1339026" y="679431"/>
+              <a:ext cx="1212438" cy="4884174"/>
+              <a:chOff x="1525059" y="184456"/>
+              <a:chExt cx="1212438" cy="4884174"/>
+            </a:xfrm>
+          </p:grpSpPr>
+          <p:grpSp>
+            <p:nvGrpSpPr>
+              <p:cNvPr id="33" name="Group 32"/>
+              <p:cNvGrpSpPr/>
+              <p:nvPr/>
+            </p:nvGrpSpPr>
+            <p:grpSpPr>
+              <a:xfrm>
+                <a:off x="1547664" y="184456"/>
+                <a:ext cx="1189833" cy="3725229"/>
+                <a:chOff x="4158043" y="940000"/>
+                <a:chExt cx="1189833" cy="3725229"/>
+              </a:xfrm>
+            </p:grpSpPr>
+            <p:grpSp>
+              <p:nvGrpSpPr>
+                <p:cNvPr id="29" name="Group 28"/>
+                <p:cNvGrpSpPr/>
+                <p:nvPr/>
+              </p:nvGrpSpPr>
+              <p:grpSpPr>
+                <a:xfrm>
+                  <a:off x="4158043" y="940000"/>
+                  <a:ext cx="1189833" cy="3725229"/>
+                  <a:chOff x="3443473" y="2996278"/>
+                  <a:chExt cx="1189833" cy="3725229"/>
+                </a:xfrm>
+              </p:grpSpPr>
+              <p:sp>
+                <p:nvSpPr>
+                  <p:cNvPr id="28" name="Rounded Rectangle 27"/>
+                  <p:cNvSpPr/>
+                  <p:nvPr/>
+                </p:nvSpPr>
+                <p:spPr>
+                  <a:xfrm>
+                    <a:off x="3590041" y="5065323"/>
+                    <a:ext cx="864096" cy="1656184"/>
+                  </a:xfrm>
+                  <a:prstGeom prst="roundRect">
+                    <a:avLst>
+                      <a:gd name="adj" fmla="val 50000"/>
+                    </a:avLst>
+                  </a:prstGeom>
+                  <a:solidFill>
+                    <a:schemeClr val="accent2"/>
+                  </a:solidFill>
+                  <a:ln>
+                    <a:noFill/>
+                  </a:ln>
+                </p:spPr>
+                <p:style>
+                  <a:lnRef idx="2">
+                    <a:schemeClr val="accent1">
+                      <a:shade val="50000"/>
+                    </a:schemeClr>
+                  </a:lnRef>
+                  <a:fillRef idx="1">
+                    <a:schemeClr val="accent1"/>
+                  </a:fillRef>
+                  <a:effectRef idx="0">
+                    <a:schemeClr val="accent1"/>
+                  </a:effectRef>
+                  <a:fontRef idx="minor">
+                    <a:schemeClr val="lt1"/>
+                  </a:fontRef>
+                </p:style>
+                <p:txBody>
+                  <a:bodyPr rtlCol="0" anchor="ctr"/>
+                  <a:lstStyle/>
+                  <a:p>
+                    <a:pPr algn="ctr"/>
+                    <a:endParaRPr lang="en-IN"/>
+                  </a:p>
+                </p:txBody>
+              </p:sp>
+              <p:sp>
+                <p:nvSpPr>
+                  <p:cNvPr id="27" name="Rounded Rectangle 26"/>
+                  <p:cNvSpPr/>
+                  <p:nvPr/>
+                </p:nvSpPr>
+                <p:spPr>
+                  <a:xfrm>
+                    <a:off x="3913791" y="4822874"/>
+                    <a:ext cx="216024" cy="484899"/>
+                  </a:xfrm>
+                  <a:prstGeom prst="roundRect">
+                    <a:avLst>
+                      <a:gd name="adj" fmla="val 50000"/>
+                    </a:avLst>
+                  </a:prstGeom>
+                  <a:solidFill>
+                    <a:schemeClr val="accent6">
+                      <a:lumMod val="40000"/>
+                      <a:lumOff val="60000"/>
+                    </a:schemeClr>
+                  </a:solidFill>
+                  <a:ln>
+                    <a:noFill/>
+                  </a:ln>
+                </p:spPr>
+                <p:style>
+                  <a:lnRef idx="2">
+                    <a:schemeClr val="accent1">
+                      <a:shade val="50000"/>
+                    </a:schemeClr>
+                  </a:lnRef>
+                  <a:fillRef idx="1">
+                    <a:schemeClr val="accent1"/>
+                  </a:fillRef>
+                  <a:effectRef idx="0">
+                    <a:schemeClr val="accent1"/>
+                  </a:effectRef>
+                  <a:fontRef idx="minor">
+                    <a:schemeClr val="lt1"/>
+                  </a:fontRef>
+                </p:style>
+                <p:txBody>
+                  <a:bodyPr rtlCol="0" anchor="ctr"/>
+                  <a:lstStyle/>
+                  <a:p>
+                    <a:pPr algn="ctr"/>
+                    <a:endParaRPr lang="en-IN"/>
+                  </a:p>
+                </p:txBody>
+              </p:sp>
+              <p:grpSp>
+                <p:nvGrpSpPr>
+                  <p:cNvPr id="24" name="Group 23"/>
+                  <p:cNvGrpSpPr/>
+                  <p:nvPr/>
+                </p:nvGrpSpPr>
+                <p:grpSpPr>
+                  <a:xfrm>
+                    <a:off x="3443473" y="3741213"/>
+                    <a:ext cx="216024" cy="220216"/>
+                    <a:chOff x="5364088" y="3717032"/>
+                    <a:chExt cx="216024" cy="220216"/>
+                  </a:xfrm>
+                </p:grpSpPr>
+                <p:sp>
+                  <p:nvSpPr>
+                    <p:cNvPr id="25" name="Oval 24"/>
+                    <p:cNvSpPr/>
+                    <p:nvPr/>
+                  </p:nvSpPr>
+                  <p:spPr>
+                    <a:xfrm>
+                      <a:off x="5364088" y="3717032"/>
+                      <a:ext cx="216024" cy="220216"/>
+                    </a:xfrm>
+                    <a:prstGeom prst="ellipse">
+                      <a:avLst/>
+                    </a:prstGeom>
+                    <a:solidFill>
+                      <a:schemeClr val="accent6"/>
+                    </a:solidFill>
+                    <a:ln>
+                      <a:noFill/>
+                    </a:ln>
+                  </p:spPr>
+                  <p:style>
+                    <a:lnRef idx="2">
+                      <a:schemeClr val="accent1">
+                        <a:shade val="50000"/>
+                      </a:schemeClr>
+                    </a:lnRef>
+                    <a:fillRef idx="1">
+                      <a:schemeClr val="accent1"/>
+                    </a:fillRef>
+                    <a:effectRef idx="0">
+                      <a:schemeClr val="accent1"/>
+                    </a:effectRef>
+                    <a:fontRef idx="minor">
+                      <a:schemeClr val="lt1"/>
+                    </a:fontRef>
+                  </p:style>
+                  <p:txBody>
+                    <a:bodyPr rtlCol="0" anchor="ctr"/>
+                    <a:lstStyle/>
+                    <a:p>
+                      <a:pPr algn="ctr"/>
+                      <a:endParaRPr lang="en-IN"/>
+                    </a:p>
+                  </p:txBody>
+                </p:sp>
+                <p:sp>
+                  <p:nvSpPr>
+                    <p:cNvPr id="26" name="Oval 25"/>
+                    <p:cNvSpPr/>
+                    <p:nvPr/>
+                  </p:nvSpPr>
+                  <p:spPr>
+                    <a:xfrm>
+                      <a:off x="5407086" y="3765058"/>
+                      <a:ext cx="130027" cy="131072"/>
+                    </a:xfrm>
+                    <a:prstGeom prst="ellipse">
+                      <a:avLst/>
+                    </a:prstGeom>
+                    <a:solidFill>
+                      <a:schemeClr val="accent6">
+                        <a:lumMod val="40000"/>
+                        <a:lumOff val="60000"/>
+                      </a:schemeClr>
+                    </a:solidFill>
+                    <a:ln>
+                      <a:noFill/>
+                    </a:ln>
+                  </p:spPr>
+                  <p:style>
+                    <a:lnRef idx="2">
+                      <a:schemeClr val="accent1">
+                        <a:shade val="50000"/>
+                      </a:schemeClr>
+                    </a:lnRef>
+                    <a:fillRef idx="1">
+                      <a:schemeClr val="accent1"/>
+                    </a:fillRef>
+                    <a:effectRef idx="0">
+                      <a:schemeClr val="accent1"/>
+                    </a:effectRef>
+                    <a:fontRef idx="minor">
+                      <a:schemeClr val="lt1"/>
+                    </a:fontRef>
+                  </p:style>
+                  <p:txBody>
+                    <a:bodyPr rtlCol="0" anchor="ctr"/>
+                    <a:lstStyle/>
+                    <a:p>
+                      <a:pPr algn="ctr"/>
+                      <a:endParaRPr lang="en-IN"/>
+                    </a:p>
+                  </p:txBody>
+                </p:sp>
+              </p:grpSp>
+              <p:grpSp>
+                <p:nvGrpSpPr>
+                  <p:cNvPr id="23" name="Group 22"/>
+                  <p:cNvGrpSpPr/>
+                  <p:nvPr/>
+                </p:nvGrpSpPr>
+                <p:grpSpPr>
+                  <a:xfrm>
+                    <a:off x="4353559" y="3707615"/>
+                    <a:ext cx="216024" cy="220216"/>
+                    <a:chOff x="5364088" y="3717032"/>
+                    <a:chExt cx="216024" cy="220216"/>
+                  </a:xfrm>
+                </p:grpSpPr>
+                <p:sp>
+                  <p:nvSpPr>
+                    <p:cNvPr id="21" name="Oval 20"/>
+                    <p:cNvSpPr/>
+                    <p:nvPr/>
+                  </p:nvSpPr>
+                  <p:spPr>
+                    <a:xfrm>
+                      <a:off x="5364088" y="3717032"/>
+                      <a:ext cx="216024" cy="220216"/>
+                    </a:xfrm>
+                    <a:prstGeom prst="ellipse">
+                      <a:avLst/>
+                    </a:prstGeom>
+                    <a:solidFill>
+                      <a:schemeClr val="accent6"/>
+                    </a:solidFill>
+                    <a:ln>
+                      <a:noFill/>
+                    </a:ln>
+                  </p:spPr>
+                  <p:style>
+                    <a:lnRef idx="2">
+                      <a:schemeClr val="accent1">
+                        <a:shade val="50000"/>
+                      </a:schemeClr>
+                    </a:lnRef>
+                    <a:fillRef idx="1">
+                      <a:schemeClr val="accent1"/>
+                    </a:fillRef>
+                    <a:effectRef idx="0">
+                      <a:schemeClr val="accent1"/>
+                    </a:effectRef>
+                    <a:fontRef idx="minor">
+                      <a:schemeClr val="lt1"/>
+                    </a:fontRef>
+                  </p:style>
+                  <p:txBody>
+                    <a:bodyPr rtlCol="0" anchor="ctr"/>
+                    <a:lstStyle/>
+                    <a:p>
+                      <a:pPr algn="ctr"/>
+                      <a:endParaRPr lang="en-IN"/>
+                    </a:p>
+                  </p:txBody>
+                </p:sp>
+                <p:sp>
+                  <p:nvSpPr>
+                    <p:cNvPr id="22" name="Oval 21"/>
+                    <p:cNvSpPr/>
+                    <p:nvPr/>
+                  </p:nvSpPr>
+                  <p:spPr>
+                    <a:xfrm>
+                      <a:off x="5407086" y="3765058"/>
+                      <a:ext cx="130027" cy="131072"/>
+                    </a:xfrm>
+                    <a:prstGeom prst="ellipse">
+                      <a:avLst/>
+                    </a:prstGeom>
+                    <a:solidFill>
+                      <a:schemeClr val="accent6">
+                        <a:lumMod val="40000"/>
+                        <a:lumOff val="60000"/>
+                      </a:schemeClr>
+                    </a:solidFill>
+                    <a:ln>
+                      <a:noFill/>
+                    </a:ln>
+                  </p:spPr>
+                  <p:style>
+                    <a:lnRef idx="2">
+                      <a:schemeClr val="accent1">
+                        <a:shade val="50000"/>
+                      </a:schemeClr>
+                    </a:lnRef>
+                    <a:fillRef idx="1">
+                      <a:schemeClr val="accent1"/>
+                    </a:fillRef>
+                    <a:effectRef idx="0">
+                      <a:schemeClr val="accent1"/>
+                    </a:effectRef>
+                    <a:fontRef idx="minor">
+                      <a:schemeClr val="lt1"/>
+                    </a:fontRef>
+                  </p:style>
+                  <p:txBody>
+                    <a:bodyPr rtlCol="0" anchor="ctr"/>
+                    <a:lstStyle/>
+                    <a:p>
+                      <a:pPr algn="ctr"/>
+                      <a:endParaRPr lang="en-IN"/>
+                    </a:p>
+                  </p:txBody>
+                </p:sp>
+              </p:grpSp>
+              <p:sp>
+                <p:nvSpPr>
+                  <p:cNvPr id="3" name="Oval 2"/>
+                  <p:cNvSpPr/>
+                  <p:nvPr/>
+                </p:nvSpPr>
+                <p:spPr>
+                  <a:xfrm>
+                    <a:off x="3470286" y="3200618"/>
+                    <a:ext cx="1056298" cy="936104"/>
+                  </a:xfrm>
+                  <a:prstGeom prst="ellipse">
+                    <a:avLst/>
+                  </a:prstGeom>
+                  <a:solidFill>
+                    <a:schemeClr val="tx1"/>
+                  </a:solidFill>
+                  <a:ln>
+                    <a:noFill/>
+                  </a:ln>
+                </p:spPr>
+                <p:style>
+                  <a:lnRef idx="2">
+                    <a:schemeClr val="accent1">
+                      <a:shade val="50000"/>
+                    </a:schemeClr>
+                  </a:lnRef>
+                  <a:fillRef idx="1">
+                    <a:schemeClr val="accent1"/>
+                  </a:fillRef>
+                  <a:effectRef idx="0">
+                    <a:schemeClr val="accent1"/>
+                  </a:effectRef>
+                  <a:fontRef idx="minor">
+                    <a:schemeClr val="lt1"/>
+                  </a:fontRef>
+                </p:style>
+                <p:txBody>
+                  <a:bodyPr rtlCol="0" anchor="ctr"/>
+                  <a:lstStyle/>
+                  <a:p>
+                    <a:pPr algn="ctr"/>
+                    <a:endParaRPr lang="en-IN"/>
+                  </a:p>
+                </p:txBody>
+              </p:sp>
+              <p:sp>
+                <p:nvSpPr>
+                  <p:cNvPr id="2" name="Rounded Rectangle 1"/>
+                  <p:cNvSpPr/>
+                  <p:nvPr/>
+                </p:nvSpPr>
+                <p:spPr>
+                  <a:xfrm>
+                    <a:off x="3580656" y="3356992"/>
+                    <a:ext cx="864096" cy="1656184"/>
+                  </a:xfrm>
+                  <a:prstGeom prst="roundRect">
+                    <a:avLst>
+                      <a:gd name="adj" fmla="val 50000"/>
+                    </a:avLst>
+                  </a:prstGeom>
+                  <a:solidFill>
+                    <a:schemeClr val="accent6">
+                      <a:lumMod val="60000"/>
+                      <a:lumOff val="40000"/>
+                    </a:schemeClr>
+                  </a:solidFill>
+                  <a:ln>
+                    <a:noFill/>
+                  </a:ln>
+                </p:spPr>
+                <p:style>
+                  <a:lnRef idx="2">
+                    <a:schemeClr val="accent1">
+                      <a:shade val="50000"/>
+                    </a:schemeClr>
+                  </a:lnRef>
+                  <a:fillRef idx="1">
+                    <a:schemeClr val="accent1"/>
+                  </a:fillRef>
+                  <a:effectRef idx="0">
+                    <a:schemeClr val="accent1"/>
+                  </a:effectRef>
+                  <a:fontRef idx="minor">
+                    <a:schemeClr val="lt1"/>
+                  </a:fontRef>
+                </p:style>
+                <p:txBody>
+                  <a:bodyPr rtlCol="0" anchor="ctr"/>
+                  <a:lstStyle/>
+                  <a:p>
+                    <a:pPr algn="ctr"/>
+                    <a:endParaRPr lang="en-IN"/>
+                  </a:p>
+                </p:txBody>
+              </p:sp>
+              <p:sp>
+                <p:nvSpPr>
+                  <p:cNvPr id="4" name="Oval 3"/>
+                  <p:cNvSpPr/>
+                  <p:nvPr/>
+                </p:nvSpPr>
+                <p:spPr>
+                  <a:xfrm>
+                    <a:off x="4022089" y="2996278"/>
+                    <a:ext cx="597305" cy="588422"/>
+                  </a:xfrm>
+                  <a:prstGeom prst="ellipse">
+                    <a:avLst/>
+                  </a:prstGeom>
+                  <a:solidFill>
+                    <a:schemeClr val="tx1"/>
+                  </a:solidFill>
+                  <a:ln>
+                    <a:noFill/>
+                  </a:ln>
+                </p:spPr>
+                <p:style>
+                  <a:lnRef idx="2">
+                    <a:schemeClr val="accent1">
+                      <a:shade val="50000"/>
+                    </a:schemeClr>
+                  </a:lnRef>
+                  <a:fillRef idx="1">
+                    <a:schemeClr val="accent1"/>
+                  </a:fillRef>
+                  <a:effectRef idx="0">
+                    <a:schemeClr val="accent1"/>
+                  </a:effectRef>
+                  <a:fontRef idx="minor">
+                    <a:schemeClr val="lt1"/>
+                  </a:fontRef>
+                </p:style>
+                <p:txBody>
+                  <a:bodyPr rtlCol="0" anchor="ctr"/>
+                  <a:lstStyle/>
+                  <a:p>
+                    <a:pPr algn="ctr"/>
+                    <a:endParaRPr lang="en-IN"/>
+                  </a:p>
+                </p:txBody>
+              </p:sp>
+              <p:sp>
+                <p:nvSpPr>
+                  <p:cNvPr id="5" name="Oval 4"/>
+                  <p:cNvSpPr/>
+                  <p:nvPr/>
+                </p:nvSpPr>
+                <p:spPr>
+                  <a:xfrm>
+                    <a:off x="3761965" y="3116648"/>
+                    <a:ext cx="497909" cy="468052"/>
+                  </a:xfrm>
+                  <a:prstGeom prst="ellipse">
+                    <a:avLst/>
+                  </a:prstGeom>
+                  <a:solidFill>
+                    <a:schemeClr val="tx1"/>
+                  </a:solidFill>
+                  <a:ln>
+                    <a:noFill/>
+                  </a:ln>
+                </p:spPr>
+                <p:style>
+                  <a:lnRef idx="2">
+                    <a:schemeClr val="accent1">
+                      <a:shade val="50000"/>
+                    </a:schemeClr>
+                  </a:lnRef>
+                  <a:fillRef idx="1">
+                    <a:schemeClr val="accent1"/>
+                  </a:fillRef>
+                  <a:effectRef idx="0">
+                    <a:schemeClr val="accent1"/>
+                  </a:effectRef>
+                  <a:fontRef idx="minor">
+                    <a:schemeClr val="lt1"/>
+                  </a:fontRef>
+                </p:style>
+                <p:txBody>
+                  <a:bodyPr rtlCol="0" anchor="ctr"/>
+                  <a:lstStyle/>
+                  <a:p>
+                    <a:pPr algn="ctr"/>
+                    <a:endParaRPr lang="en-IN"/>
+                  </a:p>
+                </p:txBody>
+              </p:sp>
+              <p:sp>
+                <p:nvSpPr>
+                  <p:cNvPr id="6" name="Oval 5"/>
+                  <p:cNvSpPr/>
+                  <p:nvPr/>
+                </p:nvSpPr>
+                <p:spPr>
+                  <a:xfrm>
+                    <a:off x="3470286" y="3290488"/>
+                    <a:ext cx="353893" cy="348495"/>
+                  </a:xfrm>
+                  <a:prstGeom prst="ellipse">
+                    <a:avLst/>
+                  </a:prstGeom>
+                  <a:solidFill>
+                    <a:schemeClr val="tx1"/>
+                  </a:solidFill>
+                  <a:ln>
+                    <a:noFill/>
+                  </a:ln>
+                </p:spPr>
+                <p:style>
+                  <a:lnRef idx="2">
+                    <a:schemeClr val="accent1">
+                      <a:shade val="50000"/>
+                    </a:schemeClr>
+                  </a:lnRef>
+                  <a:fillRef idx="1">
+                    <a:schemeClr val="accent1"/>
+                  </a:fillRef>
+                  <a:effectRef idx="0">
+                    <a:schemeClr val="accent1"/>
+                  </a:effectRef>
+                  <a:fontRef idx="minor">
+                    <a:schemeClr val="lt1"/>
+                  </a:fontRef>
+                </p:style>
+                <p:txBody>
+                  <a:bodyPr rtlCol="0" anchor="ctr"/>
+                  <a:lstStyle/>
+                  <a:p>
+                    <a:pPr algn="ctr"/>
+                    <a:endParaRPr lang="en-IN"/>
+                  </a:p>
+                </p:txBody>
+              </p:sp>
+              <p:sp>
+                <p:nvSpPr>
+                  <p:cNvPr id="7" name="Oval 6"/>
+                  <p:cNvSpPr/>
+                  <p:nvPr/>
+                </p:nvSpPr>
+                <p:spPr>
+                  <a:xfrm>
+                    <a:off x="4384352" y="3434644"/>
+                    <a:ext cx="248954" cy="234026"/>
+                  </a:xfrm>
+                  <a:prstGeom prst="ellipse">
+                    <a:avLst/>
+                  </a:prstGeom>
+                  <a:solidFill>
+                    <a:schemeClr val="tx1"/>
+                  </a:solidFill>
+                  <a:ln>
+                    <a:noFill/>
+                  </a:ln>
+                </p:spPr>
+                <p:style>
+                  <a:lnRef idx="2">
+                    <a:schemeClr val="accent1">
+                      <a:shade val="50000"/>
+                    </a:schemeClr>
+                  </a:lnRef>
+                  <a:fillRef idx="1">
+                    <a:schemeClr val="accent1"/>
+                  </a:fillRef>
+                  <a:effectRef idx="0">
+                    <a:schemeClr val="accent1"/>
+                  </a:effectRef>
+                  <a:fontRef idx="minor">
+                    <a:schemeClr val="lt1"/>
+                  </a:fontRef>
+                </p:style>
+                <p:txBody>
+                  <a:bodyPr rtlCol="0" anchor="ctr"/>
+                  <a:lstStyle/>
+                  <a:p>
+                    <a:pPr algn="ctr"/>
+                    <a:endParaRPr lang="en-IN"/>
+                  </a:p>
+                </p:txBody>
+              </p:sp>
+              <p:sp>
+                <p:nvSpPr>
+                  <p:cNvPr id="10" name="Oval 9"/>
+                  <p:cNvSpPr/>
+                  <p:nvPr/>
+                </p:nvSpPr>
+                <p:spPr>
+                  <a:xfrm>
+                    <a:off x="3697537" y="3861048"/>
+                    <a:ext cx="72008" cy="76200"/>
+                  </a:xfrm>
+                  <a:prstGeom prst="ellipse">
+                    <a:avLst/>
+                  </a:prstGeom>
+                  <a:solidFill>
+                    <a:schemeClr val="tx1"/>
+                  </a:solidFill>
+                  <a:ln>
+                    <a:solidFill>
+                      <a:schemeClr val="tx1"/>
+                    </a:solidFill>
+                  </a:ln>
+                </p:spPr>
+                <p:style>
+                  <a:lnRef idx="2">
+                    <a:schemeClr val="accent1">
+                      <a:shade val="50000"/>
+                    </a:schemeClr>
+                  </a:lnRef>
+                  <a:fillRef idx="1">
+                    <a:schemeClr val="accent1"/>
+                  </a:fillRef>
+                  <a:effectRef idx="0">
+                    <a:schemeClr val="accent1"/>
+                  </a:effectRef>
+                  <a:fontRef idx="minor">
+                    <a:schemeClr val="lt1"/>
+                  </a:fontRef>
+                </p:style>
+                <p:txBody>
+                  <a:bodyPr rtlCol="0" anchor="ctr"/>
+                  <a:lstStyle/>
+                  <a:p>
+                    <a:pPr algn="ctr"/>
+                    <a:endParaRPr lang="en-IN"/>
+                  </a:p>
+                </p:txBody>
+              </p:sp>
+              <p:sp>
+                <p:nvSpPr>
+                  <p:cNvPr id="11" name="Oval 10"/>
+                  <p:cNvSpPr/>
+                  <p:nvPr/>
+                </p:nvSpPr>
+                <p:spPr>
+                  <a:xfrm>
+                    <a:off x="4223870" y="3861048"/>
+                    <a:ext cx="72008" cy="76200"/>
+                  </a:xfrm>
+                  <a:prstGeom prst="ellipse">
+                    <a:avLst/>
+                  </a:prstGeom>
+                  <a:solidFill>
+                    <a:schemeClr val="tx1"/>
+                  </a:solidFill>
+                  <a:ln>
+                    <a:solidFill>
+                      <a:schemeClr val="tx1"/>
+                    </a:solidFill>
+                  </a:ln>
+                </p:spPr>
+                <p:style>
+                  <a:lnRef idx="2">
+                    <a:schemeClr val="accent1">
+                      <a:shade val="50000"/>
+                    </a:schemeClr>
+                  </a:lnRef>
+                  <a:fillRef idx="1">
+                    <a:schemeClr val="accent1"/>
+                  </a:fillRef>
+                  <a:effectRef idx="0">
+                    <a:schemeClr val="accent1"/>
+                  </a:effectRef>
+                  <a:fontRef idx="minor">
+                    <a:schemeClr val="lt1"/>
+                  </a:fontRef>
+                </p:style>
+                <p:txBody>
+                  <a:bodyPr rtlCol="0" anchor="ctr"/>
+                  <a:lstStyle/>
+                  <a:p>
+                    <a:pPr algn="ctr"/>
+                    <a:endParaRPr lang="en-IN"/>
+                  </a:p>
+                </p:txBody>
+              </p:sp>
+              <p:sp>
+                <p:nvSpPr>
+                  <p:cNvPr id="12" name="Rounded Rectangle 11"/>
+                  <p:cNvSpPr/>
+                  <p:nvPr/>
+                </p:nvSpPr>
+                <p:spPr>
+                  <a:xfrm>
+                    <a:off x="3938911" y="3899148"/>
+                    <a:ext cx="144016" cy="408402"/>
+                  </a:xfrm>
+                  <a:prstGeom prst="roundRect">
+                    <a:avLst>
+                      <a:gd name="adj" fmla="val 50000"/>
+                    </a:avLst>
+                  </a:prstGeom>
+                  <a:solidFill>
+                    <a:schemeClr val="accent6"/>
+                  </a:solidFill>
+                  <a:ln>
+                    <a:noFill/>
+                  </a:ln>
+                </p:spPr>
+                <p:style>
+                  <a:lnRef idx="2">
+                    <a:schemeClr val="accent1">
+                      <a:shade val="50000"/>
+                    </a:schemeClr>
+                  </a:lnRef>
+                  <a:fillRef idx="1">
+                    <a:schemeClr val="accent1"/>
+                  </a:fillRef>
+                  <a:effectRef idx="0">
+                    <a:schemeClr val="accent1"/>
+                  </a:effectRef>
+                  <a:fontRef idx="minor">
+                    <a:schemeClr val="lt1"/>
+                  </a:fontRef>
+                </p:style>
+                <p:txBody>
+                  <a:bodyPr rtlCol="0" anchor="ctr"/>
+                  <a:lstStyle/>
+                  <a:p>
+                    <a:pPr algn="ctr"/>
+                    <a:endParaRPr lang="en-IN"/>
+                  </a:p>
+                </p:txBody>
+              </p:sp>
+              <p:grpSp>
+                <p:nvGrpSpPr>
+                  <p:cNvPr id="20" name="Group 19"/>
+                  <p:cNvGrpSpPr/>
+                  <p:nvPr/>
+                </p:nvGrpSpPr>
+                <p:grpSpPr>
+                  <a:xfrm rot="20278154">
+                    <a:off x="3803873" y="4373282"/>
+                    <a:ext cx="484514" cy="394036"/>
+                    <a:chOff x="5568839" y="3906331"/>
+                    <a:chExt cx="484514" cy="394036"/>
+                  </a:xfrm>
+                </p:grpSpPr>
+                <p:sp>
+                  <p:nvSpPr>
+                    <p:cNvPr id="14" name="Oval 13"/>
+                    <p:cNvSpPr/>
+                    <p:nvPr/>
+                  </p:nvSpPr>
+                  <p:spPr>
+                    <a:xfrm rot="21180000">
+                      <a:off x="5568839" y="3906331"/>
+                      <a:ext cx="484514" cy="394036"/>
+                    </a:xfrm>
+                    <a:custGeom>
+                      <a:avLst/>
+                      <a:gdLst/>
+                      <a:ahLst/>
+                      <a:cxnLst/>
+                      <a:rect l="l" t="t" r="r" b="b"/>
+                      <a:pathLst>
+                        <a:path w="484514" h="394036">
+                          <a:moveTo>
+                            <a:pt x="29380" y="0"/>
+                          </a:moveTo>
+                          <a:lnTo>
+                            <a:pt x="484514" y="228204"/>
+                          </a:lnTo>
+                          <a:cubicBezTo>
+                            <a:pt x="446531" y="325621"/>
+                            <a:pt x="356736" y="394036"/>
+                            <a:pt x="252028" y="394036"/>
+                          </a:cubicBezTo>
+                          <a:cubicBezTo>
+                            <a:pt x="112837" y="394036"/>
+                            <a:pt x="0" y="273139"/>
+                            <a:pt x="0" y="124006"/>
+                          </a:cubicBezTo>
+                          <a:cubicBezTo>
+                            <a:pt x="0" y="79098"/>
+                            <a:pt x="10232" y="36750"/>
+                            <a:pt x="29380" y="0"/>
+                          </a:cubicBezTo>
+                          <a:close/>
+                        </a:path>
+                      </a:pathLst>
+                    </a:custGeom>
+                    <a:solidFill>
+                      <a:schemeClr val="tx1"/>
+                    </a:solidFill>
+                    <a:ln>
+                      <a:noFill/>
+                    </a:ln>
+                  </p:spPr>
+                  <p:style>
+                    <a:lnRef idx="2">
+                      <a:schemeClr val="accent1">
+                        <a:shade val="50000"/>
+                      </a:schemeClr>
+                    </a:lnRef>
+                    <a:fillRef idx="1">
+                      <a:schemeClr val="accent1"/>
+                    </a:fillRef>
+                    <a:effectRef idx="0">
+                      <a:schemeClr val="accent1"/>
+                    </a:effectRef>
+                    <a:fontRef idx="minor">
+                      <a:schemeClr val="lt1"/>
+                    </a:fontRef>
+                  </p:style>
+                  <p:txBody>
+                    <a:bodyPr rtlCol="0" anchor="ctr"/>
+                    <a:lstStyle/>
+                    <a:p>
+                      <a:pPr algn="ctr"/>
+                      <a:endParaRPr lang="en-IN"/>
+                    </a:p>
+                  </p:txBody>
+                </p:sp>
+                <p:sp>
+                  <p:nvSpPr>
+                    <p:cNvPr id="19" name="Oval 18"/>
+                    <p:cNvSpPr/>
+                    <p:nvPr/>
+                  </p:nvSpPr>
+                  <p:spPr>
+                    <a:xfrm>
+                      <a:off x="5593828" y="4115344"/>
+                      <a:ext cx="299097" cy="180820"/>
+                    </a:xfrm>
+                    <a:custGeom>
+                      <a:avLst/>
+                      <a:gdLst/>
+                      <a:ahLst/>
+                      <a:cxnLst/>
+                      <a:rect l="l" t="t" r="r" b="b"/>
+                      <a:pathLst>
+                        <a:path w="299097" h="180820">
+                          <a:moveTo>
+                            <a:pt x="119131" y="0"/>
+                          </a:moveTo>
+                          <a:cubicBezTo>
+                            <a:pt x="218375" y="0"/>
+                            <a:pt x="298861" y="73806"/>
+                            <a:pt x="299097" y="164953"/>
+                          </a:cubicBezTo>
+                          <a:cubicBezTo>
+                            <a:pt x="284293" y="173047"/>
+                            <a:pt x="267809" y="176940"/>
+                            <a:pt x="250697" y="179041"/>
+                          </a:cubicBezTo>
+                          <a:cubicBezTo>
+                            <a:pt x="146993" y="191774"/>
+                            <a:pt x="49726" y="135084"/>
+                            <a:pt x="0" y="43400"/>
+                          </a:cubicBezTo>
+                          <a:cubicBezTo>
+                            <a:pt x="30880" y="15963"/>
+                            <a:pt x="72977" y="0"/>
+                            <a:pt x="119131" y="0"/>
+                          </a:cubicBezTo>
+                          <a:close/>
+                        </a:path>
+                      </a:pathLst>
+                    </a:custGeom>
+                    <a:solidFill>
+                      <a:srgbClr val="FF69A6"/>
+                    </a:solidFill>
+                    <a:ln>
+                      <a:noFill/>
+                    </a:ln>
+                  </p:spPr>
+                  <p:style>
+                    <a:lnRef idx="2">
+                      <a:schemeClr val="accent1">
+                        <a:shade val="50000"/>
+                      </a:schemeClr>
+                    </a:lnRef>
+                    <a:fillRef idx="1">
+                      <a:schemeClr val="accent1"/>
+                    </a:fillRef>
+                    <a:effectRef idx="0">
+                      <a:schemeClr val="accent1"/>
+                    </a:effectRef>
+                    <a:fontRef idx="minor">
+                      <a:schemeClr val="lt1"/>
+                    </a:fontRef>
+                  </p:style>
+                  <p:txBody>
+                    <a:bodyPr rtlCol="0" anchor="ctr"/>
+                    <a:lstStyle/>
+                    <a:p>
+                      <a:pPr algn="ctr"/>
+                      <a:endParaRPr lang="en-IN"/>
+                    </a:p>
+                  </p:txBody>
+                </p:sp>
+              </p:grpSp>
+            </p:grpSp>
+            <p:sp>
+              <p:nvSpPr>
+                <p:cNvPr id="32" name="Rounded Rectangle 31"/>
+                <p:cNvSpPr/>
+                <p:nvPr/>
+              </p:nvSpPr>
+              <p:spPr>
+                <a:xfrm>
+                  <a:off x="4317876" y="3905963"/>
+                  <a:ext cx="854571" cy="759266"/>
+                </a:xfrm>
+                <a:custGeom>
+                  <a:avLst/>
+                  <a:gdLst/>
+                  <a:ahLst/>
+                  <a:cxnLst/>
+                  <a:rect l="l" t="t" r="r" b="b"/>
+                  <a:pathLst>
+                    <a:path w="841978" h="824628">
+                      <a:moveTo>
+                        <a:pt x="0" y="0"/>
+                      </a:moveTo>
+                      <a:lnTo>
+                        <a:pt x="841978" y="0"/>
+                      </a:lnTo>
+                      <a:lnTo>
+                        <a:pt x="841978" y="429723"/>
+                      </a:lnTo>
+                      <a:cubicBezTo>
+                        <a:pt x="841978" y="647823"/>
+                        <a:pt x="665173" y="824628"/>
+                        <a:pt x="447073" y="824628"/>
+                      </a:cubicBezTo>
+                      <a:lnTo>
+                        <a:pt x="394905" y="824628"/>
+                      </a:lnTo>
+                      <a:cubicBezTo>
+                        <a:pt x="176805" y="824628"/>
+                        <a:pt x="0" y="647823"/>
+                        <a:pt x="0" y="429723"/>
+                      </a:cubicBezTo>
+                      <a:close/>
+                    </a:path>
+                  </a:pathLst>
+                </a:custGeom>
+                <a:solidFill>
+                  <a:schemeClr val="tx1"/>
+                </a:solidFill>
+                <a:ln>
+                  <a:noFill/>
+                </a:ln>
+              </p:spPr>
+              <p:style>
+                <a:lnRef idx="2">
+                  <a:schemeClr val="accent1">
+                    <a:shade val="50000"/>
+                  </a:schemeClr>
+                </a:lnRef>
+                <a:fillRef idx="1">
+                  <a:schemeClr val="accent1"/>
+                </a:fillRef>
+                <a:effectRef idx="0">
+                  <a:schemeClr val="accent1"/>
+                </a:effectRef>
+                <a:fontRef idx="minor">
+                  <a:schemeClr val="lt1"/>
+                </a:fontRef>
+              </p:style>
+              <p:txBody>
+                <a:bodyPr rtlCol="0" anchor="ctr"/>
+                <a:lstStyle/>
+                <a:p>
+                  <a:pPr algn="ctr"/>
+                  <a:endParaRPr lang="en-IN"/>
+                </a:p>
+              </p:txBody>
+            </p:sp>
+          </p:grpSp>
+          <p:grpSp>
+            <p:nvGrpSpPr>
+              <p:cNvPr id="44" name="Group 43"/>
+              <p:cNvGrpSpPr/>
+              <p:nvPr/>
+            </p:nvGrpSpPr>
+            <p:grpSpPr>
+              <a:xfrm>
+                <a:off x="1525059" y="3736795"/>
+                <a:ext cx="506091" cy="1311272"/>
+                <a:chOff x="3849885" y="1468651"/>
+                <a:chExt cx="506091" cy="1311272"/>
+              </a:xfrm>
+            </p:grpSpPr>
+            <p:sp>
+              <p:nvSpPr>
+                <p:cNvPr id="34" name="Rectangle 33"/>
+                <p:cNvSpPr/>
+                <p:nvPr/>
+              </p:nvSpPr>
+              <p:spPr>
+                <a:xfrm>
+                  <a:off x="4211960" y="1468651"/>
+                  <a:ext cx="144016" cy="1311272"/>
+                </a:xfrm>
+                <a:prstGeom prst="rect">
+                  <a:avLst/>
+                </a:prstGeom>
+                <a:solidFill>
+                  <a:schemeClr val="tx1"/>
+                </a:solidFill>
+                <a:ln>
+                  <a:noFill/>
+                </a:ln>
+              </p:spPr>
+              <p:style>
+                <a:lnRef idx="2">
+                  <a:schemeClr val="accent1">
+                    <a:shade val="50000"/>
+                  </a:schemeClr>
+                </a:lnRef>
+                <a:fillRef idx="1">
+                  <a:schemeClr val="accent1"/>
+                </a:fillRef>
+                <a:effectRef idx="0">
+                  <a:schemeClr val="accent1"/>
+                </a:effectRef>
+                <a:fontRef idx="minor">
+                  <a:schemeClr val="lt1"/>
+                </a:fontRef>
+              </p:style>
+              <p:txBody>
+                <a:bodyPr rtlCol="0" anchor="ctr"/>
+                <a:lstStyle/>
+                <a:p>
+                  <a:pPr algn="ctr"/>
+                  <a:endParaRPr lang="en-IN"/>
+                </a:p>
+              </p:txBody>
+            </p:sp>
+            <p:grpSp>
+              <p:nvGrpSpPr>
+                <p:cNvPr id="42" name="Group 41"/>
+                <p:cNvGrpSpPr/>
+                <p:nvPr/>
+              </p:nvGrpSpPr>
+              <p:grpSpPr>
+                <a:xfrm>
+                  <a:off x="3849885" y="2537058"/>
+                  <a:ext cx="443364" cy="242865"/>
+                  <a:chOff x="4372737" y="2357423"/>
+                  <a:chExt cx="925522" cy="438029"/>
+                </a:xfrm>
+              </p:grpSpPr>
+              <p:grpSp>
+                <p:nvGrpSpPr>
+                  <p:cNvPr id="40" name="Group 39"/>
+                  <p:cNvGrpSpPr/>
+                  <p:nvPr/>
+                </p:nvGrpSpPr>
+                <p:grpSpPr>
+                  <a:xfrm>
+                    <a:off x="4372737" y="2357423"/>
+                    <a:ext cx="925522" cy="438029"/>
+                    <a:chOff x="5298259" y="1573023"/>
+                    <a:chExt cx="925522" cy="438029"/>
+                  </a:xfrm>
+                </p:grpSpPr>
+                <p:sp>
+                  <p:nvSpPr>
+                    <p:cNvPr id="35" name="Oval 34"/>
+                    <p:cNvSpPr/>
+                    <p:nvPr/>
+                  </p:nvSpPr>
+                  <p:spPr>
+                    <a:xfrm>
+                      <a:off x="5298259" y="1573023"/>
+                      <a:ext cx="925522" cy="438029"/>
+                    </a:xfrm>
+                    <a:custGeom>
+                      <a:avLst/>
+                      <a:gdLst/>
+                      <a:ahLst/>
+                      <a:cxnLst/>
+                      <a:rect l="l" t="t" r="r" b="b"/>
+                      <a:pathLst>
+                        <a:path w="925522" h="438029">
+                          <a:moveTo>
+                            <a:pt x="462761" y="0"/>
+                          </a:moveTo>
+                          <a:cubicBezTo>
+                            <a:pt x="703435" y="0"/>
+                            <a:pt x="901681" y="191470"/>
+                            <a:pt x="925522" y="438029"/>
+                          </a:cubicBezTo>
+                          <a:lnTo>
+                            <a:pt x="0" y="438029"/>
+                          </a:lnTo>
+                          <a:cubicBezTo>
+                            <a:pt x="23841" y="191470"/>
+                            <a:pt x="222088" y="0"/>
+                            <a:pt x="462761" y="0"/>
+                          </a:cubicBezTo>
+                          <a:close/>
+                        </a:path>
+                      </a:pathLst>
+                    </a:custGeom>
+                    <a:ln>
+                      <a:noFill/>
+                    </a:ln>
+                  </p:spPr>
+                  <p:style>
+                    <a:lnRef idx="2">
+                      <a:schemeClr val="accent1">
+                        <a:shade val="50000"/>
+                      </a:schemeClr>
+                    </a:lnRef>
+                    <a:fillRef idx="1">
+                      <a:schemeClr val="accent1"/>
+                    </a:fillRef>
+                    <a:effectRef idx="0">
+                      <a:schemeClr val="accent1"/>
+                    </a:effectRef>
+                    <a:fontRef idx="minor">
+                      <a:schemeClr val="lt1"/>
+                    </a:fontRef>
+                  </p:style>
+                  <p:txBody>
+                    <a:bodyPr rtlCol="0" anchor="ctr"/>
+                    <a:lstStyle/>
+                    <a:p>
+                      <a:pPr algn="ctr"/>
+                      <a:endParaRPr lang="en-IN"/>
+                    </a:p>
+                  </p:txBody>
+                </p:sp>
+                <p:sp>
+                  <p:nvSpPr>
+                    <p:cNvPr id="37" name="Rounded Rectangle 36"/>
+                    <p:cNvSpPr/>
+                    <p:nvPr/>
+                  </p:nvSpPr>
+                  <p:spPr>
+                    <a:xfrm>
+                      <a:off x="5583201" y="1663354"/>
+                      <a:ext cx="355637" cy="75549"/>
+                    </a:xfrm>
+                    <a:prstGeom prst="roundRect">
+                      <a:avLst>
+                        <a:gd name="adj" fmla="val 50000"/>
+                      </a:avLst>
+                    </a:prstGeom>
+                    <a:solidFill>
+                      <a:schemeClr val="bg1"/>
+                    </a:solidFill>
+                    <a:ln>
+                      <a:noFill/>
+                    </a:ln>
+                  </p:spPr>
+                  <p:style>
+                    <a:lnRef idx="2">
+                      <a:schemeClr val="accent1">
+                        <a:shade val="50000"/>
+                      </a:schemeClr>
+                    </a:lnRef>
+                    <a:fillRef idx="1">
+                      <a:schemeClr val="accent1"/>
+                    </a:fillRef>
+                    <a:effectRef idx="0">
+                      <a:schemeClr val="accent1"/>
+                    </a:effectRef>
+                    <a:fontRef idx="minor">
+                      <a:schemeClr val="lt1"/>
+                    </a:fontRef>
+                  </p:style>
+                  <p:txBody>
+                    <a:bodyPr rtlCol="0" anchor="ctr"/>
+                    <a:lstStyle/>
+                    <a:p>
+                      <a:pPr algn="ctr"/>
+                      <a:endParaRPr lang="en-IN"/>
+                    </a:p>
+                  </p:txBody>
+                </p:sp>
+              </p:grpSp>
+              <p:sp>
+                <p:nvSpPr>
+                  <p:cNvPr id="41" name="Rounded Rectangle 40"/>
+                  <p:cNvSpPr/>
+                  <p:nvPr/>
+                </p:nvSpPr>
+                <p:spPr>
+                  <a:xfrm>
+                    <a:off x="4657679" y="2576438"/>
+                    <a:ext cx="418377" cy="80044"/>
+                  </a:xfrm>
+                  <a:prstGeom prst="roundRect">
+                    <a:avLst>
+                      <a:gd name="adj" fmla="val 50000"/>
+                    </a:avLst>
+                  </a:prstGeom>
+                  <a:solidFill>
+                    <a:schemeClr val="bg1"/>
+                  </a:solidFill>
+                  <a:ln>
+                    <a:noFill/>
+                  </a:ln>
+                </p:spPr>
+                <p:style>
+                  <a:lnRef idx="2">
+                    <a:schemeClr val="accent1">
+                      <a:shade val="50000"/>
+                    </a:schemeClr>
+                  </a:lnRef>
+                  <a:fillRef idx="1">
+                    <a:schemeClr val="accent1"/>
+                  </a:fillRef>
+                  <a:effectRef idx="0">
+                    <a:schemeClr val="accent1"/>
+                  </a:effectRef>
+                  <a:fontRef idx="minor">
+                    <a:schemeClr val="lt1"/>
+                  </a:fontRef>
+                </p:style>
+                <p:txBody>
+                  <a:bodyPr rtlCol="0" anchor="ctr"/>
+                  <a:lstStyle/>
+                  <a:p>
+                    <a:pPr algn="ctr"/>
+                    <a:endParaRPr lang="en-IN"/>
+                  </a:p>
+                </p:txBody>
+              </p:sp>
+            </p:grpSp>
+          </p:grpSp>
+          <p:grpSp>
+            <p:nvGrpSpPr>
+              <p:cNvPr id="45" name="Group 44"/>
+              <p:cNvGrpSpPr/>
+              <p:nvPr/>
+            </p:nvGrpSpPr>
+            <p:grpSpPr>
+              <a:xfrm flipH="1">
+                <a:off x="2210672" y="3757358"/>
+                <a:ext cx="506091" cy="1311272"/>
+                <a:chOff x="3849885" y="1468651"/>
+                <a:chExt cx="506091" cy="1311272"/>
+              </a:xfrm>
+            </p:grpSpPr>
+            <p:sp>
+              <p:nvSpPr>
+                <p:cNvPr id="46" name="Rectangle 45"/>
+                <p:cNvSpPr/>
+                <p:nvPr/>
+              </p:nvSpPr>
+              <p:spPr>
+                <a:xfrm>
+                  <a:off x="4211960" y="1468651"/>
+                  <a:ext cx="144016" cy="1311272"/>
+                </a:xfrm>
+                <a:prstGeom prst="rect">
+                  <a:avLst/>
+                </a:prstGeom>
+                <a:solidFill>
+                  <a:schemeClr val="tx1"/>
+                </a:solidFill>
+                <a:ln>
+                  <a:noFill/>
+                </a:ln>
+              </p:spPr>
+              <p:style>
+                <a:lnRef idx="2">
+                  <a:schemeClr val="accent1">
+                    <a:shade val="50000"/>
+                  </a:schemeClr>
+                </a:lnRef>
+                <a:fillRef idx="1">
+                  <a:schemeClr val="accent1"/>
+                </a:fillRef>
+                <a:effectRef idx="0">
+                  <a:schemeClr val="accent1"/>
+                </a:effectRef>
+                <a:fontRef idx="minor">
+                  <a:schemeClr val="lt1"/>
+                </a:fontRef>
+              </p:style>
+              <p:txBody>
+                <a:bodyPr rtlCol="0" anchor="ctr"/>
+                <a:lstStyle/>
+                <a:p>
+                  <a:pPr algn="ctr"/>
+                  <a:endParaRPr lang="en-IN"/>
+                </a:p>
+              </p:txBody>
+            </p:sp>
+            <p:grpSp>
+              <p:nvGrpSpPr>
+                <p:cNvPr id="47" name="Group 46"/>
+                <p:cNvGrpSpPr/>
+                <p:nvPr/>
+              </p:nvGrpSpPr>
+              <p:grpSpPr>
+                <a:xfrm>
+                  <a:off x="3849885" y="2537058"/>
+                  <a:ext cx="443364" cy="242865"/>
+                  <a:chOff x="4372737" y="2357423"/>
+                  <a:chExt cx="925522" cy="438029"/>
+                </a:xfrm>
+              </p:grpSpPr>
+              <p:grpSp>
+                <p:nvGrpSpPr>
+                  <p:cNvPr id="48" name="Group 47"/>
+                  <p:cNvGrpSpPr/>
+                  <p:nvPr/>
+                </p:nvGrpSpPr>
+                <p:grpSpPr>
+                  <a:xfrm>
+                    <a:off x="4372737" y="2357423"/>
+                    <a:ext cx="925522" cy="438029"/>
+                    <a:chOff x="5298259" y="1573023"/>
+                    <a:chExt cx="925522" cy="438029"/>
+                  </a:xfrm>
+                </p:grpSpPr>
+                <p:sp>
+                  <p:nvSpPr>
+                    <p:cNvPr id="50" name="Oval 34"/>
+                    <p:cNvSpPr/>
+                    <p:nvPr/>
+                  </p:nvSpPr>
+                  <p:spPr>
+                    <a:xfrm>
+                      <a:off x="5298259" y="1573023"/>
+                      <a:ext cx="925522" cy="438029"/>
+                    </a:xfrm>
+                    <a:custGeom>
+                      <a:avLst/>
+                      <a:gdLst/>
+                      <a:ahLst/>
+                      <a:cxnLst/>
+                      <a:rect l="l" t="t" r="r" b="b"/>
+                      <a:pathLst>
+                        <a:path w="925522" h="438029">
+                          <a:moveTo>
+                            <a:pt x="462761" y="0"/>
+                          </a:moveTo>
+                          <a:cubicBezTo>
+                            <a:pt x="703435" y="0"/>
+                            <a:pt x="901681" y="191470"/>
+                            <a:pt x="925522" y="438029"/>
+                          </a:cubicBezTo>
+                          <a:lnTo>
+                            <a:pt x="0" y="438029"/>
+                          </a:lnTo>
+                          <a:cubicBezTo>
+                            <a:pt x="23841" y="191470"/>
+                            <a:pt x="222088" y="0"/>
+                            <a:pt x="462761" y="0"/>
+                          </a:cubicBezTo>
+                          <a:close/>
+                        </a:path>
+                      </a:pathLst>
+                    </a:custGeom>
+                    <a:ln>
+                      <a:noFill/>
+                    </a:ln>
+                  </p:spPr>
+                  <p:style>
+                    <a:lnRef idx="2">
+                      <a:schemeClr val="accent1">
+                        <a:shade val="50000"/>
+                      </a:schemeClr>
+                    </a:lnRef>
+                    <a:fillRef idx="1">
+                      <a:schemeClr val="accent1"/>
+                    </a:fillRef>
+                    <a:effectRef idx="0">
+                      <a:schemeClr val="accent1"/>
+                    </a:effectRef>
+                    <a:fontRef idx="minor">
+                      <a:schemeClr val="lt1"/>
+                    </a:fontRef>
+                  </p:style>
+                  <p:txBody>
+                    <a:bodyPr rtlCol="0" anchor="ctr"/>
+                    <a:lstStyle/>
+                    <a:p>
+                      <a:pPr algn="ctr"/>
+                      <a:endParaRPr lang="en-IN"/>
+                    </a:p>
+                  </p:txBody>
+                </p:sp>
+                <p:sp>
+                  <p:nvSpPr>
+                    <p:cNvPr id="51" name="Rounded Rectangle 50"/>
+                    <p:cNvSpPr/>
+                    <p:nvPr/>
+                  </p:nvSpPr>
+                  <p:spPr>
+                    <a:xfrm>
+                      <a:off x="5583201" y="1663354"/>
+                      <a:ext cx="355637" cy="75549"/>
+                    </a:xfrm>
+                    <a:prstGeom prst="roundRect">
+                      <a:avLst>
+                        <a:gd name="adj" fmla="val 50000"/>
+                      </a:avLst>
+                    </a:prstGeom>
+                    <a:solidFill>
+                      <a:schemeClr val="bg1"/>
+                    </a:solidFill>
+                    <a:ln>
+                      <a:noFill/>
+                    </a:ln>
+                  </p:spPr>
+                  <p:style>
+                    <a:lnRef idx="2">
+                      <a:schemeClr val="accent1">
+                        <a:shade val="50000"/>
+                      </a:schemeClr>
+                    </a:lnRef>
+                    <a:fillRef idx="1">
+                      <a:schemeClr val="accent1"/>
+                    </a:fillRef>
+                    <a:effectRef idx="0">
+                      <a:schemeClr val="accent1"/>
+                    </a:effectRef>
+                    <a:fontRef idx="minor">
+                      <a:schemeClr val="lt1"/>
+                    </a:fontRef>
+                  </p:style>
+                  <p:txBody>
+                    <a:bodyPr rtlCol="0" anchor="ctr"/>
+                    <a:lstStyle/>
+                    <a:p>
+                      <a:pPr algn="ctr"/>
+                      <a:endParaRPr lang="en-IN"/>
+                    </a:p>
+                  </p:txBody>
+                </p:sp>
+              </p:grpSp>
+              <p:sp>
+                <p:nvSpPr>
+                  <p:cNvPr id="49" name="Rounded Rectangle 48"/>
+                  <p:cNvSpPr/>
+                  <p:nvPr/>
+                </p:nvSpPr>
+                <p:spPr>
+                  <a:xfrm>
+                    <a:off x="4657679" y="2576438"/>
+                    <a:ext cx="418377" cy="80044"/>
+                  </a:xfrm>
+                  <a:prstGeom prst="roundRect">
+                    <a:avLst>
+                      <a:gd name="adj" fmla="val 50000"/>
+                    </a:avLst>
+                  </a:prstGeom>
+                  <a:solidFill>
+                    <a:schemeClr val="bg1"/>
+                  </a:solidFill>
+                  <a:ln>
+                    <a:noFill/>
+                  </a:ln>
+                </p:spPr>
+                <p:style>
+                  <a:lnRef idx="2">
+                    <a:schemeClr val="accent1">
+                      <a:shade val="50000"/>
+                    </a:schemeClr>
+                  </a:lnRef>
+                  <a:fillRef idx="1">
+                    <a:schemeClr val="accent1"/>
+                  </a:fillRef>
+                  <a:effectRef idx="0">
+                    <a:schemeClr val="accent1"/>
+                  </a:effectRef>
+                  <a:fontRef idx="minor">
+                    <a:schemeClr val="lt1"/>
+                  </a:fontRef>
+                </p:style>
+                <p:txBody>
+                  <a:bodyPr rtlCol="0" anchor="ctr"/>
+                  <a:lstStyle/>
+                  <a:p>
+                    <a:pPr algn="ctr"/>
+                    <a:endParaRPr lang="en-IN"/>
+                  </a:p>
+                </p:txBody>
+              </p:sp>
+            </p:grpSp>
+          </p:grpSp>
+        </p:grpSp>
+        <p:sp>
+          <p:nvSpPr>
+            <p:cNvPr id="53" name="Rounded Rectangle 52"/>
+            <p:cNvSpPr/>
+            <p:nvPr/>
+          </p:nvSpPr>
+          <p:spPr>
+            <a:xfrm rot="18074114">
+              <a:off x="2224665" y="2727701"/>
+              <a:ext cx="180098" cy="493455"/>
+            </a:xfrm>
+            <a:prstGeom prst="roundRect">
+              <a:avLst>
+                <a:gd name="adj" fmla="val 50000"/>
+              </a:avLst>
+            </a:prstGeom>
+            <a:solidFill>
+              <a:schemeClr val="accent2"/>
+            </a:solidFill>
+            <a:ln>
+              <a:noFill/>
+            </a:ln>
+          </p:spPr>
+          <p:style>
+            <a:lnRef idx="2">
+              <a:schemeClr val="accent1">
+                <a:shade val="50000"/>
+              </a:schemeClr>
+            </a:lnRef>
+            <a:fillRef idx="1">
+              <a:schemeClr val="accent1"/>
+            </a:fillRef>
+            <a:effectRef idx="0">
+              <a:schemeClr val="accent1"/>
+            </a:effectRef>
+            <a:fontRef idx="minor">
+              <a:schemeClr val="lt1"/>
+            </a:fontRef>
+          </p:style>
+          <p:txBody>
+            <a:bodyPr rtlCol="0" anchor="ctr"/>
+            <a:lstStyle/>
+            <a:p>
+              <a:pPr algn="ctr"/>
+              <a:endParaRPr lang="en-IN"/>
+            </a:p>
+          </p:txBody>
+        </p:sp>
+        <p:sp>
+          <p:nvSpPr>
+            <p:cNvPr id="54" name="Rounded Rectangle 53"/>
+            <p:cNvSpPr/>
+            <p:nvPr/>
+          </p:nvSpPr>
+          <p:spPr>
+            <a:xfrm rot="2483852">
+              <a:off x="1362967" y="2705877"/>
+              <a:ext cx="225114" cy="936781"/>
+            </a:xfrm>
+            <a:prstGeom prst="roundRect">
+              <a:avLst>
+                <a:gd name="adj" fmla="val 50000"/>
+              </a:avLst>
+            </a:prstGeom>
+            <a:solidFill>
+              <a:schemeClr val="accent2"/>
+            </a:solidFill>
+            <a:ln>
+              <a:noFill/>
+            </a:ln>
+          </p:spPr>
+          <p:style>
+            <a:lnRef idx="2">
+              <a:schemeClr val="accent1">
+                <a:shade val="50000"/>
+              </a:schemeClr>
+            </a:lnRef>
+            <a:fillRef idx="1">
+              <a:schemeClr val="accent1"/>
+            </a:fillRef>
+            <a:effectRef idx="0">
+              <a:schemeClr val="accent1"/>
+            </a:effectRef>
+            <a:fontRef idx="minor">
+              <a:schemeClr val="lt1"/>
+            </a:fontRef>
+          </p:style>
+          <p:txBody>
+            <a:bodyPr rtlCol="0" anchor="ctr"/>
+            <a:lstStyle/>
+            <a:p>
+              <a:pPr algn="ctr"/>
+              <a:endParaRPr lang="en-IN"/>
+            </a:p>
+          </p:txBody>
+        </p:sp>
+        <p:grpSp>
+          <p:nvGrpSpPr>
+            <p:cNvPr id="61" name="Group 60"/>
+            <p:cNvGrpSpPr/>
+            <p:nvPr/>
+          </p:nvGrpSpPr>
+          <p:grpSpPr>
+            <a:xfrm rot="14127626">
+              <a:off x="2847950" y="1629178"/>
+              <a:ext cx="466497" cy="1811860"/>
+              <a:chOff x="5966944" y="2049188"/>
+              <a:chExt cx="466497" cy="1811860"/>
+            </a:xfrm>
+          </p:grpSpPr>
+          <p:sp>
+            <p:nvSpPr>
+              <p:cNvPr id="55" name="Rounded Rectangle 54"/>
+              <p:cNvSpPr/>
+              <p:nvPr/>
+            </p:nvSpPr>
+            <p:spPr>
+              <a:xfrm>
+                <a:off x="6012160" y="2049188"/>
+                <a:ext cx="216024" cy="1294281"/>
+              </a:xfrm>
+              <a:prstGeom prst="roundRect">
+                <a:avLst>
+                  <a:gd name="adj" fmla="val 50000"/>
+                </a:avLst>
+              </a:prstGeom>
+              <a:solidFill>
+                <a:schemeClr val="accent2"/>
+              </a:solidFill>
+              <a:ln>
+                <a:noFill/>
+              </a:ln>
+            </p:spPr>
+            <p:style>
+              <a:lnRef idx="2">
+                <a:schemeClr val="accent1">
+                  <a:shade val="50000"/>
+                </a:schemeClr>
+              </a:lnRef>
+              <a:fillRef idx="1">
+                <a:schemeClr val="accent1"/>
+              </a:fillRef>
+              <a:effectRef idx="0">
+                <a:schemeClr val="accent1"/>
+              </a:effectRef>
+              <a:fontRef idx="minor">
+                <a:schemeClr val="lt1"/>
+              </a:fontRef>
+            </p:style>
+            <p:txBody>
+              <a:bodyPr rtlCol="0" anchor="ctr"/>
+              <a:lstStyle/>
+              <a:p>
+                <a:pPr algn="ctr"/>
+                <a:endParaRPr lang="en-IN"/>
+              </a:p>
+            </p:txBody>
+          </p:sp>
+          <p:grpSp>
+            <p:nvGrpSpPr>
+              <p:cNvPr id="60" name="Group 59"/>
+              <p:cNvGrpSpPr/>
+              <p:nvPr/>
+            </p:nvGrpSpPr>
+            <p:grpSpPr>
+              <a:xfrm>
+                <a:off x="5966944" y="3091243"/>
+                <a:ext cx="466497" cy="769805"/>
+                <a:chOff x="5966944" y="3091243"/>
+                <a:chExt cx="466497" cy="769805"/>
+              </a:xfrm>
+            </p:grpSpPr>
+            <p:sp>
+              <p:nvSpPr>
+                <p:cNvPr id="56" name="Rounded Rectangle 55"/>
+                <p:cNvSpPr/>
+                <p:nvPr/>
+              </p:nvSpPr>
+              <p:spPr>
+                <a:xfrm>
+                  <a:off x="6066166" y="3091243"/>
+                  <a:ext cx="108012" cy="418733"/>
+                </a:xfrm>
+                <a:prstGeom prst="roundRect">
+                  <a:avLst>
+                    <a:gd name="adj" fmla="val 50000"/>
+                  </a:avLst>
+                </a:prstGeom>
+                <a:solidFill>
+                  <a:schemeClr val="accent6">
+                    <a:lumMod val="60000"/>
+                    <a:lumOff val="40000"/>
+                  </a:schemeClr>
+                </a:solidFill>
+                <a:ln>
+                  <a:noFill/>
+                </a:ln>
+              </p:spPr>
+              <p:style>
+                <a:lnRef idx="2">
+                  <a:schemeClr val="accent1">
+                    <a:shade val="50000"/>
+                  </a:schemeClr>
+                </a:lnRef>
+                <a:fillRef idx="1">
+                  <a:schemeClr val="accent1"/>
+                </a:fillRef>
+                <a:effectRef idx="0">
+                  <a:schemeClr val="accent1"/>
+                </a:effectRef>
+                <a:fontRef idx="minor">
+                  <a:schemeClr val="lt1"/>
+                </a:fontRef>
+              </p:style>
+              <p:txBody>
+                <a:bodyPr rtlCol="0" anchor="ctr"/>
+                <a:lstStyle/>
+                <a:p>
+                  <a:pPr algn="ctr"/>
+                  <a:endParaRPr lang="en-IN"/>
+                </a:p>
+              </p:txBody>
+            </p:sp>
+            <p:sp>
+              <p:nvSpPr>
+                <p:cNvPr id="58" name="Rounded Rectangle 57"/>
+                <p:cNvSpPr/>
+                <p:nvPr/>
+              </p:nvSpPr>
+              <p:spPr>
+                <a:xfrm>
+                  <a:off x="5966944" y="3369363"/>
+                  <a:ext cx="297650" cy="491685"/>
+                </a:xfrm>
+                <a:prstGeom prst="roundRect">
+                  <a:avLst>
+                    <a:gd name="adj" fmla="val 50000"/>
+                  </a:avLst>
+                </a:prstGeom>
+                <a:solidFill>
+                  <a:schemeClr val="accent6">
+                    <a:lumMod val="60000"/>
+                    <a:lumOff val="40000"/>
+                  </a:schemeClr>
+                </a:solidFill>
+                <a:ln>
+                  <a:noFill/>
+                </a:ln>
+              </p:spPr>
+              <p:style>
+                <a:lnRef idx="2">
+                  <a:schemeClr val="accent1">
+                    <a:shade val="50000"/>
+                  </a:schemeClr>
+                </a:lnRef>
+                <a:fillRef idx="1">
+                  <a:schemeClr val="accent1"/>
+                </a:fillRef>
+                <a:effectRef idx="0">
+                  <a:schemeClr val="accent1"/>
+                </a:effectRef>
+                <a:fontRef idx="minor">
+                  <a:schemeClr val="lt1"/>
+                </a:fontRef>
+              </p:style>
+              <p:txBody>
+                <a:bodyPr rtlCol="0" anchor="ctr"/>
+                <a:lstStyle/>
+                <a:p>
+                  <a:pPr algn="ctr"/>
+                  <a:endParaRPr lang="en-IN"/>
+                </a:p>
+              </p:txBody>
+            </p:sp>
+            <p:sp>
+              <p:nvSpPr>
+                <p:cNvPr id="59" name="Rounded Rectangle 58"/>
+                <p:cNvSpPr/>
+                <p:nvPr/>
+              </p:nvSpPr>
+              <p:spPr>
+                <a:xfrm rot="17754983">
+                  <a:off x="6170069" y="3300076"/>
+                  <a:ext cx="108012" cy="418733"/>
+                </a:xfrm>
+                <a:prstGeom prst="roundRect">
+                  <a:avLst>
+                    <a:gd name="adj" fmla="val 50000"/>
+                  </a:avLst>
+                </a:prstGeom>
+                <a:solidFill>
+                  <a:schemeClr val="accent6">
+                    <a:lumMod val="60000"/>
+                    <a:lumOff val="40000"/>
+                  </a:schemeClr>
+                </a:solidFill>
+                <a:ln>
+                  <a:noFill/>
+                </a:ln>
+              </p:spPr>
+              <p:style>
+                <a:lnRef idx="2">
+                  <a:schemeClr val="accent1">
+                    <a:shade val="50000"/>
+                  </a:schemeClr>
+                </a:lnRef>
+                <a:fillRef idx="1">
+                  <a:schemeClr val="accent1"/>
+                </a:fillRef>
+                <a:effectRef idx="0">
+                  <a:schemeClr val="accent1"/>
+                </a:effectRef>
+                <a:fontRef idx="minor">
+                  <a:schemeClr val="lt1"/>
+                </a:fontRef>
+              </p:style>
+              <p:txBody>
+                <a:bodyPr rtlCol="0" anchor="ctr"/>
+                <a:lstStyle/>
+                <a:p>
+                  <a:pPr algn="ctr"/>
+                  <a:endParaRPr lang="en-IN"/>
+                </a:p>
+              </p:txBody>
+            </p:sp>
+          </p:grpSp>
+        </p:grpSp>
+        <p:grpSp>
+          <p:nvGrpSpPr>
+            <p:cNvPr id="62" name="Group 61"/>
+            <p:cNvGrpSpPr/>
+            <p:nvPr/>
+          </p:nvGrpSpPr>
+          <p:grpSpPr>
+            <a:xfrm rot="4509848" flipH="1">
+              <a:off x="225668" y="2670637"/>
+              <a:ext cx="466497" cy="1811860"/>
+              <a:chOff x="5966944" y="2049188"/>
+              <a:chExt cx="466497" cy="1811860"/>
+            </a:xfrm>
+          </p:grpSpPr>
+          <p:sp>
+            <p:nvSpPr>
+              <p:cNvPr id="63" name="Rounded Rectangle 62"/>
+              <p:cNvSpPr/>
+              <p:nvPr/>
+            </p:nvSpPr>
+            <p:spPr>
+              <a:xfrm>
+                <a:off x="6012160" y="2049188"/>
+                <a:ext cx="216024" cy="1294281"/>
+              </a:xfrm>
+              <a:prstGeom prst="roundRect">
+                <a:avLst>
+                  <a:gd name="adj" fmla="val 50000"/>
+                </a:avLst>
+              </a:prstGeom>
+              <a:solidFill>
+                <a:schemeClr val="accent2"/>
+              </a:solidFill>
+              <a:ln>
+                <a:noFill/>
+              </a:ln>
+            </p:spPr>
+            <p:style>
+              <a:lnRef idx="2">
+                <a:schemeClr val="accent1">
+                  <a:shade val="50000"/>
+                </a:schemeClr>
+              </a:lnRef>
+              <a:fillRef idx="1">
+                <a:schemeClr val="accent1"/>
+              </a:fillRef>
+              <a:effectRef idx="0">
+                <a:schemeClr val="accent1"/>
+              </a:effectRef>
+              <a:fontRef idx="minor">
+                <a:schemeClr val="lt1"/>
+              </a:fontRef>
+            </p:style>
+            <p:txBody>
+              <a:bodyPr rtlCol="0" anchor="ctr"/>
+              <a:lstStyle/>
+              <a:p>
+                <a:pPr algn="ctr"/>
+                <a:endParaRPr lang="en-IN"/>
+              </a:p>
+            </p:txBody>
+          </p:sp>
+          <p:grpSp>
+            <p:nvGrpSpPr>
+              <p:cNvPr id="64" name="Group 63"/>
+              <p:cNvGrpSpPr/>
+              <p:nvPr/>
+            </p:nvGrpSpPr>
+            <p:grpSpPr>
+              <a:xfrm>
+                <a:off x="5966944" y="3091243"/>
+                <a:ext cx="466497" cy="769805"/>
+                <a:chOff x="5966944" y="3091243"/>
+                <a:chExt cx="466497" cy="769805"/>
+              </a:xfrm>
+            </p:grpSpPr>
+            <p:sp>
+              <p:nvSpPr>
+                <p:cNvPr id="65" name="Rounded Rectangle 64"/>
+                <p:cNvSpPr/>
+                <p:nvPr/>
+              </p:nvSpPr>
+              <p:spPr>
+                <a:xfrm>
+                  <a:off x="6066166" y="3091243"/>
+                  <a:ext cx="108012" cy="418733"/>
+                </a:xfrm>
+                <a:prstGeom prst="roundRect">
+                  <a:avLst>
+                    <a:gd name="adj" fmla="val 50000"/>
+                  </a:avLst>
+                </a:prstGeom>
+                <a:solidFill>
+                  <a:schemeClr val="accent6">
+                    <a:lumMod val="60000"/>
+                    <a:lumOff val="40000"/>
+                  </a:schemeClr>
+                </a:solidFill>
+                <a:ln>
+                  <a:noFill/>
+                </a:ln>
+              </p:spPr>
+              <p:style>
+                <a:lnRef idx="2">
+                  <a:schemeClr val="accent1">
+                    <a:shade val="50000"/>
+                  </a:schemeClr>
+                </a:lnRef>
+                <a:fillRef idx="1">
+                  <a:schemeClr val="accent1"/>
+                </a:fillRef>
+                <a:effectRef idx="0">
+                  <a:schemeClr val="accent1"/>
+                </a:effectRef>
+                <a:fontRef idx="minor">
+                  <a:schemeClr val="lt1"/>
+                </a:fontRef>
+              </p:style>
+              <p:txBody>
+                <a:bodyPr rtlCol="0" anchor="ctr"/>
+                <a:lstStyle/>
+                <a:p>
+                  <a:pPr algn="ctr"/>
+                  <a:endParaRPr lang="en-IN"/>
+                </a:p>
+              </p:txBody>
+            </p:sp>
+            <p:sp>
+              <p:nvSpPr>
+                <p:cNvPr id="66" name="Rounded Rectangle 65"/>
+                <p:cNvSpPr/>
+                <p:nvPr/>
+              </p:nvSpPr>
+              <p:spPr>
+                <a:xfrm>
+                  <a:off x="5966944" y="3369363"/>
+                  <a:ext cx="297650" cy="491685"/>
+                </a:xfrm>
+                <a:prstGeom prst="roundRect">
+                  <a:avLst>
+                    <a:gd name="adj" fmla="val 50000"/>
+                  </a:avLst>
+                </a:prstGeom>
+                <a:solidFill>
+                  <a:schemeClr val="accent6">
+                    <a:lumMod val="60000"/>
+                    <a:lumOff val="40000"/>
+                  </a:schemeClr>
+                </a:solidFill>
+                <a:ln>
+                  <a:noFill/>
+                </a:ln>
+              </p:spPr>
+              <p:style>
+                <a:lnRef idx="2">
+                  <a:schemeClr val="accent1">
+                    <a:shade val="50000"/>
+                  </a:schemeClr>
+                </a:lnRef>
+                <a:fillRef idx="1">
+                  <a:schemeClr val="accent1"/>
+                </a:fillRef>
+                <a:effectRef idx="0">
+                  <a:schemeClr val="accent1"/>
+                </a:effectRef>
+                <a:fontRef idx="minor">
+                  <a:schemeClr val="lt1"/>
+                </a:fontRef>
+              </p:style>
+              <p:txBody>
+                <a:bodyPr rtlCol="0" anchor="ctr"/>
+                <a:lstStyle/>
+                <a:p>
+                  <a:pPr algn="ctr"/>
+                  <a:endParaRPr lang="en-IN"/>
+                </a:p>
+              </p:txBody>
+            </p:sp>
+            <p:sp>
+              <p:nvSpPr>
+                <p:cNvPr id="67" name="Rounded Rectangle 66"/>
+                <p:cNvSpPr/>
+                <p:nvPr/>
+              </p:nvSpPr>
+              <p:spPr>
+                <a:xfrm rot="17754983">
+                  <a:off x="6170069" y="3300076"/>
+                  <a:ext cx="108012" cy="418733"/>
+                </a:xfrm>
+                <a:prstGeom prst="roundRect">
+                  <a:avLst>
+                    <a:gd name="adj" fmla="val 50000"/>
+                  </a:avLst>
+                </a:prstGeom>
+                <a:solidFill>
+                  <a:schemeClr val="accent6">
+                    <a:lumMod val="60000"/>
+                    <a:lumOff val="40000"/>
+                  </a:schemeClr>
+                </a:solidFill>
+                <a:ln>
+                  <a:noFill/>
+                </a:ln>
+              </p:spPr>
+              <p:style>
+                <a:lnRef idx="2">
+                  <a:schemeClr val="accent1">
+                    <a:shade val="50000"/>
+                  </a:schemeClr>
+                </a:lnRef>
+                <a:fillRef idx="1">
+                  <a:schemeClr val="accent1"/>
+                </a:fillRef>
+                <a:effectRef idx="0">
+                  <a:schemeClr val="accent1"/>
+                </a:effectRef>
+                <a:fontRef idx="minor">
+                  <a:schemeClr val="lt1"/>
+                </a:fontRef>
+              </p:style>
+              <p:txBody>
+                <a:bodyPr rtlCol="0" anchor="ctr"/>
+                <a:lstStyle/>
+                <a:p>
+                  <a:pPr algn="ctr"/>
+                  <a:endParaRPr lang="en-IN"/>
+                </a:p>
+              </p:txBody>
+            </p:sp>
+          </p:grpSp>
+        </p:grpSp>
+      </p:grpSp>
+      <p:sp>
+        <p:nvSpPr>
+          <p:cNvPr id="9" name="Cloud 8"/>
+          <p:cNvSpPr/>
+          <p:nvPr/>
+        </p:nvSpPr>
+        <p:spPr>
+          <a:xfrm>
+            <a:off x="4406691" y="3496789"/>
+            <a:ext cx="1969566" cy="1140995"/>
+          </a:xfrm>
+          <a:prstGeom prst="cloud">
+            <a:avLst/>
+          </a:prstGeom>
+          <a:solidFill>
+            <a:schemeClr val="bg1"/>
+          </a:solidFill>
+          <a:ln>
+            <a:noFill/>
+          </a:ln>
+          <a:effectLst>
+            <a:outerShdw blurRad="190500" dist="228600" dir="2700000" algn="ctr">
+              <a:srgbClr val="000000">
+                <a:alpha val="30000"/>
+              </a:srgbClr>
+            </a:outerShdw>
+          </a:effectLst>
+          <a:scene3d>
+            <a:camera prst="orthographicFront">
+              <a:rot lat="0" lon="0" rev="0"/>
+            </a:camera>
+            <a:lightRig rig="glow" dir="t">
+              <a:rot lat="0" lon="0" rev="4800000"/>
+            </a:lightRig>
+          </a:scene3d>
+          <a:sp3d prstMaterial="matte">
+            <a:bevelT w="127000" h="63500"/>
+          </a:sp3d>
+        </p:spPr>
+        <p:style>
+          <a:lnRef idx="2">
+            <a:schemeClr val="accent1">
+              <a:shade val="50000"/>
+            </a:schemeClr>
+          </a:lnRef>
+          <a:fillRef idx="1">
+            <a:schemeClr val="accent1"/>
+          </a:fillRef>
+          <a:effectRef idx="0">
+            <a:schemeClr val="accent1"/>
+          </a:effectRef>
+          <a:fontRef idx="minor">
+            <a:schemeClr val="lt1"/>
+          </a:fontRef>
+        </p:style>
+        <p:txBody>
+          <a:bodyPr rtlCol="0" anchor="ctr"/>
+          <a:lstStyle/>
+          <a:p>
+            <a:pPr algn="ctr"/>
+            <a:endParaRPr lang="en-IN"/>
+          </a:p>
+        </p:txBody>
+      </p:sp>
+      <p:grpSp>
+        <p:nvGrpSpPr>
+          <p:cNvPr id="98" name="Group 97"/>
+          <p:cNvGrpSpPr/>
+          <p:nvPr/>
+        </p:nvGrpSpPr>
+        <p:grpSpPr>
+          <a:xfrm rot="15971987">
+            <a:off x="4252022" y="4001657"/>
+            <a:ext cx="612815" cy="574721"/>
+            <a:chOff x="4239439" y="3281290"/>
+            <a:chExt cx="612815" cy="574721"/>
+          </a:xfrm>
+          <a:effectLst>
+            <a:glow rad="63500">
+              <a:schemeClr val="accent5">
+                <a:satMod val="175000"/>
+                <a:alpha val="40000"/>
+              </a:schemeClr>
+            </a:glow>
+          </a:effectLst>
+        </p:grpSpPr>
+        <p:sp>
+          <p:nvSpPr>
+            <p:cNvPr id="99" name="Arc 98"/>
+            <p:cNvSpPr/>
+            <p:nvPr/>
+          </p:nvSpPr>
+          <p:spPr>
+            <a:xfrm rot="13792281">
+              <a:off x="4215116" y="3421793"/>
+              <a:ext cx="458541" cy="409896"/>
+            </a:xfrm>
+            <a:prstGeom prst="arc">
+              <a:avLst>
+                <a:gd name="adj1" fmla="val 18217138"/>
+                <a:gd name="adj2" fmla="val 2785535"/>
+              </a:avLst>
+            </a:prstGeom>
+            <a:ln w="19050">
+              <a:solidFill>
+                <a:schemeClr val="bg1"/>
+              </a:solidFill>
+            </a:ln>
+          </p:spPr>
+          <p:style>
+            <a:lnRef idx="1">
+              <a:schemeClr val="accent1"/>
+            </a:lnRef>
+            <a:fillRef idx="0">
+              <a:schemeClr val="accent1"/>
+            </a:fillRef>
+            <a:effectRef idx="0">
+              <a:schemeClr val="accent1"/>
+            </a:effectRef>
+            <a:fontRef idx="minor">
+              <a:schemeClr val="tx1"/>
+            </a:fontRef>
+          </p:style>
+          <p:txBody>
+            <a:bodyPr rtlCol="0" anchor="ctr"/>
+            <a:lstStyle/>
+            <a:p>
+              <a:pPr algn="ctr"/>
+              <a:endParaRPr lang="en-IN"/>
+            </a:p>
+          </p:txBody>
+        </p:sp>
+        <p:sp>
+          <p:nvSpPr>
+            <p:cNvPr id="100" name="Arc 99"/>
+            <p:cNvSpPr/>
+            <p:nvPr/>
+          </p:nvSpPr>
+          <p:spPr>
+            <a:xfrm rot="17312621">
+              <a:off x="4443562" y="3283738"/>
+              <a:ext cx="411140" cy="406244"/>
+            </a:xfrm>
+            <a:prstGeom prst="arc">
+              <a:avLst>
+                <a:gd name="adj1" fmla="val 16200000"/>
+                <a:gd name="adj2" fmla="val 1056852"/>
+              </a:avLst>
+            </a:prstGeom>
+            <a:ln w="19050">
+              <a:solidFill>
+                <a:schemeClr val="bg1"/>
+              </a:solidFill>
+            </a:ln>
+          </p:spPr>
+          <p:style>
+            <a:lnRef idx="1">
+              <a:schemeClr val="accent1"/>
+            </a:lnRef>
+            <a:fillRef idx="0">
+              <a:schemeClr val="accent1"/>
+            </a:fillRef>
+            <a:effectRef idx="0">
+              <a:schemeClr val="accent1"/>
+            </a:effectRef>
+            <a:fontRef idx="minor">
+              <a:schemeClr val="tx1"/>
+            </a:fontRef>
+          </p:style>
+          <p:txBody>
+            <a:bodyPr rtlCol="0" anchor="ctr"/>
+            <a:lstStyle/>
+            <a:p>
+              <a:pPr algn="ctr"/>
+              <a:endParaRPr lang="en-IN"/>
+            </a:p>
+          </p:txBody>
+        </p:sp>
+      </p:grpSp>
+      <p:grpSp>
+        <p:nvGrpSpPr>
+          <p:cNvPr id="101" name="Group 100"/>
+          <p:cNvGrpSpPr/>
+          <p:nvPr/>
+        </p:nvGrpSpPr>
+        <p:grpSpPr>
+          <a:xfrm rot="9472061">
+            <a:off x="5922437" y="3968800"/>
+            <a:ext cx="612815" cy="574721"/>
+            <a:chOff x="4239439" y="3281290"/>
+            <a:chExt cx="612815" cy="574721"/>
+          </a:xfrm>
+          <a:effectLst>
+            <a:glow rad="63500">
+              <a:schemeClr val="accent5">
+                <a:satMod val="175000"/>
+                <a:alpha val="40000"/>
+              </a:schemeClr>
+            </a:glow>
+          </a:effectLst>
+        </p:grpSpPr>
+        <p:sp>
+          <p:nvSpPr>
+            <p:cNvPr id="102" name="Arc 101"/>
+            <p:cNvSpPr/>
+            <p:nvPr/>
+          </p:nvSpPr>
+          <p:spPr>
+            <a:xfrm rot="13792281">
+              <a:off x="4215116" y="3421793"/>
+              <a:ext cx="458541" cy="409896"/>
+            </a:xfrm>
+            <a:prstGeom prst="arc">
+              <a:avLst>
+                <a:gd name="adj1" fmla="val 18217138"/>
+                <a:gd name="adj2" fmla="val 2785535"/>
+              </a:avLst>
+            </a:prstGeom>
+            <a:ln w="19050">
+              <a:solidFill>
+                <a:schemeClr val="bg1"/>
+              </a:solidFill>
+            </a:ln>
+          </p:spPr>
+          <p:style>
+            <a:lnRef idx="1">
+              <a:schemeClr val="accent1"/>
+            </a:lnRef>
+            <a:fillRef idx="0">
+              <a:schemeClr val="accent1"/>
+            </a:fillRef>
+            <a:effectRef idx="0">
+              <a:schemeClr val="accent1"/>
+            </a:effectRef>
+            <a:fontRef idx="minor">
+              <a:schemeClr val="tx1"/>
+            </a:fontRef>
+          </p:style>
+          <p:txBody>
+            <a:bodyPr rtlCol="0" anchor="ctr"/>
+            <a:lstStyle/>
+            <a:p>
+              <a:pPr algn="ctr"/>
+              <a:endParaRPr lang="en-IN"/>
+            </a:p>
+          </p:txBody>
+        </p:sp>
+        <p:sp>
+          <p:nvSpPr>
+            <p:cNvPr id="103" name="Arc 102"/>
+            <p:cNvSpPr/>
+            <p:nvPr/>
+          </p:nvSpPr>
+          <p:spPr>
+            <a:xfrm rot="17312621">
+              <a:off x="4443562" y="3283738"/>
+              <a:ext cx="411140" cy="406244"/>
+            </a:xfrm>
+            <a:prstGeom prst="arc">
+              <a:avLst>
+                <a:gd name="adj1" fmla="val 16200000"/>
+                <a:gd name="adj2" fmla="val 1056852"/>
+              </a:avLst>
+            </a:prstGeom>
+            <a:ln w="19050">
+              <a:solidFill>
+                <a:schemeClr val="bg1"/>
+              </a:solidFill>
+            </a:ln>
+          </p:spPr>
+          <p:style>
+            <a:lnRef idx="1">
+              <a:schemeClr val="accent1"/>
+            </a:lnRef>
+            <a:fillRef idx="0">
+              <a:schemeClr val="accent1"/>
+            </a:fillRef>
+            <a:effectRef idx="0">
+              <a:schemeClr val="accent1"/>
+            </a:effectRef>
+            <a:fontRef idx="minor">
+              <a:schemeClr val="tx1"/>
+            </a:fontRef>
+          </p:style>
+          <p:txBody>
+            <a:bodyPr rtlCol="0" anchor="ctr"/>
+            <a:lstStyle/>
+            <a:p>
+              <a:pPr algn="ctr"/>
+              <a:endParaRPr lang="en-IN"/>
+            </a:p>
+          </p:txBody>
+        </p:sp>
+      </p:grpSp>
+      <p:grpSp>
+        <p:nvGrpSpPr>
+          <p:cNvPr id="1041" name="Group 1040"/>
+          <p:cNvGrpSpPr/>
+          <p:nvPr/>
+        </p:nvGrpSpPr>
+        <p:grpSpPr>
+          <a:xfrm>
+            <a:off x="4406691" y="3121486"/>
+            <a:ext cx="2012843" cy="889234"/>
+            <a:chOff x="4732501" y="2125361"/>
+            <a:chExt cx="2012843" cy="889234"/>
+          </a:xfrm>
+          <a:effectLst>
+            <a:glow rad="63500">
+              <a:schemeClr val="accent5">
+                <a:satMod val="175000"/>
+                <a:alpha val="40000"/>
+              </a:schemeClr>
+            </a:glow>
+          </a:effectLst>
+        </p:grpSpPr>
+        <p:grpSp>
+          <p:nvGrpSpPr>
+            <p:cNvPr id="39" name="Group 38"/>
+            <p:cNvGrpSpPr/>
+            <p:nvPr/>
+          </p:nvGrpSpPr>
+          <p:grpSpPr>
+            <a:xfrm>
+              <a:off x="4732501" y="2439874"/>
+              <a:ext cx="612815" cy="574721"/>
+              <a:chOff x="4239439" y="3281290"/>
+              <a:chExt cx="612815" cy="574721"/>
+            </a:xfrm>
+          </p:grpSpPr>
+          <p:sp>
+            <p:nvSpPr>
+              <p:cNvPr id="15" name="Arc 14"/>
+              <p:cNvSpPr/>
+              <p:nvPr/>
+            </p:nvSpPr>
+            <p:spPr>
+              <a:xfrm rot="13792281">
+                <a:off x="4215116" y="3421793"/>
+                <a:ext cx="458541" cy="409896"/>
+              </a:xfrm>
+              <a:prstGeom prst="arc">
+                <a:avLst>
+                  <a:gd name="adj1" fmla="val 18217138"/>
+                  <a:gd name="adj2" fmla="val 2785535"/>
+                </a:avLst>
+              </a:prstGeom>
+              <a:ln w="19050">
+                <a:solidFill>
+                  <a:schemeClr val="bg1"/>
+                </a:solidFill>
+              </a:ln>
+            </p:spPr>
+            <p:style>
+              <a:lnRef idx="1">
+                <a:schemeClr val="accent1"/>
+              </a:lnRef>
+              <a:fillRef idx="0">
+                <a:schemeClr val="accent1"/>
+              </a:fillRef>
+              <a:effectRef idx="0">
+                <a:schemeClr val="accent1"/>
+              </a:effectRef>
+              <a:fontRef idx="minor">
+                <a:schemeClr val="tx1"/>
+              </a:fontRef>
+            </p:style>
+            <p:txBody>
+              <a:bodyPr rtlCol="0" anchor="ctr"/>
+              <a:lstStyle/>
+              <a:p>
+                <a:pPr algn="ctr"/>
+                <a:endParaRPr lang="en-IN"/>
+              </a:p>
+            </p:txBody>
+          </p:sp>
+          <p:sp>
+            <p:nvSpPr>
+              <p:cNvPr id="79" name="Arc 78"/>
+              <p:cNvSpPr/>
+              <p:nvPr/>
+            </p:nvSpPr>
+            <p:spPr>
+              <a:xfrm rot="17312621">
+                <a:off x="4443562" y="3283738"/>
+                <a:ext cx="411140" cy="406244"/>
+              </a:xfrm>
+              <a:prstGeom prst="arc">
+                <a:avLst>
+                  <a:gd name="adj1" fmla="val 16200000"/>
+                  <a:gd name="adj2" fmla="val 1056852"/>
+                </a:avLst>
+              </a:prstGeom>
+              <a:ln w="19050">
+                <a:solidFill>
+                  <a:schemeClr val="bg1"/>
+                </a:solidFill>
+              </a:ln>
+            </p:spPr>
+            <p:style>
+              <a:lnRef idx="1">
+                <a:schemeClr val="accent1"/>
+              </a:lnRef>
+              <a:fillRef idx="0">
+                <a:schemeClr val="accent1"/>
+              </a:fillRef>
+              <a:effectRef idx="0">
+                <a:schemeClr val="accent1"/>
+              </a:effectRef>
+              <a:fontRef idx="minor">
+                <a:schemeClr val="tx1"/>
+              </a:fontRef>
+            </p:style>
+            <p:txBody>
+              <a:bodyPr rtlCol="0" anchor="ctr"/>
+              <a:lstStyle/>
+              <a:p>
+                <a:pPr algn="ctr"/>
+                <a:endParaRPr lang="en-IN"/>
+              </a:p>
+            </p:txBody>
+          </p:sp>
+        </p:grpSp>
+        <p:grpSp>
+          <p:nvGrpSpPr>
+            <p:cNvPr id="95" name="Group 94"/>
+            <p:cNvGrpSpPr/>
+            <p:nvPr/>
+          </p:nvGrpSpPr>
+          <p:grpSpPr>
+            <a:xfrm rot="3479441">
+              <a:off x="6145884" y="2371661"/>
+              <a:ext cx="612815" cy="574721"/>
+              <a:chOff x="4239439" y="3281290"/>
+              <a:chExt cx="612815" cy="574721"/>
+            </a:xfrm>
+          </p:grpSpPr>
+          <p:sp>
+            <p:nvSpPr>
+              <p:cNvPr id="96" name="Arc 95"/>
+              <p:cNvSpPr/>
+              <p:nvPr/>
+            </p:nvSpPr>
+            <p:spPr>
+              <a:xfrm rot="13792281">
+                <a:off x="4215116" y="3421793"/>
+                <a:ext cx="458541" cy="409896"/>
+              </a:xfrm>
+              <a:prstGeom prst="arc">
+                <a:avLst>
+                  <a:gd name="adj1" fmla="val 18217138"/>
+                  <a:gd name="adj2" fmla="val 2785535"/>
+                </a:avLst>
+              </a:prstGeom>
+              <a:ln w="19050">
+                <a:solidFill>
+                  <a:schemeClr val="bg1"/>
+                </a:solidFill>
+              </a:ln>
+            </p:spPr>
+            <p:style>
+              <a:lnRef idx="1">
+                <a:schemeClr val="accent1"/>
+              </a:lnRef>
+              <a:fillRef idx="0">
+                <a:schemeClr val="accent1"/>
+              </a:fillRef>
+              <a:effectRef idx="0">
+                <a:schemeClr val="accent1"/>
+              </a:effectRef>
+              <a:fontRef idx="minor">
+                <a:schemeClr val="tx1"/>
+              </a:fontRef>
+            </p:style>
+            <p:txBody>
+              <a:bodyPr rtlCol="0" anchor="ctr"/>
+              <a:lstStyle/>
+              <a:p>
+                <a:pPr algn="ctr"/>
+                <a:endParaRPr lang="en-IN"/>
+              </a:p>
+            </p:txBody>
+          </p:sp>
+          <p:sp>
+            <p:nvSpPr>
+              <p:cNvPr id="97" name="Arc 96"/>
+              <p:cNvSpPr/>
+              <p:nvPr/>
+            </p:nvSpPr>
+            <p:spPr>
+              <a:xfrm rot="17312621">
+                <a:off x="4443562" y="3283738"/>
+                <a:ext cx="411140" cy="406244"/>
+              </a:xfrm>
+              <a:prstGeom prst="arc">
+                <a:avLst>
+                  <a:gd name="adj1" fmla="val 16200000"/>
+                  <a:gd name="adj2" fmla="val 1056852"/>
+                </a:avLst>
+              </a:prstGeom>
+              <a:ln w="19050">
+                <a:solidFill>
+                  <a:schemeClr val="bg1"/>
+                </a:solidFill>
+              </a:ln>
+            </p:spPr>
+            <p:style>
+              <a:lnRef idx="1">
+                <a:schemeClr val="accent1"/>
+              </a:lnRef>
+              <a:fillRef idx="0">
+                <a:schemeClr val="accent1"/>
+              </a:fillRef>
+              <a:effectRef idx="0">
+                <a:schemeClr val="accent1"/>
+              </a:effectRef>
+              <a:fontRef idx="minor">
+                <a:schemeClr val="tx1"/>
+              </a:fontRef>
+            </p:style>
+            <p:txBody>
+              <a:bodyPr rtlCol="0" anchor="ctr"/>
+              <a:lstStyle/>
+              <a:p>
+                <a:pPr algn="ctr"/>
+                <a:endParaRPr lang="en-IN"/>
+              </a:p>
+            </p:txBody>
+          </p:sp>
+        </p:grpSp>
+        <p:cxnSp>
+          <p:nvCxnSpPr>
+            <p:cNvPr id="116" name="Straight Arrow Connector 115"/>
+            <p:cNvCxnSpPr/>
+            <p:nvPr/>
+          </p:nvCxnSpPr>
+          <p:spPr>
+            <a:xfrm flipV="1">
+              <a:off x="6536378" y="2125361"/>
+              <a:ext cx="208966" cy="375303"/>
+            </a:xfrm>
+            <a:prstGeom prst="straightConnector1">
+              <a:avLst/>
+            </a:prstGeom>
+            <a:ln>
+              <a:solidFill>
+                <a:schemeClr val="bg1"/>
+              </a:solidFill>
+              <a:tailEnd type="arrow"/>
+            </a:ln>
+          </p:spPr>
+          <p:style>
+            <a:lnRef idx="1">
+              <a:schemeClr val="accent1"/>
+            </a:lnRef>
+            <a:fillRef idx="0">
+              <a:schemeClr val="accent1"/>
+            </a:fillRef>
+            <a:effectRef idx="0">
+              <a:schemeClr val="accent1"/>
+            </a:effectRef>
+            <a:fontRef idx="minor">
+              <a:schemeClr val="tx1"/>
+            </a:fontRef>
+          </p:style>
+        </p:cxnSp>
+        <p:cxnSp>
+          <p:nvCxnSpPr>
+            <p:cNvPr id="119" name="Straight Arrow Connector 118"/>
+            <p:cNvCxnSpPr>
+              <a:stCxn id="79" idx="0"/>
+            </p:cNvCxnSpPr>
+            <p:nvPr/>
+          </p:nvCxnSpPr>
+          <p:spPr>
+            <a:xfrm flipH="1" flipV="1">
+              <a:off x="4732501" y="2221999"/>
+              <a:ext cx="217117" cy="358847"/>
+            </a:xfrm>
+            <a:prstGeom prst="straightConnector1">
+              <a:avLst/>
+            </a:prstGeom>
+            <a:ln>
+              <a:solidFill>
+                <a:schemeClr val="bg1"/>
+              </a:solidFill>
+              <a:tailEnd type="arrow"/>
+            </a:ln>
+          </p:spPr>
+          <p:style>
+            <a:lnRef idx="1">
+              <a:schemeClr val="accent1"/>
+            </a:lnRef>
+            <a:fillRef idx="0">
+              <a:schemeClr val="accent1"/>
+            </a:fillRef>
+            <a:effectRef idx="0">
+              <a:schemeClr val="accent1"/>
+            </a:effectRef>
+            <a:fontRef idx="minor">
+              <a:schemeClr val="tx1"/>
+            </a:fontRef>
+          </p:style>
+        </p:cxnSp>
+      </p:grpSp>
+      <p:cxnSp>
+        <p:nvCxnSpPr>
+          <p:cNvPr id="123" name="Straight Arrow Connector 122"/>
+          <p:cNvCxnSpPr>
+            <a:stCxn id="102" idx="2"/>
+          </p:cNvCxnSpPr>
+          <p:nvPr/>
+        </p:nvCxnSpPr>
+        <p:spPr>
+          <a:xfrm>
+            <a:off x="6359746" y="4371439"/>
+            <a:ext cx="345639" cy="321629"/>
+          </a:xfrm>
+          <a:prstGeom prst="straightConnector1">
+            <a:avLst/>
+          </a:prstGeom>
+          <a:ln>
+            <a:solidFill>
+              <a:schemeClr val="bg1"/>
+            </a:solidFill>
+            <a:tailEnd type="arrow"/>
+          </a:ln>
+          <a:effectLst>
+            <a:glow rad="63500">
+              <a:schemeClr val="accent5">
+                <a:satMod val="175000"/>
+                <a:alpha val="40000"/>
+              </a:schemeClr>
+            </a:glow>
+          </a:effectLst>
+        </p:spPr>
+        <p:style>
+          <a:lnRef idx="1">
+            <a:schemeClr val="accent1"/>
+          </a:lnRef>
+          <a:fillRef idx="0">
+            <a:schemeClr val="accent1"/>
+          </a:fillRef>
+          <a:effectRef idx="0">
+            <a:schemeClr val="accent1"/>
+          </a:effectRef>
+          <a:fontRef idx="minor">
+            <a:schemeClr val="tx1"/>
+          </a:fontRef>
+        </p:style>
+      </p:cxnSp>
+      <p:cxnSp>
+        <p:nvCxnSpPr>
+          <p:cNvPr id="1032" name="Straight Arrow Connector 1031"/>
+          <p:cNvCxnSpPr>
+            <a:stCxn id="99" idx="2"/>
+          </p:cNvCxnSpPr>
+          <p:nvPr/>
+        </p:nvCxnSpPr>
+        <p:spPr>
+          <a:xfrm flipH="1">
+            <a:off x="4041089" y="4377017"/>
+            <a:ext cx="366741" cy="260767"/>
+          </a:xfrm>
+          <a:prstGeom prst="straightConnector1">
+            <a:avLst/>
+          </a:prstGeom>
+          <a:ln>
+            <a:solidFill>
+              <a:schemeClr val="bg1"/>
+            </a:solidFill>
+            <a:tailEnd type="arrow"/>
+          </a:ln>
+          <a:effectLst>
+            <a:glow rad="63500">
+              <a:schemeClr val="accent5">
+                <a:satMod val="175000"/>
+                <a:alpha val="40000"/>
+              </a:schemeClr>
+            </a:glow>
+          </a:effectLst>
+        </p:spPr>
+        <p:style>
+          <a:lnRef idx="1">
+            <a:schemeClr val="accent1"/>
+          </a:lnRef>
+          <a:fillRef idx="0">
+            <a:schemeClr val="accent1"/>
+          </a:fillRef>
+          <a:effectRef idx="0">
+            <a:schemeClr val="accent1"/>
+          </a:effectRef>
+          <a:fontRef idx="minor">
+            <a:schemeClr val="tx1"/>
+          </a:fontRef>
+        </p:style>
+      </p:cxnSp>
+      <p:sp>
+        <p:nvSpPr>
+          <p:cNvPr id="1035" name="TextBox 1034"/>
           <p:cNvSpPr txBox="1"/>
           <p:nvPr/>
         </p:nvSpPr>
         <p:spPr>
           <a:xfrm>
-            <a:off x="3131840" y="1988840"/>
-            <a:ext cx="1445780" cy="369332"/>
+            <a:off x="2389152" y="2553823"/>
+            <a:ext cx="3158736" cy="1231106"/>
           </a:xfrm>
           <a:prstGeom prst="rect">
             <a:avLst/>
@@ -16895,29 +19928,315 @@
           <a:noFill/>
         </p:spPr>
         <p:txBody>
-          <a:bodyPr wrap="none" rtlCol="0">
+          <a:bodyPr wrap="square" rtlCol="0">
+            <a:spAutoFit/>
+          </a:bodyPr>
+          <a:lstStyle/>
+          <a:p>
+            <a:pPr lvl="0"/>
+            <a:r>
+              <a:rPr lang="en-IN" sz="1600" dirty="0">
+                <a:latin typeface="Times New Roman" pitchFamily="18" charset="0"/>
+                <a:cs typeface="Times New Roman" pitchFamily="18" charset="0"/>
+              </a:rPr>
+              <a:t>End to End Software Solutions</a:t>
+            </a:r>
+          </a:p>
+          <a:p>
+            <a:pPr lvl="0"/>
+            <a:r>
+              <a:rPr lang="en-IN" sz="1600" dirty="0">
+                <a:latin typeface="Times New Roman" pitchFamily="18" charset="0"/>
+                <a:cs typeface="Times New Roman" pitchFamily="18" charset="0"/>
+              </a:rPr>
+              <a:t>Android , Desktop, Web, </a:t>
+            </a:r>
+            <a:r>
+              <a:rPr lang="en-IN" sz="1600" dirty="0" smtClean="0">
+                <a:latin typeface="Times New Roman" pitchFamily="18" charset="0"/>
+                <a:cs typeface="Times New Roman" pitchFamily="18" charset="0"/>
+              </a:rPr>
+              <a:t>DB</a:t>
+            </a:r>
+            <a:endParaRPr lang="en-IN" sz="1600" dirty="0">
+              <a:latin typeface="Times New Roman" pitchFamily="18" charset="0"/>
+              <a:cs typeface="Times New Roman" pitchFamily="18" charset="0"/>
+            </a:endParaRPr>
+          </a:p>
+          <a:p>
+            <a:endParaRPr lang="en-IN" sz="2400" dirty="0"/>
+          </a:p>
+          <a:p>
+            <a:endParaRPr lang="en-IN" dirty="0"/>
+          </a:p>
+        </p:txBody>
+      </p:sp>
+      <p:sp>
+        <p:nvSpPr>
+          <p:cNvPr id="1036" name="TextBox 1035"/>
+          <p:cNvSpPr txBox="1"/>
+          <p:nvPr/>
+        </p:nvSpPr>
+        <p:spPr>
+          <a:xfrm>
+            <a:off x="6210568" y="2390065"/>
+            <a:ext cx="2567391" cy="861774"/>
+          </a:xfrm>
+          <a:prstGeom prst="rect">
+            <a:avLst/>
+          </a:prstGeom>
+          <a:noFill/>
+        </p:spPr>
+        <p:txBody>
+          <a:bodyPr wrap="square" rtlCol="0">
+            <a:spAutoFit/>
+          </a:bodyPr>
+          <a:lstStyle/>
+          <a:p>
+            <a:pPr lvl="0"/>
+            <a:r>
+              <a:rPr lang="en-IN" sz="1600" dirty="0">
+                <a:latin typeface="Times New Roman" pitchFamily="18" charset="0"/>
+                <a:cs typeface="Times New Roman" pitchFamily="18" charset="0"/>
+              </a:rPr>
+              <a:t>Staffing – Software Professionals</a:t>
+            </a:r>
+          </a:p>
+          <a:p>
+            <a:endParaRPr lang="en-IN" dirty="0"/>
+          </a:p>
+        </p:txBody>
+      </p:sp>
+      <p:sp>
+        <p:nvSpPr>
+          <p:cNvPr id="1037" name="TextBox 1036"/>
+          <p:cNvSpPr txBox="1"/>
+          <p:nvPr/>
+        </p:nvSpPr>
+        <p:spPr>
+          <a:xfrm>
+            <a:off x="2717375" y="4808379"/>
+            <a:ext cx="3505196" cy="615553"/>
+          </a:xfrm>
+          <a:prstGeom prst="rect">
+            <a:avLst/>
+          </a:prstGeom>
+          <a:noFill/>
+        </p:spPr>
+        <p:txBody>
+          <a:bodyPr wrap="square" rtlCol="0">
+            <a:spAutoFit/>
+          </a:bodyPr>
+          <a:lstStyle/>
+          <a:p>
+            <a:pPr lvl="0"/>
+            <a:r>
+              <a:rPr lang="en-IN" sz="1600" dirty="0">
+                <a:latin typeface="Times New Roman" pitchFamily="18" charset="0"/>
+                <a:cs typeface="Times New Roman" pitchFamily="18" charset="0"/>
+              </a:rPr>
+              <a:t>Software Testing</a:t>
+            </a:r>
+            <a:endParaRPr lang="en-IN" sz="2000" dirty="0"/>
+          </a:p>
+          <a:p>
+            <a:endParaRPr lang="en-IN" dirty="0"/>
+          </a:p>
+        </p:txBody>
+      </p:sp>
+      <p:sp>
+        <p:nvSpPr>
+          <p:cNvPr id="1038" name="TextBox 1037"/>
+          <p:cNvSpPr txBox="1"/>
+          <p:nvPr/>
+        </p:nvSpPr>
+        <p:spPr>
+          <a:xfrm>
+            <a:off x="5948393" y="4666219"/>
+            <a:ext cx="2641100" cy="584775"/>
+          </a:xfrm>
+          <a:prstGeom prst="rect">
+            <a:avLst/>
+          </a:prstGeom>
+          <a:noFill/>
+        </p:spPr>
+        <p:txBody>
+          <a:bodyPr wrap="square" rtlCol="0">
             <a:spAutoFit/>
           </a:bodyPr>
           <a:lstStyle/>
           <a:p>
             <a:r>
-              <a:rPr lang="en-IN" dirty="0" smtClean="0"/>
-              <a:t>Any Question</a:t>
+              <a:rPr lang="en-IN" sz="1600" dirty="0">
+                <a:latin typeface="Times New Roman" pitchFamily="18" charset="0"/>
+                <a:cs typeface="Times New Roman" pitchFamily="18" charset="0"/>
+              </a:rPr>
+              <a:t>Geographical Information System(GIS</a:t>
+            </a:r>
+            <a:endParaRPr lang="en-IN" sz="1600" dirty="0"/>
+          </a:p>
+        </p:txBody>
+      </p:sp>
+      <p:sp>
+        <p:nvSpPr>
+          <p:cNvPr id="1043" name="TextBox 1042"/>
+          <p:cNvSpPr txBox="1"/>
+          <p:nvPr/>
+        </p:nvSpPr>
+        <p:spPr>
+          <a:xfrm>
+            <a:off x="4902684" y="3814424"/>
+            <a:ext cx="1443516" cy="369332"/>
+          </a:xfrm>
+          <a:prstGeom prst="rect">
+            <a:avLst/>
+          </a:prstGeom>
+          <a:noFill/>
+        </p:spPr>
+        <p:txBody>
+          <a:bodyPr wrap="square" rtlCol="0">
+            <a:spAutoFit/>
+          </a:bodyPr>
+          <a:lstStyle/>
+          <a:p>
+            <a:r>
+              <a:rPr lang="en-IN" b="1" dirty="0" smtClean="0">
+                <a:latin typeface="AR ESSENCE" pitchFamily="2" charset="0"/>
+              </a:rPr>
+              <a:t>Services </a:t>
+            </a:r>
+            <a:endParaRPr lang="en-IN" b="1" dirty="0">
+              <a:latin typeface="AR ESSENCE" pitchFamily="2" charset="0"/>
+            </a:endParaRPr>
+          </a:p>
+        </p:txBody>
+      </p:sp>
+      <p:sp>
+        <p:nvSpPr>
+          <p:cNvPr id="1047" name="Rectangle 1046"/>
+          <p:cNvSpPr/>
+          <p:nvPr/>
+        </p:nvSpPr>
+        <p:spPr>
+          <a:xfrm>
+            <a:off x="2871970" y="6063572"/>
+            <a:ext cx="3267241" cy="369332"/>
+          </a:xfrm>
+          <a:prstGeom prst="rect">
+            <a:avLst/>
+          </a:prstGeom>
+        </p:spPr>
+        <p:txBody>
+          <a:bodyPr wrap="none">
+            <a:spAutoFit/>
+          </a:bodyPr>
+          <a:lstStyle/>
+          <a:p>
+            <a:r>
+              <a:rPr lang="en-IN" dirty="0" err="1">
+                <a:latin typeface="AR DESTINE" pitchFamily="2" charset="0"/>
+                <a:cs typeface="Times New Roman" pitchFamily="18" charset="0"/>
+              </a:rPr>
+              <a:t>Anvisys</a:t>
+            </a:r>
+            <a:r>
+              <a:rPr lang="en-IN" dirty="0">
+                <a:latin typeface="AR DESTINE" pitchFamily="2" charset="0"/>
+                <a:cs typeface="Times New Roman" pitchFamily="18" charset="0"/>
+              </a:rPr>
+              <a:t> technology </a:t>
+            </a:r>
+            <a:r>
+              <a:rPr lang="en-IN" dirty="0" err="1">
+                <a:latin typeface="AR DESTINE" pitchFamily="2" charset="0"/>
+                <a:cs typeface="Times New Roman" pitchFamily="18" charset="0"/>
+              </a:rPr>
+              <a:t>Pvt.</a:t>
+            </a:r>
+            <a:r>
+              <a:rPr lang="en-IN" dirty="0">
+                <a:latin typeface="AR DESTINE" pitchFamily="2" charset="0"/>
+                <a:cs typeface="Times New Roman" pitchFamily="18" charset="0"/>
+              </a:rPr>
+              <a:t> Ltd</a:t>
             </a:r>
             <a:endParaRPr lang="en-IN" dirty="0"/>
+          </a:p>
+        </p:txBody>
+      </p:sp>
+      <p:pic>
+        <p:nvPicPr>
+          <p:cNvPr id="155" name="Picture 11" descr="C:\Users\varun\Desktop\posters\logo\icAnvisys_transparent.png"/>
+          <p:cNvPicPr>
+            <a:picLocks noChangeAspect="1" noChangeArrowheads="1"/>
+          </p:cNvPicPr>
+          <p:nvPr/>
+        </p:nvPicPr>
+        <p:blipFill>
+          <a:blip r:embed="rId3"/>
+          <a:srcRect/>
+          <a:stretch>
+            <a:fillRect/>
+          </a:stretch>
+        </p:blipFill>
+        <p:spPr bwMode="auto">
+          <a:xfrm>
+            <a:off x="1644014" y="5097201"/>
+            <a:ext cx="1785950" cy="1928826"/>
+          </a:xfrm>
+          <a:prstGeom prst="rect">
+            <a:avLst/>
+          </a:prstGeom>
+          <a:noFill/>
+        </p:spPr>
+      </p:pic>
+      <p:sp>
+        <p:nvSpPr>
+          <p:cNvPr id="1048" name="TextBox 1047"/>
+          <p:cNvSpPr txBox="1"/>
+          <p:nvPr/>
+        </p:nvSpPr>
+        <p:spPr>
+          <a:xfrm>
+            <a:off x="2113206" y="620688"/>
+            <a:ext cx="6476287" cy="646331"/>
+          </a:xfrm>
+          <a:prstGeom prst="rect">
+            <a:avLst/>
+          </a:prstGeom>
+          <a:noFill/>
+        </p:spPr>
+        <p:txBody>
+          <a:bodyPr wrap="square" rtlCol="0">
+            <a:spAutoFit/>
+          </a:bodyPr>
+          <a:lstStyle/>
+          <a:p>
+            <a:r>
+              <a:rPr lang="en-IN" b="1" dirty="0" smtClean="0"/>
+              <a:t>WE AIM TO MAINTAIN A LONG TERM RELATION WITH OUR CLIENTS BY PROVIDING A RANGE OF SERVICES. </a:t>
+            </a:r>
+            <a:endParaRPr lang="en-IN" b="1" dirty="0"/>
           </a:p>
         </p:txBody>
       </p:sp>
     </p:spTree>
     <p:extLst>
       <p:ext uri="{BB962C8B-B14F-4D97-AF65-F5344CB8AC3E}">
-        <p14:creationId xmlns:p14="http://schemas.microsoft.com/office/powerpoint/2010/main" val="276203779"/>
+        <p14:creationId xmlns:p14="http://schemas.microsoft.com/office/powerpoint/2010/main" val="2223648443"/>
       </p:ext>
     </p:extLst>
   </p:cSld>
   <p:clrMapOvr>
     <a:masterClrMapping/>
   </p:clrMapOvr>
+  <p:timing>
+    <p:tnLst>
+      <p:par>
+        <p:cTn id="1" dur="indefinite" restart="never" nodeType="tmRoot"/>
+      </p:par>
+    </p:tnLst>
+  </p:timing>
 </p:sld>
 </file>
 
@@ -19922,7 +23241,7 @@
           <p:cNvPr id="2" name="Title 1">
             <a:extLst>
               <a:ext uri="{FF2B5EF4-FFF2-40B4-BE49-F238E27FC236}">
-                <a16:creationId xmlns="" xmlns:a16="http://schemas.microsoft.com/office/drawing/2014/main" id="{865131AC-C32E-4601-89C1-F9ECEAF1EE04}"/>
+                <a16:creationId xmlns:a16="http://schemas.microsoft.com/office/drawing/2014/main" xmlns="" id="{865131AC-C32E-4601-89C1-F9ECEAF1EE04}"/>
               </a:ext>
             </a:extLst>
           </p:cNvPr>
@@ -19950,7 +23269,7 @@
           <p:cNvPr id="4" name="Content Placeholder 3">
             <a:extLst>
               <a:ext uri="{FF2B5EF4-FFF2-40B4-BE49-F238E27FC236}">
-                <a16:creationId xmlns="" xmlns:a16="http://schemas.microsoft.com/office/drawing/2014/main" id="{A72069BE-05CC-45C4-AAAF-DD81FB7FC5EC}"/>
+                <a16:creationId xmlns:a16="http://schemas.microsoft.com/office/drawing/2014/main" xmlns="" id="{A72069BE-05CC-45C4-AAAF-DD81FB7FC5EC}"/>
               </a:ext>
             </a:extLst>
           </p:cNvPr>
@@ -19982,7 +23301,7 @@
           <p:cNvPr id="6" name="Content Placeholder 4">
             <a:extLst>
               <a:ext uri="{FF2B5EF4-FFF2-40B4-BE49-F238E27FC236}">
-                <a16:creationId xmlns="" xmlns:a16="http://schemas.microsoft.com/office/drawing/2014/main" id="{7BF9F0F9-5BC9-4CB9-99D8-5D9E77EBA532}"/>
+                <a16:creationId xmlns:a16="http://schemas.microsoft.com/office/drawing/2014/main" xmlns="" id="{7BF9F0F9-5BC9-4CB9-99D8-5D9E77EBA532}"/>
               </a:ext>
             </a:extLst>
           </p:cNvPr>
@@ -23402,7 +26721,7 @@
           <p:cNvPr id="2" name="Title 1">
             <a:extLst>
               <a:ext uri="{FF2B5EF4-FFF2-40B4-BE49-F238E27FC236}">
-                <a16:creationId xmlns="" xmlns:a16="http://schemas.microsoft.com/office/drawing/2014/main" id="{FDB1AA29-50E7-47E6-B428-02DFC33376E2}"/>
+                <a16:creationId xmlns:a16="http://schemas.microsoft.com/office/drawing/2014/main" xmlns="" id="{FDB1AA29-50E7-47E6-B428-02DFC33376E2}"/>
               </a:ext>
             </a:extLst>
           </p:cNvPr>
@@ -23430,7 +26749,7 @@
           <p:cNvPr id="5" name="Content Placeholder 4">
             <a:extLst>
               <a:ext uri="{FF2B5EF4-FFF2-40B4-BE49-F238E27FC236}">
-                <a16:creationId xmlns="" xmlns:a16="http://schemas.microsoft.com/office/drawing/2014/main" id="{847CD382-9F7F-4E8D-9A4A-354D788A0575}"/>
+                <a16:creationId xmlns:a16="http://schemas.microsoft.com/office/drawing/2014/main" xmlns="" id="{847CD382-9F7F-4E8D-9A4A-354D788A0575}"/>
               </a:ext>
             </a:extLst>
           </p:cNvPr>
@@ -23465,7 +26784,7 @@
           <p:cNvPr id="6" name="Rectangle 5">
             <a:extLst>
               <a:ext uri="{FF2B5EF4-FFF2-40B4-BE49-F238E27FC236}">
-                <a16:creationId xmlns="" xmlns:a16="http://schemas.microsoft.com/office/drawing/2014/main" id="{098B67DA-9FA7-4BEF-A34E-941BB7FC651C}"/>
+                <a16:creationId xmlns:a16="http://schemas.microsoft.com/office/drawing/2014/main" xmlns="" id="{098B67DA-9FA7-4BEF-A34E-941BB7FC651C}"/>
               </a:ext>
             </a:extLst>
           </p:cNvPr>
@@ -23584,7 +26903,7 @@
           <p:cNvPr id="2" name="Title 1">
             <a:extLst>
               <a:ext uri="{FF2B5EF4-FFF2-40B4-BE49-F238E27FC236}">
-                <a16:creationId xmlns="" xmlns:a16="http://schemas.microsoft.com/office/drawing/2014/main" id="{50593DC5-4360-41D5-8B5E-737BD66331DD}"/>
+                <a16:creationId xmlns:a16="http://schemas.microsoft.com/office/drawing/2014/main" xmlns="" id="{50593DC5-4360-41D5-8B5E-737BD66331DD}"/>
               </a:ext>
             </a:extLst>
           </p:cNvPr>
@@ -23612,7 +26931,7 @@
           <p:cNvPr id="3" name="Content Placeholder 2">
             <a:extLst>
               <a:ext uri="{FF2B5EF4-FFF2-40B4-BE49-F238E27FC236}">
-                <a16:creationId xmlns="" xmlns:a16="http://schemas.microsoft.com/office/drawing/2014/main" id="{C5AE02B3-EF90-4416-AEEE-224A06B0B82F}"/>
+                <a16:creationId xmlns:a16="http://schemas.microsoft.com/office/drawing/2014/main" xmlns="" id="{C5AE02B3-EF90-4416-AEEE-224A06B0B82F}"/>
               </a:ext>
             </a:extLst>
           </p:cNvPr>
@@ -23682,7 +27001,7 @@
           <p:cNvPr id="4" name="Picture 3">
             <a:extLst>
               <a:ext uri="{FF2B5EF4-FFF2-40B4-BE49-F238E27FC236}">
-                <a16:creationId xmlns="" xmlns:a16="http://schemas.microsoft.com/office/drawing/2014/main" id="{A42434AC-FE93-41AA-8252-B01263232350}"/>
+                <a16:creationId xmlns:a16="http://schemas.microsoft.com/office/drawing/2014/main" xmlns="" id="{A42434AC-FE93-41AA-8252-B01263232350}"/>
               </a:ext>
             </a:extLst>
           </p:cNvPr>
@@ -23749,7 +27068,7 @@
           <p:cNvPr id="2" name="Title 1">
             <a:extLst>
               <a:ext uri="{FF2B5EF4-FFF2-40B4-BE49-F238E27FC236}">
-                <a16:creationId xmlns="" xmlns:a16="http://schemas.microsoft.com/office/drawing/2014/main" id="{C92193BD-EEB5-4CC3-BE21-D39BD95A385D}"/>
+                <a16:creationId xmlns:a16="http://schemas.microsoft.com/office/drawing/2014/main" xmlns="" id="{C92193BD-EEB5-4CC3-BE21-D39BD95A385D}"/>
               </a:ext>
             </a:extLst>
           </p:cNvPr>
@@ -23777,7 +27096,7 @@
           <p:cNvPr id="3" name="Content Placeholder 2">
             <a:extLst>
               <a:ext uri="{FF2B5EF4-FFF2-40B4-BE49-F238E27FC236}">
-                <a16:creationId xmlns="" xmlns:a16="http://schemas.microsoft.com/office/drawing/2014/main" id="{A4590DDC-E5B1-460D-8B70-03C4082BCC79}"/>
+                <a16:creationId xmlns:a16="http://schemas.microsoft.com/office/drawing/2014/main" xmlns="" id="{A4590DDC-E5B1-460D-8B70-03C4082BCC79}"/>
               </a:ext>
             </a:extLst>
           </p:cNvPr>

--- a/Anvisys-Profile.pptx
+++ b/Anvisys-Profile.pptx
@@ -5,7 +5,7 @@
     <p:sldMasterId id="2147483648" r:id="rId1"/>
   </p:sldMasterIdLst>
   <p:notesMasterIdLst>
-    <p:notesMasterId r:id="rId18"/>
+    <p:notesMasterId r:id="rId19"/>
   </p:notesMasterIdLst>
   <p:sldIdLst>
     <p:sldId id="259" r:id="rId2"/>
@@ -24,6 +24,7 @@
     <p:sldId id="265" r:id="rId15"/>
     <p:sldId id="266" r:id="rId16"/>
     <p:sldId id="273" r:id="rId17"/>
+    <p:sldId id="275" r:id="rId18"/>
   </p:sldIdLst>
   <p:sldSz cx="9144000" cy="6858000" type="screen4x3"/>
   <p:notesSz cx="6858000" cy="9144000"/>
@@ -124,7 +125,7 @@
   </p:defaultTextStyle>
   <p:extLst>
     <p:ext uri="{EFAFB233-063F-42B5-8137-9DF3F51BA10A}">
-      <p15:sldGuideLst xmlns:p15="http://schemas.microsoft.com/office/powerpoint/2012/main" xmlns="">
+      <p15:sldGuideLst xmlns="" xmlns:p15="http://schemas.microsoft.com/office/powerpoint/2012/main">
         <p15:guide id="1" orient="horz" pos="2160">
           <p15:clr>
             <a:srgbClr val="A4A3A4"/>
@@ -666,6 +667,122 @@
     <p:extLst>
       <p:ext uri="{BB962C8B-B14F-4D97-AF65-F5344CB8AC3E}">
         <p14:creationId xmlns:p14="http://schemas.microsoft.com/office/powerpoint/2010/main" val="334959490"/>
+      </p:ext>
+    </p:extLst>
+  </p:cSld>
+  <p:clrMapOvr>
+    <a:masterClrMapping/>
+  </p:clrMapOvr>
+</p:notes>
+</file>
+
+<file path=ppt/notesSlides/notesSlide3.xml><?xml version="1.0" encoding="utf-8"?>
+<p:notes xmlns:a="http://schemas.openxmlformats.org/drawingml/2006/main" xmlns:r="http://schemas.openxmlformats.org/officeDocument/2006/relationships" xmlns:p="http://schemas.openxmlformats.org/presentationml/2006/main">
+  <p:cSld>
+    <p:spTree>
+      <p:nvGrpSpPr>
+        <p:cNvPr id="1" name=""/>
+        <p:cNvGrpSpPr/>
+        <p:nvPr/>
+      </p:nvGrpSpPr>
+      <p:grpSpPr>
+        <a:xfrm>
+          <a:off x="0" y="0"/>
+          <a:ext cx="0" cy="0"/>
+          <a:chOff x="0" y="0"/>
+          <a:chExt cx="0" cy="0"/>
+        </a:xfrm>
+      </p:grpSpPr>
+      <p:sp>
+        <p:nvSpPr>
+          <p:cNvPr id="2" name="Slide Image Placeholder 1"/>
+          <p:cNvSpPr>
+            <a:spLocks noGrp="1" noRot="1" noChangeAspect="1"/>
+          </p:cNvSpPr>
+          <p:nvPr>
+            <p:ph type="sldImg"/>
+          </p:nvPr>
+        </p:nvSpPr>
+        <p:spPr/>
+      </p:sp>
+      <p:sp>
+        <p:nvSpPr>
+          <p:cNvPr id="3" name="Notes Placeholder 2"/>
+          <p:cNvSpPr>
+            <a:spLocks noGrp="1"/>
+          </p:cNvSpPr>
+          <p:nvPr>
+            <p:ph type="body" idx="1"/>
+          </p:nvPr>
+        </p:nvSpPr>
+        <p:spPr/>
+        <p:txBody>
+          <a:bodyPr/>
+          <a:lstStyle/>
+          <a:p>
+            <a:r>
+              <a:rPr lang="en-IN" dirty="0" smtClean="0"/>
+              <a:t>Poster for</a:t>
+            </a:r>
+            <a:r>
+              <a:rPr lang="en-IN" baseline="0" dirty="0" smtClean="0"/>
+              <a:t> </a:t>
+            </a:r>
+            <a:r>
+              <a:rPr lang="en-IN" baseline="0" dirty="0" err="1" smtClean="0"/>
+              <a:t>anvisys</a:t>
+            </a:r>
+            <a:r>
+              <a:rPr lang="en-IN" baseline="0" dirty="0" smtClean="0"/>
+              <a:t> branding </a:t>
+            </a:r>
+          </a:p>
+          <a:p>
+            <a:r>
+              <a:rPr lang="en-IN" baseline="0" dirty="0" smtClean="0"/>
+              <a:t>Colour of the top needs to be changed accordingly</a:t>
+            </a:r>
+          </a:p>
+          <a:p>
+            <a:r>
+              <a:rPr lang="en-IN" baseline="0" dirty="0" smtClean="0"/>
+              <a:t>Fonts have been enhanced </a:t>
+            </a:r>
+            <a:r>
+              <a:rPr lang="en-IN" baseline="0" smtClean="0"/>
+              <a:t>and aligned  </a:t>
+            </a:r>
+            <a:endParaRPr lang="en-IN" baseline="0" dirty="0" smtClean="0"/>
+          </a:p>
+        </p:txBody>
+      </p:sp>
+      <p:sp>
+        <p:nvSpPr>
+          <p:cNvPr id="4" name="Slide Number Placeholder 3"/>
+          <p:cNvSpPr>
+            <a:spLocks noGrp="1"/>
+          </p:cNvSpPr>
+          <p:nvPr>
+            <p:ph type="sldNum" sz="quarter" idx="10"/>
+          </p:nvPr>
+        </p:nvSpPr>
+        <p:spPr/>
+        <p:txBody>
+          <a:bodyPr/>
+          <a:lstStyle/>
+          <a:p>
+            <a:fld id="{4CBD089A-0A94-4AFC-AFE6-28AD0A54A829}" type="slidenum">
+              <a:rPr lang="en-IN" smtClean="0"/>
+              <a:t>17</a:t>
+            </a:fld>
+            <a:endParaRPr lang="en-IN"/>
+          </a:p>
+        </p:txBody>
+      </p:sp>
+    </p:spTree>
+    <p:extLst>
+      <p:ext uri="{BB962C8B-B14F-4D97-AF65-F5344CB8AC3E}">
+        <p14:creationId xmlns:p14="http://schemas.microsoft.com/office/powerpoint/2010/main" val="500485699"/>
       </p:ext>
     </p:extLst>
   </p:cSld>
@@ -4221,79 +4338,519 @@
       </p:pic>
       <p:grpSp>
         <p:nvGrpSpPr>
-          <p:cNvPr id="42" name="Group 82"/>
+          <p:cNvPr id="2" name="Group 1"/>
           <p:cNvGrpSpPr/>
           <p:nvPr/>
         </p:nvGrpSpPr>
         <p:grpSpPr>
           <a:xfrm>
-            <a:off x="645281" y="758962"/>
-            <a:ext cx="797507" cy="1159228"/>
-            <a:chOff x="3393273" y="2214554"/>
-            <a:chExt cx="2357454" cy="4075813"/>
+            <a:off x="398229" y="430596"/>
+            <a:ext cx="2060844" cy="1487594"/>
+            <a:chOff x="398229" y="430596"/>
+            <a:chExt cx="2060844" cy="1487594"/>
           </a:xfrm>
-          <a:effectLst>
-            <a:glow rad="228600">
-              <a:schemeClr val="tx1">
-                <a:lumMod val="85000"/>
-                <a:lumOff val="15000"/>
-                <a:alpha val="40000"/>
-              </a:schemeClr>
-            </a:glow>
-          </a:effectLst>
-          <a:scene3d>
-            <a:camera prst="orthographicFront">
-              <a:rot lat="0" lon="0" rev="0"/>
-            </a:camera>
-            <a:lightRig rig="glow" dir="t">
-              <a:rot lat="0" lon="0" rev="4800000"/>
-            </a:lightRig>
-          </a:scene3d>
         </p:grpSpPr>
         <p:grpSp>
           <p:nvGrpSpPr>
-            <p:cNvPr id="52" name="Group 25"/>
+            <p:cNvPr id="42" name="Group 82"/>
             <p:cNvGrpSpPr/>
             <p:nvPr/>
           </p:nvGrpSpPr>
           <p:grpSpPr>
             <a:xfrm>
-              <a:off x="3393273" y="2214554"/>
-              <a:ext cx="2357454" cy="3143272"/>
+              <a:off x="645281" y="758962"/>
+              <a:ext cx="797507" cy="1159228"/>
               <a:chOff x="3393273" y="2214554"/>
-              <a:chExt cx="2357454" cy="3143272"/>
+              <a:chExt cx="2357454" cy="4075813"/>
             </a:xfrm>
-            <a:solidFill>
-              <a:srgbClr val="FFC000"/>
-            </a:solidFill>
+            <a:effectLst>
+              <a:glow rad="228600">
+                <a:schemeClr val="tx1">
+                  <a:lumMod val="85000"/>
+                  <a:lumOff val="15000"/>
+                  <a:alpha val="40000"/>
+                </a:schemeClr>
+              </a:glow>
+            </a:effectLst>
+            <a:scene3d>
+              <a:camera prst="orthographicFront">
+                <a:rot lat="0" lon="0" rev="0"/>
+              </a:camera>
+              <a:lightRig rig="glow" dir="t">
+                <a:rot lat="0" lon="0" rev="4800000"/>
+              </a:lightRig>
+            </a:scene3d>
+          </p:grpSpPr>
+          <p:grpSp>
+            <p:nvGrpSpPr>
+              <p:cNvPr id="52" name="Group 25"/>
+              <p:cNvGrpSpPr/>
+              <p:nvPr/>
+            </p:nvGrpSpPr>
+            <p:grpSpPr>
+              <a:xfrm>
+                <a:off x="3393273" y="2214554"/>
+                <a:ext cx="2357454" cy="3143272"/>
+                <a:chOff x="3393273" y="2214554"/>
+                <a:chExt cx="2357454" cy="3143272"/>
+              </a:xfrm>
+              <a:solidFill>
+                <a:srgbClr val="FFC000"/>
+              </a:solidFill>
+            </p:grpSpPr>
+            <p:sp>
+              <p:nvSpPr>
+                <p:cNvPr id="58" name="Rounded Rectangle 57"/>
+                <p:cNvSpPr/>
+                <p:nvPr/>
+              </p:nvSpPr>
+              <p:spPr>
+                <a:xfrm>
+                  <a:off x="4000496" y="3786190"/>
+                  <a:ext cx="1143008" cy="1571636"/>
+                </a:xfrm>
+                <a:prstGeom prst="roundRect">
+                  <a:avLst/>
+                </a:prstGeom>
+                <a:grpFill/>
+                <a:ln>
+                  <a:noFill/>
+                </a:ln>
+                <a:effectLst>
+                  <a:outerShdw blurRad="190500" dist="228600" dir="2700000" algn="ctr">
+                    <a:srgbClr val="000000">
+                      <a:alpha val="30000"/>
+                    </a:srgbClr>
+                  </a:outerShdw>
+                </a:effectLst>
+                <a:sp3d prstMaterial="matte">
+                  <a:bevelT w="127000" h="63500"/>
+                </a:sp3d>
+              </p:spPr>
+              <p:style>
+                <a:lnRef idx="2">
+                  <a:schemeClr val="accent1">
+                    <a:shade val="50000"/>
+                  </a:schemeClr>
+                </a:lnRef>
+                <a:fillRef idx="1">
+                  <a:schemeClr val="accent1"/>
+                </a:fillRef>
+                <a:effectRef idx="0">
+                  <a:schemeClr val="accent1"/>
+                </a:effectRef>
+                <a:fontRef idx="minor">
+                  <a:schemeClr val="lt1"/>
+                </a:fontRef>
+              </p:style>
+              <p:txBody>
+                <a:bodyPr rtlCol="0" anchor="ctr"/>
+                <a:lstStyle/>
+                <a:p>
+                  <a:pPr algn="ctr"/>
+                  <a:endParaRPr lang="en-IN"/>
+                </a:p>
+              </p:txBody>
+            </p:sp>
+            <p:sp>
+              <p:nvSpPr>
+                <p:cNvPr id="59" name="Oval 58"/>
+                <p:cNvSpPr/>
+                <p:nvPr/>
+              </p:nvSpPr>
+              <p:spPr>
+                <a:xfrm>
+                  <a:off x="3393273" y="2214554"/>
+                  <a:ext cx="2357454" cy="2571768"/>
+                </a:xfrm>
+                <a:prstGeom prst="ellipse">
+                  <a:avLst/>
+                </a:prstGeom>
+                <a:grpFill/>
+                <a:ln>
+                  <a:noFill/>
+                </a:ln>
+                <a:effectLst>
+                  <a:outerShdw blurRad="190500" dist="228600" dir="2700000" algn="ctr">
+                    <a:srgbClr val="000000">
+                      <a:alpha val="30000"/>
+                    </a:srgbClr>
+                  </a:outerShdw>
+                </a:effectLst>
+                <a:sp3d prstMaterial="matte">
+                  <a:bevelT w="127000" h="63500"/>
+                </a:sp3d>
+              </p:spPr>
+              <p:style>
+                <a:lnRef idx="2">
+                  <a:schemeClr val="accent1">
+                    <a:shade val="50000"/>
+                  </a:schemeClr>
+                </a:lnRef>
+                <a:fillRef idx="1">
+                  <a:schemeClr val="accent1"/>
+                </a:fillRef>
+                <a:effectRef idx="0">
+                  <a:schemeClr val="accent1"/>
+                </a:effectRef>
+                <a:fontRef idx="minor">
+                  <a:schemeClr val="lt1"/>
+                </a:fontRef>
+              </p:style>
+              <p:txBody>
+                <a:bodyPr rtlCol="0" anchor="ctr"/>
+                <a:lstStyle/>
+                <a:p>
+                  <a:pPr algn="ctr"/>
+                  <a:endParaRPr lang="en-IN"/>
+                </a:p>
+              </p:txBody>
+            </p:sp>
+          </p:grpSp>
+          <p:grpSp>
+            <p:nvGrpSpPr>
+              <p:cNvPr id="53" name="Group 37"/>
+              <p:cNvGrpSpPr/>
+              <p:nvPr/>
+            </p:nvGrpSpPr>
+            <p:grpSpPr>
+              <a:xfrm>
+                <a:off x="4107653" y="5400000"/>
+                <a:ext cx="928694" cy="890367"/>
+                <a:chOff x="4107653" y="5400000"/>
+                <a:chExt cx="928694" cy="890367"/>
+              </a:xfrm>
+              <a:solidFill>
+                <a:schemeClr val="tx1">
+                  <a:lumMod val="95000"/>
+                  <a:lumOff val="5000"/>
+                </a:schemeClr>
+              </a:solidFill>
+            </p:grpSpPr>
+            <p:sp>
+              <p:nvSpPr>
+                <p:cNvPr id="54" name="Rounded Rectangle 53"/>
+                <p:cNvSpPr/>
+                <p:nvPr/>
+              </p:nvSpPr>
+              <p:spPr>
+                <a:xfrm>
+                  <a:off x="4107653" y="5400000"/>
+                  <a:ext cx="928694" cy="170740"/>
+                </a:xfrm>
+                <a:prstGeom prst="roundRect">
+                  <a:avLst>
+                    <a:gd name="adj" fmla="val 50000"/>
+                  </a:avLst>
+                </a:prstGeom>
+                <a:grpFill/>
+                <a:ln>
+                  <a:noFill/>
+                </a:ln>
+                <a:effectLst>
+                  <a:outerShdw blurRad="190500" dist="228600" dir="2700000" algn="ctr">
+                    <a:srgbClr val="000000">
+                      <a:alpha val="30000"/>
+                    </a:srgbClr>
+                  </a:outerShdw>
+                </a:effectLst>
+                <a:sp3d prstMaterial="matte">
+                  <a:bevelT w="127000" h="63500"/>
+                </a:sp3d>
+              </p:spPr>
+              <p:style>
+                <a:lnRef idx="2">
+                  <a:schemeClr val="accent1">
+                    <a:shade val="50000"/>
+                  </a:schemeClr>
+                </a:lnRef>
+                <a:fillRef idx="1">
+                  <a:schemeClr val="accent1"/>
+                </a:fillRef>
+                <a:effectRef idx="0">
+                  <a:schemeClr val="accent1"/>
+                </a:effectRef>
+                <a:fontRef idx="minor">
+                  <a:schemeClr val="lt1"/>
+                </a:fontRef>
+              </p:style>
+              <p:txBody>
+                <a:bodyPr rtlCol="0" anchor="ctr"/>
+                <a:lstStyle/>
+                <a:p>
+                  <a:pPr algn="ctr"/>
+                  <a:endParaRPr lang="en-IN"/>
+                </a:p>
+              </p:txBody>
+            </p:sp>
+            <p:sp>
+              <p:nvSpPr>
+                <p:cNvPr id="55" name="Rounded Rectangle 54"/>
+                <p:cNvSpPr/>
+                <p:nvPr/>
+              </p:nvSpPr>
+              <p:spPr>
+                <a:xfrm>
+                  <a:off x="4107653" y="5616000"/>
+                  <a:ext cx="928694" cy="170740"/>
+                </a:xfrm>
+                <a:prstGeom prst="roundRect">
+                  <a:avLst>
+                    <a:gd name="adj" fmla="val 50000"/>
+                  </a:avLst>
+                </a:prstGeom>
+                <a:grpFill/>
+                <a:ln>
+                  <a:noFill/>
+                </a:ln>
+                <a:effectLst>
+                  <a:outerShdw blurRad="190500" dist="228600" dir="2700000" algn="ctr">
+                    <a:srgbClr val="000000">
+                      <a:alpha val="30000"/>
+                    </a:srgbClr>
+                  </a:outerShdw>
+                </a:effectLst>
+                <a:sp3d prstMaterial="matte">
+                  <a:bevelT w="127000" h="63500"/>
+                </a:sp3d>
+              </p:spPr>
+              <p:style>
+                <a:lnRef idx="2">
+                  <a:schemeClr val="accent1">
+                    <a:shade val="50000"/>
+                  </a:schemeClr>
+                </a:lnRef>
+                <a:fillRef idx="1">
+                  <a:schemeClr val="accent1"/>
+                </a:fillRef>
+                <a:effectRef idx="0">
+                  <a:schemeClr val="accent1"/>
+                </a:effectRef>
+                <a:fontRef idx="minor">
+                  <a:schemeClr val="lt1"/>
+                </a:fontRef>
+              </p:style>
+              <p:txBody>
+                <a:bodyPr rtlCol="0" anchor="ctr"/>
+                <a:lstStyle/>
+                <a:p>
+                  <a:pPr algn="ctr"/>
+                  <a:endParaRPr lang="en-IN"/>
+                </a:p>
+              </p:txBody>
+            </p:sp>
+            <p:sp>
+              <p:nvSpPr>
+                <p:cNvPr id="56" name="Rounded Rectangle 55"/>
+                <p:cNvSpPr/>
+                <p:nvPr/>
+              </p:nvSpPr>
+              <p:spPr>
+                <a:xfrm>
+                  <a:off x="4107653" y="5832000"/>
+                  <a:ext cx="928694" cy="170740"/>
+                </a:xfrm>
+                <a:prstGeom prst="roundRect">
+                  <a:avLst>
+                    <a:gd name="adj" fmla="val 50000"/>
+                  </a:avLst>
+                </a:prstGeom>
+                <a:grpFill/>
+                <a:ln>
+                  <a:noFill/>
+                </a:ln>
+                <a:effectLst>
+                  <a:outerShdw blurRad="190500" dist="228600" dir="2700000" algn="ctr">
+                    <a:srgbClr val="000000">
+                      <a:alpha val="30000"/>
+                    </a:srgbClr>
+                  </a:outerShdw>
+                </a:effectLst>
+                <a:sp3d prstMaterial="matte">
+                  <a:bevelT w="127000" h="63500"/>
+                </a:sp3d>
+              </p:spPr>
+              <p:style>
+                <a:lnRef idx="2">
+                  <a:schemeClr val="accent1">
+                    <a:shade val="50000"/>
+                  </a:schemeClr>
+                </a:lnRef>
+                <a:fillRef idx="1">
+                  <a:schemeClr val="accent1"/>
+                </a:fillRef>
+                <a:effectRef idx="0">
+                  <a:schemeClr val="accent1"/>
+                </a:effectRef>
+                <a:fontRef idx="minor">
+                  <a:schemeClr val="lt1"/>
+                </a:fontRef>
+              </p:style>
+              <p:txBody>
+                <a:bodyPr rtlCol="0" anchor="ctr"/>
+                <a:lstStyle/>
+                <a:p>
+                  <a:pPr algn="ctr"/>
+                  <a:endParaRPr lang="en-IN"/>
+                </a:p>
+              </p:txBody>
+            </p:sp>
+            <p:sp>
+              <p:nvSpPr>
+                <p:cNvPr id="57" name="DiagonalStripe"/>
+                <p:cNvSpPr>
+                  <a:spLocks noEditPoints="1" noChangeArrowheads="1"/>
+                </p:cNvSpPr>
+                <p:nvPr/>
+              </p:nvSpPr>
+              <p:spPr bwMode="auto">
+                <a:xfrm rot="13538692">
+                  <a:off x="4309802" y="5760000"/>
+                  <a:ext cx="524396" cy="536337"/>
+                </a:xfrm>
+                <a:custGeom>
+                  <a:avLst/>
+                  <a:gdLst>
+                    <a:gd name="G0" fmla="+- 0 0 0"/>
+                    <a:gd name="G1" fmla="*/ 10914 1 2"/>
+                    <a:gd name="G2" fmla="+- 10914 0 0"/>
+                    <a:gd name="G3" fmla="+- G1 10800 0"/>
+                    <a:gd name="T0" fmla="*/ 5457 w 21600"/>
+                    <a:gd name="T1" fmla="*/ 5457 h 21600"/>
+                    <a:gd name="T2" fmla="*/ 0 w 21600"/>
+                    <a:gd name="T3" fmla="*/ 16257 h 21600"/>
+                    <a:gd name="T4" fmla="*/ 10800 w 21600"/>
+                    <a:gd name="T5" fmla="*/ 10800 h 21600"/>
+                    <a:gd name="T6" fmla="*/ 16257 w 21600"/>
+                    <a:gd name="T7" fmla="*/ 0 h 21600"/>
+                    <a:gd name="T8" fmla="*/ 11796480 60000 65536"/>
+                    <a:gd name="T9" fmla="*/ 11796480 60000 65536"/>
+                    <a:gd name="T10" fmla="*/ 0 60000 65536"/>
+                    <a:gd name="T11" fmla="*/ 17694720 60000 65536"/>
+                    <a:gd name="T12" fmla="*/ 0 w 21600"/>
+                    <a:gd name="T13" fmla="*/ 0 h 21600"/>
+                    <a:gd name="T14" fmla="*/ G3 w 21600"/>
+                    <a:gd name="T15" fmla="*/ G3 h 21600"/>
+                  </a:gdLst>
+                  <a:ahLst/>
+                  <a:cxnLst>
+                    <a:cxn ang="T8">
+                      <a:pos x="T0" y="T1"/>
+                    </a:cxn>
+                    <a:cxn ang="T9">
+                      <a:pos x="T2" y="T3"/>
+                    </a:cxn>
+                    <a:cxn ang="T10">
+                      <a:pos x="T4" y="T5"/>
+                    </a:cxn>
+                    <a:cxn ang="T11">
+                      <a:pos x="T6" y="T7"/>
+                    </a:cxn>
+                  </a:cxnLst>
+                  <a:rect l="T12" t="T13" r="T14" b="T15"/>
+                  <a:pathLst>
+                    <a:path w="21600" h="21600">
+                      <a:moveTo>
+                        <a:pt x="10914" y="0"/>
+                      </a:moveTo>
+                      <a:lnTo>
+                        <a:pt x="0" y="10914"/>
+                      </a:lnTo>
+                      <a:lnTo>
+                        <a:pt x="0" y="21600"/>
+                      </a:lnTo>
+                      <a:lnTo>
+                        <a:pt x="21600" y="0"/>
+                      </a:lnTo>
+                      <a:close/>
+                    </a:path>
+                  </a:pathLst>
+                </a:custGeom>
+                <a:grpFill/>
+                <a:ln w="9525">
+                  <a:noFill/>
+                  <a:miter lim="800000"/>
+                  <a:headEnd/>
+                  <a:tailEnd/>
+                </a:ln>
+                <a:effectLst>
+                  <a:outerShdw blurRad="190500" dist="228600" dir="2700000" algn="ctr">
+                    <a:srgbClr val="000000">
+                      <a:alpha val="30000"/>
+                    </a:srgbClr>
+                  </a:outerShdw>
+                </a:effectLst>
+                <a:sp3d prstMaterial="matte">
+                  <a:bevelT w="127000" h="63500"/>
+                </a:sp3d>
+              </p:spPr>
+              <p:txBody>
+                <a:bodyPr vert="horz" wrap="square" lIns="91440" tIns="45720" rIns="91440" bIns="45720" numCol="1" anchor="t" anchorCtr="0" compatLnSpc="1">
+                  <a:prstTxWarp prst="textNoShape">
+                    <a:avLst/>
+                  </a:prstTxWarp>
+                </a:bodyPr>
+                <a:lstStyle/>
+                <a:p>
+                  <a:endParaRPr lang="en-IN"/>
+                </a:p>
+              </p:txBody>
+            </p:sp>
+          </p:grpSp>
+        </p:grpSp>
+        <p:grpSp>
+          <p:nvGrpSpPr>
+            <p:cNvPr id="34" name="Group 108"/>
+            <p:cNvGrpSpPr/>
+            <p:nvPr/>
+          </p:nvGrpSpPr>
+          <p:grpSpPr>
+            <a:xfrm>
+              <a:off x="398229" y="430596"/>
+              <a:ext cx="1343274" cy="856064"/>
+              <a:chOff x="2600700" y="1187533"/>
+              <a:chExt cx="3903026" cy="2430483"/>
+            </a:xfrm>
+            <a:effectLst/>
           </p:grpSpPr>
           <p:sp>
             <p:nvSpPr>
-              <p:cNvPr id="58" name="Rounded Rectangle 57"/>
+              <p:cNvPr id="35" name="Rounded Rectangle 34"/>
               <p:cNvSpPr/>
               <p:nvPr/>
             </p:nvSpPr>
             <p:spPr>
-              <a:xfrm>
-                <a:off x="4000496" y="3786190"/>
-                <a:ext cx="1143008" cy="1571636"/>
+              <a:xfrm rot="16200000">
+                <a:off x="4067300" y="1407228"/>
+                <a:ext cx="641268" cy="201877"/>
               </a:xfrm>
               <a:prstGeom prst="roundRect">
-                <a:avLst/>
+                <a:avLst>
+                  <a:gd name="adj" fmla="val 50000"/>
+                </a:avLst>
               </a:prstGeom>
-              <a:grpFill/>
+              <a:solidFill>
+                <a:srgbClr val="FFFF00"/>
+              </a:solidFill>
               <a:ln>
                 <a:noFill/>
               </a:ln>
               <a:effectLst>
-                <a:outerShdw blurRad="190500" dist="228600" dir="2700000" algn="ctr">
-                  <a:srgbClr val="000000">
-                    <a:alpha val="30000"/>
+                <a:glow rad="228600">
+                  <a:srgbClr val="FFC000">
+                    <a:alpha val="40000"/>
                   </a:srgbClr>
-                </a:outerShdw>
+                </a:glow>
               </a:effectLst>
-              <a:sp3d prstMaterial="matte">
-                <a:bevelT w="127000" h="63500"/>
+              <a:scene3d>
+                <a:camera prst="orthographicFront"/>
+                <a:lightRig rig="threePt" dir="t"/>
+              </a:scene3d>
+              <a:sp3d contourW="12700">
+                <a:bevelT/>
+                <a:contourClr>
+                  <a:srgbClr val="FFFF00"/>
+                </a:contourClr>
               </a:sp3d>
             </p:spPr>
             <p:style>
@@ -4323,108 +4880,42 @@
           </p:sp>
           <p:sp>
             <p:nvSpPr>
-              <p:cNvPr id="59" name="Oval 58"/>
+              <p:cNvPr id="36" name="Rounded Rectangle 35"/>
               <p:cNvSpPr/>
               <p:nvPr/>
             </p:nvSpPr>
             <p:spPr>
-              <a:xfrm>
-                <a:off x="3393273" y="2214554"/>
-                <a:ext cx="2357454" cy="2571768"/>
-              </a:xfrm>
-              <a:prstGeom prst="ellipse">
-                <a:avLst/>
-              </a:prstGeom>
-              <a:grpFill/>
-              <a:ln>
-                <a:noFill/>
-              </a:ln>
-              <a:effectLst>
-                <a:outerShdw blurRad="190500" dist="228600" dir="2700000" algn="ctr">
-                  <a:srgbClr val="000000">
-                    <a:alpha val="30000"/>
-                  </a:srgbClr>
-                </a:outerShdw>
-              </a:effectLst>
-              <a:sp3d prstMaterial="matte">
-                <a:bevelT w="127000" h="63500"/>
-              </a:sp3d>
-            </p:spPr>
-            <p:style>
-              <a:lnRef idx="2">
-                <a:schemeClr val="accent1">
-                  <a:shade val="50000"/>
-                </a:schemeClr>
-              </a:lnRef>
-              <a:fillRef idx="1">
-                <a:schemeClr val="accent1"/>
-              </a:fillRef>
-              <a:effectRef idx="0">
-                <a:schemeClr val="accent1"/>
-              </a:effectRef>
-              <a:fontRef idx="minor">
-                <a:schemeClr val="lt1"/>
-              </a:fontRef>
-            </p:style>
-            <p:txBody>
-              <a:bodyPr rtlCol="0" anchor="ctr"/>
-              <a:lstStyle/>
-              <a:p>
-                <a:pPr algn="ctr"/>
-                <a:endParaRPr lang="en-IN"/>
-              </a:p>
-            </p:txBody>
-          </p:sp>
-        </p:grpSp>
-        <p:grpSp>
-          <p:nvGrpSpPr>
-            <p:cNvPr id="53" name="Group 37"/>
-            <p:cNvGrpSpPr/>
-            <p:nvPr/>
-          </p:nvGrpSpPr>
-          <p:grpSpPr>
-            <a:xfrm>
-              <a:off x="4107653" y="5400000"/>
-              <a:ext cx="928694" cy="890367"/>
-              <a:chOff x="4107653" y="5400000"/>
-              <a:chExt cx="928694" cy="890367"/>
-            </a:xfrm>
-            <a:solidFill>
-              <a:schemeClr val="tx1">
-                <a:lumMod val="95000"/>
-                <a:lumOff val="5000"/>
-              </a:schemeClr>
-            </a:solidFill>
-          </p:grpSpPr>
-          <p:sp>
-            <p:nvSpPr>
-              <p:cNvPr id="54" name="Rounded Rectangle 53"/>
-              <p:cNvSpPr/>
-              <p:nvPr/>
-            </p:nvSpPr>
-            <p:spPr>
-              <a:xfrm>
-                <a:off x="4107653" y="5400000"/>
-                <a:ext cx="928694" cy="170740"/>
+              <a:xfrm rot="18002300">
+                <a:off x="5169728" y="1654629"/>
+                <a:ext cx="641268" cy="201877"/>
               </a:xfrm>
               <a:prstGeom prst="roundRect">
                 <a:avLst>
                   <a:gd name="adj" fmla="val 50000"/>
                 </a:avLst>
               </a:prstGeom>
-              <a:grpFill/>
+              <a:solidFill>
+                <a:srgbClr val="FFFF00"/>
+              </a:solidFill>
               <a:ln>
                 <a:noFill/>
               </a:ln>
               <a:effectLst>
-                <a:outerShdw blurRad="190500" dist="228600" dir="2700000" algn="ctr">
-                  <a:srgbClr val="000000">
-                    <a:alpha val="30000"/>
+                <a:glow rad="228600">
+                  <a:srgbClr val="FFC000">
+                    <a:alpha val="40000"/>
                   </a:srgbClr>
-                </a:outerShdw>
+                </a:glow>
               </a:effectLst>
-              <a:sp3d prstMaterial="matte">
-                <a:bevelT w="127000" h="63500"/>
+              <a:scene3d>
+                <a:camera prst="orthographicFront"/>
+                <a:lightRig rig="threePt" dir="t"/>
+              </a:scene3d>
+              <a:sp3d contourW="12700">
+                <a:bevelT/>
+                <a:contourClr>
+                  <a:srgbClr val="FFFF00"/>
+                </a:contourClr>
               </a:sp3d>
             </p:spPr>
             <p:style>
@@ -4454,33 +4945,42 @@
           </p:sp>
           <p:sp>
             <p:nvSpPr>
-              <p:cNvPr id="55" name="Rounded Rectangle 54"/>
+              <p:cNvPr id="37" name="Rounded Rectangle 36"/>
               <p:cNvSpPr/>
               <p:nvPr/>
             </p:nvSpPr>
             <p:spPr>
-              <a:xfrm>
-                <a:off x="4107653" y="5616000"/>
-                <a:ext cx="928694" cy="170740"/>
+              <a:xfrm rot="12624080">
+                <a:off x="2804559" y="1842656"/>
+                <a:ext cx="641268" cy="201877"/>
               </a:xfrm>
               <a:prstGeom prst="roundRect">
                 <a:avLst>
                   <a:gd name="adj" fmla="val 50000"/>
                 </a:avLst>
               </a:prstGeom>
-              <a:grpFill/>
+              <a:solidFill>
+                <a:srgbClr val="FFFF00"/>
+              </a:solidFill>
               <a:ln>
                 <a:noFill/>
               </a:ln>
               <a:effectLst>
-                <a:outerShdw blurRad="190500" dist="228600" dir="2700000" algn="ctr">
-                  <a:srgbClr val="000000">
-                    <a:alpha val="30000"/>
+                <a:glow rad="228600">
+                  <a:srgbClr val="FFC000">
+                    <a:alpha val="40000"/>
                   </a:srgbClr>
-                </a:outerShdw>
+                </a:glow>
               </a:effectLst>
-              <a:sp3d prstMaterial="matte">
-                <a:bevelT w="127000" h="63500"/>
+              <a:scene3d>
+                <a:camera prst="orthographicFront"/>
+                <a:lightRig rig="threePt" dir="t"/>
+              </a:scene3d>
+              <a:sp3d contourW="12700">
+                <a:bevelT/>
+                <a:contourClr>
+                  <a:srgbClr val="FFFF00"/>
+                </a:contourClr>
               </a:sp3d>
             </p:spPr>
             <p:style>
@@ -4510,33 +5010,42 @@
           </p:sp>
           <p:sp>
             <p:nvSpPr>
-              <p:cNvPr id="56" name="Rounded Rectangle 55"/>
+              <p:cNvPr id="38" name="Rounded Rectangle 37"/>
               <p:cNvSpPr/>
               <p:nvPr/>
             </p:nvSpPr>
             <p:spPr>
-              <a:xfrm>
-                <a:off x="4107653" y="5832000"/>
-                <a:ext cx="928694" cy="170740"/>
+              <a:xfrm rot="10800000">
+                <a:off x="2600700" y="2600697"/>
+                <a:ext cx="641268" cy="201877"/>
               </a:xfrm>
               <a:prstGeom prst="roundRect">
                 <a:avLst>
                   <a:gd name="adj" fmla="val 50000"/>
                 </a:avLst>
               </a:prstGeom>
-              <a:grpFill/>
+              <a:solidFill>
+                <a:srgbClr val="FFFF00"/>
+              </a:solidFill>
               <a:ln>
                 <a:noFill/>
               </a:ln>
               <a:effectLst>
-                <a:outerShdw blurRad="190500" dist="228600" dir="2700000" algn="ctr">
-                  <a:srgbClr val="000000">
-                    <a:alpha val="30000"/>
+                <a:glow rad="228600">
+                  <a:srgbClr val="FFC000">
+                    <a:alpha val="40000"/>
                   </a:srgbClr>
-                </a:outerShdw>
+                </a:glow>
               </a:effectLst>
-              <a:sp3d prstMaterial="matte">
-                <a:bevelT w="127000" h="63500"/>
+              <a:scene3d>
+                <a:camera prst="orthographicFront"/>
+                <a:lightRig rig="threePt" dir="t"/>
+              </a:scene3d>
+              <a:sp3d contourW="12700">
+                <a:bevelT/>
+                <a:contourClr>
+                  <a:srgbClr val="FFFF00"/>
+                </a:contourClr>
               </a:sp3d>
             </p:spPr>
             <p:style>
@@ -4566,608 +5075,231 @@
           </p:sp>
           <p:sp>
             <p:nvSpPr>
-              <p:cNvPr id="57" name="DiagonalStripe"/>
-              <p:cNvSpPr>
-                <a:spLocks noEditPoints="1" noChangeArrowheads="1"/>
-              </p:cNvSpPr>
+              <p:cNvPr id="39" name="Rounded Rectangle 38"/>
+              <p:cNvSpPr/>
               <p:nvPr/>
             </p:nvSpPr>
-            <p:spPr bwMode="auto">
-              <a:xfrm rot="13538692">
-                <a:off x="4309802" y="5760000"/>
-                <a:ext cx="524396" cy="536337"/>
+            <p:spPr>
+              <a:xfrm>
+                <a:off x="5828810" y="2563094"/>
+                <a:ext cx="641268" cy="201877"/>
               </a:xfrm>
-              <a:custGeom>
-                <a:avLst/>
-                <a:gdLst>
-                  <a:gd name="G0" fmla="+- 0 0 0"/>
-                  <a:gd name="G1" fmla="*/ 10914 1 2"/>
-                  <a:gd name="G2" fmla="+- 10914 0 0"/>
-                  <a:gd name="G3" fmla="+- G1 10800 0"/>
-                  <a:gd name="T0" fmla="*/ 5457 w 21600"/>
-                  <a:gd name="T1" fmla="*/ 5457 h 21600"/>
-                  <a:gd name="T2" fmla="*/ 0 w 21600"/>
-                  <a:gd name="T3" fmla="*/ 16257 h 21600"/>
-                  <a:gd name="T4" fmla="*/ 10800 w 21600"/>
-                  <a:gd name="T5" fmla="*/ 10800 h 21600"/>
-                  <a:gd name="T6" fmla="*/ 16257 w 21600"/>
-                  <a:gd name="T7" fmla="*/ 0 h 21600"/>
-                  <a:gd name="T8" fmla="*/ 11796480 60000 65536"/>
-                  <a:gd name="T9" fmla="*/ 11796480 60000 65536"/>
-                  <a:gd name="T10" fmla="*/ 0 60000 65536"/>
-                  <a:gd name="T11" fmla="*/ 17694720 60000 65536"/>
-                  <a:gd name="T12" fmla="*/ 0 w 21600"/>
-                  <a:gd name="T13" fmla="*/ 0 h 21600"/>
-                  <a:gd name="T14" fmla="*/ G3 w 21600"/>
-                  <a:gd name="T15" fmla="*/ G3 h 21600"/>
-                </a:gdLst>
-                <a:ahLst/>
-                <a:cxnLst>
-                  <a:cxn ang="T8">
-                    <a:pos x="T0" y="T1"/>
-                  </a:cxn>
-                  <a:cxn ang="T9">
-                    <a:pos x="T2" y="T3"/>
-                  </a:cxn>
-                  <a:cxn ang="T10">
-                    <a:pos x="T4" y="T5"/>
-                  </a:cxn>
-                  <a:cxn ang="T11">
-                    <a:pos x="T6" y="T7"/>
-                  </a:cxn>
-                </a:cxnLst>
-                <a:rect l="T12" t="T13" r="T14" b="T15"/>
-                <a:pathLst>
-                  <a:path w="21600" h="21600">
-                    <a:moveTo>
-                      <a:pt x="10914" y="0"/>
-                    </a:moveTo>
-                    <a:lnTo>
-                      <a:pt x="0" y="10914"/>
-                    </a:lnTo>
-                    <a:lnTo>
-                      <a:pt x="0" y="21600"/>
-                    </a:lnTo>
-                    <a:lnTo>
-                      <a:pt x="21600" y="0"/>
-                    </a:lnTo>
-                    <a:close/>
-                  </a:path>
-                </a:pathLst>
-              </a:custGeom>
-              <a:grpFill/>
-              <a:ln w="9525">
+              <a:prstGeom prst="roundRect">
+                <a:avLst>
+                  <a:gd name="adj" fmla="val 50000"/>
+                </a:avLst>
+              </a:prstGeom>
+              <a:solidFill>
+                <a:srgbClr val="FFFF00"/>
+              </a:solidFill>
+              <a:ln>
                 <a:noFill/>
-                <a:miter lim="800000"/>
-                <a:headEnd/>
-                <a:tailEnd/>
               </a:ln>
               <a:effectLst>
-                <a:outerShdw blurRad="190500" dist="228600" dir="2700000" algn="ctr">
-                  <a:srgbClr val="000000">
-                    <a:alpha val="30000"/>
+                <a:glow rad="228600">
+                  <a:srgbClr val="FFC000">
+                    <a:alpha val="40000"/>
                   </a:srgbClr>
-                </a:outerShdw>
+                </a:glow>
               </a:effectLst>
-              <a:sp3d prstMaterial="matte">
-                <a:bevelT w="127000" h="63500"/>
+              <a:scene3d>
+                <a:camera prst="orthographicFront"/>
+                <a:lightRig rig="threePt" dir="t"/>
+              </a:scene3d>
+              <a:sp3d contourW="12700">
+                <a:bevelT/>
+                <a:contourClr>
+                  <a:srgbClr val="FFFF00"/>
+                </a:contourClr>
               </a:sp3d>
             </p:spPr>
+            <p:style>
+              <a:lnRef idx="2">
+                <a:schemeClr val="accent1">
+                  <a:shade val="50000"/>
+                </a:schemeClr>
+              </a:lnRef>
+              <a:fillRef idx="1">
+                <a:schemeClr val="accent1"/>
+              </a:fillRef>
+              <a:effectRef idx="0">
+                <a:schemeClr val="accent1"/>
+              </a:effectRef>
+              <a:fontRef idx="minor">
+                <a:schemeClr val="lt1"/>
+              </a:fontRef>
+            </p:style>
             <p:txBody>
-              <a:bodyPr vert="horz" wrap="square" lIns="91440" tIns="45720" rIns="91440" bIns="45720" numCol="1" anchor="t" anchorCtr="0" compatLnSpc="1">
-                <a:prstTxWarp prst="textNoShape">
-                  <a:avLst/>
-                </a:prstTxWarp>
-              </a:bodyPr>
+              <a:bodyPr rtlCol="0" anchor="ctr"/>
               <a:lstStyle/>
               <a:p>
+                <a:pPr algn="ctr"/>
+                <a:endParaRPr lang="en-IN"/>
+              </a:p>
+            </p:txBody>
+          </p:sp>
+          <p:sp>
+            <p:nvSpPr>
+              <p:cNvPr id="40" name="Rounded Rectangle 39"/>
+              <p:cNvSpPr/>
+              <p:nvPr/>
+            </p:nvSpPr>
+            <p:spPr>
+              <a:xfrm rot="1534147">
+                <a:off x="5862458" y="3416139"/>
+                <a:ext cx="641268" cy="201877"/>
+              </a:xfrm>
+              <a:prstGeom prst="roundRect">
+                <a:avLst>
+                  <a:gd name="adj" fmla="val 50000"/>
+                </a:avLst>
+              </a:prstGeom>
+              <a:solidFill>
+                <a:srgbClr val="FFFF00"/>
+              </a:solidFill>
+              <a:ln>
+                <a:noFill/>
+              </a:ln>
+              <a:effectLst>
+                <a:glow rad="228600">
+                  <a:srgbClr val="FFC000">
+                    <a:alpha val="40000"/>
+                  </a:srgbClr>
+                </a:glow>
+              </a:effectLst>
+              <a:scene3d>
+                <a:camera prst="orthographicFront"/>
+                <a:lightRig rig="threePt" dir="t"/>
+              </a:scene3d>
+              <a:sp3d contourW="12700">
+                <a:bevelT/>
+                <a:contourClr>
+                  <a:srgbClr val="FFFF00"/>
+                </a:contourClr>
+              </a:sp3d>
+            </p:spPr>
+            <p:style>
+              <a:lnRef idx="2">
+                <a:schemeClr val="accent1">
+                  <a:shade val="50000"/>
+                </a:schemeClr>
+              </a:lnRef>
+              <a:fillRef idx="1">
+                <a:schemeClr val="accent1"/>
+              </a:fillRef>
+              <a:effectRef idx="0">
+                <a:schemeClr val="accent1"/>
+              </a:effectRef>
+              <a:fontRef idx="minor">
+                <a:schemeClr val="lt1"/>
+              </a:fontRef>
+            </p:style>
+            <p:txBody>
+              <a:bodyPr rtlCol="0" anchor="ctr"/>
+              <a:lstStyle/>
+              <a:p>
+                <a:pPr algn="ctr"/>
+                <a:endParaRPr lang="en-IN"/>
+              </a:p>
+            </p:txBody>
+          </p:sp>
+          <p:sp>
+            <p:nvSpPr>
+              <p:cNvPr id="41" name="Rounded Rectangle 40"/>
+              <p:cNvSpPr/>
+              <p:nvPr/>
+            </p:nvSpPr>
+            <p:spPr>
+              <a:xfrm rot="19835852">
+                <a:off x="2630390" y="3378534"/>
+                <a:ext cx="641268" cy="201877"/>
+              </a:xfrm>
+              <a:prstGeom prst="roundRect">
+                <a:avLst>
+                  <a:gd name="adj" fmla="val 50000"/>
+                </a:avLst>
+              </a:prstGeom>
+              <a:solidFill>
+                <a:srgbClr val="FFFF00"/>
+              </a:solidFill>
+              <a:ln>
+                <a:noFill/>
+              </a:ln>
+              <a:effectLst>
+                <a:glow rad="228600">
+                  <a:srgbClr val="FFC000">
+                    <a:alpha val="40000"/>
+                  </a:srgbClr>
+                </a:glow>
+              </a:effectLst>
+              <a:scene3d>
+                <a:camera prst="orthographicFront"/>
+                <a:lightRig rig="threePt" dir="t"/>
+              </a:scene3d>
+              <a:sp3d contourW="12700">
+                <a:bevelT/>
+                <a:contourClr>
+                  <a:srgbClr val="FFFF00"/>
+                </a:contourClr>
+              </a:sp3d>
+            </p:spPr>
+            <p:style>
+              <a:lnRef idx="2">
+                <a:schemeClr val="accent1">
+                  <a:shade val="50000"/>
+                </a:schemeClr>
+              </a:lnRef>
+              <a:fillRef idx="1">
+                <a:schemeClr val="accent1"/>
+              </a:fillRef>
+              <a:effectRef idx="0">
+                <a:schemeClr val="accent1"/>
+              </a:effectRef>
+              <a:fontRef idx="minor">
+                <a:schemeClr val="lt1"/>
+              </a:fontRef>
+            </p:style>
+            <p:txBody>
+              <a:bodyPr rtlCol="0" anchor="ctr"/>
+              <a:lstStyle/>
+              <a:p>
+                <a:pPr algn="ctr"/>
                 <a:endParaRPr lang="en-IN"/>
               </a:p>
             </p:txBody>
           </p:sp>
         </p:grpSp>
-      </p:grpSp>
-      <p:grpSp>
-        <p:nvGrpSpPr>
-          <p:cNvPr id="34" name="Group 108"/>
-          <p:cNvGrpSpPr/>
-          <p:nvPr/>
-        </p:nvGrpSpPr>
-        <p:grpSpPr>
-          <a:xfrm>
-            <a:off x="398229" y="430596"/>
-            <a:ext cx="1343274" cy="856064"/>
-            <a:chOff x="2600700" y="1187533"/>
-            <a:chExt cx="3903026" cy="2430483"/>
-          </a:xfrm>
-          <a:effectLst/>
-        </p:grpSpPr>
         <p:sp>
           <p:nvSpPr>
-            <p:cNvPr id="35" name="Rounded Rectangle 34"/>
-            <p:cNvSpPr/>
-            <p:nvPr/>
-          </p:nvSpPr>
-          <p:spPr>
-            <a:xfrm rot="16200000">
-              <a:off x="4067300" y="1407228"/>
-              <a:ext cx="641268" cy="201877"/>
-            </a:xfrm>
-            <a:prstGeom prst="roundRect">
-              <a:avLst>
-                <a:gd name="adj" fmla="val 50000"/>
-              </a:avLst>
-            </a:prstGeom>
-            <a:solidFill>
-              <a:srgbClr val="FFFF00"/>
-            </a:solidFill>
-            <a:ln>
-              <a:noFill/>
-            </a:ln>
-            <a:effectLst>
-              <a:glow rad="228600">
-                <a:srgbClr val="FFC000">
-                  <a:alpha val="40000"/>
-                </a:srgbClr>
-              </a:glow>
-            </a:effectLst>
-            <a:scene3d>
-              <a:camera prst="orthographicFront"/>
-              <a:lightRig rig="threePt" dir="t"/>
-            </a:scene3d>
-            <a:sp3d contourW="12700">
-              <a:bevelT/>
-              <a:contourClr>
-                <a:srgbClr val="FFFF00"/>
-              </a:contourClr>
-            </a:sp3d>
-          </p:spPr>
-          <p:style>
-            <a:lnRef idx="2">
-              <a:schemeClr val="accent1">
-                <a:shade val="50000"/>
-              </a:schemeClr>
-            </a:lnRef>
-            <a:fillRef idx="1">
-              <a:schemeClr val="accent1"/>
-            </a:fillRef>
-            <a:effectRef idx="0">
-              <a:schemeClr val="accent1"/>
-            </a:effectRef>
-            <a:fontRef idx="minor">
-              <a:schemeClr val="lt1"/>
-            </a:fontRef>
-          </p:style>
-          <p:txBody>
-            <a:bodyPr rtlCol="0" anchor="ctr"/>
-            <a:lstStyle/>
-            <a:p>
-              <a:pPr algn="ctr"/>
-              <a:endParaRPr lang="en-IN"/>
-            </a:p>
-          </p:txBody>
-        </p:sp>
-        <p:sp>
-          <p:nvSpPr>
-            <p:cNvPr id="36" name="Rounded Rectangle 35"/>
-            <p:cNvSpPr/>
-            <p:nvPr/>
-          </p:nvSpPr>
-          <p:spPr>
-            <a:xfrm rot="18002300">
-              <a:off x="5169728" y="1654629"/>
-              <a:ext cx="641268" cy="201877"/>
-            </a:xfrm>
-            <a:prstGeom prst="roundRect">
-              <a:avLst>
-                <a:gd name="adj" fmla="val 50000"/>
-              </a:avLst>
-            </a:prstGeom>
-            <a:solidFill>
-              <a:srgbClr val="FFFF00"/>
-            </a:solidFill>
-            <a:ln>
-              <a:noFill/>
-            </a:ln>
-            <a:effectLst>
-              <a:glow rad="228600">
-                <a:srgbClr val="FFC000">
-                  <a:alpha val="40000"/>
-                </a:srgbClr>
-              </a:glow>
-            </a:effectLst>
-            <a:scene3d>
-              <a:camera prst="orthographicFront"/>
-              <a:lightRig rig="threePt" dir="t"/>
-            </a:scene3d>
-            <a:sp3d contourW="12700">
-              <a:bevelT/>
-              <a:contourClr>
-                <a:srgbClr val="FFFF00"/>
-              </a:contourClr>
-            </a:sp3d>
-          </p:spPr>
-          <p:style>
-            <a:lnRef idx="2">
-              <a:schemeClr val="accent1">
-                <a:shade val="50000"/>
-              </a:schemeClr>
-            </a:lnRef>
-            <a:fillRef idx="1">
-              <a:schemeClr val="accent1"/>
-            </a:fillRef>
-            <a:effectRef idx="0">
-              <a:schemeClr val="accent1"/>
-            </a:effectRef>
-            <a:fontRef idx="minor">
-              <a:schemeClr val="lt1"/>
-            </a:fontRef>
-          </p:style>
-          <p:txBody>
-            <a:bodyPr rtlCol="0" anchor="ctr"/>
-            <a:lstStyle/>
-            <a:p>
-              <a:pPr algn="ctr"/>
-              <a:endParaRPr lang="en-IN"/>
-            </a:p>
-          </p:txBody>
-        </p:sp>
-        <p:sp>
-          <p:nvSpPr>
-            <p:cNvPr id="37" name="Rounded Rectangle 36"/>
-            <p:cNvSpPr/>
-            <p:nvPr/>
-          </p:nvSpPr>
-          <p:spPr>
-            <a:xfrm rot="12624080">
-              <a:off x="2804559" y="1842656"/>
-              <a:ext cx="641268" cy="201877"/>
-            </a:xfrm>
-            <a:prstGeom prst="roundRect">
-              <a:avLst>
-                <a:gd name="adj" fmla="val 50000"/>
-              </a:avLst>
-            </a:prstGeom>
-            <a:solidFill>
-              <a:srgbClr val="FFFF00"/>
-            </a:solidFill>
-            <a:ln>
-              <a:noFill/>
-            </a:ln>
-            <a:effectLst>
-              <a:glow rad="228600">
-                <a:srgbClr val="FFC000">
-                  <a:alpha val="40000"/>
-                </a:srgbClr>
-              </a:glow>
-            </a:effectLst>
-            <a:scene3d>
-              <a:camera prst="orthographicFront"/>
-              <a:lightRig rig="threePt" dir="t"/>
-            </a:scene3d>
-            <a:sp3d contourW="12700">
-              <a:bevelT/>
-              <a:contourClr>
-                <a:srgbClr val="FFFF00"/>
-              </a:contourClr>
-            </a:sp3d>
-          </p:spPr>
-          <p:style>
-            <a:lnRef idx="2">
-              <a:schemeClr val="accent1">
-                <a:shade val="50000"/>
-              </a:schemeClr>
-            </a:lnRef>
-            <a:fillRef idx="1">
-              <a:schemeClr val="accent1"/>
-            </a:fillRef>
-            <a:effectRef idx="0">
-              <a:schemeClr val="accent1"/>
-            </a:effectRef>
-            <a:fontRef idx="minor">
-              <a:schemeClr val="lt1"/>
-            </a:fontRef>
-          </p:style>
-          <p:txBody>
-            <a:bodyPr rtlCol="0" anchor="ctr"/>
-            <a:lstStyle/>
-            <a:p>
-              <a:pPr algn="ctr"/>
-              <a:endParaRPr lang="en-IN"/>
-            </a:p>
-          </p:txBody>
-        </p:sp>
-        <p:sp>
-          <p:nvSpPr>
-            <p:cNvPr id="38" name="Rounded Rectangle 37"/>
-            <p:cNvSpPr/>
-            <p:nvPr/>
-          </p:nvSpPr>
-          <p:spPr>
-            <a:xfrm rot="10800000">
-              <a:off x="2600700" y="2600697"/>
-              <a:ext cx="641268" cy="201877"/>
-            </a:xfrm>
-            <a:prstGeom prst="roundRect">
-              <a:avLst>
-                <a:gd name="adj" fmla="val 50000"/>
-              </a:avLst>
-            </a:prstGeom>
-            <a:solidFill>
-              <a:srgbClr val="FFFF00"/>
-            </a:solidFill>
-            <a:ln>
-              <a:noFill/>
-            </a:ln>
-            <a:effectLst>
-              <a:glow rad="228600">
-                <a:srgbClr val="FFC000">
-                  <a:alpha val="40000"/>
-                </a:srgbClr>
-              </a:glow>
-            </a:effectLst>
-            <a:scene3d>
-              <a:camera prst="orthographicFront"/>
-              <a:lightRig rig="threePt" dir="t"/>
-            </a:scene3d>
-            <a:sp3d contourW="12700">
-              <a:bevelT/>
-              <a:contourClr>
-                <a:srgbClr val="FFFF00"/>
-              </a:contourClr>
-            </a:sp3d>
-          </p:spPr>
-          <p:style>
-            <a:lnRef idx="2">
-              <a:schemeClr val="accent1">
-                <a:shade val="50000"/>
-              </a:schemeClr>
-            </a:lnRef>
-            <a:fillRef idx="1">
-              <a:schemeClr val="accent1"/>
-            </a:fillRef>
-            <a:effectRef idx="0">
-              <a:schemeClr val="accent1"/>
-            </a:effectRef>
-            <a:fontRef idx="minor">
-              <a:schemeClr val="lt1"/>
-            </a:fontRef>
-          </p:style>
-          <p:txBody>
-            <a:bodyPr rtlCol="0" anchor="ctr"/>
-            <a:lstStyle/>
-            <a:p>
-              <a:pPr algn="ctr"/>
-              <a:endParaRPr lang="en-IN"/>
-            </a:p>
-          </p:txBody>
-        </p:sp>
-        <p:sp>
-          <p:nvSpPr>
-            <p:cNvPr id="39" name="Rounded Rectangle 38"/>
-            <p:cNvSpPr/>
+            <p:cNvPr id="30" name="TextBox 29"/>
+            <p:cNvSpPr txBox="1"/>
             <p:nvPr/>
           </p:nvSpPr>
           <p:spPr>
             <a:xfrm>
-              <a:off x="5828810" y="2563094"/>
-              <a:ext cx="641268" cy="201877"/>
+              <a:off x="1335435" y="1462648"/>
+              <a:ext cx="1123638" cy="247071"/>
             </a:xfrm>
-            <a:prstGeom prst="roundRect">
-              <a:avLst>
-                <a:gd name="adj" fmla="val 50000"/>
-              </a:avLst>
+            <a:prstGeom prst="rect">
+              <a:avLst/>
             </a:prstGeom>
-            <a:solidFill>
-              <a:srgbClr val="FFFF00"/>
-            </a:solidFill>
-            <a:ln>
-              <a:noFill/>
-            </a:ln>
-            <a:effectLst>
-              <a:glow rad="228600">
-                <a:srgbClr val="FFC000">
-                  <a:alpha val="40000"/>
-                </a:srgbClr>
-              </a:glow>
-            </a:effectLst>
-            <a:scene3d>
-              <a:camera prst="orthographicFront"/>
-              <a:lightRig rig="threePt" dir="t"/>
-            </a:scene3d>
-            <a:sp3d contourW="12700">
-              <a:bevelT/>
-              <a:contourClr>
-                <a:srgbClr val="FFFF00"/>
-              </a:contourClr>
-            </a:sp3d>
+            <a:noFill/>
           </p:spPr>
-          <p:style>
-            <a:lnRef idx="2">
-              <a:schemeClr val="accent1">
-                <a:shade val="50000"/>
-              </a:schemeClr>
-            </a:lnRef>
-            <a:fillRef idx="1">
-              <a:schemeClr val="accent1"/>
-            </a:fillRef>
-            <a:effectRef idx="0">
-              <a:schemeClr val="accent1"/>
-            </a:effectRef>
-            <a:fontRef idx="minor">
-              <a:schemeClr val="lt1"/>
-            </a:fontRef>
-          </p:style>
           <p:txBody>
-            <a:bodyPr rtlCol="0" anchor="ctr"/>
+            <a:bodyPr wrap="square" rtlCol="0">
+              <a:spAutoFit/>
+            </a:bodyPr>
             <a:lstStyle/>
             <a:p>
               <a:pPr algn="ctr"/>
-              <a:endParaRPr lang="en-IN"/>
-            </a:p>
-          </p:txBody>
-        </p:sp>
-        <p:sp>
-          <p:nvSpPr>
-            <p:cNvPr id="40" name="Rounded Rectangle 39"/>
-            <p:cNvSpPr/>
-            <p:nvPr/>
-          </p:nvSpPr>
-          <p:spPr>
-            <a:xfrm rot="1534147">
-              <a:off x="5862458" y="3416139"/>
-              <a:ext cx="641268" cy="201877"/>
-            </a:xfrm>
-            <a:prstGeom prst="roundRect">
-              <a:avLst>
-                <a:gd name="adj" fmla="val 50000"/>
-              </a:avLst>
-            </a:prstGeom>
-            <a:solidFill>
-              <a:srgbClr val="FFFF00"/>
-            </a:solidFill>
-            <a:ln>
-              <a:noFill/>
-            </a:ln>
-            <a:effectLst>
-              <a:glow rad="228600">
-                <a:srgbClr val="FFC000">
-                  <a:alpha val="40000"/>
-                </a:srgbClr>
-              </a:glow>
-            </a:effectLst>
-            <a:scene3d>
-              <a:camera prst="orthographicFront"/>
-              <a:lightRig rig="threePt" dir="t"/>
-            </a:scene3d>
-            <a:sp3d contourW="12700">
-              <a:bevelT/>
-              <a:contourClr>
-                <a:srgbClr val="FFFF00"/>
-              </a:contourClr>
-            </a:sp3d>
-          </p:spPr>
-          <p:style>
-            <a:lnRef idx="2">
-              <a:schemeClr val="accent1">
-                <a:shade val="50000"/>
-              </a:schemeClr>
-            </a:lnRef>
-            <a:fillRef idx="1">
-              <a:schemeClr val="accent1"/>
-            </a:fillRef>
-            <a:effectRef idx="0">
-              <a:schemeClr val="accent1"/>
-            </a:effectRef>
-            <a:fontRef idx="minor">
-              <a:schemeClr val="lt1"/>
-            </a:fontRef>
-          </p:style>
-          <p:txBody>
-            <a:bodyPr rtlCol="0" anchor="ctr"/>
-            <a:lstStyle/>
-            <a:p>
-              <a:pPr algn="ctr"/>
-              <a:endParaRPr lang="en-IN"/>
-            </a:p>
-          </p:txBody>
-        </p:sp>
-        <p:sp>
-          <p:nvSpPr>
-            <p:cNvPr id="41" name="Rounded Rectangle 40"/>
-            <p:cNvSpPr/>
-            <p:nvPr/>
-          </p:nvSpPr>
-          <p:spPr>
-            <a:xfrm rot="19835852">
-              <a:off x="2630390" y="3378534"/>
-              <a:ext cx="641268" cy="201877"/>
-            </a:xfrm>
-            <a:prstGeom prst="roundRect">
-              <a:avLst>
-                <a:gd name="adj" fmla="val 50000"/>
-              </a:avLst>
-            </a:prstGeom>
-            <a:solidFill>
-              <a:srgbClr val="FFFF00"/>
-            </a:solidFill>
-            <a:ln>
-              <a:noFill/>
-            </a:ln>
-            <a:effectLst>
-              <a:glow rad="228600">
-                <a:srgbClr val="FFC000">
-                  <a:alpha val="40000"/>
-                </a:srgbClr>
-              </a:glow>
-            </a:effectLst>
-            <a:scene3d>
-              <a:camera prst="orthographicFront"/>
-              <a:lightRig rig="threePt" dir="t"/>
-            </a:scene3d>
-            <a:sp3d contourW="12700">
-              <a:bevelT/>
-              <a:contourClr>
-                <a:srgbClr val="FFFF00"/>
-              </a:contourClr>
-            </a:sp3d>
-          </p:spPr>
-          <p:style>
-            <a:lnRef idx="2">
-              <a:schemeClr val="accent1">
-                <a:shade val="50000"/>
-              </a:schemeClr>
-            </a:lnRef>
-            <a:fillRef idx="1">
-              <a:schemeClr val="accent1"/>
-            </a:fillRef>
-            <a:effectRef idx="0">
-              <a:schemeClr val="accent1"/>
-            </a:effectRef>
-            <a:fontRef idx="minor">
-              <a:schemeClr val="lt1"/>
-            </a:fontRef>
-          </p:style>
-          <p:txBody>
-            <a:bodyPr rtlCol="0" anchor="ctr"/>
-            <a:lstStyle/>
-            <a:p>
-              <a:pPr algn="ctr"/>
-              <a:endParaRPr lang="en-IN"/>
+              <a:endParaRPr lang="en-IN" sz="1400" dirty="0">
+                <a:latin typeface="Times New Roman" pitchFamily="18" charset="0"/>
+                <a:cs typeface="Times New Roman" pitchFamily="18" charset="0"/>
+              </a:endParaRPr>
             </a:p>
           </p:txBody>
         </p:sp>
       </p:grpSp>
-      <p:sp>
-        <p:nvSpPr>
-          <p:cNvPr id="30" name="TextBox 29"/>
-          <p:cNvSpPr txBox="1"/>
-          <p:nvPr/>
-        </p:nvSpPr>
-        <p:spPr>
-          <a:xfrm>
-            <a:off x="1335435" y="1462648"/>
-            <a:ext cx="1123638" cy="247071"/>
-          </a:xfrm>
-          <a:prstGeom prst="rect">
-            <a:avLst/>
-          </a:prstGeom>
-          <a:noFill/>
-        </p:spPr>
-        <p:txBody>
-          <a:bodyPr wrap="square" rtlCol="0">
-            <a:spAutoFit/>
-          </a:bodyPr>
-          <a:lstStyle/>
-          <a:p>
-            <a:pPr algn="ctr"/>
-            <a:endParaRPr lang="en-IN" sz="1400" dirty="0">
-              <a:latin typeface="Times New Roman" pitchFamily="18" charset="0"/>
-              <a:cs typeface="Times New Roman" pitchFamily="18" charset="0"/>
-            </a:endParaRPr>
-          </a:p>
-        </p:txBody>
-      </p:sp>
     </p:spTree>
     <p:extLst>
       <p:ext uri="{BB962C8B-B14F-4D97-AF65-F5344CB8AC3E}">
@@ -10485,7 +10617,7 @@
             <p:cNvPr id="46" name="Picture 45">
               <a:extLst>
                 <a:ext uri="{FF2B5EF4-FFF2-40B4-BE49-F238E27FC236}">
-                  <a16:creationId xmlns:a16="http://schemas.microsoft.com/office/drawing/2014/main" xmlns="" id="{13C97FC4-4358-46A7-89E4-BB08F494C22B}"/>
+                  <a16:creationId xmlns="" xmlns:a16="http://schemas.microsoft.com/office/drawing/2014/main" id="{13C97FC4-4358-46A7-89E4-BB08F494C22B}"/>
                 </a:ext>
               </a:extLst>
             </p:cNvPr>
@@ -20240,6 +20372,7716 @@
 </p:sld>
 </file>
 
+<file path=ppt/slides/slide17.xml><?xml version="1.0" encoding="utf-8"?>
+<p:sld xmlns:a="http://schemas.openxmlformats.org/drawingml/2006/main" xmlns:r="http://schemas.openxmlformats.org/officeDocument/2006/relationships" xmlns:p="http://schemas.openxmlformats.org/presentationml/2006/main">
+  <p:cSld>
+    <p:spTree>
+      <p:nvGrpSpPr>
+        <p:cNvPr id="1" name=""/>
+        <p:cNvGrpSpPr/>
+        <p:nvPr/>
+      </p:nvGrpSpPr>
+      <p:grpSpPr>
+        <a:xfrm>
+          <a:off x="0" y="0"/>
+          <a:ext cx="0" cy="0"/>
+          <a:chOff x="0" y="0"/>
+          <a:chExt cx="0" cy="0"/>
+        </a:xfrm>
+      </p:grpSpPr>
+      <p:sp>
+        <p:nvSpPr>
+          <p:cNvPr id="10" name="Rectangle 9"/>
+          <p:cNvSpPr/>
+          <p:nvPr/>
+        </p:nvSpPr>
+        <p:spPr>
+          <a:xfrm>
+            <a:off x="-16626" y="0"/>
+            <a:ext cx="9160626" cy="4437112"/>
+          </a:xfrm>
+          <a:prstGeom prst="rect">
+            <a:avLst/>
+          </a:prstGeom>
+          <a:solidFill>
+            <a:schemeClr val="bg1">
+              <a:lumMod val="50000"/>
+            </a:schemeClr>
+          </a:solidFill>
+          <a:ln>
+            <a:noFill/>
+          </a:ln>
+        </p:spPr>
+        <p:style>
+          <a:lnRef idx="2">
+            <a:schemeClr val="accent1">
+              <a:shade val="50000"/>
+            </a:schemeClr>
+          </a:lnRef>
+          <a:fillRef idx="1">
+            <a:schemeClr val="accent1"/>
+          </a:fillRef>
+          <a:effectRef idx="0">
+            <a:schemeClr val="accent1"/>
+          </a:effectRef>
+          <a:fontRef idx="minor">
+            <a:schemeClr val="lt1"/>
+          </a:fontRef>
+        </p:style>
+        <p:txBody>
+          <a:bodyPr rtlCol="0" anchor="ctr"/>
+          <a:lstStyle/>
+          <a:p>
+            <a:pPr algn="ctr"/>
+            <a:endParaRPr lang="en-IN"/>
+          </a:p>
+        </p:txBody>
+      </p:sp>
+      <p:sp>
+        <p:nvSpPr>
+          <p:cNvPr id="11" name="Rectangle 10"/>
+          <p:cNvSpPr/>
+          <p:nvPr/>
+        </p:nvSpPr>
+        <p:spPr>
+          <a:xfrm>
+            <a:off x="-16626" y="4437112"/>
+            <a:ext cx="2469067" cy="2440387"/>
+          </a:xfrm>
+          <a:prstGeom prst="rect">
+            <a:avLst/>
+          </a:prstGeom>
+          <a:solidFill>
+            <a:srgbClr val="FF0066"/>
+          </a:solidFill>
+          <a:ln>
+            <a:noFill/>
+          </a:ln>
+        </p:spPr>
+        <p:style>
+          <a:lnRef idx="2">
+            <a:schemeClr val="accent1">
+              <a:shade val="50000"/>
+            </a:schemeClr>
+          </a:lnRef>
+          <a:fillRef idx="1">
+            <a:schemeClr val="accent1"/>
+          </a:fillRef>
+          <a:effectRef idx="0">
+            <a:schemeClr val="accent1"/>
+          </a:effectRef>
+          <a:fontRef idx="minor">
+            <a:schemeClr val="lt1"/>
+          </a:fontRef>
+        </p:style>
+        <p:txBody>
+          <a:bodyPr rtlCol="0" anchor="ctr"/>
+          <a:lstStyle/>
+          <a:p>
+            <a:pPr algn="ctr"/>
+            <a:endParaRPr lang="en-IN"/>
+          </a:p>
+        </p:txBody>
+      </p:sp>
+      <p:sp>
+        <p:nvSpPr>
+          <p:cNvPr id="12" name="Rectangle 11"/>
+          <p:cNvSpPr/>
+          <p:nvPr/>
+        </p:nvSpPr>
+        <p:spPr>
+          <a:xfrm>
+            <a:off x="2452442" y="4437112"/>
+            <a:ext cx="2335582" cy="2420888"/>
+          </a:xfrm>
+          <a:prstGeom prst="rect">
+            <a:avLst/>
+          </a:prstGeom>
+          <a:solidFill>
+            <a:srgbClr val="FFC000"/>
+          </a:solidFill>
+          <a:ln>
+            <a:noFill/>
+          </a:ln>
+        </p:spPr>
+        <p:style>
+          <a:lnRef idx="2">
+            <a:schemeClr val="accent1">
+              <a:shade val="50000"/>
+            </a:schemeClr>
+          </a:lnRef>
+          <a:fillRef idx="1">
+            <a:schemeClr val="accent1"/>
+          </a:fillRef>
+          <a:effectRef idx="0">
+            <a:schemeClr val="accent1"/>
+          </a:effectRef>
+          <a:fontRef idx="minor">
+            <a:schemeClr val="lt1"/>
+          </a:fontRef>
+        </p:style>
+        <p:txBody>
+          <a:bodyPr rtlCol="0" anchor="ctr"/>
+          <a:lstStyle/>
+          <a:p>
+            <a:pPr algn="ctr"/>
+            <a:endParaRPr lang="en-IN"/>
+          </a:p>
+        </p:txBody>
+      </p:sp>
+      <p:sp>
+        <p:nvSpPr>
+          <p:cNvPr id="13" name="Rectangle 12"/>
+          <p:cNvSpPr/>
+          <p:nvPr/>
+        </p:nvSpPr>
+        <p:spPr>
+          <a:xfrm>
+            <a:off x="4701315" y="4437112"/>
+            <a:ext cx="2268760" cy="2440387"/>
+          </a:xfrm>
+          <a:prstGeom prst="rect">
+            <a:avLst/>
+          </a:prstGeom>
+          <a:solidFill>
+            <a:srgbClr val="3366FF"/>
+          </a:solidFill>
+          <a:ln>
+            <a:noFill/>
+          </a:ln>
+        </p:spPr>
+        <p:style>
+          <a:lnRef idx="2">
+            <a:schemeClr val="accent1">
+              <a:shade val="50000"/>
+            </a:schemeClr>
+          </a:lnRef>
+          <a:fillRef idx="1">
+            <a:schemeClr val="accent1"/>
+          </a:fillRef>
+          <a:effectRef idx="0">
+            <a:schemeClr val="accent1"/>
+          </a:effectRef>
+          <a:fontRef idx="minor">
+            <a:schemeClr val="lt1"/>
+          </a:fontRef>
+        </p:style>
+        <p:txBody>
+          <a:bodyPr rtlCol="0" anchor="ctr"/>
+          <a:lstStyle/>
+          <a:p>
+            <a:pPr algn="ctr"/>
+            <a:endParaRPr lang="en-IN"/>
+          </a:p>
+        </p:txBody>
+      </p:sp>
+      <p:sp>
+        <p:nvSpPr>
+          <p:cNvPr id="14" name="Rectangle 13"/>
+          <p:cNvSpPr/>
+          <p:nvPr/>
+        </p:nvSpPr>
+        <p:spPr>
+          <a:xfrm>
+            <a:off x="6948264" y="4437112"/>
+            <a:ext cx="2195736" cy="2420888"/>
+          </a:xfrm>
+          <a:prstGeom prst="rect">
+            <a:avLst/>
+          </a:prstGeom>
+          <a:solidFill>
+            <a:schemeClr val="tx2"/>
+          </a:solidFill>
+        </p:spPr>
+        <p:style>
+          <a:lnRef idx="2">
+            <a:schemeClr val="accent1">
+              <a:shade val="50000"/>
+            </a:schemeClr>
+          </a:lnRef>
+          <a:fillRef idx="1">
+            <a:schemeClr val="accent1"/>
+          </a:fillRef>
+          <a:effectRef idx="0">
+            <a:schemeClr val="accent1"/>
+          </a:effectRef>
+          <a:fontRef idx="minor">
+            <a:schemeClr val="lt1"/>
+          </a:fontRef>
+        </p:style>
+        <p:txBody>
+          <a:bodyPr rtlCol="0" anchor="ctr"/>
+          <a:lstStyle/>
+          <a:p>
+            <a:pPr algn="ctr"/>
+            <a:endParaRPr lang="en-IN"/>
+          </a:p>
+        </p:txBody>
+      </p:sp>
+      <p:pic>
+        <p:nvPicPr>
+          <p:cNvPr id="15" name="Picture 11" descr="C:\Users\varun\Desktop\posters\logo\icAnvisys_transparent.png"/>
+          <p:cNvPicPr>
+            <a:picLocks noChangeAspect="1" noChangeArrowheads="1"/>
+          </p:cNvPicPr>
+          <p:nvPr/>
+        </p:nvPicPr>
+        <p:blipFill>
+          <a:blip r:embed="rId3"/>
+          <a:srcRect/>
+          <a:stretch>
+            <a:fillRect/>
+          </a:stretch>
+        </p:blipFill>
+        <p:spPr bwMode="auto">
+          <a:xfrm>
+            <a:off x="1662801" y="931506"/>
+            <a:ext cx="1785950" cy="1928826"/>
+          </a:xfrm>
+          <a:prstGeom prst="rect">
+            <a:avLst/>
+          </a:prstGeom>
+          <a:noFill/>
+        </p:spPr>
+      </p:pic>
+      <p:sp>
+        <p:nvSpPr>
+          <p:cNvPr id="16" name="TextBox 15"/>
+          <p:cNvSpPr txBox="1"/>
+          <p:nvPr/>
+        </p:nvSpPr>
+        <p:spPr>
+          <a:xfrm>
+            <a:off x="3059462" y="1787669"/>
+            <a:ext cx="5454352" cy="861774"/>
+          </a:xfrm>
+          <a:prstGeom prst="rect">
+            <a:avLst/>
+          </a:prstGeom>
+          <a:noFill/>
+        </p:spPr>
+        <p:txBody>
+          <a:bodyPr wrap="square" rtlCol="0">
+            <a:spAutoFit/>
+          </a:bodyPr>
+          <a:lstStyle/>
+          <a:p>
+            <a:r>
+              <a:rPr lang="en-IN" sz="3200" b="1" i="1" dirty="0" err="1">
+                <a:solidFill>
+                  <a:schemeClr val="bg1"/>
+                </a:solidFill>
+                <a:latin typeface="AR ESSENCE" pitchFamily="2" charset="0"/>
+                <a:cs typeface="Times New Roman" pitchFamily="18" charset="0"/>
+              </a:rPr>
+              <a:t>Anvisys</a:t>
+            </a:r>
+            <a:r>
+              <a:rPr lang="en-IN" sz="3200" b="1" i="1" dirty="0">
+                <a:solidFill>
+                  <a:schemeClr val="bg1"/>
+                </a:solidFill>
+                <a:latin typeface="AR ESSENCE" pitchFamily="2" charset="0"/>
+                <a:cs typeface="Times New Roman" pitchFamily="18" charset="0"/>
+              </a:rPr>
+              <a:t> technology </a:t>
+            </a:r>
+            <a:r>
+              <a:rPr lang="en-IN" sz="3200" b="1" i="1" dirty="0" err="1">
+                <a:solidFill>
+                  <a:schemeClr val="bg1"/>
+                </a:solidFill>
+                <a:latin typeface="AR ESSENCE" pitchFamily="2" charset="0"/>
+                <a:cs typeface="Times New Roman" pitchFamily="18" charset="0"/>
+              </a:rPr>
+              <a:t>Pvt.</a:t>
+            </a:r>
+            <a:r>
+              <a:rPr lang="en-IN" sz="3200" b="1" i="1" dirty="0">
+                <a:solidFill>
+                  <a:schemeClr val="bg1"/>
+                </a:solidFill>
+                <a:latin typeface="AR ESSENCE" pitchFamily="2" charset="0"/>
+                <a:cs typeface="Times New Roman" pitchFamily="18" charset="0"/>
+              </a:rPr>
+              <a:t> Ltd</a:t>
+            </a:r>
+          </a:p>
+          <a:p>
+            <a:endParaRPr lang="en-IN" dirty="0">
+              <a:solidFill>
+                <a:srgbClr val="FF0000"/>
+              </a:solidFill>
+            </a:endParaRPr>
+          </a:p>
+        </p:txBody>
+      </p:sp>
+      <p:sp>
+        <p:nvSpPr>
+          <p:cNvPr id="17" name="TextBox 16"/>
+          <p:cNvSpPr txBox="1"/>
+          <p:nvPr/>
+        </p:nvSpPr>
+        <p:spPr>
+          <a:xfrm>
+            <a:off x="1662801" y="3490146"/>
+            <a:ext cx="6480720" cy="677108"/>
+          </a:xfrm>
+          <a:prstGeom prst="rect">
+            <a:avLst/>
+          </a:prstGeom>
+          <a:noFill/>
+        </p:spPr>
+        <p:txBody>
+          <a:bodyPr wrap="square" rtlCol="0">
+            <a:spAutoFit/>
+          </a:bodyPr>
+          <a:lstStyle/>
+          <a:p>
+            <a:r>
+              <a:rPr lang="en-IN" sz="2000" b="1" dirty="0">
+                <a:solidFill>
+                  <a:schemeClr val="bg1"/>
+                </a:solidFill>
+                <a:latin typeface="Times New Roman" pitchFamily="18" charset="0"/>
+                <a:cs typeface="Times New Roman" pitchFamily="18" charset="0"/>
+              </a:rPr>
+              <a:t>YOUR TRUSTED I.T AND CONSULTING PARTNER</a:t>
+            </a:r>
+          </a:p>
+          <a:p>
+            <a:endParaRPr lang="en-IN" dirty="0"/>
+          </a:p>
+        </p:txBody>
+      </p:sp>
+      <p:grpSp>
+        <p:nvGrpSpPr>
+          <p:cNvPr id="25" name="Group 24"/>
+          <p:cNvGrpSpPr/>
+          <p:nvPr/>
+        </p:nvGrpSpPr>
+        <p:grpSpPr>
+          <a:xfrm>
+            <a:off x="663318" y="4774085"/>
+            <a:ext cx="662260" cy="775754"/>
+            <a:chOff x="9684569" y="525962"/>
+            <a:chExt cx="1440159" cy="1947343"/>
+          </a:xfrm>
+        </p:grpSpPr>
+        <p:sp>
+          <p:nvSpPr>
+            <p:cNvPr id="22" name="Gear"/>
+            <p:cNvSpPr>
+              <a:spLocks noEditPoints="1" noChangeArrowheads="1"/>
+            </p:cNvSpPr>
+            <p:nvPr/>
+          </p:nvSpPr>
+          <p:spPr bwMode="auto">
+            <a:xfrm>
+              <a:off x="9684569" y="1268760"/>
+              <a:ext cx="648072" cy="611241"/>
+            </a:xfrm>
+            <a:custGeom>
+              <a:avLst/>
+              <a:gdLst>
+                <a:gd name="T0" fmla="*/ 10800 w 21600"/>
+                <a:gd name="T1" fmla="*/ 0 h 21600"/>
+                <a:gd name="T2" fmla="*/ 21600 w 21600"/>
+                <a:gd name="T3" fmla="*/ 10800 h 21600"/>
+                <a:gd name="T4" fmla="*/ 10800 w 21600"/>
+                <a:gd name="T5" fmla="*/ 21600 h 21600"/>
+                <a:gd name="T6" fmla="*/ 0 w 21600"/>
+                <a:gd name="T7" fmla="*/ 10800 h 21600"/>
+                <a:gd name="T8" fmla="*/ 4374 w 21600"/>
+                <a:gd name="T9" fmla="*/ 3964 h 21600"/>
+                <a:gd name="T10" fmla="*/ 17841 w 21600"/>
+                <a:gd name="T11" fmla="*/ 17635 h 21600"/>
+              </a:gdLst>
+              <a:ahLst/>
+              <a:cxnLst>
+                <a:cxn ang="0">
+                  <a:pos x="T0" y="T1"/>
+                </a:cxn>
+                <a:cxn ang="0">
+                  <a:pos x="T2" y="T3"/>
+                </a:cxn>
+                <a:cxn ang="0">
+                  <a:pos x="T4" y="T5"/>
+                </a:cxn>
+                <a:cxn ang="0">
+                  <a:pos x="T6" y="T7"/>
+                </a:cxn>
+              </a:cxnLst>
+              <a:rect l="T8" t="T9" r="T10" b="T11"/>
+              <a:pathLst>
+                <a:path w="21600" h="21600">
+                  <a:moveTo>
+                    <a:pt x="9689" y="1725"/>
+                  </a:moveTo>
+                  <a:lnTo>
+                    <a:pt x="10304" y="85"/>
+                  </a:lnTo>
+                  <a:lnTo>
+                    <a:pt x="11637" y="85"/>
+                  </a:lnTo>
+                  <a:lnTo>
+                    <a:pt x="12303" y="1777"/>
+                  </a:lnTo>
+                  <a:lnTo>
+                    <a:pt x="13072" y="1931"/>
+                  </a:lnTo>
+                  <a:lnTo>
+                    <a:pt x="14303" y="598"/>
+                  </a:lnTo>
+                  <a:lnTo>
+                    <a:pt x="15533" y="1110"/>
+                  </a:lnTo>
+                  <a:lnTo>
+                    <a:pt x="15584" y="2905"/>
+                  </a:lnTo>
+                  <a:lnTo>
+                    <a:pt x="16405" y="3520"/>
+                  </a:lnTo>
+                  <a:lnTo>
+                    <a:pt x="17891" y="2751"/>
+                  </a:lnTo>
+                  <a:lnTo>
+                    <a:pt x="18917" y="3674"/>
+                  </a:lnTo>
+                  <a:lnTo>
+                    <a:pt x="18199" y="5314"/>
+                  </a:lnTo>
+                  <a:lnTo>
+                    <a:pt x="18763" y="6083"/>
+                  </a:lnTo>
+                  <a:lnTo>
+                    <a:pt x="20403" y="6032"/>
+                  </a:lnTo>
+                  <a:lnTo>
+                    <a:pt x="20865" y="7211"/>
+                  </a:lnTo>
+                  <a:lnTo>
+                    <a:pt x="19737" y="8185"/>
+                  </a:lnTo>
+                  <a:lnTo>
+                    <a:pt x="20096" y="9723"/>
+                  </a:lnTo>
+                  <a:lnTo>
+                    <a:pt x="21634" y="10287"/>
+                  </a:lnTo>
+                  <a:lnTo>
+                    <a:pt x="21582" y="11620"/>
+                  </a:lnTo>
+                  <a:lnTo>
+                    <a:pt x="20147" y="12184"/>
+                  </a:lnTo>
+                  <a:lnTo>
+                    <a:pt x="19942" y="13158"/>
+                  </a:lnTo>
+                  <a:lnTo>
+                    <a:pt x="21070" y="14234"/>
+                  </a:lnTo>
+                  <a:lnTo>
+                    <a:pt x="20608" y="15362"/>
+                  </a:lnTo>
+                  <a:lnTo>
+                    <a:pt x="19019" y="15465"/>
+                  </a:lnTo>
+                  <a:lnTo>
+                    <a:pt x="18404" y="16439"/>
+                  </a:lnTo>
+                  <a:lnTo>
+                    <a:pt x="19122" y="17925"/>
+                  </a:lnTo>
+                  <a:lnTo>
+                    <a:pt x="18096" y="18797"/>
+                  </a:lnTo>
+                  <a:lnTo>
+                    <a:pt x="16763" y="18284"/>
+                  </a:lnTo>
+                  <a:lnTo>
+                    <a:pt x="15431" y="19002"/>
+                  </a:lnTo>
+                  <a:lnTo>
+                    <a:pt x="15277" y="20848"/>
+                  </a:lnTo>
+                  <a:lnTo>
+                    <a:pt x="14149" y="21155"/>
+                  </a:lnTo>
+                  <a:lnTo>
+                    <a:pt x="13021" y="19925"/>
+                  </a:lnTo>
+                  <a:lnTo>
+                    <a:pt x="12252" y="20181"/>
+                  </a:lnTo>
+                  <a:lnTo>
+                    <a:pt x="11739" y="21668"/>
+                  </a:lnTo>
+                  <a:lnTo>
+                    <a:pt x="10201" y="21668"/>
+                  </a:lnTo>
+                  <a:lnTo>
+                    <a:pt x="9740" y="20130"/>
+                  </a:lnTo>
+                  <a:lnTo>
+                    <a:pt x="8253" y="19771"/>
+                  </a:lnTo>
+                  <a:lnTo>
+                    <a:pt x="7125" y="21001"/>
+                  </a:lnTo>
+                  <a:lnTo>
+                    <a:pt x="5895" y="20489"/>
+                  </a:lnTo>
+                  <a:lnTo>
+                    <a:pt x="5946" y="18592"/>
+                  </a:lnTo>
+                  <a:lnTo>
+                    <a:pt x="5177" y="18131"/>
+                  </a:lnTo>
+                  <a:lnTo>
+                    <a:pt x="3383" y="18848"/>
+                  </a:lnTo>
+                  <a:lnTo>
+                    <a:pt x="2614" y="17874"/>
+                  </a:lnTo>
+                  <a:lnTo>
+                    <a:pt x="3383" y="16182"/>
+                  </a:lnTo>
+                  <a:lnTo>
+                    <a:pt x="2922" y="15465"/>
+                  </a:lnTo>
+                  <a:lnTo>
+                    <a:pt x="922" y="15516"/>
+                  </a:lnTo>
+                  <a:lnTo>
+                    <a:pt x="512" y="14234"/>
+                  </a:lnTo>
+                  <a:lnTo>
+                    <a:pt x="1948" y="12901"/>
+                  </a:lnTo>
+                  <a:lnTo>
+                    <a:pt x="1896" y="12184"/>
+                  </a:lnTo>
+                  <a:lnTo>
+                    <a:pt x="0" y="11415"/>
+                  </a:lnTo>
+                  <a:lnTo>
+                    <a:pt x="51" y="10031"/>
+                  </a:lnTo>
+                  <a:lnTo>
+                    <a:pt x="1948" y="9313"/>
+                  </a:lnTo>
+                  <a:lnTo>
+                    <a:pt x="2101" y="8595"/>
+                  </a:lnTo>
+                  <a:lnTo>
+                    <a:pt x="615" y="7160"/>
+                  </a:lnTo>
+                  <a:lnTo>
+                    <a:pt x="1127" y="5878"/>
+                  </a:lnTo>
+                  <a:lnTo>
+                    <a:pt x="3178" y="5981"/>
+                  </a:lnTo>
+                  <a:lnTo>
+                    <a:pt x="3588" y="5417"/>
+                  </a:lnTo>
+                  <a:lnTo>
+                    <a:pt x="2819" y="3520"/>
+                  </a:lnTo>
+                  <a:lnTo>
+                    <a:pt x="3742" y="2597"/>
+                  </a:lnTo>
+                  <a:lnTo>
+                    <a:pt x="5536" y="3417"/>
+                  </a:lnTo>
+                  <a:lnTo>
+                    <a:pt x="6049" y="3058"/>
+                  </a:lnTo>
+                  <a:lnTo>
+                    <a:pt x="6100" y="1264"/>
+                  </a:lnTo>
+                  <a:lnTo>
+                    <a:pt x="7228" y="700"/>
+                  </a:lnTo>
+                  <a:lnTo>
+                    <a:pt x="8510" y="2033"/>
+                  </a:lnTo>
+                  <a:lnTo>
+                    <a:pt x="9689" y="1725"/>
+                  </a:lnTo>
+                  <a:close/>
+                  <a:moveTo>
+                    <a:pt x="10817" y="14422"/>
+                  </a:moveTo>
+                  <a:lnTo>
+                    <a:pt x="11175" y="14388"/>
+                  </a:lnTo>
+                  <a:lnTo>
+                    <a:pt x="11534" y="14354"/>
+                  </a:lnTo>
+                  <a:lnTo>
+                    <a:pt x="11893" y="14268"/>
+                  </a:lnTo>
+                  <a:lnTo>
+                    <a:pt x="12218" y="14166"/>
+                  </a:lnTo>
+                  <a:lnTo>
+                    <a:pt x="12508" y="13995"/>
+                  </a:lnTo>
+                  <a:lnTo>
+                    <a:pt x="12816" y="13807"/>
+                  </a:lnTo>
+                  <a:lnTo>
+                    <a:pt x="13106" y="13602"/>
+                  </a:lnTo>
+                  <a:lnTo>
+                    <a:pt x="13329" y="13380"/>
+                  </a:lnTo>
+                  <a:lnTo>
+                    <a:pt x="13568" y="13106"/>
+                  </a:lnTo>
+                  <a:lnTo>
+                    <a:pt x="13790" y="12850"/>
+                  </a:lnTo>
+                  <a:lnTo>
+                    <a:pt x="13961" y="12560"/>
+                  </a:lnTo>
+                  <a:lnTo>
+                    <a:pt x="14115" y="12269"/>
+                  </a:lnTo>
+                  <a:lnTo>
+                    <a:pt x="14217" y="11927"/>
+                  </a:lnTo>
+                  <a:lnTo>
+                    <a:pt x="14320" y="11568"/>
+                  </a:lnTo>
+                  <a:lnTo>
+                    <a:pt x="14388" y="11210"/>
+                  </a:lnTo>
+                  <a:lnTo>
+                    <a:pt x="14388" y="10851"/>
+                  </a:lnTo>
+                  <a:lnTo>
+                    <a:pt x="14388" y="10492"/>
+                  </a:lnTo>
+                  <a:lnTo>
+                    <a:pt x="14320" y="10133"/>
+                  </a:lnTo>
+                  <a:lnTo>
+                    <a:pt x="14217" y="9808"/>
+                  </a:lnTo>
+                  <a:lnTo>
+                    <a:pt x="14115" y="9467"/>
+                  </a:lnTo>
+                  <a:lnTo>
+                    <a:pt x="13961" y="9142"/>
+                  </a:lnTo>
+                  <a:lnTo>
+                    <a:pt x="13790" y="8851"/>
+                  </a:lnTo>
+                  <a:lnTo>
+                    <a:pt x="13568" y="8595"/>
+                  </a:lnTo>
+                  <a:lnTo>
+                    <a:pt x="13329" y="8322"/>
+                  </a:lnTo>
+                  <a:lnTo>
+                    <a:pt x="13106" y="8100"/>
+                  </a:lnTo>
+                  <a:lnTo>
+                    <a:pt x="12816" y="7894"/>
+                  </a:lnTo>
+                  <a:lnTo>
+                    <a:pt x="12508" y="7741"/>
+                  </a:lnTo>
+                  <a:lnTo>
+                    <a:pt x="12218" y="7570"/>
+                  </a:lnTo>
+                  <a:lnTo>
+                    <a:pt x="11893" y="7433"/>
+                  </a:lnTo>
+                  <a:lnTo>
+                    <a:pt x="11534" y="7382"/>
+                  </a:lnTo>
+                  <a:lnTo>
+                    <a:pt x="11175" y="7313"/>
+                  </a:lnTo>
+                  <a:lnTo>
+                    <a:pt x="10817" y="7313"/>
+                  </a:lnTo>
+                  <a:lnTo>
+                    <a:pt x="10441" y="7313"/>
+                  </a:lnTo>
+                  <a:lnTo>
+                    <a:pt x="10082" y="7382"/>
+                  </a:lnTo>
+                  <a:lnTo>
+                    <a:pt x="9757" y="7433"/>
+                  </a:lnTo>
+                  <a:lnTo>
+                    <a:pt x="9432" y="7570"/>
+                  </a:lnTo>
+                  <a:lnTo>
+                    <a:pt x="9142" y="7741"/>
+                  </a:lnTo>
+                  <a:lnTo>
+                    <a:pt x="8834" y="7894"/>
+                  </a:lnTo>
+                  <a:lnTo>
+                    <a:pt x="8544" y="8100"/>
+                  </a:lnTo>
+                  <a:lnTo>
+                    <a:pt x="8287" y="8322"/>
+                  </a:lnTo>
+                  <a:lnTo>
+                    <a:pt x="8048" y="8595"/>
+                  </a:lnTo>
+                  <a:lnTo>
+                    <a:pt x="7860" y="8851"/>
+                  </a:lnTo>
+                  <a:lnTo>
+                    <a:pt x="7689" y="9142"/>
+                  </a:lnTo>
+                  <a:lnTo>
+                    <a:pt x="7536" y="9467"/>
+                  </a:lnTo>
+                  <a:lnTo>
+                    <a:pt x="7399" y="9808"/>
+                  </a:lnTo>
+                  <a:lnTo>
+                    <a:pt x="7331" y="10133"/>
+                  </a:lnTo>
+                  <a:lnTo>
+                    <a:pt x="7262" y="10492"/>
+                  </a:lnTo>
+                  <a:lnTo>
+                    <a:pt x="7262" y="10851"/>
+                  </a:lnTo>
+                  <a:lnTo>
+                    <a:pt x="7262" y="11210"/>
+                  </a:lnTo>
+                  <a:lnTo>
+                    <a:pt x="7331" y="11568"/>
+                  </a:lnTo>
+                  <a:lnTo>
+                    <a:pt x="7399" y="11927"/>
+                  </a:lnTo>
+                  <a:lnTo>
+                    <a:pt x="7536" y="12269"/>
+                  </a:lnTo>
+                  <a:lnTo>
+                    <a:pt x="7689" y="12560"/>
+                  </a:lnTo>
+                  <a:lnTo>
+                    <a:pt x="7860" y="12850"/>
+                  </a:lnTo>
+                  <a:lnTo>
+                    <a:pt x="8048" y="13106"/>
+                  </a:lnTo>
+                  <a:lnTo>
+                    <a:pt x="8287" y="13380"/>
+                  </a:lnTo>
+                  <a:lnTo>
+                    <a:pt x="8544" y="13602"/>
+                  </a:lnTo>
+                  <a:lnTo>
+                    <a:pt x="8834" y="13807"/>
+                  </a:lnTo>
+                  <a:lnTo>
+                    <a:pt x="9142" y="13995"/>
+                  </a:lnTo>
+                  <a:lnTo>
+                    <a:pt x="9432" y="14166"/>
+                  </a:lnTo>
+                  <a:lnTo>
+                    <a:pt x="9757" y="14268"/>
+                  </a:lnTo>
+                  <a:lnTo>
+                    <a:pt x="10082" y="14354"/>
+                  </a:lnTo>
+                  <a:lnTo>
+                    <a:pt x="10441" y="14388"/>
+                  </a:lnTo>
+                  <a:lnTo>
+                    <a:pt x="10817" y="14422"/>
+                  </a:lnTo>
+                  <a:close/>
+                </a:path>
+              </a:pathLst>
+            </a:custGeom>
+            <a:solidFill>
+              <a:schemeClr val="bg1"/>
+            </a:solidFill>
+            <a:ln w="9525">
+              <a:miter lim="800000"/>
+              <a:headEnd/>
+              <a:tailEnd/>
+            </a:ln>
+            <a:effectLst/>
+          </p:spPr>
+          <p:txBody>
+            <a:bodyPr vert="horz" wrap="square" lIns="91440" tIns="45720" rIns="91440" bIns="45720" numCol="1" anchor="t" anchorCtr="0" compatLnSpc="1">
+              <a:prstTxWarp prst="textNoShape">
+                <a:avLst/>
+              </a:prstTxWarp>
+              <a:flatTx/>
+            </a:bodyPr>
+            <a:lstStyle/>
+            <a:p>
+              <a:endParaRPr lang="en-IN"/>
+            </a:p>
+          </p:txBody>
+        </p:sp>
+        <p:sp>
+          <p:nvSpPr>
+            <p:cNvPr id="23" name="Gear"/>
+            <p:cNvSpPr>
+              <a:spLocks noEditPoints="1" noChangeArrowheads="1"/>
+            </p:cNvSpPr>
+            <p:nvPr/>
+          </p:nvSpPr>
+          <p:spPr bwMode="auto">
+            <a:xfrm>
+              <a:off x="10111210" y="525962"/>
+              <a:ext cx="1013518" cy="1048418"/>
+            </a:xfrm>
+            <a:custGeom>
+              <a:avLst/>
+              <a:gdLst>
+                <a:gd name="T0" fmla="*/ 10800 w 21600"/>
+                <a:gd name="T1" fmla="*/ 0 h 21600"/>
+                <a:gd name="T2" fmla="*/ 21600 w 21600"/>
+                <a:gd name="T3" fmla="*/ 10800 h 21600"/>
+                <a:gd name="T4" fmla="*/ 10800 w 21600"/>
+                <a:gd name="T5" fmla="*/ 21600 h 21600"/>
+                <a:gd name="T6" fmla="*/ 0 w 21600"/>
+                <a:gd name="T7" fmla="*/ 10800 h 21600"/>
+                <a:gd name="T8" fmla="*/ 4374 w 21600"/>
+                <a:gd name="T9" fmla="*/ 3964 h 21600"/>
+                <a:gd name="T10" fmla="*/ 17841 w 21600"/>
+                <a:gd name="T11" fmla="*/ 17635 h 21600"/>
+              </a:gdLst>
+              <a:ahLst/>
+              <a:cxnLst>
+                <a:cxn ang="0">
+                  <a:pos x="T0" y="T1"/>
+                </a:cxn>
+                <a:cxn ang="0">
+                  <a:pos x="T2" y="T3"/>
+                </a:cxn>
+                <a:cxn ang="0">
+                  <a:pos x="T4" y="T5"/>
+                </a:cxn>
+                <a:cxn ang="0">
+                  <a:pos x="T6" y="T7"/>
+                </a:cxn>
+              </a:cxnLst>
+              <a:rect l="T8" t="T9" r="T10" b="T11"/>
+              <a:pathLst>
+                <a:path w="21600" h="21600">
+                  <a:moveTo>
+                    <a:pt x="9689" y="1725"/>
+                  </a:moveTo>
+                  <a:lnTo>
+                    <a:pt x="10304" y="85"/>
+                  </a:lnTo>
+                  <a:lnTo>
+                    <a:pt x="11637" y="85"/>
+                  </a:lnTo>
+                  <a:lnTo>
+                    <a:pt x="12303" y="1777"/>
+                  </a:lnTo>
+                  <a:lnTo>
+                    <a:pt x="13072" y="1931"/>
+                  </a:lnTo>
+                  <a:lnTo>
+                    <a:pt x="14303" y="598"/>
+                  </a:lnTo>
+                  <a:lnTo>
+                    <a:pt x="15533" y="1110"/>
+                  </a:lnTo>
+                  <a:lnTo>
+                    <a:pt x="15584" y="2905"/>
+                  </a:lnTo>
+                  <a:lnTo>
+                    <a:pt x="16405" y="3520"/>
+                  </a:lnTo>
+                  <a:lnTo>
+                    <a:pt x="17891" y="2751"/>
+                  </a:lnTo>
+                  <a:lnTo>
+                    <a:pt x="18917" y="3674"/>
+                  </a:lnTo>
+                  <a:lnTo>
+                    <a:pt x="18199" y="5314"/>
+                  </a:lnTo>
+                  <a:lnTo>
+                    <a:pt x="18763" y="6083"/>
+                  </a:lnTo>
+                  <a:lnTo>
+                    <a:pt x="20403" y="6032"/>
+                  </a:lnTo>
+                  <a:lnTo>
+                    <a:pt x="20865" y="7211"/>
+                  </a:lnTo>
+                  <a:lnTo>
+                    <a:pt x="19737" y="8185"/>
+                  </a:lnTo>
+                  <a:lnTo>
+                    <a:pt x="20096" y="9723"/>
+                  </a:lnTo>
+                  <a:lnTo>
+                    <a:pt x="21634" y="10287"/>
+                  </a:lnTo>
+                  <a:lnTo>
+                    <a:pt x="21582" y="11620"/>
+                  </a:lnTo>
+                  <a:lnTo>
+                    <a:pt x="20147" y="12184"/>
+                  </a:lnTo>
+                  <a:lnTo>
+                    <a:pt x="19942" y="13158"/>
+                  </a:lnTo>
+                  <a:lnTo>
+                    <a:pt x="21070" y="14234"/>
+                  </a:lnTo>
+                  <a:lnTo>
+                    <a:pt x="20608" y="15362"/>
+                  </a:lnTo>
+                  <a:lnTo>
+                    <a:pt x="19019" y="15465"/>
+                  </a:lnTo>
+                  <a:lnTo>
+                    <a:pt x="18404" y="16439"/>
+                  </a:lnTo>
+                  <a:lnTo>
+                    <a:pt x="19122" y="17925"/>
+                  </a:lnTo>
+                  <a:lnTo>
+                    <a:pt x="18096" y="18797"/>
+                  </a:lnTo>
+                  <a:lnTo>
+                    <a:pt x="16763" y="18284"/>
+                  </a:lnTo>
+                  <a:lnTo>
+                    <a:pt x="15431" y="19002"/>
+                  </a:lnTo>
+                  <a:lnTo>
+                    <a:pt x="15277" y="20848"/>
+                  </a:lnTo>
+                  <a:lnTo>
+                    <a:pt x="14149" y="21155"/>
+                  </a:lnTo>
+                  <a:lnTo>
+                    <a:pt x="13021" y="19925"/>
+                  </a:lnTo>
+                  <a:lnTo>
+                    <a:pt x="12252" y="20181"/>
+                  </a:lnTo>
+                  <a:lnTo>
+                    <a:pt x="11739" y="21668"/>
+                  </a:lnTo>
+                  <a:lnTo>
+                    <a:pt x="10201" y="21668"/>
+                  </a:lnTo>
+                  <a:lnTo>
+                    <a:pt x="9740" y="20130"/>
+                  </a:lnTo>
+                  <a:lnTo>
+                    <a:pt x="8253" y="19771"/>
+                  </a:lnTo>
+                  <a:lnTo>
+                    <a:pt x="7125" y="21001"/>
+                  </a:lnTo>
+                  <a:lnTo>
+                    <a:pt x="5895" y="20489"/>
+                  </a:lnTo>
+                  <a:lnTo>
+                    <a:pt x="5946" y="18592"/>
+                  </a:lnTo>
+                  <a:lnTo>
+                    <a:pt x="5177" y="18131"/>
+                  </a:lnTo>
+                  <a:lnTo>
+                    <a:pt x="3383" y="18848"/>
+                  </a:lnTo>
+                  <a:lnTo>
+                    <a:pt x="2614" y="17874"/>
+                  </a:lnTo>
+                  <a:lnTo>
+                    <a:pt x="3383" y="16182"/>
+                  </a:lnTo>
+                  <a:lnTo>
+                    <a:pt x="2922" y="15465"/>
+                  </a:lnTo>
+                  <a:lnTo>
+                    <a:pt x="922" y="15516"/>
+                  </a:lnTo>
+                  <a:lnTo>
+                    <a:pt x="512" y="14234"/>
+                  </a:lnTo>
+                  <a:lnTo>
+                    <a:pt x="1948" y="12901"/>
+                  </a:lnTo>
+                  <a:lnTo>
+                    <a:pt x="1896" y="12184"/>
+                  </a:lnTo>
+                  <a:lnTo>
+                    <a:pt x="0" y="11415"/>
+                  </a:lnTo>
+                  <a:lnTo>
+                    <a:pt x="51" y="10031"/>
+                  </a:lnTo>
+                  <a:lnTo>
+                    <a:pt x="1948" y="9313"/>
+                  </a:lnTo>
+                  <a:lnTo>
+                    <a:pt x="2101" y="8595"/>
+                  </a:lnTo>
+                  <a:lnTo>
+                    <a:pt x="615" y="7160"/>
+                  </a:lnTo>
+                  <a:lnTo>
+                    <a:pt x="1127" y="5878"/>
+                  </a:lnTo>
+                  <a:lnTo>
+                    <a:pt x="3178" y="5981"/>
+                  </a:lnTo>
+                  <a:lnTo>
+                    <a:pt x="3588" y="5417"/>
+                  </a:lnTo>
+                  <a:lnTo>
+                    <a:pt x="2819" y="3520"/>
+                  </a:lnTo>
+                  <a:lnTo>
+                    <a:pt x="3742" y="2597"/>
+                  </a:lnTo>
+                  <a:lnTo>
+                    <a:pt x="5536" y="3417"/>
+                  </a:lnTo>
+                  <a:lnTo>
+                    <a:pt x="6049" y="3058"/>
+                  </a:lnTo>
+                  <a:lnTo>
+                    <a:pt x="6100" y="1264"/>
+                  </a:lnTo>
+                  <a:lnTo>
+                    <a:pt x="7228" y="700"/>
+                  </a:lnTo>
+                  <a:lnTo>
+                    <a:pt x="8510" y="2033"/>
+                  </a:lnTo>
+                  <a:lnTo>
+                    <a:pt x="9689" y="1725"/>
+                  </a:lnTo>
+                  <a:close/>
+                  <a:moveTo>
+                    <a:pt x="10817" y="14422"/>
+                  </a:moveTo>
+                  <a:lnTo>
+                    <a:pt x="11175" y="14388"/>
+                  </a:lnTo>
+                  <a:lnTo>
+                    <a:pt x="11534" y="14354"/>
+                  </a:lnTo>
+                  <a:lnTo>
+                    <a:pt x="11893" y="14268"/>
+                  </a:lnTo>
+                  <a:lnTo>
+                    <a:pt x="12218" y="14166"/>
+                  </a:lnTo>
+                  <a:lnTo>
+                    <a:pt x="12508" y="13995"/>
+                  </a:lnTo>
+                  <a:lnTo>
+                    <a:pt x="12816" y="13807"/>
+                  </a:lnTo>
+                  <a:lnTo>
+                    <a:pt x="13106" y="13602"/>
+                  </a:lnTo>
+                  <a:lnTo>
+                    <a:pt x="13329" y="13380"/>
+                  </a:lnTo>
+                  <a:lnTo>
+                    <a:pt x="13568" y="13106"/>
+                  </a:lnTo>
+                  <a:lnTo>
+                    <a:pt x="13790" y="12850"/>
+                  </a:lnTo>
+                  <a:lnTo>
+                    <a:pt x="13961" y="12560"/>
+                  </a:lnTo>
+                  <a:lnTo>
+                    <a:pt x="14115" y="12269"/>
+                  </a:lnTo>
+                  <a:lnTo>
+                    <a:pt x="14217" y="11927"/>
+                  </a:lnTo>
+                  <a:lnTo>
+                    <a:pt x="14320" y="11568"/>
+                  </a:lnTo>
+                  <a:lnTo>
+                    <a:pt x="14388" y="11210"/>
+                  </a:lnTo>
+                  <a:lnTo>
+                    <a:pt x="14388" y="10851"/>
+                  </a:lnTo>
+                  <a:lnTo>
+                    <a:pt x="14388" y="10492"/>
+                  </a:lnTo>
+                  <a:lnTo>
+                    <a:pt x="14320" y="10133"/>
+                  </a:lnTo>
+                  <a:lnTo>
+                    <a:pt x="14217" y="9808"/>
+                  </a:lnTo>
+                  <a:lnTo>
+                    <a:pt x="14115" y="9467"/>
+                  </a:lnTo>
+                  <a:lnTo>
+                    <a:pt x="13961" y="9142"/>
+                  </a:lnTo>
+                  <a:lnTo>
+                    <a:pt x="13790" y="8851"/>
+                  </a:lnTo>
+                  <a:lnTo>
+                    <a:pt x="13568" y="8595"/>
+                  </a:lnTo>
+                  <a:lnTo>
+                    <a:pt x="13329" y="8322"/>
+                  </a:lnTo>
+                  <a:lnTo>
+                    <a:pt x="13106" y="8100"/>
+                  </a:lnTo>
+                  <a:lnTo>
+                    <a:pt x="12816" y="7894"/>
+                  </a:lnTo>
+                  <a:lnTo>
+                    <a:pt x="12508" y="7741"/>
+                  </a:lnTo>
+                  <a:lnTo>
+                    <a:pt x="12218" y="7570"/>
+                  </a:lnTo>
+                  <a:lnTo>
+                    <a:pt x="11893" y="7433"/>
+                  </a:lnTo>
+                  <a:lnTo>
+                    <a:pt x="11534" y="7382"/>
+                  </a:lnTo>
+                  <a:lnTo>
+                    <a:pt x="11175" y="7313"/>
+                  </a:lnTo>
+                  <a:lnTo>
+                    <a:pt x="10817" y="7313"/>
+                  </a:lnTo>
+                  <a:lnTo>
+                    <a:pt x="10441" y="7313"/>
+                  </a:lnTo>
+                  <a:lnTo>
+                    <a:pt x="10082" y="7382"/>
+                  </a:lnTo>
+                  <a:lnTo>
+                    <a:pt x="9757" y="7433"/>
+                  </a:lnTo>
+                  <a:lnTo>
+                    <a:pt x="9432" y="7570"/>
+                  </a:lnTo>
+                  <a:lnTo>
+                    <a:pt x="9142" y="7741"/>
+                  </a:lnTo>
+                  <a:lnTo>
+                    <a:pt x="8834" y="7894"/>
+                  </a:lnTo>
+                  <a:lnTo>
+                    <a:pt x="8544" y="8100"/>
+                  </a:lnTo>
+                  <a:lnTo>
+                    <a:pt x="8287" y="8322"/>
+                  </a:lnTo>
+                  <a:lnTo>
+                    <a:pt x="8048" y="8595"/>
+                  </a:lnTo>
+                  <a:lnTo>
+                    <a:pt x="7860" y="8851"/>
+                  </a:lnTo>
+                  <a:lnTo>
+                    <a:pt x="7689" y="9142"/>
+                  </a:lnTo>
+                  <a:lnTo>
+                    <a:pt x="7536" y="9467"/>
+                  </a:lnTo>
+                  <a:lnTo>
+                    <a:pt x="7399" y="9808"/>
+                  </a:lnTo>
+                  <a:lnTo>
+                    <a:pt x="7331" y="10133"/>
+                  </a:lnTo>
+                  <a:lnTo>
+                    <a:pt x="7262" y="10492"/>
+                  </a:lnTo>
+                  <a:lnTo>
+                    <a:pt x="7262" y="10851"/>
+                  </a:lnTo>
+                  <a:lnTo>
+                    <a:pt x="7262" y="11210"/>
+                  </a:lnTo>
+                  <a:lnTo>
+                    <a:pt x="7331" y="11568"/>
+                  </a:lnTo>
+                  <a:lnTo>
+                    <a:pt x="7399" y="11927"/>
+                  </a:lnTo>
+                  <a:lnTo>
+                    <a:pt x="7536" y="12269"/>
+                  </a:lnTo>
+                  <a:lnTo>
+                    <a:pt x="7689" y="12560"/>
+                  </a:lnTo>
+                  <a:lnTo>
+                    <a:pt x="7860" y="12850"/>
+                  </a:lnTo>
+                  <a:lnTo>
+                    <a:pt x="8048" y="13106"/>
+                  </a:lnTo>
+                  <a:lnTo>
+                    <a:pt x="8287" y="13380"/>
+                  </a:lnTo>
+                  <a:lnTo>
+                    <a:pt x="8544" y="13602"/>
+                  </a:lnTo>
+                  <a:lnTo>
+                    <a:pt x="8834" y="13807"/>
+                  </a:lnTo>
+                  <a:lnTo>
+                    <a:pt x="9142" y="13995"/>
+                  </a:lnTo>
+                  <a:lnTo>
+                    <a:pt x="9432" y="14166"/>
+                  </a:lnTo>
+                  <a:lnTo>
+                    <a:pt x="9757" y="14268"/>
+                  </a:lnTo>
+                  <a:lnTo>
+                    <a:pt x="10082" y="14354"/>
+                  </a:lnTo>
+                  <a:lnTo>
+                    <a:pt x="10441" y="14388"/>
+                  </a:lnTo>
+                  <a:lnTo>
+                    <a:pt x="10817" y="14422"/>
+                  </a:lnTo>
+                  <a:close/>
+                </a:path>
+              </a:pathLst>
+            </a:custGeom>
+            <a:solidFill>
+              <a:schemeClr val="bg1"/>
+            </a:solidFill>
+            <a:ln w="9525">
+              <a:miter lim="800000"/>
+              <a:headEnd/>
+              <a:tailEnd/>
+            </a:ln>
+            <a:effectLst/>
+          </p:spPr>
+          <p:txBody>
+            <a:bodyPr vert="horz" wrap="square" lIns="91440" tIns="45720" rIns="91440" bIns="45720" numCol="1" anchor="t" anchorCtr="0" compatLnSpc="1">
+              <a:prstTxWarp prst="textNoShape">
+                <a:avLst/>
+              </a:prstTxWarp>
+              <a:flatTx/>
+            </a:bodyPr>
+            <a:lstStyle/>
+            <a:p>
+              <a:endParaRPr lang="en-IN"/>
+            </a:p>
+          </p:txBody>
+        </p:sp>
+        <p:sp>
+          <p:nvSpPr>
+            <p:cNvPr id="24" name="Gear"/>
+            <p:cNvSpPr>
+              <a:spLocks noEditPoints="1" noChangeArrowheads="1"/>
+            </p:cNvSpPr>
+            <p:nvPr/>
+          </p:nvSpPr>
+          <p:spPr bwMode="auto">
+            <a:xfrm>
+              <a:off x="10161005" y="1587463"/>
+              <a:ext cx="963723" cy="885842"/>
+            </a:xfrm>
+            <a:custGeom>
+              <a:avLst/>
+              <a:gdLst>
+                <a:gd name="T0" fmla="*/ 10800 w 21600"/>
+                <a:gd name="T1" fmla="*/ 0 h 21600"/>
+                <a:gd name="T2" fmla="*/ 21600 w 21600"/>
+                <a:gd name="T3" fmla="*/ 10800 h 21600"/>
+                <a:gd name="T4" fmla="*/ 10800 w 21600"/>
+                <a:gd name="T5" fmla="*/ 21600 h 21600"/>
+                <a:gd name="T6" fmla="*/ 0 w 21600"/>
+                <a:gd name="T7" fmla="*/ 10800 h 21600"/>
+                <a:gd name="T8" fmla="*/ 4374 w 21600"/>
+                <a:gd name="T9" fmla="*/ 3964 h 21600"/>
+                <a:gd name="T10" fmla="*/ 17841 w 21600"/>
+                <a:gd name="T11" fmla="*/ 17635 h 21600"/>
+              </a:gdLst>
+              <a:ahLst/>
+              <a:cxnLst>
+                <a:cxn ang="0">
+                  <a:pos x="T0" y="T1"/>
+                </a:cxn>
+                <a:cxn ang="0">
+                  <a:pos x="T2" y="T3"/>
+                </a:cxn>
+                <a:cxn ang="0">
+                  <a:pos x="T4" y="T5"/>
+                </a:cxn>
+                <a:cxn ang="0">
+                  <a:pos x="T6" y="T7"/>
+                </a:cxn>
+              </a:cxnLst>
+              <a:rect l="T8" t="T9" r="T10" b="T11"/>
+              <a:pathLst>
+                <a:path w="21600" h="21600">
+                  <a:moveTo>
+                    <a:pt x="9689" y="1725"/>
+                  </a:moveTo>
+                  <a:lnTo>
+                    <a:pt x="10304" y="85"/>
+                  </a:lnTo>
+                  <a:lnTo>
+                    <a:pt x="11637" y="85"/>
+                  </a:lnTo>
+                  <a:lnTo>
+                    <a:pt x="12303" y="1777"/>
+                  </a:lnTo>
+                  <a:lnTo>
+                    <a:pt x="13072" y="1931"/>
+                  </a:lnTo>
+                  <a:lnTo>
+                    <a:pt x="14303" y="598"/>
+                  </a:lnTo>
+                  <a:lnTo>
+                    <a:pt x="15533" y="1110"/>
+                  </a:lnTo>
+                  <a:lnTo>
+                    <a:pt x="15584" y="2905"/>
+                  </a:lnTo>
+                  <a:lnTo>
+                    <a:pt x="16405" y="3520"/>
+                  </a:lnTo>
+                  <a:lnTo>
+                    <a:pt x="17891" y="2751"/>
+                  </a:lnTo>
+                  <a:lnTo>
+                    <a:pt x="18917" y="3674"/>
+                  </a:lnTo>
+                  <a:lnTo>
+                    <a:pt x="18199" y="5314"/>
+                  </a:lnTo>
+                  <a:lnTo>
+                    <a:pt x="18763" y="6083"/>
+                  </a:lnTo>
+                  <a:lnTo>
+                    <a:pt x="20403" y="6032"/>
+                  </a:lnTo>
+                  <a:lnTo>
+                    <a:pt x="20865" y="7211"/>
+                  </a:lnTo>
+                  <a:lnTo>
+                    <a:pt x="19737" y="8185"/>
+                  </a:lnTo>
+                  <a:lnTo>
+                    <a:pt x="20096" y="9723"/>
+                  </a:lnTo>
+                  <a:lnTo>
+                    <a:pt x="21634" y="10287"/>
+                  </a:lnTo>
+                  <a:lnTo>
+                    <a:pt x="21582" y="11620"/>
+                  </a:lnTo>
+                  <a:lnTo>
+                    <a:pt x="20147" y="12184"/>
+                  </a:lnTo>
+                  <a:lnTo>
+                    <a:pt x="19942" y="13158"/>
+                  </a:lnTo>
+                  <a:lnTo>
+                    <a:pt x="21070" y="14234"/>
+                  </a:lnTo>
+                  <a:lnTo>
+                    <a:pt x="20608" y="15362"/>
+                  </a:lnTo>
+                  <a:lnTo>
+                    <a:pt x="19019" y="15465"/>
+                  </a:lnTo>
+                  <a:lnTo>
+                    <a:pt x="18404" y="16439"/>
+                  </a:lnTo>
+                  <a:lnTo>
+                    <a:pt x="19122" y="17925"/>
+                  </a:lnTo>
+                  <a:lnTo>
+                    <a:pt x="18096" y="18797"/>
+                  </a:lnTo>
+                  <a:lnTo>
+                    <a:pt x="16763" y="18284"/>
+                  </a:lnTo>
+                  <a:lnTo>
+                    <a:pt x="15431" y="19002"/>
+                  </a:lnTo>
+                  <a:lnTo>
+                    <a:pt x="15277" y="20848"/>
+                  </a:lnTo>
+                  <a:lnTo>
+                    <a:pt x="14149" y="21155"/>
+                  </a:lnTo>
+                  <a:lnTo>
+                    <a:pt x="13021" y="19925"/>
+                  </a:lnTo>
+                  <a:lnTo>
+                    <a:pt x="12252" y="20181"/>
+                  </a:lnTo>
+                  <a:lnTo>
+                    <a:pt x="11739" y="21668"/>
+                  </a:lnTo>
+                  <a:lnTo>
+                    <a:pt x="10201" y="21668"/>
+                  </a:lnTo>
+                  <a:lnTo>
+                    <a:pt x="9740" y="20130"/>
+                  </a:lnTo>
+                  <a:lnTo>
+                    <a:pt x="8253" y="19771"/>
+                  </a:lnTo>
+                  <a:lnTo>
+                    <a:pt x="7125" y="21001"/>
+                  </a:lnTo>
+                  <a:lnTo>
+                    <a:pt x="5895" y="20489"/>
+                  </a:lnTo>
+                  <a:lnTo>
+                    <a:pt x="5946" y="18592"/>
+                  </a:lnTo>
+                  <a:lnTo>
+                    <a:pt x="5177" y="18131"/>
+                  </a:lnTo>
+                  <a:lnTo>
+                    <a:pt x="3383" y="18848"/>
+                  </a:lnTo>
+                  <a:lnTo>
+                    <a:pt x="2614" y="17874"/>
+                  </a:lnTo>
+                  <a:lnTo>
+                    <a:pt x="3383" y="16182"/>
+                  </a:lnTo>
+                  <a:lnTo>
+                    <a:pt x="2922" y="15465"/>
+                  </a:lnTo>
+                  <a:lnTo>
+                    <a:pt x="922" y="15516"/>
+                  </a:lnTo>
+                  <a:lnTo>
+                    <a:pt x="512" y="14234"/>
+                  </a:lnTo>
+                  <a:lnTo>
+                    <a:pt x="1948" y="12901"/>
+                  </a:lnTo>
+                  <a:lnTo>
+                    <a:pt x="1896" y="12184"/>
+                  </a:lnTo>
+                  <a:lnTo>
+                    <a:pt x="0" y="11415"/>
+                  </a:lnTo>
+                  <a:lnTo>
+                    <a:pt x="51" y="10031"/>
+                  </a:lnTo>
+                  <a:lnTo>
+                    <a:pt x="1948" y="9313"/>
+                  </a:lnTo>
+                  <a:lnTo>
+                    <a:pt x="2101" y="8595"/>
+                  </a:lnTo>
+                  <a:lnTo>
+                    <a:pt x="615" y="7160"/>
+                  </a:lnTo>
+                  <a:lnTo>
+                    <a:pt x="1127" y="5878"/>
+                  </a:lnTo>
+                  <a:lnTo>
+                    <a:pt x="3178" y="5981"/>
+                  </a:lnTo>
+                  <a:lnTo>
+                    <a:pt x="3588" y="5417"/>
+                  </a:lnTo>
+                  <a:lnTo>
+                    <a:pt x="2819" y="3520"/>
+                  </a:lnTo>
+                  <a:lnTo>
+                    <a:pt x="3742" y="2597"/>
+                  </a:lnTo>
+                  <a:lnTo>
+                    <a:pt x="5536" y="3417"/>
+                  </a:lnTo>
+                  <a:lnTo>
+                    <a:pt x="6049" y="3058"/>
+                  </a:lnTo>
+                  <a:lnTo>
+                    <a:pt x="6100" y="1264"/>
+                  </a:lnTo>
+                  <a:lnTo>
+                    <a:pt x="7228" y="700"/>
+                  </a:lnTo>
+                  <a:lnTo>
+                    <a:pt x="8510" y="2033"/>
+                  </a:lnTo>
+                  <a:lnTo>
+                    <a:pt x="9689" y="1725"/>
+                  </a:lnTo>
+                  <a:close/>
+                  <a:moveTo>
+                    <a:pt x="10817" y="14422"/>
+                  </a:moveTo>
+                  <a:lnTo>
+                    <a:pt x="11175" y="14388"/>
+                  </a:lnTo>
+                  <a:lnTo>
+                    <a:pt x="11534" y="14354"/>
+                  </a:lnTo>
+                  <a:lnTo>
+                    <a:pt x="11893" y="14268"/>
+                  </a:lnTo>
+                  <a:lnTo>
+                    <a:pt x="12218" y="14166"/>
+                  </a:lnTo>
+                  <a:lnTo>
+                    <a:pt x="12508" y="13995"/>
+                  </a:lnTo>
+                  <a:lnTo>
+                    <a:pt x="12816" y="13807"/>
+                  </a:lnTo>
+                  <a:lnTo>
+                    <a:pt x="13106" y="13602"/>
+                  </a:lnTo>
+                  <a:lnTo>
+                    <a:pt x="13329" y="13380"/>
+                  </a:lnTo>
+                  <a:lnTo>
+                    <a:pt x="13568" y="13106"/>
+                  </a:lnTo>
+                  <a:lnTo>
+                    <a:pt x="13790" y="12850"/>
+                  </a:lnTo>
+                  <a:lnTo>
+                    <a:pt x="13961" y="12560"/>
+                  </a:lnTo>
+                  <a:lnTo>
+                    <a:pt x="14115" y="12269"/>
+                  </a:lnTo>
+                  <a:lnTo>
+                    <a:pt x="14217" y="11927"/>
+                  </a:lnTo>
+                  <a:lnTo>
+                    <a:pt x="14320" y="11568"/>
+                  </a:lnTo>
+                  <a:lnTo>
+                    <a:pt x="14388" y="11210"/>
+                  </a:lnTo>
+                  <a:lnTo>
+                    <a:pt x="14388" y="10851"/>
+                  </a:lnTo>
+                  <a:lnTo>
+                    <a:pt x="14388" y="10492"/>
+                  </a:lnTo>
+                  <a:lnTo>
+                    <a:pt x="14320" y="10133"/>
+                  </a:lnTo>
+                  <a:lnTo>
+                    <a:pt x="14217" y="9808"/>
+                  </a:lnTo>
+                  <a:lnTo>
+                    <a:pt x="14115" y="9467"/>
+                  </a:lnTo>
+                  <a:lnTo>
+                    <a:pt x="13961" y="9142"/>
+                  </a:lnTo>
+                  <a:lnTo>
+                    <a:pt x="13790" y="8851"/>
+                  </a:lnTo>
+                  <a:lnTo>
+                    <a:pt x="13568" y="8595"/>
+                  </a:lnTo>
+                  <a:lnTo>
+                    <a:pt x="13329" y="8322"/>
+                  </a:lnTo>
+                  <a:lnTo>
+                    <a:pt x="13106" y="8100"/>
+                  </a:lnTo>
+                  <a:lnTo>
+                    <a:pt x="12816" y="7894"/>
+                  </a:lnTo>
+                  <a:lnTo>
+                    <a:pt x="12508" y="7741"/>
+                  </a:lnTo>
+                  <a:lnTo>
+                    <a:pt x="12218" y="7570"/>
+                  </a:lnTo>
+                  <a:lnTo>
+                    <a:pt x="11893" y="7433"/>
+                  </a:lnTo>
+                  <a:lnTo>
+                    <a:pt x="11534" y="7382"/>
+                  </a:lnTo>
+                  <a:lnTo>
+                    <a:pt x="11175" y="7313"/>
+                  </a:lnTo>
+                  <a:lnTo>
+                    <a:pt x="10817" y="7313"/>
+                  </a:lnTo>
+                  <a:lnTo>
+                    <a:pt x="10441" y="7313"/>
+                  </a:lnTo>
+                  <a:lnTo>
+                    <a:pt x="10082" y="7382"/>
+                  </a:lnTo>
+                  <a:lnTo>
+                    <a:pt x="9757" y="7433"/>
+                  </a:lnTo>
+                  <a:lnTo>
+                    <a:pt x="9432" y="7570"/>
+                  </a:lnTo>
+                  <a:lnTo>
+                    <a:pt x="9142" y="7741"/>
+                  </a:lnTo>
+                  <a:lnTo>
+                    <a:pt x="8834" y="7894"/>
+                  </a:lnTo>
+                  <a:lnTo>
+                    <a:pt x="8544" y="8100"/>
+                  </a:lnTo>
+                  <a:lnTo>
+                    <a:pt x="8287" y="8322"/>
+                  </a:lnTo>
+                  <a:lnTo>
+                    <a:pt x="8048" y="8595"/>
+                  </a:lnTo>
+                  <a:lnTo>
+                    <a:pt x="7860" y="8851"/>
+                  </a:lnTo>
+                  <a:lnTo>
+                    <a:pt x="7689" y="9142"/>
+                  </a:lnTo>
+                  <a:lnTo>
+                    <a:pt x="7536" y="9467"/>
+                  </a:lnTo>
+                  <a:lnTo>
+                    <a:pt x="7399" y="9808"/>
+                  </a:lnTo>
+                  <a:lnTo>
+                    <a:pt x="7331" y="10133"/>
+                  </a:lnTo>
+                  <a:lnTo>
+                    <a:pt x="7262" y="10492"/>
+                  </a:lnTo>
+                  <a:lnTo>
+                    <a:pt x="7262" y="10851"/>
+                  </a:lnTo>
+                  <a:lnTo>
+                    <a:pt x="7262" y="11210"/>
+                  </a:lnTo>
+                  <a:lnTo>
+                    <a:pt x="7331" y="11568"/>
+                  </a:lnTo>
+                  <a:lnTo>
+                    <a:pt x="7399" y="11927"/>
+                  </a:lnTo>
+                  <a:lnTo>
+                    <a:pt x="7536" y="12269"/>
+                  </a:lnTo>
+                  <a:lnTo>
+                    <a:pt x="7689" y="12560"/>
+                  </a:lnTo>
+                  <a:lnTo>
+                    <a:pt x="7860" y="12850"/>
+                  </a:lnTo>
+                  <a:lnTo>
+                    <a:pt x="8048" y="13106"/>
+                  </a:lnTo>
+                  <a:lnTo>
+                    <a:pt x="8287" y="13380"/>
+                  </a:lnTo>
+                  <a:lnTo>
+                    <a:pt x="8544" y="13602"/>
+                  </a:lnTo>
+                  <a:lnTo>
+                    <a:pt x="8834" y="13807"/>
+                  </a:lnTo>
+                  <a:lnTo>
+                    <a:pt x="9142" y="13995"/>
+                  </a:lnTo>
+                  <a:lnTo>
+                    <a:pt x="9432" y="14166"/>
+                  </a:lnTo>
+                  <a:lnTo>
+                    <a:pt x="9757" y="14268"/>
+                  </a:lnTo>
+                  <a:lnTo>
+                    <a:pt x="10082" y="14354"/>
+                  </a:lnTo>
+                  <a:lnTo>
+                    <a:pt x="10441" y="14388"/>
+                  </a:lnTo>
+                  <a:lnTo>
+                    <a:pt x="10817" y="14422"/>
+                  </a:lnTo>
+                  <a:close/>
+                </a:path>
+              </a:pathLst>
+            </a:custGeom>
+            <a:solidFill>
+              <a:schemeClr val="bg1"/>
+            </a:solidFill>
+            <a:ln w="9525">
+              <a:miter lim="800000"/>
+              <a:headEnd/>
+              <a:tailEnd/>
+            </a:ln>
+            <a:effectLst/>
+          </p:spPr>
+          <p:txBody>
+            <a:bodyPr vert="horz" wrap="square" lIns="91440" tIns="45720" rIns="91440" bIns="45720" numCol="1" anchor="t" anchorCtr="0" compatLnSpc="1">
+              <a:prstTxWarp prst="textNoShape">
+                <a:avLst/>
+              </a:prstTxWarp>
+              <a:flatTx/>
+            </a:bodyPr>
+            <a:lstStyle/>
+            <a:p>
+              <a:endParaRPr lang="en-IN"/>
+            </a:p>
+          </p:txBody>
+        </p:sp>
+      </p:grpSp>
+      <p:grpSp>
+        <p:nvGrpSpPr>
+          <p:cNvPr id="28" name="Group 27"/>
+          <p:cNvGrpSpPr/>
+          <p:nvPr/>
+        </p:nvGrpSpPr>
+        <p:grpSpPr>
+          <a:xfrm>
+            <a:off x="3112290" y="4615741"/>
+            <a:ext cx="762807" cy="954298"/>
+            <a:chOff x="398229" y="430596"/>
+            <a:chExt cx="1343274" cy="1487594"/>
+          </a:xfrm>
+          <a:solidFill>
+            <a:schemeClr val="bg1"/>
+          </a:solidFill>
+        </p:grpSpPr>
+        <p:grpSp>
+          <p:nvGrpSpPr>
+            <p:cNvPr id="29" name="Group 82"/>
+            <p:cNvGrpSpPr/>
+            <p:nvPr/>
+          </p:nvGrpSpPr>
+          <p:grpSpPr>
+            <a:xfrm>
+              <a:off x="645281" y="758962"/>
+              <a:ext cx="797507" cy="1159228"/>
+              <a:chOff x="3393273" y="2214554"/>
+              <a:chExt cx="2357454" cy="4075813"/>
+            </a:xfrm>
+            <a:grpFill/>
+            <a:effectLst>
+              <a:glow rad="228600">
+                <a:schemeClr val="tx1">
+                  <a:lumMod val="85000"/>
+                  <a:lumOff val="15000"/>
+                  <a:alpha val="40000"/>
+                </a:schemeClr>
+              </a:glow>
+            </a:effectLst>
+            <a:scene3d>
+              <a:camera prst="orthographicFront">
+                <a:rot lat="0" lon="0" rev="0"/>
+              </a:camera>
+              <a:lightRig rig="glow" dir="t">
+                <a:rot lat="0" lon="0" rev="4800000"/>
+              </a:lightRig>
+            </a:scene3d>
+          </p:grpSpPr>
+          <p:grpSp>
+            <p:nvGrpSpPr>
+              <p:cNvPr id="39" name="Group 25"/>
+              <p:cNvGrpSpPr/>
+              <p:nvPr/>
+            </p:nvGrpSpPr>
+            <p:grpSpPr>
+              <a:xfrm>
+                <a:off x="3393273" y="2214554"/>
+                <a:ext cx="2357454" cy="3143272"/>
+                <a:chOff x="3393273" y="2214554"/>
+                <a:chExt cx="2357454" cy="3143272"/>
+              </a:xfrm>
+              <a:grpFill/>
+            </p:grpSpPr>
+            <p:sp>
+              <p:nvSpPr>
+                <p:cNvPr id="45" name="Rounded Rectangle 44"/>
+                <p:cNvSpPr/>
+                <p:nvPr/>
+              </p:nvSpPr>
+              <p:spPr>
+                <a:xfrm>
+                  <a:off x="4000496" y="3786190"/>
+                  <a:ext cx="1143008" cy="1571636"/>
+                </a:xfrm>
+                <a:prstGeom prst="roundRect">
+                  <a:avLst/>
+                </a:prstGeom>
+                <a:grpFill/>
+                <a:ln>
+                  <a:noFill/>
+                </a:ln>
+                <a:effectLst>
+                  <a:outerShdw blurRad="190500" dist="228600" dir="2700000" algn="ctr">
+                    <a:srgbClr val="000000">
+                      <a:alpha val="30000"/>
+                    </a:srgbClr>
+                  </a:outerShdw>
+                </a:effectLst>
+                <a:sp3d prstMaterial="matte">
+                  <a:bevelT w="127000" h="63500"/>
+                </a:sp3d>
+              </p:spPr>
+              <p:style>
+                <a:lnRef idx="2">
+                  <a:schemeClr val="accent1">
+                    <a:shade val="50000"/>
+                  </a:schemeClr>
+                </a:lnRef>
+                <a:fillRef idx="1">
+                  <a:schemeClr val="accent1"/>
+                </a:fillRef>
+                <a:effectRef idx="0">
+                  <a:schemeClr val="accent1"/>
+                </a:effectRef>
+                <a:fontRef idx="minor">
+                  <a:schemeClr val="lt1"/>
+                </a:fontRef>
+              </p:style>
+              <p:txBody>
+                <a:bodyPr rtlCol="0" anchor="ctr"/>
+                <a:lstStyle/>
+                <a:p>
+                  <a:pPr algn="ctr"/>
+                  <a:endParaRPr lang="en-IN"/>
+                </a:p>
+              </p:txBody>
+            </p:sp>
+            <p:sp>
+              <p:nvSpPr>
+                <p:cNvPr id="46" name="Oval 45"/>
+                <p:cNvSpPr/>
+                <p:nvPr/>
+              </p:nvSpPr>
+              <p:spPr>
+                <a:xfrm>
+                  <a:off x="3393273" y="2214554"/>
+                  <a:ext cx="2357454" cy="2571768"/>
+                </a:xfrm>
+                <a:prstGeom prst="ellipse">
+                  <a:avLst/>
+                </a:prstGeom>
+                <a:grpFill/>
+                <a:ln>
+                  <a:noFill/>
+                </a:ln>
+                <a:effectLst>
+                  <a:outerShdw blurRad="190500" dist="228600" dir="2700000" algn="ctr">
+                    <a:srgbClr val="000000">
+                      <a:alpha val="30000"/>
+                    </a:srgbClr>
+                  </a:outerShdw>
+                </a:effectLst>
+                <a:sp3d prstMaterial="matte">
+                  <a:bevelT w="127000" h="63500"/>
+                </a:sp3d>
+              </p:spPr>
+              <p:style>
+                <a:lnRef idx="2">
+                  <a:schemeClr val="accent1">
+                    <a:shade val="50000"/>
+                  </a:schemeClr>
+                </a:lnRef>
+                <a:fillRef idx="1">
+                  <a:schemeClr val="accent1"/>
+                </a:fillRef>
+                <a:effectRef idx="0">
+                  <a:schemeClr val="accent1"/>
+                </a:effectRef>
+                <a:fontRef idx="minor">
+                  <a:schemeClr val="lt1"/>
+                </a:fontRef>
+              </p:style>
+              <p:txBody>
+                <a:bodyPr rtlCol="0" anchor="ctr"/>
+                <a:lstStyle/>
+                <a:p>
+                  <a:pPr algn="ctr"/>
+                  <a:endParaRPr lang="en-IN"/>
+                </a:p>
+              </p:txBody>
+            </p:sp>
+          </p:grpSp>
+          <p:grpSp>
+            <p:nvGrpSpPr>
+              <p:cNvPr id="40" name="Group 37"/>
+              <p:cNvGrpSpPr/>
+              <p:nvPr/>
+            </p:nvGrpSpPr>
+            <p:grpSpPr>
+              <a:xfrm>
+                <a:off x="4107653" y="5400000"/>
+                <a:ext cx="928694" cy="890367"/>
+                <a:chOff x="4107653" y="5400000"/>
+                <a:chExt cx="928694" cy="890367"/>
+              </a:xfrm>
+              <a:grpFill/>
+            </p:grpSpPr>
+            <p:sp>
+              <p:nvSpPr>
+                <p:cNvPr id="41" name="Rounded Rectangle 40"/>
+                <p:cNvSpPr/>
+                <p:nvPr/>
+              </p:nvSpPr>
+              <p:spPr>
+                <a:xfrm>
+                  <a:off x="4107653" y="5400000"/>
+                  <a:ext cx="928694" cy="170740"/>
+                </a:xfrm>
+                <a:prstGeom prst="roundRect">
+                  <a:avLst>
+                    <a:gd name="adj" fmla="val 50000"/>
+                  </a:avLst>
+                </a:prstGeom>
+                <a:grpFill/>
+                <a:ln>
+                  <a:noFill/>
+                </a:ln>
+                <a:effectLst>
+                  <a:outerShdw blurRad="190500" dist="228600" dir="2700000" algn="ctr">
+                    <a:srgbClr val="000000">
+                      <a:alpha val="30000"/>
+                    </a:srgbClr>
+                  </a:outerShdw>
+                </a:effectLst>
+                <a:sp3d prstMaterial="matte">
+                  <a:bevelT w="127000" h="63500"/>
+                </a:sp3d>
+              </p:spPr>
+              <p:style>
+                <a:lnRef idx="2">
+                  <a:schemeClr val="accent1">
+                    <a:shade val="50000"/>
+                  </a:schemeClr>
+                </a:lnRef>
+                <a:fillRef idx="1">
+                  <a:schemeClr val="accent1"/>
+                </a:fillRef>
+                <a:effectRef idx="0">
+                  <a:schemeClr val="accent1"/>
+                </a:effectRef>
+                <a:fontRef idx="minor">
+                  <a:schemeClr val="lt1"/>
+                </a:fontRef>
+              </p:style>
+              <p:txBody>
+                <a:bodyPr rtlCol="0" anchor="ctr"/>
+                <a:lstStyle/>
+                <a:p>
+                  <a:pPr algn="ctr"/>
+                  <a:endParaRPr lang="en-IN"/>
+                </a:p>
+              </p:txBody>
+            </p:sp>
+            <p:sp>
+              <p:nvSpPr>
+                <p:cNvPr id="42" name="Rounded Rectangle 41"/>
+                <p:cNvSpPr/>
+                <p:nvPr/>
+              </p:nvSpPr>
+              <p:spPr>
+                <a:xfrm>
+                  <a:off x="4107653" y="5616000"/>
+                  <a:ext cx="928694" cy="170740"/>
+                </a:xfrm>
+                <a:prstGeom prst="roundRect">
+                  <a:avLst>
+                    <a:gd name="adj" fmla="val 50000"/>
+                  </a:avLst>
+                </a:prstGeom>
+                <a:grpFill/>
+                <a:ln>
+                  <a:noFill/>
+                </a:ln>
+                <a:effectLst>
+                  <a:outerShdw blurRad="190500" dist="228600" dir="2700000" algn="ctr">
+                    <a:srgbClr val="000000">
+                      <a:alpha val="30000"/>
+                    </a:srgbClr>
+                  </a:outerShdw>
+                </a:effectLst>
+                <a:sp3d prstMaterial="matte">
+                  <a:bevelT w="127000" h="63500"/>
+                </a:sp3d>
+              </p:spPr>
+              <p:style>
+                <a:lnRef idx="2">
+                  <a:schemeClr val="accent1">
+                    <a:shade val="50000"/>
+                  </a:schemeClr>
+                </a:lnRef>
+                <a:fillRef idx="1">
+                  <a:schemeClr val="accent1"/>
+                </a:fillRef>
+                <a:effectRef idx="0">
+                  <a:schemeClr val="accent1"/>
+                </a:effectRef>
+                <a:fontRef idx="minor">
+                  <a:schemeClr val="lt1"/>
+                </a:fontRef>
+              </p:style>
+              <p:txBody>
+                <a:bodyPr rtlCol="0" anchor="ctr"/>
+                <a:lstStyle/>
+                <a:p>
+                  <a:pPr algn="ctr"/>
+                  <a:endParaRPr lang="en-IN"/>
+                </a:p>
+              </p:txBody>
+            </p:sp>
+            <p:sp>
+              <p:nvSpPr>
+                <p:cNvPr id="43" name="Rounded Rectangle 42"/>
+                <p:cNvSpPr/>
+                <p:nvPr/>
+              </p:nvSpPr>
+              <p:spPr>
+                <a:xfrm>
+                  <a:off x="4107653" y="5832000"/>
+                  <a:ext cx="928694" cy="170740"/>
+                </a:xfrm>
+                <a:prstGeom prst="roundRect">
+                  <a:avLst>
+                    <a:gd name="adj" fmla="val 50000"/>
+                  </a:avLst>
+                </a:prstGeom>
+                <a:grpFill/>
+                <a:ln>
+                  <a:noFill/>
+                </a:ln>
+                <a:effectLst>
+                  <a:outerShdw blurRad="190500" dist="228600" dir="2700000" algn="ctr">
+                    <a:srgbClr val="000000">
+                      <a:alpha val="30000"/>
+                    </a:srgbClr>
+                  </a:outerShdw>
+                </a:effectLst>
+                <a:sp3d prstMaterial="matte">
+                  <a:bevelT w="127000" h="63500"/>
+                </a:sp3d>
+              </p:spPr>
+              <p:style>
+                <a:lnRef idx="2">
+                  <a:schemeClr val="accent1">
+                    <a:shade val="50000"/>
+                  </a:schemeClr>
+                </a:lnRef>
+                <a:fillRef idx="1">
+                  <a:schemeClr val="accent1"/>
+                </a:fillRef>
+                <a:effectRef idx="0">
+                  <a:schemeClr val="accent1"/>
+                </a:effectRef>
+                <a:fontRef idx="minor">
+                  <a:schemeClr val="lt1"/>
+                </a:fontRef>
+              </p:style>
+              <p:txBody>
+                <a:bodyPr rtlCol="0" anchor="ctr"/>
+                <a:lstStyle/>
+                <a:p>
+                  <a:pPr algn="ctr"/>
+                  <a:endParaRPr lang="en-IN"/>
+                </a:p>
+              </p:txBody>
+            </p:sp>
+            <p:sp>
+              <p:nvSpPr>
+                <p:cNvPr id="44" name="DiagonalStripe"/>
+                <p:cNvSpPr>
+                  <a:spLocks noEditPoints="1" noChangeArrowheads="1"/>
+                </p:cNvSpPr>
+                <p:nvPr/>
+              </p:nvSpPr>
+              <p:spPr bwMode="auto">
+                <a:xfrm rot="13538692">
+                  <a:off x="4309802" y="5760000"/>
+                  <a:ext cx="524396" cy="536337"/>
+                </a:xfrm>
+                <a:custGeom>
+                  <a:avLst/>
+                  <a:gdLst>
+                    <a:gd name="G0" fmla="+- 0 0 0"/>
+                    <a:gd name="G1" fmla="*/ 10914 1 2"/>
+                    <a:gd name="G2" fmla="+- 10914 0 0"/>
+                    <a:gd name="G3" fmla="+- G1 10800 0"/>
+                    <a:gd name="T0" fmla="*/ 5457 w 21600"/>
+                    <a:gd name="T1" fmla="*/ 5457 h 21600"/>
+                    <a:gd name="T2" fmla="*/ 0 w 21600"/>
+                    <a:gd name="T3" fmla="*/ 16257 h 21600"/>
+                    <a:gd name="T4" fmla="*/ 10800 w 21600"/>
+                    <a:gd name="T5" fmla="*/ 10800 h 21600"/>
+                    <a:gd name="T6" fmla="*/ 16257 w 21600"/>
+                    <a:gd name="T7" fmla="*/ 0 h 21600"/>
+                    <a:gd name="T8" fmla="*/ 11796480 60000 65536"/>
+                    <a:gd name="T9" fmla="*/ 11796480 60000 65536"/>
+                    <a:gd name="T10" fmla="*/ 0 60000 65536"/>
+                    <a:gd name="T11" fmla="*/ 17694720 60000 65536"/>
+                    <a:gd name="T12" fmla="*/ 0 w 21600"/>
+                    <a:gd name="T13" fmla="*/ 0 h 21600"/>
+                    <a:gd name="T14" fmla="*/ G3 w 21600"/>
+                    <a:gd name="T15" fmla="*/ G3 h 21600"/>
+                  </a:gdLst>
+                  <a:ahLst/>
+                  <a:cxnLst>
+                    <a:cxn ang="T8">
+                      <a:pos x="T0" y="T1"/>
+                    </a:cxn>
+                    <a:cxn ang="T9">
+                      <a:pos x="T2" y="T3"/>
+                    </a:cxn>
+                    <a:cxn ang="T10">
+                      <a:pos x="T4" y="T5"/>
+                    </a:cxn>
+                    <a:cxn ang="T11">
+                      <a:pos x="T6" y="T7"/>
+                    </a:cxn>
+                  </a:cxnLst>
+                  <a:rect l="T12" t="T13" r="T14" b="T15"/>
+                  <a:pathLst>
+                    <a:path w="21600" h="21600">
+                      <a:moveTo>
+                        <a:pt x="10914" y="0"/>
+                      </a:moveTo>
+                      <a:lnTo>
+                        <a:pt x="0" y="10914"/>
+                      </a:lnTo>
+                      <a:lnTo>
+                        <a:pt x="0" y="21600"/>
+                      </a:lnTo>
+                      <a:lnTo>
+                        <a:pt x="21600" y="0"/>
+                      </a:lnTo>
+                      <a:close/>
+                    </a:path>
+                  </a:pathLst>
+                </a:custGeom>
+                <a:grpFill/>
+                <a:ln w="9525">
+                  <a:noFill/>
+                  <a:miter lim="800000"/>
+                  <a:headEnd/>
+                  <a:tailEnd/>
+                </a:ln>
+                <a:effectLst>
+                  <a:outerShdw blurRad="190500" dist="228600" dir="2700000" algn="ctr">
+                    <a:srgbClr val="000000">
+                      <a:alpha val="30000"/>
+                    </a:srgbClr>
+                  </a:outerShdw>
+                </a:effectLst>
+                <a:sp3d prstMaterial="matte">
+                  <a:bevelT w="127000" h="63500"/>
+                </a:sp3d>
+              </p:spPr>
+              <p:txBody>
+                <a:bodyPr vert="horz" wrap="square" lIns="91440" tIns="45720" rIns="91440" bIns="45720" numCol="1" anchor="t" anchorCtr="0" compatLnSpc="1">
+                  <a:prstTxWarp prst="textNoShape">
+                    <a:avLst/>
+                  </a:prstTxWarp>
+                </a:bodyPr>
+                <a:lstStyle/>
+                <a:p>
+                  <a:endParaRPr lang="en-IN"/>
+                </a:p>
+              </p:txBody>
+            </p:sp>
+          </p:grpSp>
+        </p:grpSp>
+        <p:grpSp>
+          <p:nvGrpSpPr>
+            <p:cNvPr id="30" name="Group 108"/>
+            <p:cNvGrpSpPr/>
+            <p:nvPr/>
+          </p:nvGrpSpPr>
+          <p:grpSpPr>
+            <a:xfrm>
+              <a:off x="398229" y="430596"/>
+              <a:ext cx="1343274" cy="856064"/>
+              <a:chOff x="2600700" y="1187533"/>
+              <a:chExt cx="3903026" cy="2430483"/>
+            </a:xfrm>
+            <a:grpFill/>
+            <a:effectLst/>
+          </p:grpSpPr>
+          <p:sp>
+            <p:nvSpPr>
+              <p:cNvPr id="32" name="Rounded Rectangle 31"/>
+              <p:cNvSpPr/>
+              <p:nvPr/>
+            </p:nvSpPr>
+            <p:spPr>
+              <a:xfrm rot="16200000">
+                <a:off x="4067300" y="1407228"/>
+                <a:ext cx="641268" cy="201877"/>
+              </a:xfrm>
+              <a:prstGeom prst="roundRect">
+                <a:avLst>
+                  <a:gd name="adj" fmla="val 50000"/>
+                </a:avLst>
+              </a:prstGeom>
+              <a:grpFill/>
+              <a:ln>
+                <a:noFill/>
+              </a:ln>
+              <a:effectLst>
+                <a:glow rad="228600">
+                  <a:srgbClr val="FFC000">
+                    <a:alpha val="40000"/>
+                  </a:srgbClr>
+                </a:glow>
+              </a:effectLst>
+              <a:scene3d>
+                <a:camera prst="orthographicFront"/>
+                <a:lightRig rig="threePt" dir="t"/>
+              </a:scene3d>
+              <a:sp3d contourW="12700">
+                <a:bevelT/>
+                <a:contourClr>
+                  <a:srgbClr val="FFFF00"/>
+                </a:contourClr>
+              </a:sp3d>
+            </p:spPr>
+            <p:style>
+              <a:lnRef idx="2">
+                <a:schemeClr val="accent1">
+                  <a:shade val="50000"/>
+                </a:schemeClr>
+              </a:lnRef>
+              <a:fillRef idx="1">
+                <a:schemeClr val="accent1"/>
+              </a:fillRef>
+              <a:effectRef idx="0">
+                <a:schemeClr val="accent1"/>
+              </a:effectRef>
+              <a:fontRef idx="minor">
+                <a:schemeClr val="lt1"/>
+              </a:fontRef>
+            </p:style>
+            <p:txBody>
+              <a:bodyPr rtlCol="0" anchor="ctr"/>
+              <a:lstStyle/>
+              <a:p>
+                <a:pPr algn="ctr"/>
+                <a:endParaRPr lang="en-IN"/>
+              </a:p>
+            </p:txBody>
+          </p:sp>
+          <p:sp>
+            <p:nvSpPr>
+              <p:cNvPr id="33" name="Rounded Rectangle 32"/>
+              <p:cNvSpPr/>
+              <p:nvPr/>
+            </p:nvSpPr>
+            <p:spPr>
+              <a:xfrm rot="18002300">
+                <a:off x="5169728" y="1654629"/>
+                <a:ext cx="641268" cy="201877"/>
+              </a:xfrm>
+              <a:prstGeom prst="roundRect">
+                <a:avLst>
+                  <a:gd name="adj" fmla="val 50000"/>
+                </a:avLst>
+              </a:prstGeom>
+              <a:grpFill/>
+              <a:ln>
+                <a:noFill/>
+              </a:ln>
+              <a:effectLst>
+                <a:glow rad="228600">
+                  <a:srgbClr val="FFC000">
+                    <a:alpha val="40000"/>
+                  </a:srgbClr>
+                </a:glow>
+              </a:effectLst>
+              <a:scene3d>
+                <a:camera prst="orthographicFront"/>
+                <a:lightRig rig="threePt" dir="t"/>
+              </a:scene3d>
+              <a:sp3d contourW="12700">
+                <a:bevelT/>
+                <a:contourClr>
+                  <a:srgbClr val="FFFF00"/>
+                </a:contourClr>
+              </a:sp3d>
+            </p:spPr>
+            <p:style>
+              <a:lnRef idx="2">
+                <a:schemeClr val="accent1">
+                  <a:shade val="50000"/>
+                </a:schemeClr>
+              </a:lnRef>
+              <a:fillRef idx="1">
+                <a:schemeClr val="accent1"/>
+              </a:fillRef>
+              <a:effectRef idx="0">
+                <a:schemeClr val="accent1"/>
+              </a:effectRef>
+              <a:fontRef idx="minor">
+                <a:schemeClr val="lt1"/>
+              </a:fontRef>
+            </p:style>
+            <p:txBody>
+              <a:bodyPr rtlCol="0" anchor="ctr"/>
+              <a:lstStyle/>
+              <a:p>
+                <a:pPr algn="ctr"/>
+                <a:endParaRPr lang="en-IN"/>
+              </a:p>
+            </p:txBody>
+          </p:sp>
+          <p:sp>
+            <p:nvSpPr>
+              <p:cNvPr id="34" name="Rounded Rectangle 33"/>
+              <p:cNvSpPr/>
+              <p:nvPr/>
+            </p:nvSpPr>
+            <p:spPr>
+              <a:xfrm rot="12624080">
+                <a:off x="2804559" y="1842656"/>
+                <a:ext cx="641268" cy="201877"/>
+              </a:xfrm>
+              <a:prstGeom prst="roundRect">
+                <a:avLst>
+                  <a:gd name="adj" fmla="val 50000"/>
+                </a:avLst>
+              </a:prstGeom>
+              <a:grpFill/>
+              <a:ln>
+                <a:noFill/>
+              </a:ln>
+              <a:effectLst>
+                <a:glow rad="228600">
+                  <a:srgbClr val="FFC000">
+                    <a:alpha val="40000"/>
+                  </a:srgbClr>
+                </a:glow>
+              </a:effectLst>
+              <a:scene3d>
+                <a:camera prst="orthographicFront"/>
+                <a:lightRig rig="threePt" dir="t"/>
+              </a:scene3d>
+              <a:sp3d contourW="12700">
+                <a:bevelT/>
+                <a:contourClr>
+                  <a:srgbClr val="FFFF00"/>
+                </a:contourClr>
+              </a:sp3d>
+            </p:spPr>
+            <p:style>
+              <a:lnRef idx="2">
+                <a:schemeClr val="accent1">
+                  <a:shade val="50000"/>
+                </a:schemeClr>
+              </a:lnRef>
+              <a:fillRef idx="1">
+                <a:schemeClr val="accent1"/>
+              </a:fillRef>
+              <a:effectRef idx="0">
+                <a:schemeClr val="accent1"/>
+              </a:effectRef>
+              <a:fontRef idx="minor">
+                <a:schemeClr val="lt1"/>
+              </a:fontRef>
+            </p:style>
+            <p:txBody>
+              <a:bodyPr rtlCol="0" anchor="ctr"/>
+              <a:lstStyle/>
+              <a:p>
+                <a:pPr algn="ctr"/>
+                <a:endParaRPr lang="en-IN"/>
+              </a:p>
+            </p:txBody>
+          </p:sp>
+          <p:sp>
+            <p:nvSpPr>
+              <p:cNvPr id="35" name="Rounded Rectangle 34"/>
+              <p:cNvSpPr/>
+              <p:nvPr/>
+            </p:nvSpPr>
+            <p:spPr>
+              <a:xfrm rot="10800000">
+                <a:off x="2600700" y="2600697"/>
+                <a:ext cx="641268" cy="201877"/>
+              </a:xfrm>
+              <a:prstGeom prst="roundRect">
+                <a:avLst>
+                  <a:gd name="adj" fmla="val 50000"/>
+                </a:avLst>
+              </a:prstGeom>
+              <a:grpFill/>
+              <a:ln>
+                <a:noFill/>
+              </a:ln>
+              <a:effectLst>
+                <a:glow rad="228600">
+                  <a:srgbClr val="FFC000">
+                    <a:alpha val="40000"/>
+                  </a:srgbClr>
+                </a:glow>
+              </a:effectLst>
+              <a:scene3d>
+                <a:camera prst="orthographicFront"/>
+                <a:lightRig rig="threePt" dir="t"/>
+              </a:scene3d>
+              <a:sp3d contourW="12700">
+                <a:bevelT/>
+                <a:contourClr>
+                  <a:srgbClr val="FFFF00"/>
+                </a:contourClr>
+              </a:sp3d>
+            </p:spPr>
+            <p:style>
+              <a:lnRef idx="2">
+                <a:schemeClr val="accent1">
+                  <a:shade val="50000"/>
+                </a:schemeClr>
+              </a:lnRef>
+              <a:fillRef idx="1">
+                <a:schemeClr val="accent1"/>
+              </a:fillRef>
+              <a:effectRef idx="0">
+                <a:schemeClr val="accent1"/>
+              </a:effectRef>
+              <a:fontRef idx="minor">
+                <a:schemeClr val="lt1"/>
+              </a:fontRef>
+            </p:style>
+            <p:txBody>
+              <a:bodyPr rtlCol="0" anchor="ctr"/>
+              <a:lstStyle/>
+              <a:p>
+                <a:pPr algn="ctr"/>
+                <a:endParaRPr lang="en-IN"/>
+              </a:p>
+            </p:txBody>
+          </p:sp>
+          <p:sp>
+            <p:nvSpPr>
+              <p:cNvPr id="36" name="Rounded Rectangle 35"/>
+              <p:cNvSpPr/>
+              <p:nvPr/>
+            </p:nvSpPr>
+            <p:spPr>
+              <a:xfrm>
+                <a:off x="5828810" y="2563094"/>
+                <a:ext cx="641268" cy="201877"/>
+              </a:xfrm>
+              <a:prstGeom prst="roundRect">
+                <a:avLst>
+                  <a:gd name="adj" fmla="val 50000"/>
+                </a:avLst>
+              </a:prstGeom>
+              <a:grpFill/>
+              <a:ln>
+                <a:noFill/>
+              </a:ln>
+              <a:effectLst>
+                <a:glow rad="228600">
+                  <a:srgbClr val="FFC000">
+                    <a:alpha val="40000"/>
+                  </a:srgbClr>
+                </a:glow>
+              </a:effectLst>
+              <a:scene3d>
+                <a:camera prst="orthographicFront"/>
+                <a:lightRig rig="threePt" dir="t"/>
+              </a:scene3d>
+              <a:sp3d contourW="12700">
+                <a:bevelT/>
+                <a:contourClr>
+                  <a:srgbClr val="FFFF00"/>
+                </a:contourClr>
+              </a:sp3d>
+            </p:spPr>
+            <p:style>
+              <a:lnRef idx="2">
+                <a:schemeClr val="accent1">
+                  <a:shade val="50000"/>
+                </a:schemeClr>
+              </a:lnRef>
+              <a:fillRef idx="1">
+                <a:schemeClr val="accent1"/>
+              </a:fillRef>
+              <a:effectRef idx="0">
+                <a:schemeClr val="accent1"/>
+              </a:effectRef>
+              <a:fontRef idx="minor">
+                <a:schemeClr val="lt1"/>
+              </a:fontRef>
+            </p:style>
+            <p:txBody>
+              <a:bodyPr rtlCol="0" anchor="ctr"/>
+              <a:lstStyle/>
+              <a:p>
+                <a:pPr algn="ctr"/>
+                <a:endParaRPr lang="en-IN"/>
+              </a:p>
+            </p:txBody>
+          </p:sp>
+          <p:sp>
+            <p:nvSpPr>
+              <p:cNvPr id="37" name="Rounded Rectangle 36"/>
+              <p:cNvSpPr/>
+              <p:nvPr/>
+            </p:nvSpPr>
+            <p:spPr>
+              <a:xfrm rot="1534147">
+                <a:off x="5862458" y="3416139"/>
+                <a:ext cx="641268" cy="201877"/>
+              </a:xfrm>
+              <a:prstGeom prst="roundRect">
+                <a:avLst>
+                  <a:gd name="adj" fmla="val 50000"/>
+                </a:avLst>
+              </a:prstGeom>
+              <a:grpFill/>
+              <a:ln>
+                <a:noFill/>
+              </a:ln>
+              <a:effectLst>
+                <a:glow rad="228600">
+                  <a:srgbClr val="FFC000">
+                    <a:alpha val="40000"/>
+                  </a:srgbClr>
+                </a:glow>
+              </a:effectLst>
+              <a:scene3d>
+                <a:camera prst="orthographicFront"/>
+                <a:lightRig rig="threePt" dir="t"/>
+              </a:scene3d>
+              <a:sp3d contourW="12700">
+                <a:bevelT/>
+                <a:contourClr>
+                  <a:srgbClr val="FFFF00"/>
+                </a:contourClr>
+              </a:sp3d>
+            </p:spPr>
+            <p:style>
+              <a:lnRef idx="2">
+                <a:schemeClr val="accent1">
+                  <a:shade val="50000"/>
+                </a:schemeClr>
+              </a:lnRef>
+              <a:fillRef idx="1">
+                <a:schemeClr val="accent1"/>
+              </a:fillRef>
+              <a:effectRef idx="0">
+                <a:schemeClr val="accent1"/>
+              </a:effectRef>
+              <a:fontRef idx="minor">
+                <a:schemeClr val="lt1"/>
+              </a:fontRef>
+            </p:style>
+            <p:txBody>
+              <a:bodyPr rtlCol="0" anchor="ctr"/>
+              <a:lstStyle/>
+              <a:p>
+                <a:pPr algn="ctr"/>
+                <a:endParaRPr lang="en-IN"/>
+              </a:p>
+            </p:txBody>
+          </p:sp>
+          <p:sp>
+            <p:nvSpPr>
+              <p:cNvPr id="38" name="Rounded Rectangle 37"/>
+              <p:cNvSpPr/>
+              <p:nvPr/>
+            </p:nvSpPr>
+            <p:spPr>
+              <a:xfrm rot="19835852">
+                <a:off x="2630390" y="3378534"/>
+                <a:ext cx="641268" cy="201877"/>
+              </a:xfrm>
+              <a:prstGeom prst="roundRect">
+                <a:avLst>
+                  <a:gd name="adj" fmla="val 50000"/>
+                </a:avLst>
+              </a:prstGeom>
+              <a:grpFill/>
+              <a:ln>
+                <a:noFill/>
+              </a:ln>
+              <a:effectLst>
+                <a:glow rad="228600">
+                  <a:srgbClr val="FFC000">
+                    <a:alpha val="40000"/>
+                  </a:srgbClr>
+                </a:glow>
+              </a:effectLst>
+              <a:scene3d>
+                <a:camera prst="orthographicFront"/>
+                <a:lightRig rig="threePt" dir="t"/>
+              </a:scene3d>
+              <a:sp3d contourW="12700">
+                <a:bevelT/>
+                <a:contourClr>
+                  <a:srgbClr val="FFFF00"/>
+                </a:contourClr>
+              </a:sp3d>
+            </p:spPr>
+            <p:style>
+              <a:lnRef idx="2">
+                <a:schemeClr val="accent1">
+                  <a:shade val="50000"/>
+                </a:schemeClr>
+              </a:lnRef>
+              <a:fillRef idx="1">
+                <a:schemeClr val="accent1"/>
+              </a:fillRef>
+              <a:effectRef idx="0">
+                <a:schemeClr val="accent1"/>
+              </a:effectRef>
+              <a:fontRef idx="minor">
+                <a:schemeClr val="lt1"/>
+              </a:fontRef>
+            </p:style>
+            <p:txBody>
+              <a:bodyPr rtlCol="0" anchor="ctr"/>
+              <a:lstStyle/>
+              <a:p>
+                <a:pPr algn="ctr"/>
+                <a:endParaRPr lang="en-IN"/>
+              </a:p>
+            </p:txBody>
+          </p:sp>
+        </p:grpSp>
+      </p:grpSp>
+      <p:grpSp>
+        <p:nvGrpSpPr>
+          <p:cNvPr id="47" name="Group 8"/>
+          <p:cNvGrpSpPr>
+            <a:grpSpLocks/>
+          </p:cNvGrpSpPr>
+          <p:nvPr/>
+        </p:nvGrpSpPr>
+        <p:grpSpPr bwMode="auto">
+          <a:xfrm>
+            <a:off x="5515118" y="4744088"/>
+            <a:ext cx="728682" cy="793847"/>
+            <a:chOff x="1824" y="633"/>
+            <a:chExt cx="2834" cy="2849"/>
+          </a:xfrm>
+          <a:solidFill>
+            <a:schemeClr val="bg1"/>
+          </a:solidFill>
+        </p:grpSpPr>
+        <p:sp>
+          <p:nvSpPr>
+            <p:cNvPr id="48" name="Puzzle3"/>
+            <p:cNvSpPr>
+              <a:spLocks noEditPoints="1" noChangeArrowheads="1"/>
+            </p:cNvSpPr>
+            <p:nvPr/>
+          </p:nvSpPr>
+          <p:spPr bwMode="auto">
+            <a:xfrm>
+              <a:off x="3204" y="633"/>
+              <a:ext cx="1114" cy="1514"/>
+            </a:xfrm>
+            <a:custGeom>
+              <a:avLst/>
+              <a:gdLst>
+                <a:gd name="T0" fmla="*/ 10391 w 21600"/>
+                <a:gd name="T1" fmla="*/ 15806 h 21600"/>
+                <a:gd name="T2" fmla="*/ 20551 w 21600"/>
+                <a:gd name="T3" fmla="*/ 21088 h 21600"/>
+                <a:gd name="T4" fmla="*/ 13180 w 21600"/>
+                <a:gd name="T5" fmla="*/ 13801 h 21600"/>
+                <a:gd name="T6" fmla="*/ 20551 w 21600"/>
+                <a:gd name="T7" fmla="*/ 7025 h 21600"/>
+                <a:gd name="T8" fmla="*/ 10500 w 21600"/>
+                <a:gd name="T9" fmla="*/ 52 h 21600"/>
+                <a:gd name="T10" fmla="*/ 692 w 21600"/>
+                <a:gd name="T11" fmla="*/ 6802 h 21600"/>
+                <a:gd name="T12" fmla="*/ 8064 w 21600"/>
+                <a:gd name="T13" fmla="*/ 13526 h 21600"/>
+                <a:gd name="T14" fmla="*/ 692 w 21600"/>
+                <a:gd name="T15" fmla="*/ 21088 h 21600"/>
+                <a:gd name="T16" fmla="*/ 2273 w 21600"/>
+                <a:gd name="T17" fmla="*/ 7719 h 21600"/>
+                <a:gd name="T18" fmla="*/ 19149 w 21600"/>
+                <a:gd name="T19" fmla="*/ 20237 h 21600"/>
+              </a:gdLst>
+              <a:ahLst/>
+              <a:cxnLst>
+                <a:cxn ang="0">
+                  <a:pos x="T0" y="T1"/>
+                </a:cxn>
+                <a:cxn ang="0">
+                  <a:pos x="T2" y="T3"/>
+                </a:cxn>
+                <a:cxn ang="0">
+                  <a:pos x="T4" y="T5"/>
+                </a:cxn>
+                <a:cxn ang="0">
+                  <a:pos x="T6" y="T7"/>
+                </a:cxn>
+                <a:cxn ang="0">
+                  <a:pos x="T8" y="T9"/>
+                </a:cxn>
+                <a:cxn ang="0">
+                  <a:pos x="T10" y="T11"/>
+                </a:cxn>
+                <a:cxn ang="0">
+                  <a:pos x="T12" y="T13"/>
+                </a:cxn>
+                <a:cxn ang="0">
+                  <a:pos x="T14" y="T15"/>
+                </a:cxn>
+              </a:cxnLst>
+              <a:rect l="T16" t="T17" r="T18" b="T19"/>
+              <a:pathLst>
+                <a:path w="21600" h="21600">
+                  <a:moveTo>
+                    <a:pt x="6625" y="20892"/>
+                  </a:moveTo>
+                  <a:lnTo>
+                    <a:pt x="7105" y="21023"/>
+                  </a:lnTo>
+                  <a:lnTo>
+                    <a:pt x="7513" y="21088"/>
+                  </a:lnTo>
+                  <a:lnTo>
+                    <a:pt x="7922" y="21115"/>
+                  </a:lnTo>
+                  <a:lnTo>
+                    <a:pt x="8242" y="21115"/>
+                  </a:lnTo>
+                  <a:lnTo>
+                    <a:pt x="8544" y="21062"/>
+                  </a:lnTo>
+                  <a:lnTo>
+                    <a:pt x="8810" y="20997"/>
+                  </a:lnTo>
+                  <a:lnTo>
+                    <a:pt x="9023" y="20892"/>
+                  </a:lnTo>
+                  <a:lnTo>
+                    <a:pt x="9148" y="20761"/>
+                  </a:lnTo>
+                  <a:lnTo>
+                    <a:pt x="9290" y="20616"/>
+                  </a:lnTo>
+                  <a:lnTo>
+                    <a:pt x="9361" y="20459"/>
+                  </a:lnTo>
+                  <a:lnTo>
+                    <a:pt x="9396" y="20289"/>
+                  </a:lnTo>
+                  <a:lnTo>
+                    <a:pt x="9396" y="20092"/>
+                  </a:lnTo>
+                  <a:lnTo>
+                    <a:pt x="9325" y="19909"/>
+                  </a:lnTo>
+                  <a:lnTo>
+                    <a:pt x="9219" y="19738"/>
+                  </a:lnTo>
+                  <a:lnTo>
+                    <a:pt x="9094" y="19555"/>
+                  </a:lnTo>
+                  <a:lnTo>
+                    <a:pt x="8917" y="19384"/>
+                  </a:lnTo>
+                  <a:lnTo>
+                    <a:pt x="8650" y="19162"/>
+                  </a:lnTo>
+                  <a:lnTo>
+                    <a:pt x="8437" y="18900"/>
+                  </a:lnTo>
+                  <a:lnTo>
+                    <a:pt x="8277" y="18624"/>
+                  </a:lnTo>
+                  <a:lnTo>
+                    <a:pt x="8135" y="18349"/>
+                  </a:lnTo>
+                  <a:lnTo>
+                    <a:pt x="8028" y="18048"/>
+                  </a:lnTo>
+                  <a:lnTo>
+                    <a:pt x="7993" y="17746"/>
+                  </a:lnTo>
+                  <a:lnTo>
+                    <a:pt x="7993" y="17471"/>
+                  </a:lnTo>
+                  <a:lnTo>
+                    <a:pt x="8028" y="17169"/>
+                  </a:lnTo>
+                  <a:lnTo>
+                    <a:pt x="8135" y="16920"/>
+                  </a:lnTo>
+                  <a:lnTo>
+                    <a:pt x="8277" y="16671"/>
+                  </a:lnTo>
+                  <a:lnTo>
+                    <a:pt x="8366" y="16540"/>
+                  </a:lnTo>
+                  <a:lnTo>
+                    <a:pt x="8473" y="16409"/>
+                  </a:lnTo>
+                  <a:lnTo>
+                    <a:pt x="8615" y="16317"/>
+                  </a:lnTo>
+                  <a:lnTo>
+                    <a:pt x="8739" y="16213"/>
+                  </a:lnTo>
+                  <a:lnTo>
+                    <a:pt x="8881" y="16134"/>
+                  </a:lnTo>
+                  <a:lnTo>
+                    <a:pt x="9059" y="16055"/>
+                  </a:lnTo>
+                  <a:lnTo>
+                    <a:pt x="9254" y="15990"/>
+                  </a:lnTo>
+                  <a:lnTo>
+                    <a:pt x="9432" y="15911"/>
+                  </a:lnTo>
+                  <a:lnTo>
+                    <a:pt x="9663" y="15885"/>
+                  </a:lnTo>
+                  <a:lnTo>
+                    <a:pt x="9876" y="15833"/>
+                  </a:lnTo>
+                  <a:lnTo>
+                    <a:pt x="10142" y="15806"/>
+                  </a:lnTo>
+                  <a:lnTo>
+                    <a:pt x="10391" y="15806"/>
+                  </a:lnTo>
+                  <a:lnTo>
+                    <a:pt x="10728" y="15806"/>
+                  </a:lnTo>
+                  <a:lnTo>
+                    <a:pt x="10995" y="15806"/>
+                  </a:lnTo>
+                  <a:lnTo>
+                    <a:pt x="11279" y="15833"/>
+                  </a:lnTo>
+                  <a:lnTo>
+                    <a:pt x="11546" y="15885"/>
+                  </a:lnTo>
+                  <a:lnTo>
+                    <a:pt x="11776" y="15937"/>
+                  </a:lnTo>
+                  <a:lnTo>
+                    <a:pt x="12025" y="15990"/>
+                  </a:lnTo>
+                  <a:lnTo>
+                    <a:pt x="12221" y="16055"/>
+                  </a:lnTo>
+                  <a:lnTo>
+                    <a:pt x="12434" y="16134"/>
+                  </a:lnTo>
+                  <a:lnTo>
+                    <a:pt x="12611" y="16213"/>
+                  </a:lnTo>
+                  <a:lnTo>
+                    <a:pt x="12771" y="16317"/>
+                  </a:lnTo>
+                  <a:lnTo>
+                    <a:pt x="12913" y="16409"/>
+                  </a:lnTo>
+                  <a:lnTo>
+                    <a:pt x="13038" y="16514"/>
+                  </a:lnTo>
+                  <a:lnTo>
+                    <a:pt x="13251" y="16737"/>
+                  </a:lnTo>
+                  <a:lnTo>
+                    <a:pt x="13428" y="16986"/>
+                  </a:lnTo>
+                  <a:lnTo>
+                    <a:pt x="13517" y="17248"/>
+                  </a:lnTo>
+                  <a:lnTo>
+                    <a:pt x="13588" y="17523"/>
+                  </a:lnTo>
+                  <a:lnTo>
+                    <a:pt x="13588" y="17799"/>
+                  </a:lnTo>
+                  <a:lnTo>
+                    <a:pt x="13517" y="18074"/>
+                  </a:lnTo>
+                  <a:lnTo>
+                    <a:pt x="13428" y="18323"/>
+                  </a:lnTo>
+                  <a:lnTo>
+                    <a:pt x="13286" y="18572"/>
+                  </a:lnTo>
+                  <a:lnTo>
+                    <a:pt x="13109" y="18808"/>
+                  </a:lnTo>
+                  <a:lnTo>
+                    <a:pt x="12878" y="19031"/>
+                  </a:lnTo>
+                  <a:lnTo>
+                    <a:pt x="12434" y="19411"/>
+                  </a:lnTo>
+                  <a:lnTo>
+                    <a:pt x="12132" y="19738"/>
+                  </a:lnTo>
+                  <a:lnTo>
+                    <a:pt x="12025" y="19856"/>
+                  </a:lnTo>
+                  <a:lnTo>
+                    <a:pt x="11919" y="20014"/>
+                  </a:lnTo>
+                  <a:lnTo>
+                    <a:pt x="11883" y="20132"/>
+                  </a:lnTo>
+                  <a:lnTo>
+                    <a:pt x="11883" y="20263"/>
+                  </a:lnTo>
+                  <a:lnTo>
+                    <a:pt x="11883" y="20394"/>
+                  </a:lnTo>
+                  <a:lnTo>
+                    <a:pt x="11954" y="20485"/>
+                  </a:lnTo>
+                  <a:lnTo>
+                    <a:pt x="12061" y="20590"/>
+                  </a:lnTo>
+                  <a:lnTo>
+                    <a:pt x="12185" y="20695"/>
+                  </a:lnTo>
+                  <a:lnTo>
+                    <a:pt x="12327" y="20787"/>
+                  </a:lnTo>
+                  <a:lnTo>
+                    <a:pt x="12540" y="20892"/>
+                  </a:lnTo>
+                  <a:lnTo>
+                    <a:pt x="12771" y="20997"/>
+                  </a:lnTo>
+                  <a:lnTo>
+                    <a:pt x="13073" y="21088"/>
+                  </a:lnTo>
+                  <a:lnTo>
+                    <a:pt x="13428" y="21193"/>
+                  </a:lnTo>
+                  <a:lnTo>
+                    <a:pt x="13873" y="21298"/>
+                  </a:lnTo>
+                  <a:lnTo>
+                    <a:pt x="14317" y="21390"/>
+                  </a:lnTo>
+                  <a:lnTo>
+                    <a:pt x="14778" y="21468"/>
+                  </a:lnTo>
+                  <a:lnTo>
+                    <a:pt x="15294" y="21547"/>
+                  </a:lnTo>
+                  <a:lnTo>
+                    <a:pt x="15809" y="21600"/>
+                  </a:lnTo>
+                  <a:lnTo>
+                    <a:pt x="16359" y="21652"/>
+                  </a:lnTo>
+                  <a:lnTo>
+                    <a:pt x="16875" y="21678"/>
+                  </a:lnTo>
+                  <a:lnTo>
+                    <a:pt x="17407" y="21678"/>
+                  </a:lnTo>
+                  <a:lnTo>
+                    <a:pt x="17958" y="21678"/>
+                  </a:lnTo>
+                  <a:lnTo>
+                    <a:pt x="18473" y="21652"/>
+                  </a:lnTo>
+                  <a:lnTo>
+                    <a:pt x="18953" y="21573"/>
+                  </a:lnTo>
+                  <a:lnTo>
+                    <a:pt x="19397" y="21495"/>
+                  </a:lnTo>
+                  <a:lnTo>
+                    <a:pt x="19841" y="21390"/>
+                  </a:lnTo>
+                  <a:lnTo>
+                    <a:pt x="20214" y="21272"/>
+                  </a:lnTo>
+                  <a:lnTo>
+                    <a:pt x="20551" y="21088"/>
+                  </a:lnTo>
+                  <a:lnTo>
+                    <a:pt x="20480" y="20787"/>
+                  </a:lnTo>
+                  <a:lnTo>
+                    <a:pt x="20409" y="20485"/>
+                  </a:lnTo>
+                  <a:lnTo>
+                    <a:pt x="20356" y="20158"/>
+                  </a:lnTo>
+                  <a:lnTo>
+                    <a:pt x="20356" y="19804"/>
+                  </a:lnTo>
+                  <a:lnTo>
+                    <a:pt x="20321" y="19083"/>
+                  </a:lnTo>
+                  <a:lnTo>
+                    <a:pt x="20356" y="18349"/>
+                  </a:lnTo>
+                  <a:lnTo>
+                    <a:pt x="20409" y="17641"/>
+                  </a:lnTo>
+                  <a:lnTo>
+                    <a:pt x="20480" y="17012"/>
+                  </a:lnTo>
+                  <a:lnTo>
+                    <a:pt x="20551" y="16488"/>
+                  </a:lnTo>
+                  <a:lnTo>
+                    <a:pt x="20551" y="16055"/>
+                  </a:lnTo>
+                  <a:lnTo>
+                    <a:pt x="20551" y="15911"/>
+                  </a:lnTo>
+                  <a:lnTo>
+                    <a:pt x="20445" y="15754"/>
+                  </a:lnTo>
+                  <a:lnTo>
+                    <a:pt x="20356" y="15610"/>
+                  </a:lnTo>
+                  <a:lnTo>
+                    <a:pt x="20178" y="15452"/>
+                  </a:lnTo>
+                  <a:lnTo>
+                    <a:pt x="20001" y="15334"/>
+                  </a:lnTo>
+                  <a:lnTo>
+                    <a:pt x="19770" y="15230"/>
+                  </a:lnTo>
+                  <a:lnTo>
+                    <a:pt x="19521" y="15125"/>
+                  </a:lnTo>
+                  <a:lnTo>
+                    <a:pt x="19290" y="15059"/>
+                  </a:lnTo>
+                  <a:lnTo>
+                    <a:pt x="19024" y="15007"/>
+                  </a:lnTo>
+                  <a:lnTo>
+                    <a:pt x="18740" y="14954"/>
+                  </a:lnTo>
+                  <a:lnTo>
+                    <a:pt x="18509" y="14954"/>
+                  </a:lnTo>
+                  <a:lnTo>
+                    <a:pt x="18225" y="14954"/>
+                  </a:lnTo>
+                  <a:lnTo>
+                    <a:pt x="17994" y="15007"/>
+                  </a:lnTo>
+                  <a:lnTo>
+                    <a:pt x="17763" y="15085"/>
+                  </a:lnTo>
+                  <a:lnTo>
+                    <a:pt x="17550" y="15177"/>
+                  </a:lnTo>
+                  <a:lnTo>
+                    <a:pt x="17372" y="15308"/>
+                  </a:lnTo>
+                  <a:lnTo>
+                    <a:pt x="17176" y="15426"/>
+                  </a:lnTo>
+                  <a:lnTo>
+                    <a:pt x="16928" y="15557"/>
+                  </a:lnTo>
+                  <a:lnTo>
+                    <a:pt x="16661" y="15636"/>
+                  </a:lnTo>
+                  <a:lnTo>
+                    <a:pt x="16359" y="15688"/>
+                  </a:lnTo>
+                  <a:lnTo>
+                    <a:pt x="16022" y="15715"/>
+                  </a:lnTo>
+                  <a:lnTo>
+                    <a:pt x="15667" y="15688"/>
+                  </a:lnTo>
+                  <a:lnTo>
+                    <a:pt x="15294" y="15662"/>
+                  </a:lnTo>
+                  <a:lnTo>
+                    <a:pt x="14956" y="15583"/>
+                  </a:lnTo>
+                  <a:lnTo>
+                    <a:pt x="14619" y="15479"/>
+                  </a:lnTo>
+                  <a:lnTo>
+                    <a:pt x="14281" y="15334"/>
+                  </a:lnTo>
+                  <a:lnTo>
+                    <a:pt x="13961" y="15177"/>
+                  </a:lnTo>
+                  <a:lnTo>
+                    <a:pt x="13695" y="14981"/>
+                  </a:lnTo>
+                  <a:lnTo>
+                    <a:pt x="13588" y="14850"/>
+                  </a:lnTo>
+                  <a:lnTo>
+                    <a:pt x="13482" y="14732"/>
+                  </a:lnTo>
+                  <a:lnTo>
+                    <a:pt x="13393" y="14600"/>
+                  </a:lnTo>
+                  <a:lnTo>
+                    <a:pt x="13322" y="14456"/>
+                  </a:lnTo>
+                  <a:lnTo>
+                    <a:pt x="13251" y="14299"/>
+                  </a:lnTo>
+                  <a:lnTo>
+                    <a:pt x="13215" y="14155"/>
+                  </a:lnTo>
+                  <a:lnTo>
+                    <a:pt x="13180" y="13971"/>
+                  </a:lnTo>
+                  <a:lnTo>
+                    <a:pt x="13180" y="13801"/>
+                  </a:lnTo>
+                  <a:lnTo>
+                    <a:pt x="13180" y="13591"/>
+                  </a:lnTo>
+                  <a:lnTo>
+                    <a:pt x="13215" y="13395"/>
+                  </a:lnTo>
+                  <a:lnTo>
+                    <a:pt x="13251" y="13198"/>
+                  </a:lnTo>
+                  <a:lnTo>
+                    <a:pt x="13322" y="13015"/>
+                  </a:lnTo>
+                  <a:lnTo>
+                    <a:pt x="13393" y="12870"/>
+                  </a:lnTo>
+                  <a:lnTo>
+                    <a:pt x="13482" y="12713"/>
+                  </a:lnTo>
+                  <a:lnTo>
+                    <a:pt x="13588" y="12569"/>
+                  </a:lnTo>
+                  <a:lnTo>
+                    <a:pt x="13730" y="12438"/>
+                  </a:lnTo>
+                  <a:lnTo>
+                    <a:pt x="13997" y="12215"/>
+                  </a:lnTo>
+                  <a:lnTo>
+                    <a:pt x="14334" y="12005"/>
+                  </a:lnTo>
+                  <a:lnTo>
+                    <a:pt x="14690" y="11861"/>
+                  </a:lnTo>
+                  <a:lnTo>
+                    <a:pt x="15063" y="11756"/>
+                  </a:lnTo>
+                  <a:lnTo>
+                    <a:pt x="15436" y="11678"/>
+                  </a:lnTo>
+                  <a:lnTo>
+                    <a:pt x="15809" y="11638"/>
+                  </a:lnTo>
+                  <a:lnTo>
+                    <a:pt x="16182" y="11638"/>
+                  </a:lnTo>
+                  <a:lnTo>
+                    <a:pt x="16555" y="11678"/>
+                  </a:lnTo>
+                  <a:lnTo>
+                    <a:pt x="16910" y="11730"/>
+                  </a:lnTo>
+                  <a:lnTo>
+                    <a:pt x="17248" y="11835"/>
+                  </a:lnTo>
+                  <a:lnTo>
+                    <a:pt x="17514" y="11966"/>
+                  </a:lnTo>
+                  <a:lnTo>
+                    <a:pt x="17763" y="12110"/>
+                  </a:lnTo>
+                  <a:lnTo>
+                    <a:pt x="17887" y="12215"/>
+                  </a:lnTo>
+                  <a:lnTo>
+                    <a:pt x="18065" y="12307"/>
+                  </a:lnTo>
+                  <a:lnTo>
+                    <a:pt x="18260" y="12412"/>
+                  </a:lnTo>
+                  <a:lnTo>
+                    <a:pt x="18438" y="12464"/>
+                  </a:lnTo>
+                  <a:lnTo>
+                    <a:pt x="18669" y="12543"/>
+                  </a:lnTo>
+                  <a:lnTo>
+                    <a:pt x="18882" y="12569"/>
+                  </a:lnTo>
+                  <a:lnTo>
+                    <a:pt x="19113" y="12595"/>
+                  </a:lnTo>
+                  <a:lnTo>
+                    <a:pt x="19361" y="12608"/>
+                  </a:lnTo>
+                  <a:lnTo>
+                    <a:pt x="19592" y="12608"/>
+                  </a:lnTo>
+                  <a:lnTo>
+                    <a:pt x="19841" y="12595"/>
+                  </a:lnTo>
+                  <a:lnTo>
+                    <a:pt x="20072" y="12543"/>
+                  </a:lnTo>
+                  <a:lnTo>
+                    <a:pt x="20321" y="12490"/>
+                  </a:lnTo>
+                  <a:lnTo>
+                    <a:pt x="20551" y="12438"/>
+                  </a:lnTo>
+                  <a:lnTo>
+                    <a:pt x="20800" y="12333"/>
+                  </a:lnTo>
+                  <a:lnTo>
+                    <a:pt x="20996" y="12241"/>
+                  </a:lnTo>
+                  <a:lnTo>
+                    <a:pt x="21244" y="12110"/>
+                  </a:lnTo>
+                  <a:lnTo>
+                    <a:pt x="21298" y="12032"/>
+                  </a:lnTo>
+                  <a:lnTo>
+                    <a:pt x="21404" y="11966"/>
+                  </a:lnTo>
+                  <a:lnTo>
+                    <a:pt x="21475" y="11861"/>
+                  </a:lnTo>
+                  <a:lnTo>
+                    <a:pt x="21511" y="11730"/>
+                  </a:lnTo>
+                  <a:lnTo>
+                    <a:pt x="21617" y="11481"/>
+                  </a:lnTo>
+                  <a:lnTo>
+                    <a:pt x="21653" y="11180"/>
+                  </a:lnTo>
+                  <a:lnTo>
+                    <a:pt x="21653" y="10826"/>
+                  </a:lnTo>
+                  <a:lnTo>
+                    <a:pt x="21653" y="10472"/>
+                  </a:lnTo>
+                  <a:lnTo>
+                    <a:pt x="21582" y="10092"/>
+                  </a:lnTo>
+                  <a:lnTo>
+                    <a:pt x="21511" y="9725"/>
+                  </a:lnTo>
+                  <a:lnTo>
+                    <a:pt x="21298" y="8912"/>
+                  </a:lnTo>
+                  <a:lnTo>
+                    <a:pt x="21067" y="8191"/>
+                  </a:lnTo>
+                  <a:lnTo>
+                    <a:pt x="20800" y="7536"/>
+                  </a:lnTo>
+                  <a:lnTo>
+                    <a:pt x="20551" y="7025"/>
+                  </a:lnTo>
+                  <a:lnTo>
+                    <a:pt x="20001" y="7103"/>
+                  </a:lnTo>
+                  <a:lnTo>
+                    <a:pt x="19432" y="7156"/>
+                  </a:lnTo>
+                  <a:lnTo>
+                    <a:pt x="18846" y="7208"/>
+                  </a:lnTo>
+                  <a:lnTo>
+                    <a:pt x="18225" y="7208"/>
+                  </a:lnTo>
+                  <a:lnTo>
+                    <a:pt x="17656" y="7208"/>
+                  </a:lnTo>
+                  <a:lnTo>
+                    <a:pt x="17070" y="7182"/>
+                  </a:lnTo>
+                  <a:lnTo>
+                    <a:pt x="16484" y="7156"/>
+                  </a:lnTo>
+                  <a:lnTo>
+                    <a:pt x="15986" y="7103"/>
+                  </a:lnTo>
+                  <a:lnTo>
+                    <a:pt x="14992" y="6999"/>
+                  </a:lnTo>
+                  <a:lnTo>
+                    <a:pt x="14210" y="6907"/>
+                  </a:lnTo>
+                  <a:lnTo>
+                    <a:pt x="13695" y="6828"/>
+                  </a:lnTo>
+                  <a:lnTo>
+                    <a:pt x="13517" y="6802"/>
+                  </a:lnTo>
+                  <a:lnTo>
+                    <a:pt x="13073" y="6645"/>
+                  </a:lnTo>
+                  <a:lnTo>
+                    <a:pt x="12700" y="6474"/>
+                  </a:lnTo>
+                  <a:lnTo>
+                    <a:pt x="12363" y="6304"/>
+                  </a:lnTo>
+                  <a:lnTo>
+                    <a:pt x="12132" y="6094"/>
+                  </a:lnTo>
+                  <a:lnTo>
+                    <a:pt x="11919" y="5871"/>
+                  </a:lnTo>
+                  <a:lnTo>
+                    <a:pt x="11776" y="5649"/>
+                  </a:lnTo>
+                  <a:lnTo>
+                    <a:pt x="11688" y="5413"/>
+                  </a:lnTo>
+                  <a:lnTo>
+                    <a:pt x="11617" y="5190"/>
+                  </a:lnTo>
+                  <a:lnTo>
+                    <a:pt x="11617" y="4941"/>
+                  </a:lnTo>
+                  <a:lnTo>
+                    <a:pt x="11652" y="4718"/>
+                  </a:lnTo>
+                  <a:lnTo>
+                    <a:pt x="11723" y="4482"/>
+                  </a:lnTo>
+                  <a:lnTo>
+                    <a:pt x="11812" y="4285"/>
+                  </a:lnTo>
+                  <a:lnTo>
+                    <a:pt x="11919" y="4089"/>
+                  </a:lnTo>
+                  <a:lnTo>
+                    <a:pt x="12096" y="3905"/>
+                  </a:lnTo>
+                  <a:lnTo>
+                    <a:pt x="12292" y="3735"/>
+                  </a:lnTo>
+                  <a:lnTo>
+                    <a:pt x="12505" y="3604"/>
+                  </a:lnTo>
+                  <a:lnTo>
+                    <a:pt x="12700" y="3460"/>
+                  </a:lnTo>
+                  <a:lnTo>
+                    <a:pt x="12878" y="3250"/>
+                  </a:lnTo>
+                  <a:lnTo>
+                    <a:pt x="13038" y="3027"/>
+                  </a:lnTo>
+                  <a:lnTo>
+                    <a:pt x="13180" y="2752"/>
+                  </a:lnTo>
+                  <a:lnTo>
+                    <a:pt x="13286" y="2477"/>
+                  </a:lnTo>
+                  <a:lnTo>
+                    <a:pt x="13322" y="2175"/>
+                  </a:lnTo>
+                  <a:lnTo>
+                    <a:pt x="13357" y="1874"/>
+                  </a:lnTo>
+                  <a:lnTo>
+                    <a:pt x="13286" y="1572"/>
+                  </a:lnTo>
+                  <a:lnTo>
+                    <a:pt x="13180" y="1271"/>
+                  </a:lnTo>
+                  <a:lnTo>
+                    <a:pt x="13038" y="983"/>
+                  </a:lnTo>
+                  <a:lnTo>
+                    <a:pt x="12949" y="865"/>
+                  </a:lnTo>
+                  <a:lnTo>
+                    <a:pt x="12807" y="733"/>
+                  </a:lnTo>
+                  <a:lnTo>
+                    <a:pt x="12665" y="616"/>
+                  </a:lnTo>
+                  <a:lnTo>
+                    <a:pt x="12505" y="511"/>
+                  </a:lnTo>
+                  <a:lnTo>
+                    <a:pt x="12327" y="406"/>
+                  </a:lnTo>
+                  <a:lnTo>
+                    <a:pt x="12132" y="314"/>
+                  </a:lnTo>
+                  <a:lnTo>
+                    <a:pt x="11883" y="235"/>
+                  </a:lnTo>
+                  <a:lnTo>
+                    <a:pt x="11652" y="183"/>
+                  </a:lnTo>
+                  <a:lnTo>
+                    <a:pt x="11368" y="104"/>
+                  </a:lnTo>
+                  <a:lnTo>
+                    <a:pt x="11101" y="78"/>
+                  </a:lnTo>
+                  <a:lnTo>
+                    <a:pt x="10800" y="52"/>
+                  </a:lnTo>
+                  <a:lnTo>
+                    <a:pt x="10444" y="52"/>
+                  </a:lnTo>
+                  <a:lnTo>
+                    <a:pt x="10142" y="52"/>
+                  </a:lnTo>
+                  <a:lnTo>
+                    <a:pt x="9840" y="78"/>
+                  </a:lnTo>
+                  <a:lnTo>
+                    <a:pt x="9574" y="104"/>
+                  </a:lnTo>
+                  <a:lnTo>
+                    <a:pt x="9325" y="157"/>
+                  </a:lnTo>
+                  <a:lnTo>
+                    <a:pt x="9094" y="209"/>
+                  </a:lnTo>
+                  <a:lnTo>
+                    <a:pt x="8846" y="262"/>
+                  </a:lnTo>
+                  <a:lnTo>
+                    <a:pt x="8650" y="340"/>
+                  </a:lnTo>
+                  <a:lnTo>
+                    <a:pt x="8437" y="432"/>
+                  </a:lnTo>
+                  <a:lnTo>
+                    <a:pt x="8277" y="511"/>
+                  </a:lnTo>
+                  <a:lnTo>
+                    <a:pt x="8100" y="616"/>
+                  </a:lnTo>
+                  <a:lnTo>
+                    <a:pt x="7957" y="707"/>
+                  </a:lnTo>
+                  <a:lnTo>
+                    <a:pt x="7833" y="838"/>
+                  </a:lnTo>
+                  <a:lnTo>
+                    <a:pt x="7620" y="1061"/>
+                  </a:lnTo>
+                  <a:lnTo>
+                    <a:pt x="7442" y="1336"/>
+                  </a:lnTo>
+                  <a:lnTo>
+                    <a:pt x="7353" y="1599"/>
+                  </a:lnTo>
+                  <a:lnTo>
+                    <a:pt x="7318" y="1900"/>
+                  </a:lnTo>
+                  <a:lnTo>
+                    <a:pt x="7318" y="2175"/>
+                  </a:lnTo>
+                  <a:lnTo>
+                    <a:pt x="7353" y="2450"/>
+                  </a:lnTo>
+                  <a:lnTo>
+                    <a:pt x="7442" y="2726"/>
+                  </a:lnTo>
+                  <a:lnTo>
+                    <a:pt x="7620" y="2975"/>
+                  </a:lnTo>
+                  <a:lnTo>
+                    <a:pt x="7833" y="3198"/>
+                  </a:lnTo>
+                  <a:lnTo>
+                    <a:pt x="8064" y="3433"/>
+                  </a:lnTo>
+                  <a:lnTo>
+                    <a:pt x="8295" y="3630"/>
+                  </a:lnTo>
+                  <a:lnTo>
+                    <a:pt x="8508" y="3853"/>
+                  </a:lnTo>
+                  <a:lnTo>
+                    <a:pt x="8686" y="4089"/>
+                  </a:lnTo>
+                  <a:lnTo>
+                    <a:pt x="8775" y="4312"/>
+                  </a:lnTo>
+                  <a:lnTo>
+                    <a:pt x="8846" y="4561"/>
+                  </a:lnTo>
+                  <a:lnTo>
+                    <a:pt x="8846" y="4810"/>
+                  </a:lnTo>
+                  <a:lnTo>
+                    <a:pt x="8810" y="5059"/>
+                  </a:lnTo>
+                  <a:lnTo>
+                    <a:pt x="8721" y="5295"/>
+                  </a:lnTo>
+                  <a:lnTo>
+                    <a:pt x="8579" y="5544"/>
+                  </a:lnTo>
+                  <a:lnTo>
+                    <a:pt x="8366" y="5766"/>
+                  </a:lnTo>
+                  <a:lnTo>
+                    <a:pt x="8135" y="5976"/>
+                  </a:lnTo>
+                  <a:lnTo>
+                    <a:pt x="7833" y="6199"/>
+                  </a:lnTo>
+                  <a:lnTo>
+                    <a:pt x="7478" y="6369"/>
+                  </a:lnTo>
+                  <a:lnTo>
+                    <a:pt x="7069" y="6527"/>
+                  </a:lnTo>
+                  <a:lnTo>
+                    <a:pt x="6590" y="6671"/>
+                  </a:lnTo>
+                  <a:lnTo>
+                    <a:pt x="6092" y="6802"/>
+                  </a:lnTo>
+                  <a:lnTo>
+                    <a:pt x="5684" y="6802"/>
+                  </a:lnTo>
+                  <a:lnTo>
+                    <a:pt x="5133" y="6802"/>
+                  </a:lnTo>
+                  <a:lnTo>
+                    <a:pt x="4547" y="6802"/>
+                  </a:lnTo>
+                  <a:lnTo>
+                    <a:pt x="3872" y="6802"/>
+                  </a:lnTo>
+                  <a:lnTo>
+                    <a:pt x="3144" y="6802"/>
+                  </a:lnTo>
+                  <a:lnTo>
+                    <a:pt x="2362" y="6802"/>
+                  </a:lnTo>
+                  <a:lnTo>
+                    <a:pt x="1545" y="6802"/>
+                  </a:lnTo>
+                  <a:lnTo>
+                    <a:pt x="692" y="6802"/>
+                  </a:lnTo>
+                  <a:lnTo>
+                    <a:pt x="586" y="7234"/>
+                  </a:lnTo>
+                  <a:lnTo>
+                    <a:pt x="461" y="7837"/>
+                  </a:lnTo>
+                  <a:lnTo>
+                    <a:pt x="355" y="8493"/>
+                  </a:lnTo>
+                  <a:lnTo>
+                    <a:pt x="248" y="9187"/>
+                  </a:lnTo>
+                  <a:lnTo>
+                    <a:pt x="142" y="9869"/>
+                  </a:lnTo>
+                  <a:lnTo>
+                    <a:pt x="106" y="10498"/>
+                  </a:lnTo>
+                  <a:lnTo>
+                    <a:pt x="106" y="10983"/>
+                  </a:lnTo>
+                  <a:lnTo>
+                    <a:pt x="106" y="11311"/>
+                  </a:lnTo>
+                  <a:lnTo>
+                    <a:pt x="213" y="11481"/>
+                  </a:lnTo>
+                  <a:lnTo>
+                    <a:pt x="319" y="11651"/>
+                  </a:lnTo>
+                  <a:lnTo>
+                    <a:pt x="497" y="11783"/>
+                  </a:lnTo>
+                  <a:lnTo>
+                    <a:pt x="692" y="11914"/>
+                  </a:lnTo>
+                  <a:lnTo>
+                    <a:pt x="941" y="12032"/>
+                  </a:lnTo>
+                  <a:lnTo>
+                    <a:pt x="1207" y="12110"/>
+                  </a:lnTo>
+                  <a:lnTo>
+                    <a:pt x="1509" y="12189"/>
+                  </a:lnTo>
+                  <a:lnTo>
+                    <a:pt x="1794" y="12241"/>
+                  </a:lnTo>
+                  <a:lnTo>
+                    <a:pt x="2131" y="12267"/>
+                  </a:lnTo>
+                  <a:lnTo>
+                    <a:pt x="2433" y="12281"/>
+                  </a:lnTo>
+                  <a:lnTo>
+                    <a:pt x="2735" y="12267"/>
+                  </a:lnTo>
+                  <a:lnTo>
+                    <a:pt x="3055" y="12241"/>
+                  </a:lnTo>
+                  <a:lnTo>
+                    <a:pt x="3357" y="12189"/>
+                  </a:lnTo>
+                  <a:lnTo>
+                    <a:pt x="3623" y="12084"/>
+                  </a:lnTo>
+                  <a:lnTo>
+                    <a:pt x="3872" y="11979"/>
+                  </a:lnTo>
+                  <a:lnTo>
+                    <a:pt x="4103" y="11861"/>
+                  </a:lnTo>
+                  <a:lnTo>
+                    <a:pt x="4316" y="11704"/>
+                  </a:lnTo>
+                  <a:lnTo>
+                    <a:pt x="4582" y="11612"/>
+                  </a:lnTo>
+                  <a:lnTo>
+                    <a:pt x="4849" y="11533"/>
+                  </a:lnTo>
+                  <a:lnTo>
+                    <a:pt x="5169" y="11507"/>
+                  </a:lnTo>
+                  <a:lnTo>
+                    <a:pt x="5506" y="11481"/>
+                  </a:lnTo>
+                  <a:lnTo>
+                    <a:pt x="5808" y="11507"/>
+                  </a:lnTo>
+                  <a:lnTo>
+                    <a:pt x="6146" y="11560"/>
+                  </a:lnTo>
+                  <a:lnTo>
+                    <a:pt x="6501" y="11651"/>
+                  </a:lnTo>
+                  <a:lnTo>
+                    <a:pt x="6803" y="11783"/>
+                  </a:lnTo>
+                  <a:lnTo>
+                    <a:pt x="7105" y="11940"/>
+                  </a:lnTo>
+                  <a:lnTo>
+                    <a:pt x="7353" y="12110"/>
+                  </a:lnTo>
+                  <a:lnTo>
+                    <a:pt x="7584" y="12333"/>
+                  </a:lnTo>
+                  <a:lnTo>
+                    <a:pt x="7798" y="12595"/>
+                  </a:lnTo>
+                  <a:lnTo>
+                    <a:pt x="7922" y="12870"/>
+                  </a:lnTo>
+                  <a:lnTo>
+                    <a:pt x="8028" y="13198"/>
+                  </a:lnTo>
+                  <a:lnTo>
+                    <a:pt x="8064" y="13526"/>
+                  </a:lnTo>
+                  <a:lnTo>
+                    <a:pt x="8028" y="13775"/>
+                  </a:lnTo>
+                  <a:lnTo>
+                    <a:pt x="7922" y="13998"/>
+                  </a:lnTo>
+                  <a:lnTo>
+                    <a:pt x="7798" y="14220"/>
+                  </a:lnTo>
+                  <a:lnTo>
+                    <a:pt x="7584" y="14404"/>
+                  </a:lnTo>
+                  <a:lnTo>
+                    <a:pt x="7353" y="14574"/>
+                  </a:lnTo>
+                  <a:lnTo>
+                    <a:pt x="7105" y="14732"/>
+                  </a:lnTo>
+                  <a:lnTo>
+                    <a:pt x="6803" y="14850"/>
+                  </a:lnTo>
+                  <a:lnTo>
+                    <a:pt x="6501" y="14954"/>
+                  </a:lnTo>
+                  <a:lnTo>
+                    <a:pt x="6146" y="15033"/>
+                  </a:lnTo>
+                  <a:lnTo>
+                    <a:pt x="5808" y="15085"/>
+                  </a:lnTo>
+                  <a:lnTo>
+                    <a:pt x="5506" y="15085"/>
+                  </a:lnTo>
+                  <a:lnTo>
+                    <a:pt x="5169" y="15059"/>
+                  </a:lnTo>
+                  <a:lnTo>
+                    <a:pt x="4849" y="15007"/>
+                  </a:lnTo>
+                  <a:lnTo>
+                    <a:pt x="4582" y="14902"/>
+                  </a:lnTo>
+                  <a:lnTo>
+                    <a:pt x="4316" y="14784"/>
+                  </a:lnTo>
+                  <a:lnTo>
+                    <a:pt x="4103" y="14600"/>
+                  </a:lnTo>
+                  <a:lnTo>
+                    <a:pt x="3907" y="14430"/>
+                  </a:lnTo>
+                  <a:lnTo>
+                    <a:pt x="3659" y="14299"/>
+                  </a:lnTo>
+                  <a:lnTo>
+                    <a:pt x="3428" y="14194"/>
+                  </a:lnTo>
+                  <a:lnTo>
+                    <a:pt x="3179" y="14129"/>
+                  </a:lnTo>
+                  <a:lnTo>
+                    <a:pt x="2913" y="14102"/>
+                  </a:lnTo>
+                  <a:lnTo>
+                    <a:pt x="2646" y="14102"/>
+                  </a:lnTo>
+                  <a:lnTo>
+                    <a:pt x="2362" y="14129"/>
+                  </a:lnTo>
+                  <a:lnTo>
+                    <a:pt x="2096" y="14168"/>
+                  </a:lnTo>
+                  <a:lnTo>
+                    <a:pt x="1811" y="14273"/>
+                  </a:lnTo>
+                  <a:lnTo>
+                    <a:pt x="1545" y="14378"/>
+                  </a:lnTo>
+                  <a:lnTo>
+                    <a:pt x="1314" y="14496"/>
+                  </a:lnTo>
+                  <a:lnTo>
+                    <a:pt x="1065" y="14653"/>
+                  </a:lnTo>
+                  <a:lnTo>
+                    <a:pt x="870" y="14797"/>
+                  </a:lnTo>
+                  <a:lnTo>
+                    <a:pt x="657" y="14981"/>
+                  </a:lnTo>
+                  <a:lnTo>
+                    <a:pt x="497" y="15177"/>
+                  </a:lnTo>
+                  <a:lnTo>
+                    <a:pt x="390" y="15413"/>
+                  </a:lnTo>
+                  <a:lnTo>
+                    <a:pt x="284" y="15636"/>
+                  </a:lnTo>
+                  <a:lnTo>
+                    <a:pt x="248" y="15911"/>
+                  </a:lnTo>
+                  <a:lnTo>
+                    <a:pt x="284" y="16239"/>
+                  </a:lnTo>
+                  <a:lnTo>
+                    <a:pt x="319" y="16566"/>
+                  </a:lnTo>
+                  <a:lnTo>
+                    <a:pt x="497" y="17340"/>
+                  </a:lnTo>
+                  <a:lnTo>
+                    <a:pt x="692" y="18152"/>
+                  </a:lnTo>
+                  <a:lnTo>
+                    <a:pt x="799" y="18559"/>
+                  </a:lnTo>
+                  <a:lnTo>
+                    <a:pt x="905" y="18978"/>
+                  </a:lnTo>
+                  <a:lnTo>
+                    <a:pt x="959" y="19384"/>
+                  </a:lnTo>
+                  <a:lnTo>
+                    <a:pt x="994" y="19791"/>
+                  </a:lnTo>
+                  <a:lnTo>
+                    <a:pt x="994" y="20132"/>
+                  </a:lnTo>
+                  <a:lnTo>
+                    <a:pt x="959" y="20485"/>
+                  </a:lnTo>
+                  <a:lnTo>
+                    <a:pt x="941" y="20669"/>
+                  </a:lnTo>
+                  <a:lnTo>
+                    <a:pt x="870" y="20813"/>
+                  </a:lnTo>
+                  <a:lnTo>
+                    <a:pt x="799" y="20970"/>
+                  </a:lnTo>
+                  <a:lnTo>
+                    <a:pt x="692" y="21088"/>
+                  </a:lnTo>
+                  <a:lnTo>
+                    <a:pt x="1474" y="20997"/>
+                  </a:lnTo>
+                  <a:lnTo>
+                    <a:pt x="2291" y="20866"/>
+                  </a:lnTo>
+                  <a:lnTo>
+                    <a:pt x="3108" y="20787"/>
+                  </a:lnTo>
+                  <a:lnTo>
+                    <a:pt x="3907" y="20721"/>
+                  </a:lnTo>
+                  <a:lnTo>
+                    <a:pt x="4653" y="20695"/>
+                  </a:lnTo>
+                  <a:lnTo>
+                    <a:pt x="5364" y="20695"/>
+                  </a:lnTo>
+                  <a:lnTo>
+                    <a:pt x="5701" y="20721"/>
+                  </a:lnTo>
+                  <a:lnTo>
+                    <a:pt x="6057" y="20761"/>
+                  </a:lnTo>
+                  <a:lnTo>
+                    <a:pt x="6323" y="20813"/>
+                  </a:lnTo>
+                  <a:lnTo>
+                    <a:pt x="6625" y="20892"/>
+                  </a:lnTo>
+                  <a:close/>
+                </a:path>
+              </a:pathLst>
+            </a:custGeom>
+            <a:grpFill/>
+            <a:ln w="28575">
+              <a:solidFill>
+                <a:schemeClr val="tx1"/>
+              </a:solidFill>
+              <a:miter lim="800000"/>
+              <a:headEnd/>
+              <a:tailEnd/>
+            </a:ln>
+          </p:spPr>
+          <p:txBody>
+            <a:bodyPr vert="horz" wrap="square" lIns="91440" tIns="45720" rIns="91440" bIns="45720" numCol="1" anchor="t" anchorCtr="0" compatLnSpc="1">
+              <a:prstTxWarp prst="textNoShape">
+                <a:avLst/>
+              </a:prstTxWarp>
+            </a:bodyPr>
+            <a:lstStyle/>
+            <a:p>
+              <a:endParaRPr lang="en-IN"/>
+            </a:p>
+          </p:txBody>
+        </p:sp>
+        <p:sp>
+          <p:nvSpPr>
+            <p:cNvPr id="49" name="Puzzle2"/>
+            <p:cNvSpPr>
+              <a:spLocks noEditPoints="1" noChangeArrowheads="1"/>
+            </p:cNvSpPr>
+            <p:nvPr/>
+          </p:nvSpPr>
+          <p:spPr bwMode="auto">
+            <a:xfrm>
+              <a:off x="2880" y="1736"/>
+              <a:ext cx="1778" cy="1379"/>
+            </a:xfrm>
+            <a:custGeom>
+              <a:avLst/>
+              <a:gdLst>
+                <a:gd name="T0" fmla="*/ 11 w 21600"/>
+                <a:gd name="T1" fmla="*/ 13386 h 21600"/>
+                <a:gd name="T2" fmla="*/ 4202 w 21600"/>
+                <a:gd name="T3" fmla="*/ 21161 h 21600"/>
+                <a:gd name="T4" fmla="*/ 10400 w 21600"/>
+                <a:gd name="T5" fmla="*/ 13909 h 21600"/>
+                <a:gd name="T6" fmla="*/ 16821 w 21600"/>
+                <a:gd name="T7" fmla="*/ 21190 h 21600"/>
+                <a:gd name="T8" fmla="*/ 21600 w 21600"/>
+                <a:gd name="T9" fmla="*/ 15083 h 21600"/>
+                <a:gd name="T10" fmla="*/ 16889 w 21600"/>
+                <a:gd name="T11" fmla="*/ 5739 h 21600"/>
+                <a:gd name="T12" fmla="*/ 10800 w 21600"/>
+                <a:gd name="T13" fmla="*/ 28 h 21600"/>
+                <a:gd name="T14" fmla="*/ 4202 w 21600"/>
+                <a:gd name="T15" fmla="*/ 5894 h 21600"/>
+                <a:gd name="T16" fmla="*/ 5388 w 21600"/>
+                <a:gd name="T17" fmla="*/ 6742 h 21600"/>
+                <a:gd name="T18" fmla="*/ 16177 w 21600"/>
+                <a:gd name="T19" fmla="*/ 20441 h 21600"/>
+              </a:gdLst>
+              <a:ahLst/>
+              <a:cxnLst>
+                <a:cxn ang="0">
+                  <a:pos x="T0" y="T1"/>
+                </a:cxn>
+                <a:cxn ang="0">
+                  <a:pos x="T2" y="T3"/>
+                </a:cxn>
+                <a:cxn ang="0">
+                  <a:pos x="T4" y="T5"/>
+                </a:cxn>
+                <a:cxn ang="0">
+                  <a:pos x="T6" y="T7"/>
+                </a:cxn>
+                <a:cxn ang="0">
+                  <a:pos x="T8" y="T9"/>
+                </a:cxn>
+                <a:cxn ang="0">
+                  <a:pos x="T10" y="T11"/>
+                </a:cxn>
+                <a:cxn ang="0">
+                  <a:pos x="T12" y="T13"/>
+                </a:cxn>
+                <a:cxn ang="0">
+                  <a:pos x="T14" y="T15"/>
+                </a:cxn>
+              </a:cxnLst>
+              <a:rect l="T16" t="T17" r="T18" b="T19"/>
+              <a:pathLst>
+                <a:path w="21600" h="21600">
+                  <a:moveTo>
+                    <a:pt x="4247" y="12354"/>
+                  </a:moveTo>
+                  <a:lnTo>
+                    <a:pt x="4134" y="12468"/>
+                  </a:lnTo>
+                  <a:lnTo>
+                    <a:pt x="4010" y="12581"/>
+                  </a:lnTo>
+                  <a:lnTo>
+                    <a:pt x="3897" y="12637"/>
+                  </a:lnTo>
+                  <a:lnTo>
+                    <a:pt x="3773" y="12694"/>
+                  </a:lnTo>
+                  <a:lnTo>
+                    <a:pt x="3637" y="12694"/>
+                  </a:lnTo>
+                  <a:lnTo>
+                    <a:pt x="3524" y="12694"/>
+                  </a:lnTo>
+                  <a:lnTo>
+                    <a:pt x="3400" y="12665"/>
+                  </a:lnTo>
+                  <a:lnTo>
+                    <a:pt x="3287" y="12609"/>
+                  </a:lnTo>
+                  <a:lnTo>
+                    <a:pt x="3027" y="12496"/>
+                  </a:lnTo>
+                  <a:lnTo>
+                    <a:pt x="2790" y="12340"/>
+                  </a:lnTo>
+                  <a:lnTo>
+                    <a:pt x="2530" y="12142"/>
+                  </a:lnTo>
+                  <a:lnTo>
+                    <a:pt x="2293" y="11987"/>
+                  </a:lnTo>
+                  <a:lnTo>
+                    <a:pt x="2033" y="11817"/>
+                  </a:lnTo>
+                  <a:lnTo>
+                    <a:pt x="1773" y="11676"/>
+                  </a:lnTo>
+                  <a:lnTo>
+                    <a:pt x="1638" y="11662"/>
+                  </a:lnTo>
+                  <a:lnTo>
+                    <a:pt x="1513" y="11634"/>
+                  </a:lnTo>
+                  <a:lnTo>
+                    <a:pt x="1378" y="11634"/>
+                  </a:lnTo>
+                  <a:lnTo>
+                    <a:pt x="1253" y="11634"/>
+                  </a:lnTo>
+                  <a:lnTo>
+                    <a:pt x="1118" y="11662"/>
+                  </a:lnTo>
+                  <a:lnTo>
+                    <a:pt x="971" y="11732"/>
+                  </a:lnTo>
+                  <a:lnTo>
+                    <a:pt x="835" y="11817"/>
+                  </a:lnTo>
+                  <a:lnTo>
+                    <a:pt x="711" y="11959"/>
+                  </a:lnTo>
+                  <a:lnTo>
+                    <a:pt x="553" y="12086"/>
+                  </a:lnTo>
+                  <a:lnTo>
+                    <a:pt x="429" y="12284"/>
+                  </a:lnTo>
+                  <a:lnTo>
+                    <a:pt x="271" y="12524"/>
+                  </a:lnTo>
+                  <a:lnTo>
+                    <a:pt x="146" y="12793"/>
+                  </a:lnTo>
+                  <a:lnTo>
+                    <a:pt x="79" y="12962"/>
+                  </a:lnTo>
+                  <a:lnTo>
+                    <a:pt x="33" y="13146"/>
+                  </a:lnTo>
+                  <a:lnTo>
+                    <a:pt x="11" y="13386"/>
+                  </a:lnTo>
+                  <a:lnTo>
+                    <a:pt x="11" y="13641"/>
+                  </a:lnTo>
+                  <a:lnTo>
+                    <a:pt x="33" y="13881"/>
+                  </a:lnTo>
+                  <a:lnTo>
+                    <a:pt x="101" y="14150"/>
+                  </a:lnTo>
+                  <a:lnTo>
+                    <a:pt x="192" y="14404"/>
+                  </a:lnTo>
+                  <a:lnTo>
+                    <a:pt x="293" y="14645"/>
+                  </a:lnTo>
+                  <a:lnTo>
+                    <a:pt x="451" y="14857"/>
+                  </a:lnTo>
+                  <a:lnTo>
+                    <a:pt x="621" y="15054"/>
+                  </a:lnTo>
+                  <a:lnTo>
+                    <a:pt x="734" y="15125"/>
+                  </a:lnTo>
+                  <a:lnTo>
+                    <a:pt x="835" y="15210"/>
+                  </a:lnTo>
+                  <a:lnTo>
+                    <a:pt x="948" y="15267"/>
+                  </a:lnTo>
+                  <a:lnTo>
+                    <a:pt x="1084" y="15323"/>
+                  </a:lnTo>
+                  <a:lnTo>
+                    <a:pt x="1208" y="15351"/>
+                  </a:lnTo>
+                  <a:lnTo>
+                    <a:pt x="1355" y="15380"/>
+                  </a:lnTo>
+                  <a:lnTo>
+                    <a:pt x="1513" y="15380"/>
+                  </a:lnTo>
+                  <a:lnTo>
+                    <a:pt x="1683" y="15380"/>
+                  </a:lnTo>
+                  <a:lnTo>
+                    <a:pt x="1864" y="15351"/>
+                  </a:lnTo>
+                  <a:lnTo>
+                    <a:pt x="2033" y="15323"/>
+                  </a:lnTo>
+                  <a:lnTo>
+                    <a:pt x="2225" y="15238"/>
+                  </a:lnTo>
+                  <a:lnTo>
+                    <a:pt x="2428" y="15153"/>
+                  </a:lnTo>
+                  <a:lnTo>
+                    <a:pt x="2745" y="15026"/>
+                  </a:lnTo>
+                  <a:lnTo>
+                    <a:pt x="3005" y="14913"/>
+                  </a:lnTo>
+                  <a:lnTo>
+                    <a:pt x="3264" y="14828"/>
+                  </a:lnTo>
+                  <a:lnTo>
+                    <a:pt x="3513" y="14800"/>
+                  </a:lnTo>
+                  <a:lnTo>
+                    <a:pt x="3615" y="14828"/>
+                  </a:lnTo>
+                  <a:lnTo>
+                    <a:pt x="3728" y="14857"/>
+                  </a:lnTo>
+                  <a:lnTo>
+                    <a:pt x="3807" y="14913"/>
+                  </a:lnTo>
+                  <a:lnTo>
+                    <a:pt x="3920" y="14998"/>
+                  </a:lnTo>
+                  <a:lnTo>
+                    <a:pt x="4010" y="15097"/>
+                  </a:lnTo>
+                  <a:lnTo>
+                    <a:pt x="4089" y="15238"/>
+                  </a:lnTo>
+                  <a:lnTo>
+                    <a:pt x="4179" y="15408"/>
+                  </a:lnTo>
+                  <a:lnTo>
+                    <a:pt x="4247" y="15620"/>
+                  </a:lnTo>
+                  <a:lnTo>
+                    <a:pt x="4326" y="15860"/>
+                  </a:lnTo>
+                  <a:lnTo>
+                    <a:pt x="4394" y="16129"/>
+                  </a:lnTo>
+                  <a:lnTo>
+                    <a:pt x="4439" y="16440"/>
+                  </a:lnTo>
+                  <a:lnTo>
+                    <a:pt x="4507" y="16737"/>
+                  </a:lnTo>
+                  <a:lnTo>
+                    <a:pt x="4552" y="17090"/>
+                  </a:lnTo>
+                  <a:lnTo>
+                    <a:pt x="4575" y="17443"/>
+                  </a:lnTo>
+                  <a:lnTo>
+                    <a:pt x="4586" y="17825"/>
+                  </a:lnTo>
+                  <a:lnTo>
+                    <a:pt x="4586" y="18193"/>
+                  </a:lnTo>
+                  <a:lnTo>
+                    <a:pt x="4586" y="18574"/>
+                  </a:lnTo>
+                  <a:lnTo>
+                    <a:pt x="4586" y="18984"/>
+                  </a:lnTo>
+                  <a:lnTo>
+                    <a:pt x="4552" y="19366"/>
+                  </a:lnTo>
+                  <a:lnTo>
+                    <a:pt x="4507" y="19748"/>
+                  </a:lnTo>
+                  <a:lnTo>
+                    <a:pt x="4462" y="20129"/>
+                  </a:lnTo>
+                  <a:lnTo>
+                    <a:pt x="4371" y="20483"/>
+                  </a:lnTo>
+                  <a:lnTo>
+                    <a:pt x="4292" y="20836"/>
+                  </a:lnTo>
+                  <a:lnTo>
+                    <a:pt x="4202" y="21161"/>
+                  </a:lnTo>
+                  <a:lnTo>
+                    <a:pt x="4744" y="21161"/>
+                  </a:lnTo>
+                  <a:lnTo>
+                    <a:pt x="5264" y="21161"/>
+                  </a:lnTo>
+                  <a:lnTo>
+                    <a:pt x="5784" y="21161"/>
+                  </a:lnTo>
+                  <a:lnTo>
+                    <a:pt x="6235" y="21161"/>
+                  </a:lnTo>
+                  <a:lnTo>
+                    <a:pt x="6676" y="21161"/>
+                  </a:lnTo>
+                  <a:lnTo>
+                    <a:pt x="7060" y="21161"/>
+                  </a:lnTo>
+                  <a:lnTo>
+                    <a:pt x="7410" y="21161"/>
+                  </a:lnTo>
+                  <a:lnTo>
+                    <a:pt x="7670" y="21161"/>
+                  </a:lnTo>
+                  <a:lnTo>
+                    <a:pt x="8020" y="21020"/>
+                  </a:lnTo>
+                  <a:lnTo>
+                    <a:pt x="8303" y="20893"/>
+                  </a:lnTo>
+                  <a:lnTo>
+                    <a:pt x="8563" y="20695"/>
+                  </a:lnTo>
+                  <a:lnTo>
+                    <a:pt x="8800" y="20511"/>
+                  </a:lnTo>
+                  <a:lnTo>
+                    <a:pt x="8969" y="20285"/>
+                  </a:lnTo>
+                  <a:lnTo>
+                    <a:pt x="9150" y="20045"/>
+                  </a:lnTo>
+                  <a:lnTo>
+                    <a:pt x="9252" y="19804"/>
+                  </a:lnTo>
+                  <a:lnTo>
+                    <a:pt x="9342" y="19550"/>
+                  </a:lnTo>
+                  <a:lnTo>
+                    <a:pt x="9410" y="19281"/>
+                  </a:lnTo>
+                  <a:lnTo>
+                    <a:pt x="9433" y="19013"/>
+                  </a:lnTo>
+                  <a:lnTo>
+                    <a:pt x="9433" y="18744"/>
+                  </a:lnTo>
+                  <a:lnTo>
+                    <a:pt x="9387" y="18504"/>
+                  </a:lnTo>
+                  <a:lnTo>
+                    <a:pt x="9320" y="18221"/>
+                  </a:lnTo>
+                  <a:lnTo>
+                    <a:pt x="9207" y="17981"/>
+                  </a:lnTo>
+                  <a:lnTo>
+                    <a:pt x="9105" y="17740"/>
+                  </a:lnTo>
+                  <a:lnTo>
+                    <a:pt x="8924" y="17514"/>
+                  </a:lnTo>
+                  <a:lnTo>
+                    <a:pt x="8777" y="17274"/>
+                  </a:lnTo>
+                  <a:lnTo>
+                    <a:pt x="8642" y="17034"/>
+                  </a:lnTo>
+                  <a:lnTo>
+                    <a:pt x="8563" y="16765"/>
+                  </a:lnTo>
+                  <a:lnTo>
+                    <a:pt x="8472" y="16468"/>
+                  </a:lnTo>
+                  <a:lnTo>
+                    <a:pt x="8450" y="16157"/>
+                  </a:lnTo>
+                  <a:lnTo>
+                    <a:pt x="8450" y="15860"/>
+                  </a:lnTo>
+                  <a:lnTo>
+                    <a:pt x="8472" y="15563"/>
+                  </a:lnTo>
+                  <a:lnTo>
+                    <a:pt x="8540" y="15267"/>
+                  </a:lnTo>
+                  <a:lnTo>
+                    <a:pt x="8642" y="14998"/>
+                  </a:lnTo>
+                  <a:lnTo>
+                    <a:pt x="8777" y="14729"/>
+                  </a:lnTo>
+                  <a:lnTo>
+                    <a:pt x="8868" y="14616"/>
+                  </a:lnTo>
+                  <a:lnTo>
+                    <a:pt x="8969" y="14475"/>
+                  </a:lnTo>
+                  <a:lnTo>
+                    <a:pt x="9060" y="14376"/>
+                  </a:lnTo>
+                  <a:lnTo>
+                    <a:pt x="9184" y="14291"/>
+                  </a:lnTo>
+                  <a:lnTo>
+                    <a:pt x="9297" y="14206"/>
+                  </a:lnTo>
+                  <a:lnTo>
+                    <a:pt x="9433" y="14121"/>
+                  </a:lnTo>
+                  <a:lnTo>
+                    <a:pt x="9579" y="14051"/>
+                  </a:lnTo>
+                  <a:lnTo>
+                    <a:pt x="9726" y="13994"/>
+                  </a:lnTo>
+                  <a:lnTo>
+                    <a:pt x="9884" y="13938"/>
+                  </a:lnTo>
+                  <a:lnTo>
+                    <a:pt x="10054" y="13909"/>
+                  </a:lnTo>
+                  <a:lnTo>
+                    <a:pt x="10257" y="13881"/>
+                  </a:lnTo>
+                  <a:lnTo>
+                    <a:pt x="10449" y="13881"/>
+                  </a:lnTo>
+                  <a:lnTo>
+                    <a:pt x="10664" y="13881"/>
+                  </a:lnTo>
+                  <a:lnTo>
+                    <a:pt x="10856" y="13909"/>
+                  </a:lnTo>
+                  <a:lnTo>
+                    <a:pt x="11037" y="13966"/>
+                  </a:lnTo>
+                  <a:lnTo>
+                    <a:pt x="11206" y="14023"/>
+                  </a:lnTo>
+                  <a:lnTo>
+                    <a:pt x="11353" y="14093"/>
+                  </a:lnTo>
+                  <a:lnTo>
+                    <a:pt x="11511" y="14178"/>
+                  </a:lnTo>
+                  <a:lnTo>
+                    <a:pt x="11635" y="14263"/>
+                  </a:lnTo>
+                  <a:lnTo>
+                    <a:pt x="11748" y="14376"/>
+                  </a:lnTo>
+                  <a:lnTo>
+                    <a:pt x="11861" y="14475"/>
+                  </a:lnTo>
+                  <a:lnTo>
+                    <a:pt x="11941" y="14616"/>
+                  </a:lnTo>
+                  <a:lnTo>
+                    <a:pt x="12031" y="14758"/>
+                  </a:lnTo>
+                  <a:lnTo>
+                    <a:pt x="12099" y="14885"/>
+                  </a:lnTo>
+                  <a:lnTo>
+                    <a:pt x="12200" y="15210"/>
+                  </a:lnTo>
+                  <a:lnTo>
+                    <a:pt x="12268" y="15507"/>
+                  </a:lnTo>
+                  <a:lnTo>
+                    <a:pt x="12291" y="15832"/>
+                  </a:lnTo>
+                  <a:lnTo>
+                    <a:pt x="12291" y="16157"/>
+                  </a:lnTo>
+                  <a:lnTo>
+                    <a:pt x="12246" y="16482"/>
+                  </a:lnTo>
+                  <a:lnTo>
+                    <a:pt x="12178" y="16807"/>
+                  </a:lnTo>
+                  <a:lnTo>
+                    <a:pt x="12099" y="17090"/>
+                  </a:lnTo>
+                  <a:lnTo>
+                    <a:pt x="12008" y="17330"/>
+                  </a:lnTo>
+                  <a:lnTo>
+                    <a:pt x="11884" y="17542"/>
+                  </a:lnTo>
+                  <a:lnTo>
+                    <a:pt x="11748" y="17712"/>
+                  </a:lnTo>
+                  <a:lnTo>
+                    <a:pt x="11613" y="17839"/>
+                  </a:lnTo>
+                  <a:lnTo>
+                    <a:pt x="11489" y="18037"/>
+                  </a:lnTo>
+                  <a:lnTo>
+                    <a:pt x="11398" y="18221"/>
+                  </a:lnTo>
+                  <a:lnTo>
+                    <a:pt x="11319" y="18447"/>
+                  </a:lnTo>
+                  <a:lnTo>
+                    <a:pt x="11251" y="18659"/>
+                  </a:lnTo>
+                  <a:lnTo>
+                    <a:pt x="11206" y="18900"/>
+                  </a:lnTo>
+                  <a:lnTo>
+                    <a:pt x="11184" y="19154"/>
+                  </a:lnTo>
+                  <a:lnTo>
+                    <a:pt x="11184" y="19423"/>
+                  </a:lnTo>
+                  <a:lnTo>
+                    <a:pt x="11229" y="19663"/>
+                  </a:lnTo>
+                  <a:lnTo>
+                    <a:pt x="11297" y="19903"/>
+                  </a:lnTo>
+                  <a:lnTo>
+                    <a:pt x="11376" y="20158"/>
+                  </a:lnTo>
+                  <a:lnTo>
+                    <a:pt x="11511" y="20398"/>
+                  </a:lnTo>
+                  <a:lnTo>
+                    <a:pt x="11681" y="20610"/>
+                  </a:lnTo>
+                  <a:lnTo>
+                    <a:pt x="11884" y="20808"/>
+                  </a:lnTo>
+                  <a:lnTo>
+                    <a:pt x="12121" y="20992"/>
+                  </a:lnTo>
+                  <a:lnTo>
+                    <a:pt x="12404" y="21161"/>
+                  </a:lnTo>
+                  <a:lnTo>
+                    <a:pt x="12528" y="21190"/>
+                  </a:lnTo>
+                  <a:lnTo>
+                    <a:pt x="12856" y="21274"/>
+                  </a:lnTo>
+                  <a:lnTo>
+                    <a:pt x="13330" y="21373"/>
+                  </a:lnTo>
+                  <a:lnTo>
+                    <a:pt x="13963" y="21486"/>
+                  </a:lnTo>
+                  <a:lnTo>
+                    <a:pt x="14313" y="21543"/>
+                  </a:lnTo>
+                  <a:lnTo>
+                    <a:pt x="14652" y="21571"/>
+                  </a:lnTo>
+                  <a:lnTo>
+                    <a:pt x="15025" y="21600"/>
+                  </a:lnTo>
+                  <a:lnTo>
+                    <a:pt x="15409" y="21600"/>
+                  </a:lnTo>
+                  <a:lnTo>
+                    <a:pt x="15782" y="21600"/>
+                  </a:lnTo>
+                  <a:lnTo>
+                    <a:pt x="16177" y="21571"/>
+                  </a:lnTo>
+                  <a:lnTo>
+                    <a:pt x="16516" y="21486"/>
+                  </a:lnTo>
+                  <a:lnTo>
+                    <a:pt x="16889" y="21402"/>
+                  </a:lnTo>
+                  <a:lnTo>
+                    <a:pt x="16821" y="21190"/>
+                  </a:lnTo>
+                  <a:lnTo>
+                    <a:pt x="16776" y="20935"/>
+                  </a:lnTo>
+                  <a:lnTo>
+                    <a:pt x="16742" y="20667"/>
+                  </a:lnTo>
+                  <a:lnTo>
+                    <a:pt x="16719" y="20370"/>
+                  </a:lnTo>
+                  <a:lnTo>
+                    <a:pt x="16697" y="19719"/>
+                  </a:lnTo>
+                  <a:lnTo>
+                    <a:pt x="16697" y="19013"/>
+                  </a:lnTo>
+                  <a:lnTo>
+                    <a:pt x="16719" y="18306"/>
+                  </a:lnTo>
+                  <a:lnTo>
+                    <a:pt x="16753" y="17599"/>
+                  </a:lnTo>
+                  <a:lnTo>
+                    <a:pt x="16821" y="16949"/>
+                  </a:lnTo>
+                  <a:lnTo>
+                    <a:pt x="16889" y="16383"/>
+                  </a:lnTo>
+                  <a:lnTo>
+                    <a:pt x="16934" y="16129"/>
+                  </a:lnTo>
+                  <a:lnTo>
+                    <a:pt x="17002" y="15945"/>
+                  </a:lnTo>
+                  <a:lnTo>
+                    <a:pt x="17081" y="15790"/>
+                  </a:lnTo>
+                  <a:lnTo>
+                    <a:pt x="17194" y="15648"/>
+                  </a:lnTo>
+                  <a:lnTo>
+                    <a:pt x="17318" y="15563"/>
+                  </a:lnTo>
+                  <a:lnTo>
+                    <a:pt x="17453" y="15507"/>
+                  </a:lnTo>
+                  <a:lnTo>
+                    <a:pt x="17600" y="15450"/>
+                  </a:lnTo>
+                  <a:lnTo>
+                    <a:pt x="17758" y="15450"/>
+                  </a:lnTo>
+                  <a:lnTo>
+                    <a:pt x="17905" y="15479"/>
+                  </a:lnTo>
+                  <a:lnTo>
+                    <a:pt x="18064" y="15535"/>
+                  </a:lnTo>
+                  <a:lnTo>
+                    <a:pt x="18233" y="15620"/>
+                  </a:lnTo>
+                  <a:lnTo>
+                    <a:pt x="18380" y="15733"/>
+                  </a:lnTo>
+                  <a:lnTo>
+                    <a:pt x="18561" y="15832"/>
+                  </a:lnTo>
+                  <a:lnTo>
+                    <a:pt x="18707" y="15973"/>
+                  </a:lnTo>
+                  <a:lnTo>
+                    <a:pt x="18866" y="16129"/>
+                  </a:lnTo>
+                  <a:lnTo>
+                    <a:pt x="18990" y="16327"/>
+                  </a:lnTo>
+                  <a:lnTo>
+                    <a:pt x="19125" y="16482"/>
+                  </a:lnTo>
+                  <a:lnTo>
+                    <a:pt x="19295" y="16624"/>
+                  </a:lnTo>
+                  <a:lnTo>
+                    <a:pt x="19464" y="16737"/>
+                  </a:lnTo>
+                  <a:lnTo>
+                    <a:pt x="19668" y="16807"/>
+                  </a:lnTo>
+                  <a:lnTo>
+                    <a:pt x="19860" y="16836"/>
+                  </a:lnTo>
+                  <a:lnTo>
+                    <a:pt x="20052" y="16864"/>
+                  </a:lnTo>
+                  <a:lnTo>
+                    <a:pt x="20266" y="16836"/>
+                  </a:lnTo>
+                  <a:lnTo>
+                    <a:pt x="20470" y="16793"/>
+                  </a:lnTo>
+                  <a:lnTo>
+                    <a:pt x="20662" y="16708"/>
+                  </a:lnTo>
+                  <a:lnTo>
+                    <a:pt x="20854" y="16567"/>
+                  </a:lnTo>
+                  <a:lnTo>
+                    <a:pt x="21035" y="16412"/>
+                  </a:lnTo>
+                  <a:lnTo>
+                    <a:pt x="21182" y="16214"/>
+                  </a:lnTo>
+                  <a:lnTo>
+                    <a:pt x="21340" y="16002"/>
+                  </a:lnTo>
+                  <a:lnTo>
+                    <a:pt x="21441" y="15733"/>
+                  </a:lnTo>
+                  <a:lnTo>
+                    <a:pt x="21532" y="15436"/>
+                  </a:lnTo>
+                  <a:lnTo>
+                    <a:pt x="21600" y="15083"/>
+                  </a:lnTo>
+                  <a:lnTo>
+                    <a:pt x="21600" y="14885"/>
+                  </a:lnTo>
+                  <a:lnTo>
+                    <a:pt x="21600" y="14729"/>
+                  </a:lnTo>
+                  <a:lnTo>
+                    <a:pt x="21600" y="14531"/>
+                  </a:lnTo>
+                  <a:lnTo>
+                    <a:pt x="21577" y="14376"/>
+                  </a:lnTo>
+                  <a:lnTo>
+                    <a:pt x="21532" y="14206"/>
+                  </a:lnTo>
+                  <a:lnTo>
+                    <a:pt x="21487" y="14051"/>
+                  </a:lnTo>
+                  <a:lnTo>
+                    <a:pt x="21419" y="13909"/>
+                  </a:lnTo>
+                  <a:lnTo>
+                    <a:pt x="21351" y="13768"/>
+                  </a:lnTo>
+                  <a:lnTo>
+                    <a:pt x="21204" y="13500"/>
+                  </a:lnTo>
+                  <a:lnTo>
+                    <a:pt x="21035" y="13287"/>
+                  </a:lnTo>
+                  <a:lnTo>
+                    <a:pt x="20809" y="13090"/>
+                  </a:lnTo>
+                  <a:lnTo>
+                    <a:pt x="20594" y="12962"/>
+                  </a:lnTo>
+                  <a:lnTo>
+                    <a:pt x="20357" y="12821"/>
+                  </a:lnTo>
+                  <a:lnTo>
+                    <a:pt x="20120" y="12764"/>
+                  </a:lnTo>
+                  <a:lnTo>
+                    <a:pt x="19882" y="12708"/>
+                  </a:lnTo>
+                  <a:lnTo>
+                    <a:pt x="19645" y="12736"/>
+                  </a:lnTo>
+                  <a:lnTo>
+                    <a:pt x="19430" y="12793"/>
+                  </a:lnTo>
+                  <a:lnTo>
+                    <a:pt x="19227" y="12906"/>
+                  </a:lnTo>
+                  <a:lnTo>
+                    <a:pt x="19148" y="12962"/>
+                  </a:lnTo>
+                  <a:lnTo>
+                    <a:pt x="19058" y="13047"/>
+                  </a:lnTo>
+                  <a:lnTo>
+                    <a:pt x="18990" y="13146"/>
+                  </a:lnTo>
+                  <a:lnTo>
+                    <a:pt x="18911" y="13259"/>
+                  </a:lnTo>
+                  <a:lnTo>
+                    <a:pt x="18775" y="13471"/>
+                  </a:lnTo>
+                  <a:lnTo>
+                    <a:pt x="18628" y="13641"/>
+                  </a:lnTo>
+                  <a:lnTo>
+                    <a:pt x="18470" y="13740"/>
+                  </a:lnTo>
+                  <a:lnTo>
+                    <a:pt x="18301" y="13825"/>
+                  </a:lnTo>
+                  <a:lnTo>
+                    <a:pt x="18143" y="13853"/>
+                  </a:lnTo>
+                  <a:lnTo>
+                    <a:pt x="17973" y="13881"/>
+                  </a:lnTo>
+                  <a:lnTo>
+                    <a:pt x="17804" y="13853"/>
+                  </a:lnTo>
+                  <a:lnTo>
+                    <a:pt x="17646" y="13796"/>
+                  </a:lnTo>
+                  <a:lnTo>
+                    <a:pt x="17499" y="13726"/>
+                  </a:lnTo>
+                  <a:lnTo>
+                    <a:pt x="17341" y="13641"/>
+                  </a:lnTo>
+                  <a:lnTo>
+                    <a:pt x="17216" y="13528"/>
+                  </a:lnTo>
+                  <a:lnTo>
+                    <a:pt x="17103" y="13386"/>
+                  </a:lnTo>
+                  <a:lnTo>
+                    <a:pt x="17024" y="13259"/>
+                  </a:lnTo>
+                  <a:lnTo>
+                    <a:pt x="16934" y="13118"/>
+                  </a:lnTo>
+                  <a:lnTo>
+                    <a:pt x="16889" y="12991"/>
+                  </a:lnTo>
+                  <a:lnTo>
+                    <a:pt x="16889" y="12849"/>
+                  </a:lnTo>
+                  <a:lnTo>
+                    <a:pt x="16889" y="12383"/>
+                  </a:lnTo>
+                  <a:lnTo>
+                    <a:pt x="16889" y="11662"/>
+                  </a:lnTo>
+                  <a:lnTo>
+                    <a:pt x="16889" y="10701"/>
+                  </a:lnTo>
+                  <a:lnTo>
+                    <a:pt x="16889" y="9640"/>
+                  </a:lnTo>
+                  <a:lnTo>
+                    <a:pt x="16889" y="8566"/>
+                  </a:lnTo>
+                  <a:lnTo>
+                    <a:pt x="16889" y="7478"/>
+                  </a:lnTo>
+                  <a:lnTo>
+                    <a:pt x="16889" y="6502"/>
+                  </a:lnTo>
+                  <a:lnTo>
+                    <a:pt x="16889" y="5739"/>
+                  </a:lnTo>
+                  <a:lnTo>
+                    <a:pt x="16674" y="5894"/>
+                  </a:lnTo>
+                  <a:lnTo>
+                    <a:pt x="16414" y="6036"/>
+                  </a:lnTo>
+                  <a:lnTo>
+                    <a:pt x="16154" y="6177"/>
+                  </a:lnTo>
+                  <a:lnTo>
+                    <a:pt x="15849" y="6248"/>
+                  </a:lnTo>
+                  <a:lnTo>
+                    <a:pt x="15544" y="6304"/>
+                  </a:lnTo>
+                  <a:lnTo>
+                    <a:pt x="15217" y="6332"/>
+                  </a:lnTo>
+                  <a:lnTo>
+                    <a:pt x="14866" y="6361"/>
+                  </a:lnTo>
+                  <a:lnTo>
+                    <a:pt x="14550" y="6361"/>
+                  </a:lnTo>
+                  <a:lnTo>
+                    <a:pt x="14200" y="6332"/>
+                  </a:lnTo>
+                  <a:lnTo>
+                    <a:pt x="13850" y="6276"/>
+                  </a:lnTo>
+                  <a:lnTo>
+                    <a:pt x="13522" y="6219"/>
+                  </a:lnTo>
+                  <a:lnTo>
+                    <a:pt x="13206" y="6149"/>
+                  </a:lnTo>
+                  <a:lnTo>
+                    <a:pt x="12901" y="6064"/>
+                  </a:lnTo>
+                  <a:lnTo>
+                    <a:pt x="12618" y="5951"/>
+                  </a:lnTo>
+                  <a:lnTo>
+                    <a:pt x="12358" y="5838"/>
+                  </a:lnTo>
+                  <a:lnTo>
+                    <a:pt x="12121" y="5739"/>
+                  </a:lnTo>
+                  <a:lnTo>
+                    <a:pt x="11941" y="5626"/>
+                  </a:lnTo>
+                  <a:lnTo>
+                    <a:pt x="11794" y="5513"/>
+                  </a:lnTo>
+                  <a:lnTo>
+                    <a:pt x="11658" y="5414"/>
+                  </a:lnTo>
+                  <a:lnTo>
+                    <a:pt x="11556" y="5301"/>
+                  </a:lnTo>
+                  <a:lnTo>
+                    <a:pt x="11466" y="5187"/>
+                  </a:lnTo>
+                  <a:lnTo>
+                    <a:pt x="11398" y="5089"/>
+                  </a:lnTo>
+                  <a:lnTo>
+                    <a:pt x="11376" y="4947"/>
+                  </a:lnTo>
+                  <a:lnTo>
+                    <a:pt x="11353" y="4834"/>
+                  </a:lnTo>
+                  <a:lnTo>
+                    <a:pt x="11353" y="4707"/>
+                  </a:lnTo>
+                  <a:lnTo>
+                    <a:pt x="11376" y="4565"/>
+                  </a:lnTo>
+                  <a:lnTo>
+                    <a:pt x="11443" y="4410"/>
+                  </a:lnTo>
+                  <a:lnTo>
+                    <a:pt x="11511" y="4240"/>
+                  </a:lnTo>
+                  <a:lnTo>
+                    <a:pt x="11703" y="3887"/>
+                  </a:lnTo>
+                  <a:lnTo>
+                    <a:pt x="11986" y="3505"/>
+                  </a:lnTo>
+                  <a:lnTo>
+                    <a:pt x="12144" y="3265"/>
+                  </a:lnTo>
+                  <a:lnTo>
+                    <a:pt x="12246" y="3025"/>
+                  </a:lnTo>
+                  <a:lnTo>
+                    <a:pt x="12336" y="2756"/>
+                  </a:lnTo>
+                  <a:lnTo>
+                    <a:pt x="12404" y="2445"/>
+                  </a:lnTo>
+                  <a:lnTo>
+                    <a:pt x="12438" y="2176"/>
+                  </a:lnTo>
+                  <a:lnTo>
+                    <a:pt x="12438" y="1880"/>
+                  </a:lnTo>
+                  <a:lnTo>
+                    <a:pt x="12404" y="1583"/>
+                  </a:lnTo>
+                  <a:lnTo>
+                    <a:pt x="12336" y="1314"/>
+                  </a:lnTo>
+                  <a:lnTo>
+                    <a:pt x="12246" y="1046"/>
+                  </a:lnTo>
+                  <a:lnTo>
+                    <a:pt x="12099" y="791"/>
+                  </a:lnTo>
+                  <a:lnTo>
+                    <a:pt x="12008" y="692"/>
+                  </a:lnTo>
+                  <a:lnTo>
+                    <a:pt x="11918" y="579"/>
+                  </a:lnTo>
+                  <a:lnTo>
+                    <a:pt x="11816" y="466"/>
+                  </a:lnTo>
+                  <a:lnTo>
+                    <a:pt x="11703" y="381"/>
+                  </a:lnTo>
+                  <a:lnTo>
+                    <a:pt x="11579" y="310"/>
+                  </a:lnTo>
+                  <a:lnTo>
+                    <a:pt x="11443" y="226"/>
+                  </a:lnTo>
+                  <a:lnTo>
+                    <a:pt x="11297" y="169"/>
+                  </a:lnTo>
+                  <a:lnTo>
+                    <a:pt x="11138" y="113"/>
+                  </a:lnTo>
+                  <a:lnTo>
+                    <a:pt x="10969" y="56"/>
+                  </a:lnTo>
+                  <a:lnTo>
+                    <a:pt x="10800" y="28"/>
+                  </a:lnTo>
+                  <a:lnTo>
+                    <a:pt x="10619" y="28"/>
+                  </a:lnTo>
+                  <a:lnTo>
+                    <a:pt x="10404" y="28"/>
+                  </a:lnTo>
+                  <a:lnTo>
+                    <a:pt x="10257" y="28"/>
+                  </a:lnTo>
+                  <a:lnTo>
+                    <a:pt x="10076" y="56"/>
+                  </a:lnTo>
+                  <a:lnTo>
+                    <a:pt x="9952" y="84"/>
+                  </a:lnTo>
+                  <a:lnTo>
+                    <a:pt x="9794" y="141"/>
+                  </a:lnTo>
+                  <a:lnTo>
+                    <a:pt x="9692" y="226"/>
+                  </a:lnTo>
+                  <a:lnTo>
+                    <a:pt x="9557" y="282"/>
+                  </a:lnTo>
+                  <a:lnTo>
+                    <a:pt x="9455" y="381"/>
+                  </a:lnTo>
+                  <a:lnTo>
+                    <a:pt x="9365" y="466"/>
+                  </a:lnTo>
+                  <a:lnTo>
+                    <a:pt x="9274" y="579"/>
+                  </a:lnTo>
+                  <a:lnTo>
+                    <a:pt x="9184" y="692"/>
+                  </a:lnTo>
+                  <a:lnTo>
+                    <a:pt x="9128" y="791"/>
+                  </a:lnTo>
+                  <a:lnTo>
+                    <a:pt x="9060" y="932"/>
+                  </a:lnTo>
+                  <a:lnTo>
+                    <a:pt x="8969" y="1201"/>
+                  </a:lnTo>
+                  <a:lnTo>
+                    <a:pt x="8913" y="1498"/>
+                  </a:lnTo>
+                  <a:lnTo>
+                    <a:pt x="8890" y="1795"/>
+                  </a:lnTo>
+                  <a:lnTo>
+                    <a:pt x="8890" y="2120"/>
+                  </a:lnTo>
+                  <a:lnTo>
+                    <a:pt x="8913" y="2445"/>
+                  </a:lnTo>
+                  <a:lnTo>
+                    <a:pt x="8969" y="2756"/>
+                  </a:lnTo>
+                  <a:lnTo>
+                    <a:pt x="9060" y="3081"/>
+                  </a:lnTo>
+                  <a:lnTo>
+                    <a:pt x="9173" y="3378"/>
+                  </a:lnTo>
+                  <a:lnTo>
+                    <a:pt x="9297" y="3647"/>
+                  </a:lnTo>
+                  <a:lnTo>
+                    <a:pt x="9466" y="3887"/>
+                  </a:lnTo>
+                  <a:lnTo>
+                    <a:pt x="9579" y="4085"/>
+                  </a:lnTo>
+                  <a:lnTo>
+                    <a:pt x="9670" y="4269"/>
+                  </a:lnTo>
+                  <a:lnTo>
+                    <a:pt x="9726" y="4467"/>
+                  </a:lnTo>
+                  <a:lnTo>
+                    <a:pt x="9771" y="4650"/>
+                  </a:lnTo>
+                  <a:lnTo>
+                    <a:pt x="9771" y="4834"/>
+                  </a:lnTo>
+                  <a:lnTo>
+                    <a:pt x="9749" y="5032"/>
+                  </a:lnTo>
+                  <a:lnTo>
+                    <a:pt x="9715" y="5216"/>
+                  </a:lnTo>
+                  <a:lnTo>
+                    <a:pt x="9625" y="5385"/>
+                  </a:lnTo>
+                  <a:lnTo>
+                    <a:pt x="9534" y="5513"/>
+                  </a:lnTo>
+                  <a:lnTo>
+                    <a:pt x="9410" y="5626"/>
+                  </a:lnTo>
+                  <a:lnTo>
+                    <a:pt x="9229" y="5710"/>
+                  </a:lnTo>
+                  <a:lnTo>
+                    <a:pt x="9060" y="5767"/>
+                  </a:lnTo>
+                  <a:lnTo>
+                    <a:pt x="8845" y="5767"/>
+                  </a:lnTo>
+                  <a:lnTo>
+                    <a:pt x="8585" y="5739"/>
+                  </a:lnTo>
+                  <a:lnTo>
+                    <a:pt x="8325" y="5654"/>
+                  </a:lnTo>
+                  <a:lnTo>
+                    <a:pt x="8020" y="5513"/>
+                  </a:lnTo>
+                  <a:lnTo>
+                    <a:pt x="7840" y="5442"/>
+                  </a:lnTo>
+                  <a:lnTo>
+                    <a:pt x="7648" y="5385"/>
+                  </a:lnTo>
+                  <a:lnTo>
+                    <a:pt x="7433" y="5329"/>
+                  </a:lnTo>
+                  <a:lnTo>
+                    <a:pt x="7241" y="5301"/>
+                  </a:lnTo>
+                  <a:lnTo>
+                    <a:pt x="6755" y="5301"/>
+                  </a:lnTo>
+                  <a:lnTo>
+                    <a:pt x="6281" y="5329"/>
+                  </a:lnTo>
+                  <a:lnTo>
+                    <a:pt x="5784" y="5385"/>
+                  </a:lnTo>
+                  <a:lnTo>
+                    <a:pt x="5264" y="5498"/>
+                  </a:lnTo>
+                  <a:lnTo>
+                    <a:pt x="4744" y="5597"/>
+                  </a:lnTo>
+                  <a:lnTo>
+                    <a:pt x="4247" y="5739"/>
+                  </a:lnTo>
+                  <a:lnTo>
+                    <a:pt x="4202" y="5894"/>
+                  </a:lnTo>
+                  <a:lnTo>
+                    <a:pt x="4202" y="6191"/>
+                  </a:lnTo>
+                  <a:lnTo>
+                    <a:pt x="4202" y="6545"/>
+                  </a:lnTo>
+                  <a:lnTo>
+                    <a:pt x="4225" y="6954"/>
+                  </a:lnTo>
+                  <a:lnTo>
+                    <a:pt x="4315" y="7930"/>
+                  </a:lnTo>
+                  <a:lnTo>
+                    <a:pt x="4394" y="9018"/>
+                  </a:lnTo>
+                  <a:lnTo>
+                    <a:pt x="4439" y="9570"/>
+                  </a:lnTo>
+                  <a:lnTo>
+                    <a:pt x="4462" y="10107"/>
+                  </a:lnTo>
+                  <a:lnTo>
+                    <a:pt x="4484" y="10630"/>
+                  </a:lnTo>
+                  <a:lnTo>
+                    <a:pt x="4507" y="11082"/>
+                  </a:lnTo>
+                  <a:lnTo>
+                    <a:pt x="4484" y="11520"/>
+                  </a:lnTo>
+                  <a:lnTo>
+                    <a:pt x="4439" y="11874"/>
+                  </a:lnTo>
+                  <a:lnTo>
+                    <a:pt x="4394" y="12029"/>
+                  </a:lnTo>
+                  <a:lnTo>
+                    <a:pt x="4349" y="12171"/>
+                  </a:lnTo>
+                  <a:lnTo>
+                    <a:pt x="4315" y="12284"/>
+                  </a:lnTo>
+                  <a:lnTo>
+                    <a:pt x="4247" y="12354"/>
+                  </a:lnTo>
+                  <a:close/>
+                </a:path>
+              </a:pathLst>
+            </a:custGeom>
+            <a:grpFill/>
+            <a:ln w="28575">
+              <a:solidFill>
+                <a:schemeClr val="tx1"/>
+              </a:solidFill>
+              <a:miter lim="800000"/>
+              <a:headEnd/>
+              <a:tailEnd/>
+            </a:ln>
+          </p:spPr>
+          <p:txBody>
+            <a:bodyPr vert="horz" wrap="square" lIns="91440" tIns="45720" rIns="91440" bIns="45720" numCol="1" anchor="t" anchorCtr="0" compatLnSpc="1">
+              <a:prstTxWarp prst="textNoShape">
+                <a:avLst/>
+              </a:prstTxWarp>
+            </a:bodyPr>
+            <a:lstStyle/>
+            <a:p>
+              <a:endParaRPr lang="en-IN"/>
+            </a:p>
+          </p:txBody>
+        </p:sp>
+        <p:sp>
+          <p:nvSpPr>
+            <p:cNvPr id="50" name="Puzzle4"/>
+            <p:cNvSpPr>
+              <a:spLocks noEditPoints="1" noChangeArrowheads="1"/>
+            </p:cNvSpPr>
+            <p:nvPr/>
+          </p:nvSpPr>
+          <p:spPr bwMode="auto">
+            <a:xfrm>
+              <a:off x="2192" y="1719"/>
+              <a:ext cx="1072" cy="1763"/>
+            </a:xfrm>
+            <a:custGeom>
+              <a:avLst/>
+              <a:gdLst>
+                <a:gd name="T0" fmla="*/ 8307 w 21600"/>
+                <a:gd name="T1" fmla="*/ 11593 h 21600"/>
+                <a:gd name="T2" fmla="*/ 453 w 21600"/>
+                <a:gd name="T3" fmla="*/ 16938 h 21600"/>
+                <a:gd name="T4" fmla="*/ 11500 w 21600"/>
+                <a:gd name="T5" fmla="*/ 21600 h 21600"/>
+                <a:gd name="T6" fmla="*/ 20920 w 21600"/>
+                <a:gd name="T7" fmla="*/ 16751 h 21600"/>
+                <a:gd name="T8" fmla="*/ 13972 w 21600"/>
+                <a:gd name="T9" fmla="*/ 10888 h 21600"/>
+                <a:gd name="T10" fmla="*/ 21033 w 21600"/>
+                <a:gd name="T11" fmla="*/ 4716 h 21600"/>
+                <a:gd name="T12" fmla="*/ 11102 w 21600"/>
+                <a:gd name="T13" fmla="*/ 11 h 21600"/>
+                <a:gd name="T14" fmla="*/ 453 w 21600"/>
+                <a:gd name="T15" fmla="*/ 4716 h 21600"/>
+                <a:gd name="T16" fmla="*/ 2076 w 21600"/>
+                <a:gd name="T17" fmla="*/ 5664 h 21600"/>
+                <a:gd name="T18" fmla="*/ 20203 w 21600"/>
+                <a:gd name="T19" fmla="*/ 15980 h 21600"/>
+              </a:gdLst>
+              <a:ahLst/>
+              <a:cxnLst>
+                <a:cxn ang="0">
+                  <a:pos x="T0" y="T1"/>
+                </a:cxn>
+                <a:cxn ang="0">
+                  <a:pos x="T2" y="T3"/>
+                </a:cxn>
+                <a:cxn ang="0">
+                  <a:pos x="T4" y="T5"/>
+                </a:cxn>
+                <a:cxn ang="0">
+                  <a:pos x="T6" y="T7"/>
+                </a:cxn>
+                <a:cxn ang="0">
+                  <a:pos x="T8" y="T9"/>
+                </a:cxn>
+                <a:cxn ang="0">
+                  <a:pos x="T10" y="T11"/>
+                </a:cxn>
+                <a:cxn ang="0">
+                  <a:pos x="T12" y="T13"/>
+                </a:cxn>
+                <a:cxn ang="0">
+                  <a:pos x="T14" y="T15"/>
+                </a:cxn>
+              </a:cxnLst>
+              <a:rect l="T16" t="T17" r="T18" b="T19"/>
+              <a:pathLst>
+                <a:path w="21600" h="21600">
+                  <a:moveTo>
+                    <a:pt x="3813" y="10590"/>
+                  </a:moveTo>
+                  <a:lnTo>
+                    <a:pt x="3927" y="10513"/>
+                  </a:lnTo>
+                  <a:lnTo>
+                    <a:pt x="4078" y="10425"/>
+                  </a:lnTo>
+                  <a:lnTo>
+                    <a:pt x="4210" y="10359"/>
+                  </a:lnTo>
+                  <a:lnTo>
+                    <a:pt x="4361" y="10315"/>
+                  </a:lnTo>
+                  <a:lnTo>
+                    <a:pt x="4682" y="10237"/>
+                  </a:lnTo>
+                  <a:lnTo>
+                    <a:pt x="5041" y="10193"/>
+                  </a:lnTo>
+                  <a:lnTo>
+                    <a:pt x="5456" y="10171"/>
+                  </a:lnTo>
+                  <a:lnTo>
+                    <a:pt x="5853" y="10193"/>
+                  </a:lnTo>
+                  <a:lnTo>
+                    <a:pt x="6249" y="10260"/>
+                  </a:lnTo>
+                  <a:lnTo>
+                    <a:pt x="6646" y="10337"/>
+                  </a:lnTo>
+                  <a:lnTo>
+                    <a:pt x="7004" y="10469"/>
+                  </a:lnTo>
+                  <a:lnTo>
+                    <a:pt x="7363" y="10612"/>
+                  </a:lnTo>
+                  <a:lnTo>
+                    <a:pt x="7665" y="10788"/>
+                  </a:lnTo>
+                  <a:lnTo>
+                    <a:pt x="7911" y="10998"/>
+                  </a:lnTo>
+                  <a:lnTo>
+                    <a:pt x="8024" y="11097"/>
+                  </a:lnTo>
+                  <a:lnTo>
+                    <a:pt x="8137" y="11207"/>
+                  </a:lnTo>
+                  <a:lnTo>
+                    <a:pt x="8194" y="11340"/>
+                  </a:lnTo>
+                  <a:lnTo>
+                    <a:pt x="8269" y="11461"/>
+                  </a:lnTo>
+                  <a:lnTo>
+                    <a:pt x="8307" y="11593"/>
+                  </a:lnTo>
+                  <a:lnTo>
+                    <a:pt x="8307" y="11714"/>
+                  </a:lnTo>
+                  <a:lnTo>
+                    <a:pt x="8307" y="11868"/>
+                  </a:lnTo>
+                  <a:lnTo>
+                    <a:pt x="8307" y="12012"/>
+                  </a:lnTo>
+                  <a:lnTo>
+                    <a:pt x="8194" y="12265"/>
+                  </a:lnTo>
+                  <a:lnTo>
+                    <a:pt x="8062" y="12519"/>
+                  </a:lnTo>
+                  <a:lnTo>
+                    <a:pt x="7873" y="12706"/>
+                  </a:lnTo>
+                  <a:lnTo>
+                    <a:pt x="7627" y="12904"/>
+                  </a:lnTo>
+                  <a:lnTo>
+                    <a:pt x="7363" y="13048"/>
+                  </a:lnTo>
+                  <a:lnTo>
+                    <a:pt x="7080" y="13180"/>
+                  </a:lnTo>
+                  <a:lnTo>
+                    <a:pt x="6759" y="13257"/>
+                  </a:lnTo>
+                  <a:lnTo>
+                    <a:pt x="6419" y="13345"/>
+                  </a:lnTo>
+                  <a:lnTo>
+                    <a:pt x="6098" y="13389"/>
+                  </a:lnTo>
+                  <a:lnTo>
+                    <a:pt x="5739" y="13389"/>
+                  </a:lnTo>
+                  <a:lnTo>
+                    <a:pt x="5418" y="13389"/>
+                  </a:lnTo>
+                  <a:lnTo>
+                    <a:pt x="5079" y="13345"/>
+                  </a:lnTo>
+                  <a:lnTo>
+                    <a:pt x="4758" y="13301"/>
+                  </a:lnTo>
+                  <a:lnTo>
+                    <a:pt x="4474" y="13213"/>
+                  </a:lnTo>
+                  <a:lnTo>
+                    <a:pt x="4172" y="13114"/>
+                  </a:lnTo>
+                  <a:lnTo>
+                    <a:pt x="3965" y="12982"/>
+                  </a:lnTo>
+                  <a:lnTo>
+                    <a:pt x="3738" y="12838"/>
+                  </a:lnTo>
+                  <a:lnTo>
+                    <a:pt x="3493" y="12706"/>
+                  </a:lnTo>
+                  <a:lnTo>
+                    <a:pt x="3228" y="12607"/>
+                  </a:lnTo>
+                  <a:lnTo>
+                    <a:pt x="2945" y="12519"/>
+                  </a:lnTo>
+                  <a:lnTo>
+                    <a:pt x="2700" y="12431"/>
+                  </a:lnTo>
+                  <a:lnTo>
+                    <a:pt x="2397" y="12375"/>
+                  </a:lnTo>
+                  <a:lnTo>
+                    <a:pt x="2152" y="12331"/>
+                  </a:lnTo>
+                  <a:lnTo>
+                    <a:pt x="1888" y="12309"/>
+                  </a:lnTo>
+                  <a:lnTo>
+                    <a:pt x="1642" y="12309"/>
+                  </a:lnTo>
+                  <a:lnTo>
+                    <a:pt x="1397" y="12331"/>
+                  </a:lnTo>
+                  <a:lnTo>
+                    <a:pt x="1170" y="12397"/>
+                  </a:lnTo>
+                  <a:lnTo>
+                    <a:pt x="962" y="12453"/>
+                  </a:lnTo>
+                  <a:lnTo>
+                    <a:pt x="774" y="12563"/>
+                  </a:lnTo>
+                  <a:lnTo>
+                    <a:pt x="623" y="12684"/>
+                  </a:lnTo>
+                  <a:lnTo>
+                    <a:pt x="528" y="12838"/>
+                  </a:lnTo>
+                  <a:lnTo>
+                    <a:pt x="453" y="13026"/>
+                  </a:lnTo>
+                  <a:lnTo>
+                    <a:pt x="339" y="13477"/>
+                  </a:lnTo>
+                  <a:lnTo>
+                    <a:pt x="226" y="13984"/>
+                  </a:lnTo>
+                  <a:lnTo>
+                    <a:pt x="151" y="14535"/>
+                  </a:lnTo>
+                  <a:lnTo>
+                    <a:pt x="113" y="15075"/>
+                  </a:lnTo>
+                  <a:lnTo>
+                    <a:pt x="113" y="15626"/>
+                  </a:lnTo>
+                  <a:lnTo>
+                    <a:pt x="151" y="16133"/>
+                  </a:lnTo>
+                  <a:lnTo>
+                    <a:pt x="188" y="16376"/>
+                  </a:lnTo>
+                  <a:lnTo>
+                    <a:pt x="264" y="16585"/>
+                  </a:lnTo>
+                  <a:lnTo>
+                    <a:pt x="339" y="16773"/>
+                  </a:lnTo>
+                  <a:lnTo>
+                    <a:pt x="453" y="16938"/>
+                  </a:lnTo>
+                  <a:lnTo>
+                    <a:pt x="1095" y="16883"/>
+                  </a:lnTo>
+                  <a:lnTo>
+                    <a:pt x="1963" y="16795"/>
+                  </a:lnTo>
+                  <a:lnTo>
+                    <a:pt x="2945" y="16751"/>
+                  </a:lnTo>
+                  <a:lnTo>
+                    <a:pt x="3965" y="16706"/>
+                  </a:lnTo>
+                  <a:lnTo>
+                    <a:pt x="5022" y="16684"/>
+                  </a:lnTo>
+                  <a:lnTo>
+                    <a:pt x="5947" y="16684"/>
+                  </a:lnTo>
+                  <a:lnTo>
+                    <a:pt x="6759" y="16706"/>
+                  </a:lnTo>
+                  <a:lnTo>
+                    <a:pt x="7363" y="16751"/>
+                  </a:lnTo>
+                  <a:lnTo>
+                    <a:pt x="7948" y="16839"/>
+                  </a:lnTo>
+                  <a:lnTo>
+                    <a:pt x="8458" y="16916"/>
+                  </a:lnTo>
+                  <a:lnTo>
+                    <a:pt x="8893" y="17026"/>
+                  </a:lnTo>
+                  <a:lnTo>
+                    <a:pt x="9289" y="17158"/>
+                  </a:lnTo>
+                  <a:lnTo>
+                    <a:pt x="9572" y="17280"/>
+                  </a:lnTo>
+                  <a:lnTo>
+                    <a:pt x="9799" y="17412"/>
+                  </a:lnTo>
+                  <a:lnTo>
+                    <a:pt x="9969" y="17555"/>
+                  </a:lnTo>
+                  <a:lnTo>
+                    <a:pt x="10120" y="17687"/>
+                  </a:lnTo>
+                  <a:lnTo>
+                    <a:pt x="10158" y="17831"/>
+                  </a:lnTo>
+                  <a:lnTo>
+                    <a:pt x="10195" y="17974"/>
+                  </a:lnTo>
+                  <a:lnTo>
+                    <a:pt x="10158" y="18128"/>
+                  </a:lnTo>
+                  <a:lnTo>
+                    <a:pt x="10082" y="18271"/>
+                  </a:lnTo>
+                  <a:lnTo>
+                    <a:pt x="9969" y="18426"/>
+                  </a:lnTo>
+                  <a:lnTo>
+                    <a:pt x="9837" y="18569"/>
+                  </a:lnTo>
+                  <a:lnTo>
+                    <a:pt x="9648" y="18701"/>
+                  </a:lnTo>
+                  <a:lnTo>
+                    <a:pt x="9440" y="18822"/>
+                  </a:lnTo>
+                  <a:lnTo>
+                    <a:pt x="9213" y="18999"/>
+                  </a:lnTo>
+                  <a:lnTo>
+                    <a:pt x="9044" y="19186"/>
+                  </a:lnTo>
+                  <a:lnTo>
+                    <a:pt x="8893" y="19395"/>
+                  </a:lnTo>
+                  <a:lnTo>
+                    <a:pt x="8817" y="19627"/>
+                  </a:lnTo>
+                  <a:lnTo>
+                    <a:pt x="8779" y="19858"/>
+                  </a:lnTo>
+                  <a:lnTo>
+                    <a:pt x="8779" y="20112"/>
+                  </a:lnTo>
+                  <a:lnTo>
+                    <a:pt x="8855" y="20354"/>
+                  </a:lnTo>
+                  <a:lnTo>
+                    <a:pt x="8968" y="20586"/>
+                  </a:lnTo>
+                  <a:lnTo>
+                    <a:pt x="9138" y="20817"/>
+                  </a:lnTo>
+                  <a:lnTo>
+                    <a:pt x="9365" y="21026"/>
+                  </a:lnTo>
+                  <a:lnTo>
+                    <a:pt x="9610" y="21192"/>
+                  </a:lnTo>
+                  <a:lnTo>
+                    <a:pt x="9950" y="21368"/>
+                  </a:lnTo>
+                  <a:lnTo>
+                    <a:pt x="10120" y="21445"/>
+                  </a:lnTo>
+                  <a:lnTo>
+                    <a:pt x="10346" y="21511"/>
+                  </a:lnTo>
+                  <a:lnTo>
+                    <a:pt x="10516" y="21555"/>
+                  </a:lnTo>
+                  <a:lnTo>
+                    <a:pt x="10743" y="21600"/>
+                  </a:lnTo>
+                  <a:lnTo>
+                    <a:pt x="10988" y="21644"/>
+                  </a:lnTo>
+                  <a:lnTo>
+                    <a:pt x="11215" y="21666"/>
+                  </a:lnTo>
+                  <a:lnTo>
+                    <a:pt x="11498" y="21666"/>
+                  </a:lnTo>
+                  <a:lnTo>
+                    <a:pt x="11762" y="21666"/>
+                  </a:lnTo>
+                  <a:lnTo>
+                    <a:pt x="12253" y="21644"/>
+                  </a:lnTo>
+                  <a:lnTo>
+                    <a:pt x="12763" y="21577"/>
+                  </a:lnTo>
+                  <a:lnTo>
+                    <a:pt x="13197" y="21467"/>
+                  </a:lnTo>
+                  <a:lnTo>
+                    <a:pt x="13556" y="21346"/>
+                  </a:lnTo>
+                  <a:lnTo>
+                    <a:pt x="13896" y="21192"/>
+                  </a:lnTo>
+                  <a:lnTo>
+                    <a:pt x="14179" y="21026"/>
+                  </a:lnTo>
+                  <a:lnTo>
+                    <a:pt x="14444" y="20839"/>
+                  </a:lnTo>
+                  <a:lnTo>
+                    <a:pt x="14576" y="20641"/>
+                  </a:lnTo>
+                  <a:lnTo>
+                    <a:pt x="14727" y="20431"/>
+                  </a:lnTo>
+                  <a:lnTo>
+                    <a:pt x="14765" y="20200"/>
+                  </a:lnTo>
+                  <a:lnTo>
+                    <a:pt x="14802" y="19991"/>
+                  </a:lnTo>
+                  <a:lnTo>
+                    <a:pt x="14727" y="19759"/>
+                  </a:lnTo>
+                  <a:lnTo>
+                    <a:pt x="14613" y="19550"/>
+                  </a:lnTo>
+                  <a:lnTo>
+                    <a:pt x="14444" y="19307"/>
+                  </a:lnTo>
+                  <a:lnTo>
+                    <a:pt x="14217" y="19098"/>
+                  </a:lnTo>
+                  <a:lnTo>
+                    <a:pt x="13934" y="18911"/>
+                  </a:lnTo>
+                  <a:lnTo>
+                    <a:pt x="13669" y="18745"/>
+                  </a:lnTo>
+                  <a:lnTo>
+                    <a:pt x="13462" y="18547"/>
+                  </a:lnTo>
+                  <a:lnTo>
+                    <a:pt x="13311" y="18337"/>
+                  </a:lnTo>
+                  <a:lnTo>
+                    <a:pt x="13197" y="18150"/>
+                  </a:lnTo>
+                  <a:lnTo>
+                    <a:pt x="13122" y="17941"/>
+                  </a:lnTo>
+                  <a:lnTo>
+                    <a:pt x="13122" y="17720"/>
+                  </a:lnTo>
+                  <a:lnTo>
+                    <a:pt x="13122" y="17533"/>
+                  </a:lnTo>
+                  <a:lnTo>
+                    <a:pt x="13197" y="17346"/>
+                  </a:lnTo>
+                  <a:lnTo>
+                    <a:pt x="13273" y="17158"/>
+                  </a:lnTo>
+                  <a:lnTo>
+                    <a:pt x="13386" y="16982"/>
+                  </a:lnTo>
+                  <a:lnTo>
+                    <a:pt x="13537" y="16839"/>
+                  </a:lnTo>
+                  <a:lnTo>
+                    <a:pt x="13707" y="16706"/>
+                  </a:lnTo>
+                  <a:lnTo>
+                    <a:pt x="13896" y="16607"/>
+                  </a:lnTo>
+                  <a:lnTo>
+                    <a:pt x="14104" y="16519"/>
+                  </a:lnTo>
+                  <a:lnTo>
+                    <a:pt x="14330" y="16453"/>
+                  </a:lnTo>
+                  <a:lnTo>
+                    <a:pt x="14538" y="16431"/>
+                  </a:lnTo>
+                  <a:lnTo>
+                    <a:pt x="14897" y="16453"/>
+                  </a:lnTo>
+                  <a:lnTo>
+                    <a:pt x="15406" y="16497"/>
+                  </a:lnTo>
+                  <a:lnTo>
+                    <a:pt x="16105" y="16541"/>
+                  </a:lnTo>
+                  <a:lnTo>
+                    <a:pt x="16898" y="16607"/>
+                  </a:lnTo>
+                  <a:lnTo>
+                    <a:pt x="17804" y="16651"/>
+                  </a:lnTo>
+                  <a:lnTo>
+                    <a:pt x="18786" y="16684"/>
+                  </a:lnTo>
+                  <a:lnTo>
+                    <a:pt x="19844" y="16728"/>
+                  </a:lnTo>
+                  <a:lnTo>
+                    <a:pt x="20920" y="16751"/>
+                  </a:lnTo>
+                  <a:lnTo>
+                    <a:pt x="21109" y="16497"/>
+                  </a:lnTo>
+                  <a:lnTo>
+                    <a:pt x="21241" y="16222"/>
+                  </a:lnTo>
+                  <a:lnTo>
+                    <a:pt x="21392" y="15946"/>
+                  </a:lnTo>
+                  <a:lnTo>
+                    <a:pt x="21467" y="15648"/>
+                  </a:lnTo>
+                  <a:lnTo>
+                    <a:pt x="21543" y="15351"/>
+                  </a:lnTo>
+                  <a:lnTo>
+                    <a:pt x="21618" y="15042"/>
+                  </a:lnTo>
+                  <a:lnTo>
+                    <a:pt x="21618" y="14745"/>
+                  </a:lnTo>
+                  <a:lnTo>
+                    <a:pt x="21618" y="14447"/>
+                  </a:lnTo>
+                  <a:lnTo>
+                    <a:pt x="21618" y="14150"/>
+                  </a:lnTo>
+                  <a:lnTo>
+                    <a:pt x="21581" y="13852"/>
+                  </a:lnTo>
+                  <a:lnTo>
+                    <a:pt x="21505" y="13577"/>
+                  </a:lnTo>
+                  <a:lnTo>
+                    <a:pt x="21430" y="13301"/>
+                  </a:lnTo>
+                  <a:lnTo>
+                    <a:pt x="21354" y="13048"/>
+                  </a:lnTo>
+                  <a:lnTo>
+                    <a:pt x="21241" y="12816"/>
+                  </a:lnTo>
+                  <a:lnTo>
+                    <a:pt x="21146" y="12607"/>
+                  </a:lnTo>
+                  <a:lnTo>
+                    <a:pt x="21033" y="12431"/>
+                  </a:lnTo>
+                  <a:lnTo>
+                    <a:pt x="20920" y="12265"/>
+                  </a:lnTo>
+                  <a:lnTo>
+                    <a:pt x="20769" y="12144"/>
+                  </a:lnTo>
+                  <a:lnTo>
+                    <a:pt x="20637" y="12034"/>
+                  </a:lnTo>
+                  <a:lnTo>
+                    <a:pt x="20486" y="11946"/>
+                  </a:lnTo>
+                  <a:lnTo>
+                    <a:pt x="20297" y="11891"/>
+                  </a:lnTo>
+                  <a:lnTo>
+                    <a:pt x="20165" y="11846"/>
+                  </a:lnTo>
+                  <a:lnTo>
+                    <a:pt x="19976" y="11824"/>
+                  </a:lnTo>
+                  <a:lnTo>
+                    <a:pt x="19806" y="11802"/>
+                  </a:lnTo>
+                  <a:lnTo>
+                    <a:pt x="19390" y="11824"/>
+                  </a:lnTo>
+                  <a:lnTo>
+                    <a:pt x="18956" y="11891"/>
+                  </a:lnTo>
+                  <a:lnTo>
+                    <a:pt x="18503" y="11968"/>
+                  </a:lnTo>
+                  <a:lnTo>
+                    <a:pt x="17993" y="12078"/>
+                  </a:lnTo>
+                  <a:lnTo>
+                    <a:pt x="17653" y="12144"/>
+                  </a:lnTo>
+                  <a:lnTo>
+                    <a:pt x="17332" y="12199"/>
+                  </a:lnTo>
+                  <a:lnTo>
+                    <a:pt x="17049" y="12221"/>
+                  </a:lnTo>
+                  <a:lnTo>
+                    <a:pt x="16747" y="12243"/>
+                  </a:lnTo>
+                  <a:lnTo>
+                    <a:pt x="16464" y="12243"/>
+                  </a:lnTo>
+                  <a:lnTo>
+                    <a:pt x="16218" y="12243"/>
+                  </a:lnTo>
+                  <a:lnTo>
+                    <a:pt x="15992" y="12221"/>
+                  </a:lnTo>
+                  <a:lnTo>
+                    <a:pt x="15746" y="12199"/>
+                  </a:lnTo>
+                  <a:lnTo>
+                    <a:pt x="15520" y="12155"/>
+                  </a:lnTo>
+                  <a:lnTo>
+                    <a:pt x="15350" y="12122"/>
+                  </a:lnTo>
+                  <a:lnTo>
+                    <a:pt x="15161" y="12056"/>
+                  </a:lnTo>
+                  <a:lnTo>
+                    <a:pt x="14972" y="11990"/>
+                  </a:lnTo>
+                  <a:lnTo>
+                    <a:pt x="14689" y="11846"/>
+                  </a:lnTo>
+                  <a:lnTo>
+                    <a:pt x="14444" y="11670"/>
+                  </a:lnTo>
+                  <a:lnTo>
+                    <a:pt x="14255" y="11483"/>
+                  </a:lnTo>
+                  <a:lnTo>
+                    <a:pt x="14104" y="11295"/>
+                  </a:lnTo>
+                  <a:lnTo>
+                    <a:pt x="14028" y="11086"/>
+                  </a:lnTo>
+                  <a:lnTo>
+                    <a:pt x="13972" y="10888"/>
+                  </a:lnTo>
+                  <a:lnTo>
+                    <a:pt x="13972" y="10700"/>
+                  </a:lnTo>
+                  <a:lnTo>
+                    <a:pt x="14009" y="10513"/>
+                  </a:lnTo>
+                  <a:lnTo>
+                    <a:pt x="14066" y="10359"/>
+                  </a:lnTo>
+                  <a:lnTo>
+                    <a:pt x="14179" y="10215"/>
+                  </a:lnTo>
+                  <a:lnTo>
+                    <a:pt x="14406" y="10006"/>
+                  </a:lnTo>
+                  <a:lnTo>
+                    <a:pt x="14651" y="9830"/>
+                  </a:lnTo>
+                  <a:lnTo>
+                    <a:pt x="14878" y="9686"/>
+                  </a:lnTo>
+                  <a:lnTo>
+                    <a:pt x="15123" y="9554"/>
+                  </a:lnTo>
+                  <a:lnTo>
+                    <a:pt x="15350" y="9477"/>
+                  </a:lnTo>
+                  <a:lnTo>
+                    <a:pt x="15558" y="9411"/>
+                  </a:lnTo>
+                  <a:lnTo>
+                    <a:pt x="15803" y="9345"/>
+                  </a:lnTo>
+                  <a:lnTo>
+                    <a:pt x="16030" y="9323"/>
+                  </a:lnTo>
+                  <a:lnTo>
+                    <a:pt x="16256" y="9301"/>
+                  </a:lnTo>
+                  <a:lnTo>
+                    <a:pt x="16464" y="9323"/>
+                  </a:lnTo>
+                  <a:lnTo>
+                    <a:pt x="16690" y="9345"/>
+                  </a:lnTo>
+                  <a:lnTo>
+                    <a:pt x="16898" y="9367"/>
+                  </a:lnTo>
+                  <a:lnTo>
+                    <a:pt x="17332" y="9477"/>
+                  </a:lnTo>
+                  <a:lnTo>
+                    <a:pt x="17767" y="9598"/>
+                  </a:lnTo>
+                  <a:lnTo>
+                    <a:pt x="18163" y="9731"/>
+                  </a:lnTo>
+                  <a:lnTo>
+                    <a:pt x="18597" y="9874"/>
+                  </a:lnTo>
+                  <a:lnTo>
+                    <a:pt x="18994" y="10006"/>
+                  </a:lnTo>
+                  <a:lnTo>
+                    <a:pt x="19428" y="10083"/>
+                  </a:lnTo>
+                  <a:lnTo>
+                    <a:pt x="19617" y="10127"/>
+                  </a:lnTo>
+                  <a:lnTo>
+                    <a:pt x="19844" y="10149"/>
+                  </a:lnTo>
+                  <a:lnTo>
+                    <a:pt x="20013" y="10149"/>
+                  </a:lnTo>
+                  <a:lnTo>
+                    <a:pt x="20240" y="10127"/>
+                  </a:lnTo>
+                  <a:lnTo>
+                    <a:pt x="20410" y="10105"/>
+                  </a:lnTo>
+                  <a:lnTo>
+                    <a:pt x="20637" y="10061"/>
+                  </a:lnTo>
+                  <a:lnTo>
+                    <a:pt x="20844" y="9984"/>
+                  </a:lnTo>
+                  <a:lnTo>
+                    <a:pt x="21033" y="9896"/>
+                  </a:lnTo>
+                  <a:lnTo>
+                    <a:pt x="21146" y="9830"/>
+                  </a:lnTo>
+                  <a:lnTo>
+                    <a:pt x="21203" y="9753"/>
+                  </a:lnTo>
+                  <a:lnTo>
+                    <a:pt x="21279" y="9642"/>
+                  </a:lnTo>
+                  <a:lnTo>
+                    <a:pt x="21354" y="9521"/>
+                  </a:lnTo>
+                  <a:lnTo>
+                    <a:pt x="21430" y="9246"/>
+                  </a:lnTo>
+                  <a:lnTo>
+                    <a:pt x="21430" y="8904"/>
+                  </a:lnTo>
+                  <a:lnTo>
+                    <a:pt x="21430" y="8540"/>
+                  </a:lnTo>
+                  <a:lnTo>
+                    <a:pt x="21392" y="8144"/>
+                  </a:lnTo>
+                  <a:lnTo>
+                    <a:pt x="21354" y="7714"/>
+                  </a:lnTo>
+                  <a:lnTo>
+                    <a:pt x="21279" y="7295"/>
+                  </a:lnTo>
+                  <a:lnTo>
+                    <a:pt x="21146" y="6446"/>
+                  </a:lnTo>
+                  <a:lnTo>
+                    <a:pt x="20995" y="5686"/>
+                  </a:lnTo>
+                  <a:lnTo>
+                    <a:pt x="20958" y="5366"/>
+                  </a:lnTo>
+                  <a:lnTo>
+                    <a:pt x="20958" y="5091"/>
+                  </a:lnTo>
+                  <a:lnTo>
+                    <a:pt x="20958" y="4860"/>
+                  </a:lnTo>
+                  <a:lnTo>
+                    <a:pt x="21033" y="4716"/>
+                  </a:lnTo>
+                  <a:lnTo>
+                    <a:pt x="20637" y="4860"/>
+                  </a:lnTo>
+                  <a:lnTo>
+                    <a:pt x="20127" y="4992"/>
+                  </a:lnTo>
+                  <a:lnTo>
+                    <a:pt x="19617" y="5069"/>
+                  </a:lnTo>
+                  <a:lnTo>
+                    <a:pt x="19032" y="5157"/>
+                  </a:lnTo>
+                  <a:lnTo>
+                    <a:pt x="18465" y="5201"/>
+                  </a:lnTo>
+                  <a:lnTo>
+                    <a:pt x="17842" y="5245"/>
+                  </a:lnTo>
+                  <a:lnTo>
+                    <a:pt x="17219" y="5267"/>
+                  </a:lnTo>
+                  <a:lnTo>
+                    <a:pt x="16615" y="5267"/>
+                  </a:lnTo>
+                  <a:lnTo>
+                    <a:pt x="15992" y="5245"/>
+                  </a:lnTo>
+                  <a:lnTo>
+                    <a:pt x="15369" y="5201"/>
+                  </a:lnTo>
+                  <a:lnTo>
+                    <a:pt x="14840" y="5157"/>
+                  </a:lnTo>
+                  <a:lnTo>
+                    <a:pt x="14293" y="5091"/>
+                  </a:lnTo>
+                  <a:lnTo>
+                    <a:pt x="13783" y="5014"/>
+                  </a:lnTo>
+                  <a:lnTo>
+                    <a:pt x="13386" y="4926"/>
+                  </a:lnTo>
+                  <a:lnTo>
+                    <a:pt x="13027" y="4815"/>
+                  </a:lnTo>
+                  <a:lnTo>
+                    <a:pt x="12725" y="4716"/>
+                  </a:lnTo>
+                  <a:lnTo>
+                    <a:pt x="12480" y="4606"/>
+                  </a:lnTo>
+                  <a:lnTo>
+                    <a:pt x="12291" y="4496"/>
+                  </a:lnTo>
+                  <a:lnTo>
+                    <a:pt x="12197" y="4397"/>
+                  </a:lnTo>
+                  <a:lnTo>
+                    <a:pt x="12083" y="4286"/>
+                  </a:lnTo>
+                  <a:lnTo>
+                    <a:pt x="12046" y="4187"/>
+                  </a:lnTo>
+                  <a:lnTo>
+                    <a:pt x="12008" y="4077"/>
+                  </a:lnTo>
+                  <a:lnTo>
+                    <a:pt x="12046" y="3967"/>
+                  </a:lnTo>
+                  <a:lnTo>
+                    <a:pt x="12121" y="3868"/>
+                  </a:lnTo>
+                  <a:lnTo>
+                    <a:pt x="12197" y="3735"/>
+                  </a:lnTo>
+                  <a:lnTo>
+                    <a:pt x="12291" y="3614"/>
+                  </a:lnTo>
+                  <a:lnTo>
+                    <a:pt x="12442" y="3482"/>
+                  </a:lnTo>
+                  <a:lnTo>
+                    <a:pt x="12631" y="3361"/>
+                  </a:lnTo>
+                  <a:lnTo>
+                    <a:pt x="13065" y="3085"/>
+                  </a:lnTo>
+                  <a:lnTo>
+                    <a:pt x="13537" y="2766"/>
+                  </a:lnTo>
+                  <a:lnTo>
+                    <a:pt x="13783" y="2578"/>
+                  </a:lnTo>
+                  <a:lnTo>
+                    <a:pt x="13934" y="2380"/>
+                  </a:lnTo>
+                  <a:lnTo>
+                    <a:pt x="14028" y="2171"/>
+                  </a:lnTo>
+                  <a:lnTo>
+                    <a:pt x="14104" y="1961"/>
+                  </a:lnTo>
+                  <a:lnTo>
+                    <a:pt x="14104" y="1730"/>
+                  </a:lnTo>
+                  <a:lnTo>
+                    <a:pt x="14066" y="1498"/>
+                  </a:lnTo>
+                  <a:lnTo>
+                    <a:pt x="13972" y="1267"/>
+                  </a:lnTo>
+                  <a:lnTo>
+                    <a:pt x="13820" y="1057"/>
+                  </a:lnTo>
+                  <a:lnTo>
+                    <a:pt x="13594" y="837"/>
+                  </a:lnTo>
+                  <a:lnTo>
+                    <a:pt x="13386" y="628"/>
+                  </a:lnTo>
+                  <a:lnTo>
+                    <a:pt x="13103" y="462"/>
+                  </a:lnTo>
+                  <a:lnTo>
+                    <a:pt x="12763" y="308"/>
+                  </a:lnTo>
+                  <a:lnTo>
+                    <a:pt x="12404" y="187"/>
+                  </a:lnTo>
+                  <a:lnTo>
+                    <a:pt x="12008" y="77"/>
+                  </a:lnTo>
+                  <a:lnTo>
+                    <a:pt x="11574" y="33"/>
+                  </a:lnTo>
+                  <a:lnTo>
+                    <a:pt x="11102" y="11"/>
+                  </a:lnTo>
+                  <a:lnTo>
+                    <a:pt x="10667" y="11"/>
+                  </a:lnTo>
+                  <a:lnTo>
+                    <a:pt x="10233" y="77"/>
+                  </a:lnTo>
+                  <a:lnTo>
+                    <a:pt x="9837" y="187"/>
+                  </a:lnTo>
+                  <a:lnTo>
+                    <a:pt x="9440" y="286"/>
+                  </a:lnTo>
+                  <a:lnTo>
+                    <a:pt x="9062" y="462"/>
+                  </a:lnTo>
+                  <a:lnTo>
+                    <a:pt x="8741" y="628"/>
+                  </a:lnTo>
+                  <a:lnTo>
+                    <a:pt x="8458" y="815"/>
+                  </a:lnTo>
+                  <a:lnTo>
+                    <a:pt x="8232" y="1035"/>
+                  </a:lnTo>
+                  <a:lnTo>
+                    <a:pt x="8062" y="1245"/>
+                  </a:lnTo>
+                  <a:lnTo>
+                    <a:pt x="7911" y="1476"/>
+                  </a:lnTo>
+                  <a:lnTo>
+                    <a:pt x="7835" y="1708"/>
+                  </a:lnTo>
+                  <a:lnTo>
+                    <a:pt x="7797" y="1961"/>
+                  </a:lnTo>
+                  <a:lnTo>
+                    <a:pt x="7835" y="2193"/>
+                  </a:lnTo>
+                  <a:lnTo>
+                    <a:pt x="7948" y="2402"/>
+                  </a:lnTo>
+                  <a:lnTo>
+                    <a:pt x="8062" y="2534"/>
+                  </a:lnTo>
+                  <a:lnTo>
+                    <a:pt x="8175" y="2644"/>
+                  </a:lnTo>
+                  <a:lnTo>
+                    <a:pt x="8269" y="2744"/>
+                  </a:lnTo>
+                  <a:lnTo>
+                    <a:pt x="8420" y="2832"/>
+                  </a:lnTo>
+                  <a:lnTo>
+                    <a:pt x="8704" y="3019"/>
+                  </a:lnTo>
+                  <a:lnTo>
+                    <a:pt x="8968" y="3206"/>
+                  </a:lnTo>
+                  <a:lnTo>
+                    <a:pt x="9138" y="3405"/>
+                  </a:lnTo>
+                  <a:lnTo>
+                    <a:pt x="9327" y="3570"/>
+                  </a:lnTo>
+                  <a:lnTo>
+                    <a:pt x="9440" y="3735"/>
+                  </a:lnTo>
+                  <a:lnTo>
+                    <a:pt x="9516" y="3890"/>
+                  </a:lnTo>
+                  <a:lnTo>
+                    <a:pt x="9534" y="4033"/>
+                  </a:lnTo>
+                  <a:lnTo>
+                    <a:pt x="9534" y="4165"/>
+                  </a:lnTo>
+                  <a:lnTo>
+                    <a:pt x="9516" y="4286"/>
+                  </a:lnTo>
+                  <a:lnTo>
+                    <a:pt x="9440" y="4397"/>
+                  </a:lnTo>
+                  <a:lnTo>
+                    <a:pt x="9327" y="4496"/>
+                  </a:lnTo>
+                  <a:lnTo>
+                    <a:pt x="9176" y="4562"/>
+                  </a:lnTo>
+                  <a:lnTo>
+                    <a:pt x="9006" y="4628"/>
+                  </a:lnTo>
+                  <a:lnTo>
+                    <a:pt x="8779" y="4694"/>
+                  </a:lnTo>
+                  <a:lnTo>
+                    <a:pt x="8534" y="4716"/>
+                  </a:lnTo>
+                  <a:lnTo>
+                    <a:pt x="8232" y="4716"/>
+                  </a:lnTo>
+                  <a:lnTo>
+                    <a:pt x="7118" y="4738"/>
+                  </a:lnTo>
+                  <a:lnTo>
+                    <a:pt x="5947" y="4771"/>
+                  </a:lnTo>
+                  <a:lnTo>
+                    <a:pt x="4795" y="4815"/>
+                  </a:lnTo>
+                  <a:lnTo>
+                    <a:pt x="3681" y="4860"/>
+                  </a:lnTo>
+                  <a:lnTo>
+                    <a:pt x="2662" y="4882"/>
+                  </a:lnTo>
+                  <a:lnTo>
+                    <a:pt x="1755" y="4882"/>
+                  </a:lnTo>
+                  <a:lnTo>
+                    <a:pt x="1359" y="4860"/>
+                  </a:lnTo>
+                  <a:lnTo>
+                    <a:pt x="981" y="4837"/>
+                  </a:lnTo>
+                  <a:lnTo>
+                    <a:pt x="698" y="4771"/>
+                  </a:lnTo>
+                  <a:lnTo>
+                    <a:pt x="453" y="4716"/>
+                  </a:lnTo>
+                  <a:lnTo>
+                    <a:pt x="453" y="5322"/>
+                  </a:lnTo>
+                  <a:lnTo>
+                    <a:pt x="453" y="6083"/>
+                  </a:lnTo>
+                  <a:lnTo>
+                    <a:pt x="453" y="6909"/>
+                  </a:lnTo>
+                  <a:lnTo>
+                    <a:pt x="453" y="7780"/>
+                  </a:lnTo>
+                  <a:lnTo>
+                    <a:pt x="453" y="8606"/>
+                  </a:lnTo>
+                  <a:lnTo>
+                    <a:pt x="453" y="9345"/>
+                  </a:lnTo>
+                  <a:lnTo>
+                    <a:pt x="453" y="9918"/>
+                  </a:lnTo>
+                  <a:lnTo>
+                    <a:pt x="453" y="10282"/>
+                  </a:lnTo>
+                  <a:lnTo>
+                    <a:pt x="490" y="10381"/>
+                  </a:lnTo>
+                  <a:lnTo>
+                    <a:pt x="547" y="10491"/>
+                  </a:lnTo>
+                  <a:lnTo>
+                    <a:pt x="660" y="10590"/>
+                  </a:lnTo>
+                  <a:lnTo>
+                    <a:pt x="811" y="10700"/>
+                  </a:lnTo>
+                  <a:lnTo>
+                    <a:pt x="981" y="10811"/>
+                  </a:lnTo>
+                  <a:lnTo>
+                    <a:pt x="1208" y="10888"/>
+                  </a:lnTo>
+                  <a:lnTo>
+                    <a:pt x="1453" y="10954"/>
+                  </a:lnTo>
+                  <a:lnTo>
+                    <a:pt x="1718" y="11020"/>
+                  </a:lnTo>
+                  <a:lnTo>
+                    <a:pt x="1963" y="11064"/>
+                  </a:lnTo>
+                  <a:lnTo>
+                    <a:pt x="2265" y="11086"/>
+                  </a:lnTo>
+                  <a:lnTo>
+                    <a:pt x="2548" y="11064"/>
+                  </a:lnTo>
+                  <a:lnTo>
+                    <a:pt x="2794" y="11042"/>
+                  </a:lnTo>
+                  <a:lnTo>
+                    <a:pt x="3096" y="10976"/>
+                  </a:lnTo>
+                  <a:lnTo>
+                    <a:pt x="3341" y="10888"/>
+                  </a:lnTo>
+                  <a:lnTo>
+                    <a:pt x="3606" y="10766"/>
+                  </a:lnTo>
+                  <a:lnTo>
+                    <a:pt x="3813" y="10590"/>
+                  </a:lnTo>
+                  <a:close/>
+                </a:path>
+              </a:pathLst>
+            </a:custGeom>
+            <a:grpFill/>
+            <a:ln w="28575">
+              <a:solidFill>
+                <a:schemeClr val="tx1"/>
+              </a:solidFill>
+              <a:miter lim="800000"/>
+              <a:headEnd/>
+              <a:tailEnd/>
+            </a:ln>
+          </p:spPr>
+          <p:txBody>
+            <a:bodyPr vert="horz" wrap="square" lIns="91440" tIns="45720" rIns="91440" bIns="45720" numCol="1" anchor="t" anchorCtr="0" compatLnSpc="1">
+              <a:prstTxWarp prst="textNoShape">
+                <a:avLst/>
+              </a:prstTxWarp>
+            </a:bodyPr>
+            <a:lstStyle/>
+            <a:p>
+              <a:endParaRPr lang="en-IN"/>
+            </a:p>
+          </p:txBody>
+        </p:sp>
+        <p:sp>
+          <p:nvSpPr>
+            <p:cNvPr id="51" name="Puzzle1"/>
+            <p:cNvSpPr>
+              <a:spLocks noEditPoints="1" noChangeArrowheads="1"/>
+            </p:cNvSpPr>
+            <p:nvPr/>
+          </p:nvSpPr>
+          <p:spPr bwMode="auto">
+            <a:xfrm>
+              <a:off x="1824" y="1091"/>
+              <a:ext cx="1800" cy="1051"/>
+            </a:xfrm>
+            <a:custGeom>
+              <a:avLst/>
+              <a:gdLst>
+                <a:gd name="T0" fmla="*/ 16740 w 21600"/>
+                <a:gd name="T1" fmla="*/ 21078 h 21600"/>
+                <a:gd name="T2" fmla="*/ 16976 w 21600"/>
+                <a:gd name="T3" fmla="*/ 521 h 21600"/>
+                <a:gd name="T4" fmla="*/ 4725 w 21600"/>
+                <a:gd name="T5" fmla="*/ 856 h 21600"/>
+                <a:gd name="T6" fmla="*/ 5040 w 21600"/>
+                <a:gd name="T7" fmla="*/ 21004 h 21600"/>
+                <a:gd name="T8" fmla="*/ 10811 w 21600"/>
+                <a:gd name="T9" fmla="*/ 12885 h 21600"/>
+                <a:gd name="T10" fmla="*/ 10845 w 21600"/>
+                <a:gd name="T11" fmla="*/ 8714 h 21600"/>
+                <a:gd name="T12" fmla="*/ 21600 w 21600"/>
+                <a:gd name="T13" fmla="*/ 10000 h 21600"/>
+                <a:gd name="T14" fmla="*/ 56 w 21600"/>
+                <a:gd name="T15" fmla="*/ 10000 h 21600"/>
+                <a:gd name="T16" fmla="*/ 6086 w 21600"/>
+                <a:gd name="T17" fmla="*/ 2569 h 21600"/>
+                <a:gd name="T18" fmla="*/ 16132 w 21600"/>
+                <a:gd name="T19" fmla="*/ 19552 h 21600"/>
+              </a:gdLst>
+              <a:ahLst/>
+              <a:cxnLst>
+                <a:cxn ang="0">
+                  <a:pos x="T0" y="T1"/>
+                </a:cxn>
+                <a:cxn ang="0">
+                  <a:pos x="T2" y="T3"/>
+                </a:cxn>
+                <a:cxn ang="0">
+                  <a:pos x="T4" y="T5"/>
+                </a:cxn>
+                <a:cxn ang="0">
+                  <a:pos x="T6" y="T7"/>
+                </a:cxn>
+                <a:cxn ang="0">
+                  <a:pos x="T8" y="T9"/>
+                </a:cxn>
+                <a:cxn ang="0">
+                  <a:pos x="T10" y="T11"/>
+                </a:cxn>
+                <a:cxn ang="0">
+                  <a:pos x="T12" y="T13"/>
+                </a:cxn>
+                <a:cxn ang="0">
+                  <a:pos x="T14" y="T15"/>
+                </a:cxn>
+              </a:cxnLst>
+              <a:rect l="T16" t="T17" r="T18" b="T19"/>
+              <a:pathLst>
+                <a:path w="21600" h="21600">
+                  <a:moveTo>
+                    <a:pt x="9360" y="20836"/>
+                  </a:moveTo>
+                  <a:lnTo>
+                    <a:pt x="9528" y="20836"/>
+                  </a:lnTo>
+                  <a:lnTo>
+                    <a:pt x="9686" y="20762"/>
+                  </a:lnTo>
+                  <a:lnTo>
+                    <a:pt x="9810" y="20687"/>
+                  </a:lnTo>
+                  <a:lnTo>
+                    <a:pt x="9922" y="20575"/>
+                  </a:lnTo>
+                  <a:lnTo>
+                    <a:pt x="10012" y="20426"/>
+                  </a:lnTo>
+                  <a:lnTo>
+                    <a:pt x="10068" y="20296"/>
+                  </a:lnTo>
+                  <a:lnTo>
+                    <a:pt x="10113" y="20110"/>
+                  </a:lnTo>
+                  <a:lnTo>
+                    <a:pt x="10136" y="19905"/>
+                  </a:lnTo>
+                  <a:lnTo>
+                    <a:pt x="10136" y="19682"/>
+                  </a:lnTo>
+                  <a:lnTo>
+                    <a:pt x="10113" y="19440"/>
+                  </a:lnTo>
+                  <a:lnTo>
+                    <a:pt x="10068" y="19142"/>
+                  </a:lnTo>
+                  <a:lnTo>
+                    <a:pt x="10012" y="18900"/>
+                  </a:lnTo>
+                  <a:lnTo>
+                    <a:pt x="9900" y="18620"/>
+                  </a:lnTo>
+                  <a:lnTo>
+                    <a:pt x="9787" y="18285"/>
+                  </a:lnTo>
+                  <a:lnTo>
+                    <a:pt x="9641" y="17968"/>
+                  </a:lnTo>
+                  <a:lnTo>
+                    <a:pt x="9472" y="17652"/>
+                  </a:lnTo>
+                  <a:lnTo>
+                    <a:pt x="9382" y="17466"/>
+                  </a:lnTo>
+                  <a:lnTo>
+                    <a:pt x="9315" y="17298"/>
+                  </a:lnTo>
+                  <a:lnTo>
+                    <a:pt x="9258" y="17112"/>
+                  </a:lnTo>
+                  <a:lnTo>
+                    <a:pt x="9191" y="16926"/>
+                  </a:lnTo>
+                  <a:lnTo>
+                    <a:pt x="9123" y="16535"/>
+                  </a:lnTo>
+                  <a:lnTo>
+                    <a:pt x="9101" y="16144"/>
+                  </a:lnTo>
+                  <a:lnTo>
+                    <a:pt x="9101" y="15753"/>
+                  </a:lnTo>
+                  <a:lnTo>
+                    <a:pt x="9168" y="15362"/>
+                  </a:lnTo>
+                  <a:lnTo>
+                    <a:pt x="9236" y="14971"/>
+                  </a:lnTo>
+                  <a:lnTo>
+                    <a:pt x="9360" y="14580"/>
+                  </a:lnTo>
+                  <a:lnTo>
+                    <a:pt x="9495" y="14244"/>
+                  </a:lnTo>
+                  <a:lnTo>
+                    <a:pt x="9663" y="13891"/>
+                  </a:lnTo>
+                  <a:lnTo>
+                    <a:pt x="9855" y="13611"/>
+                  </a:lnTo>
+                  <a:lnTo>
+                    <a:pt x="10068" y="13351"/>
+                  </a:lnTo>
+                  <a:lnTo>
+                    <a:pt x="10293" y="13146"/>
+                  </a:lnTo>
+                  <a:lnTo>
+                    <a:pt x="10552" y="12997"/>
+                  </a:lnTo>
+                  <a:lnTo>
+                    <a:pt x="10811" y="12885"/>
+                  </a:lnTo>
+                  <a:lnTo>
+                    <a:pt x="11069" y="12866"/>
+                  </a:lnTo>
+                  <a:lnTo>
+                    <a:pt x="11351" y="12885"/>
+                  </a:lnTo>
+                  <a:lnTo>
+                    <a:pt x="11610" y="12997"/>
+                  </a:lnTo>
+                  <a:lnTo>
+                    <a:pt x="11846" y="13183"/>
+                  </a:lnTo>
+                  <a:lnTo>
+                    <a:pt x="12060" y="13388"/>
+                  </a:lnTo>
+                  <a:lnTo>
+                    <a:pt x="12251" y="13648"/>
+                  </a:lnTo>
+                  <a:lnTo>
+                    <a:pt x="12419" y="13928"/>
+                  </a:lnTo>
+                  <a:lnTo>
+                    <a:pt x="12555" y="14244"/>
+                  </a:lnTo>
+                  <a:lnTo>
+                    <a:pt x="12690" y="14617"/>
+                  </a:lnTo>
+                  <a:lnTo>
+                    <a:pt x="12768" y="15008"/>
+                  </a:lnTo>
+                  <a:lnTo>
+                    <a:pt x="12836" y="15399"/>
+                  </a:lnTo>
+                  <a:lnTo>
+                    <a:pt x="12858" y="15753"/>
+                  </a:lnTo>
+                  <a:lnTo>
+                    <a:pt x="12858" y="16144"/>
+                  </a:lnTo>
+                  <a:lnTo>
+                    <a:pt x="12813" y="16535"/>
+                  </a:lnTo>
+                  <a:lnTo>
+                    <a:pt x="12746" y="16888"/>
+                  </a:lnTo>
+                  <a:lnTo>
+                    <a:pt x="12667" y="17224"/>
+                  </a:lnTo>
+                  <a:lnTo>
+                    <a:pt x="12510" y="17503"/>
+                  </a:lnTo>
+                  <a:lnTo>
+                    <a:pt x="12228" y="18043"/>
+                  </a:lnTo>
+                  <a:lnTo>
+                    <a:pt x="11970" y="18546"/>
+                  </a:lnTo>
+                  <a:lnTo>
+                    <a:pt x="11868" y="18751"/>
+                  </a:lnTo>
+                  <a:lnTo>
+                    <a:pt x="11778" y="18974"/>
+                  </a:lnTo>
+                  <a:lnTo>
+                    <a:pt x="11711" y="19179"/>
+                  </a:lnTo>
+                  <a:lnTo>
+                    <a:pt x="11666" y="19365"/>
+                  </a:lnTo>
+                  <a:lnTo>
+                    <a:pt x="11632" y="19570"/>
+                  </a:lnTo>
+                  <a:lnTo>
+                    <a:pt x="11632" y="19756"/>
+                  </a:lnTo>
+                  <a:lnTo>
+                    <a:pt x="11632" y="19942"/>
+                  </a:lnTo>
+                  <a:lnTo>
+                    <a:pt x="11643" y="20110"/>
+                  </a:lnTo>
+                  <a:lnTo>
+                    <a:pt x="11711" y="20296"/>
+                  </a:lnTo>
+                  <a:lnTo>
+                    <a:pt x="11801" y="20464"/>
+                  </a:lnTo>
+                  <a:lnTo>
+                    <a:pt x="11891" y="20650"/>
+                  </a:lnTo>
+                  <a:lnTo>
+                    <a:pt x="12037" y="20836"/>
+                  </a:lnTo>
+                  <a:lnTo>
+                    <a:pt x="12206" y="21004"/>
+                  </a:lnTo>
+                  <a:lnTo>
+                    <a:pt x="12419" y="21190"/>
+                  </a:lnTo>
+                  <a:lnTo>
+                    <a:pt x="12667" y="21320"/>
+                  </a:lnTo>
+                  <a:lnTo>
+                    <a:pt x="12960" y="21432"/>
+                  </a:lnTo>
+                  <a:lnTo>
+                    <a:pt x="13286" y="21544"/>
+                  </a:lnTo>
+                  <a:lnTo>
+                    <a:pt x="13612" y="21655"/>
+                  </a:lnTo>
+                  <a:lnTo>
+                    <a:pt x="13983" y="21693"/>
+                  </a:lnTo>
+                  <a:lnTo>
+                    <a:pt x="14343" y="21730"/>
+                  </a:lnTo>
+                  <a:lnTo>
+                    <a:pt x="14715" y="21730"/>
+                  </a:lnTo>
+                  <a:lnTo>
+                    <a:pt x="15075" y="21730"/>
+                  </a:lnTo>
+                  <a:lnTo>
+                    <a:pt x="15446" y="21655"/>
+                  </a:lnTo>
+                  <a:lnTo>
+                    <a:pt x="15794" y="21581"/>
+                  </a:lnTo>
+                  <a:lnTo>
+                    <a:pt x="16132" y="21432"/>
+                  </a:lnTo>
+                  <a:lnTo>
+                    <a:pt x="16458" y="21302"/>
+                  </a:lnTo>
+                  <a:lnTo>
+                    <a:pt x="16740" y="21078"/>
+                  </a:lnTo>
+                  <a:lnTo>
+                    <a:pt x="16976" y="20836"/>
+                  </a:lnTo>
+                  <a:lnTo>
+                    <a:pt x="17043" y="20650"/>
+                  </a:lnTo>
+                  <a:lnTo>
+                    <a:pt x="17088" y="20426"/>
+                  </a:lnTo>
+                  <a:lnTo>
+                    <a:pt x="17133" y="20222"/>
+                  </a:lnTo>
+                  <a:lnTo>
+                    <a:pt x="17156" y="19980"/>
+                  </a:lnTo>
+                  <a:lnTo>
+                    <a:pt x="17167" y="19477"/>
+                  </a:lnTo>
+                  <a:lnTo>
+                    <a:pt x="17167" y="18974"/>
+                  </a:lnTo>
+                  <a:lnTo>
+                    <a:pt x="17156" y="18397"/>
+                  </a:lnTo>
+                  <a:lnTo>
+                    <a:pt x="17111" y="17820"/>
+                  </a:lnTo>
+                  <a:lnTo>
+                    <a:pt x="17066" y="17261"/>
+                  </a:lnTo>
+                  <a:lnTo>
+                    <a:pt x="16998" y="16646"/>
+                  </a:lnTo>
+                  <a:lnTo>
+                    <a:pt x="16852" y="15511"/>
+                  </a:lnTo>
+                  <a:lnTo>
+                    <a:pt x="16740" y="14393"/>
+                  </a:lnTo>
+                  <a:lnTo>
+                    <a:pt x="16717" y="13928"/>
+                  </a:lnTo>
+                  <a:lnTo>
+                    <a:pt x="16695" y="13462"/>
+                  </a:lnTo>
+                  <a:lnTo>
+                    <a:pt x="16717" y="13071"/>
+                  </a:lnTo>
+                  <a:lnTo>
+                    <a:pt x="16785" y="12755"/>
+                  </a:lnTo>
+                  <a:lnTo>
+                    <a:pt x="16852" y="12419"/>
+                  </a:lnTo>
+                  <a:lnTo>
+                    <a:pt x="16953" y="12140"/>
+                  </a:lnTo>
+                  <a:lnTo>
+                    <a:pt x="17088" y="11898"/>
+                  </a:lnTo>
+                  <a:lnTo>
+                    <a:pt x="17212" y="11675"/>
+                  </a:lnTo>
+                  <a:lnTo>
+                    <a:pt x="17370" y="11470"/>
+                  </a:lnTo>
+                  <a:lnTo>
+                    <a:pt x="17516" y="11284"/>
+                  </a:lnTo>
+                  <a:lnTo>
+                    <a:pt x="17696" y="11135"/>
+                  </a:lnTo>
+                  <a:lnTo>
+                    <a:pt x="17865" y="11042"/>
+                  </a:lnTo>
+                  <a:lnTo>
+                    <a:pt x="18033" y="10930"/>
+                  </a:lnTo>
+                  <a:lnTo>
+                    <a:pt x="18213" y="10893"/>
+                  </a:lnTo>
+                  <a:lnTo>
+                    <a:pt x="18382" y="10893"/>
+                  </a:lnTo>
+                  <a:lnTo>
+                    <a:pt x="18551" y="10967"/>
+                  </a:lnTo>
+                  <a:lnTo>
+                    <a:pt x="18708" y="11042"/>
+                  </a:lnTo>
+                  <a:lnTo>
+                    <a:pt x="18855" y="11172"/>
+                  </a:lnTo>
+                  <a:lnTo>
+                    <a:pt x="19012" y="11358"/>
+                  </a:lnTo>
+                  <a:lnTo>
+                    <a:pt x="19136" y="11600"/>
+                  </a:lnTo>
+                  <a:lnTo>
+                    <a:pt x="19271" y="11861"/>
+                  </a:lnTo>
+                  <a:lnTo>
+                    <a:pt x="19440" y="12028"/>
+                  </a:lnTo>
+                  <a:lnTo>
+                    <a:pt x="19608" y="12177"/>
+                  </a:lnTo>
+                  <a:lnTo>
+                    <a:pt x="19822" y="12289"/>
+                  </a:lnTo>
+                  <a:lnTo>
+                    <a:pt x="20025" y="12289"/>
+                  </a:lnTo>
+                  <a:lnTo>
+                    <a:pt x="20238" y="12289"/>
+                  </a:lnTo>
+                  <a:lnTo>
+                    <a:pt x="20452" y="12215"/>
+                  </a:lnTo>
+                  <a:lnTo>
+                    <a:pt x="20643" y="12103"/>
+                  </a:lnTo>
+                  <a:lnTo>
+                    <a:pt x="20846" y="11973"/>
+                  </a:lnTo>
+                  <a:lnTo>
+                    <a:pt x="21037" y="11786"/>
+                  </a:lnTo>
+                  <a:lnTo>
+                    <a:pt x="21206" y="11563"/>
+                  </a:lnTo>
+                  <a:lnTo>
+                    <a:pt x="21363" y="11321"/>
+                  </a:lnTo>
+                  <a:lnTo>
+                    <a:pt x="21465" y="11079"/>
+                  </a:lnTo>
+                  <a:lnTo>
+                    <a:pt x="21577" y="10744"/>
+                  </a:lnTo>
+                  <a:lnTo>
+                    <a:pt x="21622" y="10427"/>
+                  </a:lnTo>
+                  <a:lnTo>
+                    <a:pt x="21645" y="10111"/>
+                  </a:lnTo>
+                  <a:lnTo>
+                    <a:pt x="21622" y="9608"/>
+                  </a:lnTo>
+                  <a:lnTo>
+                    <a:pt x="21577" y="9142"/>
+                  </a:lnTo>
+                  <a:lnTo>
+                    <a:pt x="21465" y="8751"/>
+                  </a:lnTo>
+                  <a:lnTo>
+                    <a:pt x="21363" y="8397"/>
+                  </a:lnTo>
+                  <a:lnTo>
+                    <a:pt x="21206" y="8062"/>
+                  </a:lnTo>
+                  <a:lnTo>
+                    <a:pt x="21037" y="7820"/>
+                  </a:lnTo>
+                  <a:lnTo>
+                    <a:pt x="20846" y="7597"/>
+                  </a:lnTo>
+                  <a:lnTo>
+                    <a:pt x="20643" y="7429"/>
+                  </a:lnTo>
+                  <a:lnTo>
+                    <a:pt x="20452" y="7317"/>
+                  </a:lnTo>
+                  <a:lnTo>
+                    <a:pt x="20238" y="7206"/>
+                  </a:lnTo>
+                  <a:lnTo>
+                    <a:pt x="20025" y="7168"/>
+                  </a:lnTo>
+                  <a:lnTo>
+                    <a:pt x="19822" y="7206"/>
+                  </a:lnTo>
+                  <a:lnTo>
+                    <a:pt x="19608" y="7243"/>
+                  </a:lnTo>
+                  <a:lnTo>
+                    <a:pt x="19440" y="7355"/>
+                  </a:lnTo>
+                  <a:lnTo>
+                    <a:pt x="19271" y="7504"/>
+                  </a:lnTo>
+                  <a:lnTo>
+                    <a:pt x="19136" y="7708"/>
+                  </a:lnTo>
+                  <a:lnTo>
+                    <a:pt x="19012" y="7895"/>
+                  </a:lnTo>
+                  <a:lnTo>
+                    <a:pt x="18832" y="8025"/>
+                  </a:lnTo>
+                  <a:lnTo>
+                    <a:pt x="18663" y="8174"/>
+                  </a:lnTo>
+                  <a:lnTo>
+                    <a:pt x="18472" y="8248"/>
+                  </a:lnTo>
+                  <a:lnTo>
+                    <a:pt x="18270" y="8286"/>
+                  </a:lnTo>
+                  <a:lnTo>
+                    <a:pt x="18078" y="8323"/>
+                  </a:lnTo>
+                  <a:lnTo>
+                    <a:pt x="17887" y="8323"/>
+                  </a:lnTo>
+                  <a:lnTo>
+                    <a:pt x="17696" y="8248"/>
+                  </a:lnTo>
+                  <a:lnTo>
+                    <a:pt x="17493" y="8174"/>
+                  </a:lnTo>
+                  <a:lnTo>
+                    <a:pt x="17302" y="8062"/>
+                  </a:lnTo>
+                  <a:lnTo>
+                    <a:pt x="17133" y="7969"/>
+                  </a:lnTo>
+                  <a:lnTo>
+                    <a:pt x="16976" y="7783"/>
+                  </a:lnTo>
+                  <a:lnTo>
+                    <a:pt x="16852" y="7597"/>
+                  </a:lnTo>
+                  <a:lnTo>
+                    <a:pt x="16740" y="7429"/>
+                  </a:lnTo>
+                  <a:lnTo>
+                    <a:pt x="16672" y="7168"/>
+                  </a:lnTo>
+                  <a:lnTo>
+                    <a:pt x="16638" y="6926"/>
+                  </a:lnTo>
+                  <a:lnTo>
+                    <a:pt x="16616" y="6498"/>
+                  </a:lnTo>
+                  <a:lnTo>
+                    <a:pt x="16616" y="5772"/>
+                  </a:lnTo>
+                  <a:lnTo>
+                    <a:pt x="16650" y="4915"/>
+                  </a:lnTo>
+                  <a:lnTo>
+                    <a:pt x="16695" y="3928"/>
+                  </a:lnTo>
+                  <a:lnTo>
+                    <a:pt x="16762" y="2960"/>
+                  </a:lnTo>
+                  <a:lnTo>
+                    <a:pt x="16830" y="1992"/>
+                  </a:lnTo>
+                  <a:lnTo>
+                    <a:pt x="16908" y="1173"/>
+                  </a:lnTo>
+                  <a:lnTo>
+                    <a:pt x="16976" y="521"/>
+                  </a:lnTo>
+                  <a:lnTo>
+                    <a:pt x="16953" y="521"/>
+                  </a:lnTo>
+                  <a:lnTo>
+                    <a:pt x="16931" y="521"/>
+                  </a:lnTo>
+                  <a:lnTo>
+                    <a:pt x="16267" y="484"/>
+                  </a:lnTo>
+                  <a:lnTo>
+                    <a:pt x="15637" y="428"/>
+                  </a:lnTo>
+                  <a:lnTo>
+                    <a:pt x="15063" y="353"/>
+                  </a:lnTo>
+                  <a:lnTo>
+                    <a:pt x="14523" y="279"/>
+                  </a:lnTo>
+                  <a:lnTo>
+                    <a:pt x="14040" y="167"/>
+                  </a:lnTo>
+                  <a:lnTo>
+                    <a:pt x="13635" y="93"/>
+                  </a:lnTo>
+                  <a:lnTo>
+                    <a:pt x="13331" y="18"/>
+                  </a:lnTo>
+                  <a:lnTo>
+                    <a:pt x="13117" y="18"/>
+                  </a:lnTo>
+                  <a:lnTo>
+                    <a:pt x="12982" y="18"/>
+                  </a:lnTo>
+                  <a:lnTo>
+                    <a:pt x="12858" y="130"/>
+                  </a:lnTo>
+                  <a:lnTo>
+                    <a:pt x="12723" y="279"/>
+                  </a:lnTo>
+                  <a:lnTo>
+                    <a:pt x="12622" y="446"/>
+                  </a:lnTo>
+                  <a:lnTo>
+                    <a:pt x="12510" y="670"/>
+                  </a:lnTo>
+                  <a:lnTo>
+                    <a:pt x="12419" y="912"/>
+                  </a:lnTo>
+                  <a:lnTo>
+                    <a:pt x="12363" y="1210"/>
+                  </a:lnTo>
+                  <a:lnTo>
+                    <a:pt x="12318" y="1526"/>
+                  </a:lnTo>
+                  <a:lnTo>
+                    <a:pt x="12273" y="1843"/>
+                  </a:lnTo>
+                  <a:lnTo>
+                    <a:pt x="12251" y="2215"/>
+                  </a:lnTo>
+                  <a:lnTo>
+                    <a:pt x="12273" y="2532"/>
+                  </a:lnTo>
+                  <a:lnTo>
+                    <a:pt x="12318" y="2886"/>
+                  </a:lnTo>
+                  <a:lnTo>
+                    <a:pt x="12386" y="3240"/>
+                  </a:lnTo>
+                  <a:lnTo>
+                    <a:pt x="12464" y="3556"/>
+                  </a:lnTo>
+                  <a:lnTo>
+                    <a:pt x="12577" y="3891"/>
+                  </a:lnTo>
+                  <a:lnTo>
+                    <a:pt x="12746" y="4171"/>
+                  </a:lnTo>
+                  <a:lnTo>
+                    <a:pt x="12926" y="4487"/>
+                  </a:lnTo>
+                  <a:lnTo>
+                    <a:pt x="13050" y="4860"/>
+                  </a:lnTo>
+                  <a:lnTo>
+                    <a:pt x="13162" y="5251"/>
+                  </a:lnTo>
+                  <a:lnTo>
+                    <a:pt x="13218" y="5604"/>
+                  </a:lnTo>
+                  <a:lnTo>
+                    <a:pt x="13263" y="5995"/>
+                  </a:lnTo>
+                  <a:lnTo>
+                    <a:pt x="13241" y="6386"/>
+                  </a:lnTo>
+                  <a:lnTo>
+                    <a:pt x="13218" y="6740"/>
+                  </a:lnTo>
+                  <a:lnTo>
+                    <a:pt x="13139" y="7094"/>
+                  </a:lnTo>
+                  <a:lnTo>
+                    <a:pt x="13050" y="7429"/>
+                  </a:lnTo>
+                  <a:lnTo>
+                    <a:pt x="12903" y="7746"/>
+                  </a:lnTo>
+                  <a:lnTo>
+                    <a:pt x="12723" y="8025"/>
+                  </a:lnTo>
+                  <a:lnTo>
+                    <a:pt x="12532" y="8286"/>
+                  </a:lnTo>
+                  <a:lnTo>
+                    <a:pt x="12318" y="8491"/>
+                  </a:lnTo>
+                  <a:lnTo>
+                    <a:pt x="12060" y="8677"/>
+                  </a:lnTo>
+                  <a:lnTo>
+                    <a:pt x="11756" y="8788"/>
+                  </a:lnTo>
+                  <a:lnTo>
+                    <a:pt x="11452" y="8826"/>
+                  </a:lnTo>
+                  <a:lnTo>
+                    <a:pt x="11283" y="8826"/>
+                  </a:lnTo>
+                  <a:lnTo>
+                    <a:pt x="11126" y="8826"/>
+                  </a:lnTo>
+                  <a:lnTo>
+                    <a:pt x="11002" y="8788"/>
+                  </a:lnTo>
+                  <a:lnTo>
+                    <a:pt x="10845" y="8714"/>
+                  </a:lnTo>
+                  <a:lnTo>
+                    <a:pt x="10721" y="8640"/>
+                  </a:lnTo>
+                  <a:lnTo>
+                    <a:pt x="10608" y="8565"/>
+                  </a:lnTo>
+                  <a:lnTo>
+                    <a:pt x="10485" y="8453"/>
+                  </a:lnTo>
+                  <a:lnTo>
+                    <a:pt x="10372" y="8323"/>
+                  </a:lnTo>
+                  <a:lnTo>
+                    <a:pt x="10181" y="8062"/>
+                  </a:lnTo>
+                  <a:lnTo>
+                    <a:pt x="10035" y="7746"/>
+                  </a:lnTo>
+                  <a:lnTo>
+                    <a:pt x="9900" y="7392"/>
+                  </a:lnTo>
+                  <a:lnTo>
+                    <a:pt x="9787" y="7001"/>
+                  </a:lnTo>
+                  <a:lnTo>
+                    <a:pt x="9731" y="6610"/>
+                  </a:lnTo>
+                  <a:lnTo>
+                    <a:pt x="9686" y="6219"/>
+                  </a:lnTo>
+                  <a:lnTo>
+                    <a:pt x="9663" y="5772"/>
+                  </a:lnTo>
+                  <a:lnTo>
+                    <a:pt x="9686" y="5381"/>
+                  </a:lnTo>
+                  <a:lnTo>
+                    <a:pt x="9753" y="4990"/>
+                  </a:lnTo>
+                  <a:lnTo>
+                    <a:pt x="9832" y="4636"/>
+                  </a:lnTo>
+                  <a:lnTo>
+                    <a:pt x="9945" y="4320"/>
+                  </a:lnTo>
+                  <a:lnTo>
+                    <a:pt x="10068" y="4022"/>
+                  </a:lnTo>
+                  <a:lnTo>
+                    <a:pt x="10203" y="3817"/>
+                  </a:lnTo>
+                  <a:lnTo>
+                    <a:pt x="10316" y="3593"/>
+                  </a:lnTo>
+                  <a:lnTo>
+                    <a:pt x="10395" y="3351"/>
+                  </a:lnTo>
+                  <a:lnTo>
+                    <a:pt x="10462" y="3109"/>
+                  </a:lnTo>
+                  <a:lnTo>
+                    <a:pt x="10507" y="2848"/>
+                  </a:lnTo>
+                  <a:lnTo>
+                    <a:pt x="10530" y="2606"/>
+                  </a:lnTo>
+                  <a:lnTo>
+                    <a:pt x="10507" y="2346"/>
+                  </a:lnTo>
+                  <a:lnTo>
+                    <a:pt x="10462" y="2141"/>
+                  </a:lnTo>
+                  <a:lnTo>
+                    <a:pt x="10395" y="1880"/>
+                  </a:lnTo>
+                  <a:lnTo>
+                    <a:pt x="10293" y="1638"/>
+                  </a:lnTo>
+                  <a:lnTo>
+                    <a:pt x="10158" y="1415"/>
+                  </a:lnTo>
+                  <a:lnTo>
+                    <a:pt x="9967" y="1210"/>
+                  </a:lnTo>
+                  <a:lnTo>
+                    <a:pt x="9753" y="986"/>
+                  </a:lnTo>
+                  <a:lnTo>
+                    <a:pt x="9495" y="819"/>
+                  </a:lnTo>
+                  <a:lnTo>
+                    <a:pt x="9191" y="670"/>
+                  </a:lnTo>
+                  <a:lnTo>
+                    <a:pt x="8842" y="521"/>
+                  </a:lnTo>
+                  <a:lnTo>
+                    <a:pt x="8471" y="446"/>
+                  </a:lnTo>
+                  <a:lnTo>
+                    <a:pt x="7998" y="428"/>
+                  </a:lnTo>
+                  <a:lnTo>
+                    <a:pt x="7413" y="428"/>
+                  </a:lnTo>
+                  <a:lnTo>
+                    <a:pt x="6817" y="446"/>
+                  </a:lnTo>
+                  <a:lnTo>
+                    <a:pt x="6187" y="521"/>
+                  </a:lnTo>
+                  <a:lnTo>
+                    <a:pt x="5602" y="633"/>
+                  </a:lnTo>
+                  <a:lnTo>
+                    <a:pt x="5107" y="744"/>
+                  </a:lnTo>
+                  <a:lnTo>
+                    <a:pt x="4725" y="856"/>
+                  </a:lnTo>
+                  <a:lnTo>
+                    <a:pt x="4848" y="1564"/>
+                  </a:lnTo>
+                  <a:lnTo>
+                    <a:pt x="5028" y="2495"/>
+                  </a:lnTo>
+                  <a:lnTo>
+                    <a:pt x="5175" y="3556"/>
+                  </a:lnTo>
+                  <a:lnTo>
+                    <a:pt x="5298" y="4673"/>
+                  </a:lnTo>
+                  <a:lnTo>
+                    <a:pt x="5343" y="5213"/>
+                  </a:lnTo>
+                  <a:lnTo>
+                    <a:pt x="5388" y="5753"/>
+                  </a:lnTo>
+                  <a:lnTo>
+                    <a:pt x="5411" y="6275"/>
+                  </a:lnTo>
+                  <a:lnTo>
+                    <a:pt x="5411" y="6740"/>
+                  </a:lnTo>
+                  <a:lnTo>
+                    <a:pt x="5366" y="7168"/>
+                  </a:lnTo>
+                  <a:lnTo>
+                    <a:pt x="5321" y="7541"/>
+                  </a:lnTo>
+                  <a:lnTo>
+                    <a:pt x="5287" y="7708"/>
+                  </a:lnTo>
+                  <a:lnTo>
+                    <a:pt x="5242" y="7857"/>
+                  </a:lnTo>
+                  <a:lnTo>
+                    <a:pt x="5197" y="7969"/>
+                  </a:lnTo>
+                  <a:lnTo>
+                    <a:pt x="5130" y="8062"/>
+                  </a:lnTo>
+                  <a:lnTo>
+                    <a:pt x="5006" y="8248"/>
+                  </a:lnTo>
+                  <a:lnTo>
+                    <a:pt x="4848" y="8397"/>
+                  </a:lnTo>
+                  <a:lnTo>
+                    <a:pt x="4725" y="8528"/>
+                  </a:lnTo>
+                  <a:lnTo>
+                    <a:pt x="4567" y="8640"/>
+                  </a:lnTo>
+                  <a:lnTo>
+                    <a:pt x="4421" y="8714"/>
+                  </a:lnTo>
+                  <a:lnTo>
+                    <a:pt x="4263" y="8751"/>
+                  </a:lnTo>
+                  <a:lnTo>
+                    <a:pt x="4095" y="8788"/>
+                  </a:lnTo>
+                  <a:lnTo>
+                    <a:pt x="3948" y="8788"/>
+                  </a:lnTo>
+                  <a:lnTo>
+                    <a:pt x="3791" y="8751"/>
+                  </a:lnTo>
+                  <a:lnTo>
+                    <a:pt x="3667" y="8714"/>
+                  </a:lnTo>
+                  <a:lnTo>
+                    <a:pt x="3510" y="8677"/>
+                  </a:lnTo>
+                  <a:lnTo>
+                    <a:pt x="3386" y="8602"/>
+                  </a:lnTo>
+                  <a:lnTo>
+                    <a:pt x="3251" y="8491"/>
+                  </a:lnTo>
+                  <a:lnTo>
+                    <a:pt x="3127" y="8360"/>
+                  </a:lnTo>
+                  <a:lnTo>
+                    <a:pt x="3015" y="8248"/>
+                  </a:lnTo>
+                  <a:lnTo>
+                    <a:pt x="2925" y="8062"/>
+                  </a:lnTo>
+                  <a:lnTo>
+                    <a:pt x="2778" y="7857"/>
+                  </a:lnTo>
+                  <a:lnTo>
+                    <a:pt x="2610" y="7671"/>
+                  </a:lnTo>
+                  <a:lnTo>
+                    <a:pt x="2407" y="7541"/>
+                  </a:lnTo>
+                  <a:lnTo>
+                    <a:pt x="2171" y="7466"/>
+                  </a:lnTo>
+                  <a:lnTo>
+                    <a:pt x="1957" y="7429"/>
+                  </a:lnTo>
+                  <a:lnTo>
+                    <a:pt x="1698" y="7429"/>
+                  </a:lnTo>
+                  <a:lnTo>
+                    <a:pt x="1462" y="7466"/>
+                  </a:lnTo>
+                  <a:lnTo>
+                    <a:pt x="1226" y="7559"/>
+                  </a:lnTo>
+                  <a:lnTo>
+                    <a:pt x="989" y="7708"/>
+                  </a:lnTo>
+                  <a:lnTo>
+                    <a:pt x="776" y="7932"/>
+                  </a:lnTo>
+                  <a:lnTo>
+                    <a:pt x="551" y="8211"/>
+                  </a:lnTo>
+                  <a:lnTo>
+                    <a:pt x="382" y="8528"/>
+                  </a:lnTo>
+                  <a:lnTo>
+                    <a:pt x="315" y="8714"/>
+                  </a:lnTo>
+                  <a:lnTo>
+                    <a:pt x="236" y="8919"/>
+                  </a:lnTo>
+                  <a:lnTo>
+                    <a:pt x="191" y="9142"/>
+                  </a:lnTo>
+                  <a:lnTo>
+                    <a:pt x="123" y="9347"/>
+                  </a:lnTo>
+                  <a:lnTo>
+                    <a:pt x="78" y="9608"/>
+                  </a:lnTo>
+                  <a:lnTo>
+                    <a:pt x="56" y="9887"/>
+                  </a:lnTo>
+                  <a:lnTo>
+                    <a:pt x="33" y="10185"/>
+                  </a:lnTo>
+                  <a:lnTo>
+                    <a:pt x="33" y="10464"/>
+                  </a:lnTo>
+                  <a:lnTo>
+                    <a:pt x="33" y="10706"/>
+                  </a:lnTo>
+                  <a:lnTo>
+                    <a:pt x="56" y="10967"/>
+                  </a:lnTo>
+                  <a:lnTo>
+                    <a:pt x="78" y="11172"/>
+                  </a:lnTo>
+                  <a:lnTo>
+                    <a:pt x="123" y="11395"/>
+                  </a:lnTo>
+                  <a:lnTo>
+                    <a:pt x="168" y="11600"/>
+                  </a:lnTo>
+                  <a:lnTo>
+                    <a:pt x="236" y="11786"/>
+                  </a:lnTo>
+                  <a:lnTo>
+                    <a:pt x="292" y="11973"/>
+                  </a:lnTo>
+                  <a:lnTo>
+                    <a:pt x="382" y="12140"/>
+                  </a:lnTo>
+                  <a:lnTo>
+                    <a:pt x="540" y="12419"/>
+                  </a:lnTo>
+                  <a:lnTo>
+                    <a:pt x="731" y="12680"/>
+                  </a:lnTo>
+                  <a:lnTo>
+                    <a:pt x="944" y="12866"/>
+                  </a:lnTo>
+                  <a:lnTo>
+                    <a:pt x="1158" y="12997"/>
+                  </a:lnTo>
+                  <a:lnTo>
+                    <a:pt x="1395" y="13108"/>
+                  </a:lnTo>
+                  <a:lnTo>
+                    <a:pt x="1608" y="13183"/>
+                  </a:lnTo>
+                  <a:lnTo>
+                    <a:pt x="1856" y="13183"/>
+                  </a:lnTo>
+                  <a:lnTo>
+                    <a:pt x="2070" y="13146"/>
+                  </a:lnTo>
+                  <a:lnTo>
+                    <a:pt x="2261" y="13071"/>
+                  </a:lnTo>
+                  <a:lnTo>
+                    <a:pt x="2430" y="12960"/>
+                  </a:lnTo>
+                  <a:lnTo>
+                    <a:pt x="2587" y="12792"/>
+                  </a:lnTo>
+                  <a:lnTo>
+                    <a:pt x="2688" y="12606"/>
+                  </a:lnTo>
+                  <a:lnTo>
+                    <a:pt x="2801" y="12419"/>
+                  </a:lnTo>
+                  <a:lnTo>
+                    <a:pt x="2925" y="12289"/>
+                  </a:lnTo>
+                  <a:lnTo>
+                    <a:pt x="3082" y="12177"/>
+                  </a:lnTo>
+                  <a:lnTo>
+                    <a:pt x="3228" y="12103"/>
+                  </a:lnTo>
+                  <a:lnTo>
+                    <a:pt x="3408" y="12103"/>
+                  </a:lnTo>
+                  <a:lnTo>
+                    <a:pt x="3577" y="12103"/>
+                  </a:lnTo>
+                  <a:lnTo>
+                    <a:pt x="3723" y="12177"/>
+                  </a:lnTo>
+                  <a:lnTo>
+                    <a:pt x="3903" y="12252"/>
+                  </a:lnTo>
+                  <a:lnTo>
+                    <a:pt x="4072" y="12364"/>
+                  </a:lnTo>
+                  <a:lnTo>
+                    <a:pt x="4230" y="12494"/>
+                  </a:lnTo>
+                  <a:lnTo>
+                    <a:pt x="4353" y="12643"/>
+                  </a:lnTo>
+                  <a:lnTo>
+                    <a:pt x="4488" y="12829"/>
+                  </a:lnTo>
+                  <a:lnTo>
+                    <a:pt x="4567" y="13034"/>
+                  </a:lnTo>
+                  <a:lnTo>
+                    <a:pt x="4657" y="13257"/>
+                  </a:lnTo>
+                  <a:lnTo>
+                    <a:pt x="4702" y="13462"/>
+                  </a:lnTo>
+                  <a:lnTo>
+                    <a:pt x="4725" y="13686"/>
+                  </a:lnTo>
+                  <a:lnTo>
+                    <a:pt x="4702" y="14282"/>
+                  </a:lnTo>
+                  <a:lnTo>
+                    <a:pt x="4657" y="15045"/>
+                  </a:lnTo>
+                  <a:lnTo>
+                    <a:pt x="4612" y="15976"/>
+                  </a:lnTo>
+                  <a:lnTo>
+                    <a:pt x="4590" y="16926"/>
+                  </a:lnTo>
+                  <a:lnTo>
+                    <a:pt x="4567" y="17968"/>
+                  </a:lnTo>
+                  <a:lnTo>
+                    <a:pt x="4567" y="19011"/>
+                  </a:lnTo>
+                  <a:lnTo>
+                    <a:pt x="4590" y="19514"/>
+                  </a:lnTo>
+                  <a:lnTo>
+                    <a:pt x="4612" y="19980"/>
+                  </a:lnTo>
+                  <a:lnTo>
+                    <a:pt x="4657" y="20426"/>
+                  </a:lnTo>
+                  <a:lnTo>
+                    <a:pt x="4725" y="20836"/>
+                  </a:lnTo>
+                  <a:lnTo>
+                    <a:pt x="4848" y="20929"/>
+                  </a:lnTo>
+                  <a:lnTo>
+                    <a:pt x="5040" y="21004"/>
+                  </a:lnTo>
+                  <a:lnTo>
+                    <a:pt x="5265" y="21078"/>
+                  </a:lnTo>
+                  <a:lnTo>
+                    <a:pt x="5478" y="21115"/>
+                  </a:lnTo>
+                  <a:lnTo>
+                    <a:pt x="6041" y="21115"/>
+                  </a:lnTo>
+                  <a:lnTo>
+                    <a:pt x="6637" y="21078"/>
+                  </a:lnTo>
+                  <a:lnTo>
+                    <a:pt x="7312" y="21004"/>
+                  </a:lnTo>
+                  <a:lnTo>
+                    <a:pt x="7998" y="20929"/>
+                  </a:lnTo>
+                  <a:lnTo>
+                    <a:pt x="8696" y="20855"/>
+                  </a:lnTo>
+                  <a:lnTo>
+                    <a:pt x="9360" y="20836"/>
+                  </a:lnTo>
+                  <a:close/>
+                </a:path>
+              </a:pathLst>
+            </a:custGeom>
+            <a:grpFill/>
+            <a:ln w="28575">
+              <a:solidFill>
+                <a:schemeClr val="tx1"/>
+              </a:solidFill>
+              <a:miter lim="800000"/>
+              <a:headEnd/>
+              <a:tailEnd/>
+            </a:ln>
+          </p:spPr>
+          <p:txBody>
+            <a:bodyPr vert="horz" wrap="square" lIns="91440" tIns="45720" rIns="91440" bIns="45720" numCol="1" anchor="t" anchorCtr="0" compatLnSpc="1">
+              <a:prstTxWarp prst="textNoShape">
+                <a:avLst/>
+              </a:prstTxWarp>
+            </a:bodyPr>
+            <a:lstStyle/>
+            <a:p>
+              <a:endParaRPr lang="en-IN"/>
+            </a:p>
+          </p:txBody>
+        </p:sp>
+      </p:grpSp>
+      <p:pic>
+        <p:nvPicPr>
+          <p:cNvPr id="2061" name="Picture 13" descr="C:\Program Files (x86)\Microsoft Office\MEDIA\CAGCAT10\j0293844.wmf"/>
+          <p:cNvPicPr>
+            <a:picLocks noChangeAspect="1" noChangeArrowheads="1"/>
+          </p:cNvPicPr>
+          <p:nvPr/>
+        </p:nvPicPr>
+        <p:blipFill>
+          <a:blip r:embed="rId4" cstate="print">
+            <a:biLevel thresh="25000"/>
+            <a:extLst>
+              <a:ext uri="{28A0092B-C50C-407E-A947-70E740481C1C}">
+                <a14:useLocalDpi xmlns:a14="http://schemas.microsoft.com/office/drawing/2010/main" val="0"/>
+              </a:ext>
+            </a:extLst>
+          </a:blip>
+          <a:srcRect/>
+          <a:stretch>
+            <a:fillRect/>
+          </a:stretch>
+        </p:blipFill>
+        <p:spPr bwMode="auto">
+          <a:xfrm>
+            <a:off x="7680041" y="4837956"/>
+            <a:ext cx="732181" cy="769927"/>
+          </a:xfrm>
+          <a:prstGeom prst="rect">
+            <a:avLst/>
+          </a:prstGeom>
+          <a:noFill/>
+          <a:extLst>
+            <a:ext uri="{909E8E84-426E-40DD-AFC4-6F175D3DCCD1}">
+              <a14:hiddenFill xmlns:a14="http://schemas.microsoft.com/office/drawing/2010/main">
+                <a:solidFill>
+                  <a:srgbClr val="FFFFFF"/>
+                </a:solidFill>
+              </a14:hiddenFill>
+            </a:ext>
+          </a:extLst>
+        </p:spPr>
+      </p:pic>
+      <p:sp>
+        <p:nvSpPr>
+          <p:cNvPr id="52" name="TextBox 51"/>
+          <p:cNvSpPr txBox="1"/>
+          <p:nvPr/>
+        </p:nvSpPr>
+        <p:spPr>
+          <a:xfrm>
+            <a:off x="264452" y="5817393"/>
+            <a:ext cx="1656184" cy="646331"/>
+          </a:xfrm>
+          <a:prstGeom prst="rect">
+            <a:avLst/>
+          </a:prstGeom>
+          <a:noFill/>
+        </p:spPr>
+        <p:txBody>
+          <a:bodyPr wrap="square" rtlCol="0">
+            <a:spAutoFit/>
+          </a:bodyPr>
+          <a:lstStyle/>
+          <a:p>
+            <a:pPr algn="ctr"/>
+            <a:r>
+              <a:rPr lang="en-IN" b="1" dirty="0" smtClean="0"/>
+              <a:t>Complete IT support</a:t>
+            </a:r>
+            <a:endParaRPr lang="en-IN" b="1" dirty="0"/>
+          </a:p>
+        </p:txBody>
+      </p:sp>
+      <p:sp>
+        <p:nvSpPr>
+          <p:cNvPr id="53" name="TextBox 52"/>
+          <p:cNvSpPr txBox="1"/>
+          <p:nvPr/>
+        </p:nvSpPr>
+        <p:spPr>
+          <a:xfrm>
+            <a:off x="2444795" y="5817393"/>
+            <a:ext cx="2007911" cy="369332"/>
+          </a:xfrm>
+          <a:prstGeom prst="rect">
+            <a:avLst/>
+          </a:prstGeom>
+          <a:noFill/>
+        </p:spPr>
+        <p:txBody>
+          <a:bodyPr wrap="square" rtlCol="0">
+            <a:spAutoFit/>
+          </a:bodyPr>
+          <a:lstStyle/>
+          <a:p>
+            <a:pPr algn="ctr"/>
+            <a:r>
+              <a:rPr lang="en-IN" b="1" dirty="0" smtClean="0"/>
+              <a:t>Latest technology</a:t>
+            </a:r>
+            <a:endParaRPr lang="en-IN" b="1" dirty="0"/>
+          </a:p>
+        </p:txBody>
+      </p:sp>
+      <p:sp>
+        <p:nvSpPr>
+          <p:cNvPr id="54" name="TextBox 53"/>
+          <p:cNvSpPr txBox="1"/>
+          <p:nvPr/>
+        </p:nvSpPr>
+        <p:spPr>
+          <a:xfrm>
+            <a:off x="4886538" y="5761883"/>
+            <a:ext cx="1800200" cy="646331"/>
+          </a:xfrm>
+          <a:prstGeom prst="rect">
+            <a:avLst/>
+          </a:prstGeom>
+          <a:noFill/>
+        </p:spPr>
+        <p:txBody>
+          <a:bodyPr wrap="square" rtlCol="0">
+            <a:spAutoFit/>
+          </a:bodyPr>
+          <a:lstStyle/>
+          <a:p>
+            <a:pPr algn="ctr"/>
+            <a:r>
+              <a:rPr lang="en-IN" b="1" dirty="0" smtClean="0"/>
+              <a:t>Problem solving solutions </a:t>
+            </a:r>
+            <a:endParaRPr lang="en-IN" b="1" dirty="0"/>
+          </a:p>
+        </p:txBody>
+      </p:sp>
+      <p:sp>
+        <p:nvSpPr>
+          <p:cNvPr id="55" name="TextBox 54"/>
+          <p:cNvSpPr txBox="1"/>
+          <p:nvPr/>
+        </p:nvSpPr>
+        <p:spPr>
+          <a:xfrm>
+            <a:off x="7290048" y="5761883"/>
+            <a:ext cx="1512168" cy="923330"/>
+          </a:xfrm>
+          <a:prstGeom prst="rect">
+            <a:avLst/>
+          </a:prstGeom>
+          <a:noFill/>
+        </p:spPr>
+        <p:txBody>
+          <a:bodyPr wrap="square" rtlCol="0">
+            <a:spAutoFit/>
+          </a:bodyPr>
+          <a:lstStyle/>
+          <a:p>
+            <a:pPr algn="ctr"/>
+            <a:r>
+              <a:rPr lang="en-IN" b="1" dirty="0" smtClean="0"/>
+              <a:t>Timely completion of projects </a:t>
+            </a:r>
+            <a:endParaRPr lang="en-IN" b="1" dirty="0"/>
+          </a:p>
+        </p:txBody>
+      </p:sp>
+    </p:spTree>
+    <p:extLst>
+      <p:ext uri="{BB962C8B-B14F-4D97-AF65-F5344CB8AC3E}">
+        <p14:creationId xmlns:p14="http://schemas.microsoft.com/office/powerpoint/2010/main" val="2720698962"/>
+      </p:ext>
+    </p:extLst>
+  </p:cSld>
+  <p:clrMapOvr>
+    <a:masterClrMapping/>
+  </p:clrMapOvr>
+  <p:timing>
+    <p:tnLst>
+      <p:par>
+        <p:cTn id="1" dur="indefinite" restart="never" nodeType="tmRoot"/>
+      </p:par>
+    </p:tnLst>
+  </p:timing>
+</p:sld>
+</file>
+
 <file path=ppt/slides/slide2.xml><?xml version="1.0" encoding="utf-8"?>
 <p:sld xmlns:a="http://schemas.openxmlformats.org/drawingml/2006/main" xmlns:r="http://schemas.openxmlformats.org/officeDocument/2006/relationships" xmlns:p="http://schemas.openxmlformats.org/presentationml/2006/main">
   <p:cSld>
@@ -23241,7 +31083,7 @@
           <p:cNvPr id="2" name="Title 1">
             <a:extLst>
               <a:ext uri="{FF2B5EF4-FFF2-40B4-BE49-F238E27FC236}">
-                <a16:creationId xmlns:a16="http://schemas.microsoft.com/office/drawing/2014/main" xmlns="" id="{865131AC-C32E-4601-89C1-F9ECEAF1EE04}"/>
+                <a16:creationId xmlns="" xmlns:a16="http://schemas.microsoft.com/office/drawing/2014/main" id="{865131AC-C32E-4601-89C1-F9ECEAF1EE04}"/>
               </a:ext>
             </a:extLst>
           </p:cNvPr>
@@ -23269,7 +31111,7 @@
           <p:cNvPr id="4" name="Content Placeholder 3">
             <a:extLst>
               <a:ext uri="{FF2B5EF4-FFF2-40B4-BE49-F238E27FC236}">
-                <a16:creationId xmlns:a16="http://schemas.microsoft.com/office/drawing/2014/main" xmlns="" id="{A72069BE-05CC-45C4-AAAF-DD81FB7FC5EC}"/>
+                <a16:creationId xmlns="" xmlns:a16="http://schemas.microsoft.com/office/drawing/2014/main" id="{A72069BE-05CC-45C4-AAAF-DD81FB7FC5EC}"/>
               </a:ext>
             </a:extLst>
           </p:cNvPr>
@@ -23301,7 +31143,7 @@
           <p:cNvPr id="6" name="Content Placeholder 4">
             <a:extLst>
               <a:ext uri="{FF2B5EF4-FFF2-40B4-BE49-F238E27FC236}">
-                <a16:creationId xmlns:a16="http://schemas.microsoft.com/office/drawing/2014/main" xmlns="" id="{7BF9F0F9-5BC9-4CB9-99D8-5D9E77EBA532}"/>
+                <a16:creationId xmlns="" xmlns:a16="http://schemas.microsoft.com/office/drawing/2014/main" id="{7BF9F0F9-5BC9-4CB9-99D8-5D9E77EBA532}"/>
               </a:ext>
             </a:extLst>
           </p:cNvPr>
@@ -26721,7 +34563,7 @@
           <p:cNvPr id="2" name="Title 1">
             <a:extLst>
               <a:ext uri="{FF2B5EF4-FFF2-40B4-BE49-F238E27FC236}">
-                <a16:creationId xmlns:a16="http://schemas.microsoft.com/office/drawing/2014/main" xmlns="" id="{FDB1AA29-50E7-47E6-B428-02DFC33376E2}"/>
+                <a16:creationId xmlns="" xmlns:a16="http://schemas.microsoft.com/office/drawing/2014/main" id="{FDB1AA29-50E7-47E6-B428-02DFC33376E2}"/>
               </a:ext>
             </a:extLst>
           </p:cNvPr>
@@ -26749,7 +34591,7 @@
           <p:cNvPr id="5" name="Content Placeholder 4">
             <a:extLst>
               <a:ext uri="{FF2B5EF4-FFF2-40B4-BE49-F238E27FC236}">
-                <a16:creationId xmlns:a16="http://schemas.microsoft.com/office/drawing/2014/main" xmlns="" id="{847CD382-9F7F-4E8D-9A4A-354D788A0575}"/>
+                <a16:creationId xmlns="" xmlns:a16="http://schemas.microsoft.com/office/drawing/2014/main" id="{847CD382-9F7F-4E8D-9A4A-354D788A0575}"/>
               </a:ext>
             </a:extLst>
           </p:cNvPr>
@@ -26784,7 +34626,7 @@
           <p:cNvPr id="6" name="Rectangle 5">
             <a:extLst>
               <a:ext uri="{FF2B5EF4-FFF2-40B4-BE49-F238E27FC236}">
-                <a16:creationId xmlns:a16="http://schemas.microsoft.com/office/drawing/2014/main" xmlns="" id="{098B67DA-9FA7-4BEF-A34E-941BB7FC651C}"/>
+                <a16:creationId xmlns="" xmlns:a16="http://schemas.microsoft.com/office/drawing/2014/main" id="{098B67DA-9FA7-4BEF-A34E-941BB7FC651C}"/>
               </a:ext>
             </a:extLst>
           </p:cNvPr>
@@ -26903,7 +34745,7 @@
           <p:cNvPr id="2" name="Title 1">
             <a:extLst>
               <a:ext uri="{FF2B5EF4-FFF2-40B4-BE49-F238E27FC236}">
-                <a16:creationId xmlns:a16="http://schemas.microsoft.com/office/drawing/2014/main" xmlns="" id="{50593DC5-4360-41D5-8B5E-737BD66331DD}"/>
+                <a16:creationId xmlns="" xmlns:a16="http://schemas.microsoft.com/office/drawing/2014/main" id="{50593DC5-4360-41D5-8B5E-737BD66331DD}"/>
               </a:ext>
             </a:extLst>
           </p:cNvPr>
@@ -26931,7 +34773,7 @@
           <p:cNvPr id="3" name="Content Placeholder 2">
             <a:extLst>
               <a:ext uri="{FF2B5EF4-FFF2-40B4-BE49-F238E27FC236}">
-                <a16:creationId xmlns:a16="http://schemas.microsoft.com/office/drawing/2014/main" xmlns="" id="{C5AE02B3-EF90-4416-AEEE-224A06B0B82F}"/>
+                <a16:creationId xmlns="" xmlns:a16="http://schemas.microsoft.com/office/drawing/2014/main" id="{C5AE02B3-EF90-4416-AEEE-224A06B0B82F}"/>
               </a:ext>
             </a:extLst>
           </p:cNvPr>
@@ -27001,7 +34843,7 @@
           <p:cNvPr id="4" name="Picture 3">
             <a:extLst>
               <a:ext uri="{FF2B5EF4-FFF2-40B4-BE49-F238E27FC236}">
-                <a16:creationId xmlns:a16="http://schemas.microsoft.com/office/drawing/2014/main" xmlns="" id="{A42434AC-FE93-41AA-8252-B01263232350}"/>
+                <a16:creationId xmlns="" xmlns:a16="http://schemas.microsoft.com/office/drawing/2014/main" id="{A42434AC-FE93-41AA-8252-B01263232350}"/>
               </a:ext>
             </a:extLst>
           </p:cNvPr>
@@ -27068,7 +34910,7 @@
           <p:cNvPr id="2" name="Title 1">
             <a:extLst>
               <a:ext uri="{FF2B5EF4-FFF2-40B4-BE49-F238E27FC236}">
-                <a16:creationId xmlns:a16="http://schemas.microsoft.com/office/drawing/2014/main" xmlns="" id="{C92193BD-EEB5-4CC3-BE21-D39BD95A385D}"/>
+                <a16:creationId xmlns="" xmlns:a16="http://schemas.microsoft.com/office/drawing/2014/main" id="{C92193BD-EEB5-4CC3-BE21-D39BD95A385D}"/>
               </a:ext>
             </a:extLst>
           </p:cNvPr>
@@ -27096,7 +34938,7 @@
           <p:cNvPr id="3" name="Content Placeholder 2">
             <a:extLst>
               <a:ext uri="{FF2B5EF4-FFF2-40B4-BE49-F238E27FC236}">
-                <a16:creationId xmlns:a16="http://schemas.microsoft.com/office/drawing/2014/main" xmlns="" id="{A4590DDC-E5B1-460D-8B70-03C4082BCC79}"/>
+                <a16:creationId xmlns="" xmlns:a16="http://schemas.microsoft.com/office/drawing/2014/main" id="{A4590DDC-E5B1-460D-8B70-03C4082BCC79}"/>
               </a:ext>
             </a:extLst>
           </p:cNvPr>

--- a/Anvisys-Profile.pptx
+++ b/Anvisys-Profile.pptx
@@ -125,7 +125,7 @@
   </p:defaultTextStyle>
   <p:extLst>
     <p:ext uri="{EFAFB233-063F-42B5-8137-9DF3F51BA10A}">
-      <p15:sldGuideLst xmlns="" xmlns:p15="http://schemas.microsoft.com/office/powerpoint/2012/main">
+      <p15:sldGuideLst xmlns:p15="http://schemas.microsoft.com/office/powerpoint/2012/main">
         <p15:guide id="1" orient="horz" pos="2160">
           <p15:clr>
             <a:srgbClr val="A4A3A4"/>
@@ -224,7 +224,7 @@
           <a:p>
             <a:fld id="{9836EA8E-4424-4A9A-BA95-A118E6208F28}" type="datetimeFigureOut">
               <a:rPr lang="en-IN" smtClean="0"/>
-              <a:t>27-06-2019</a:t>
+              <a:t>30-06-2019</a:t>
             </a:fld>
             <a:endParaRPr lang="en-IN"/>
           </a:p>
@@ -536,7 +536,10 @@
           <a:bodyPr/>
           <a:lstStyle/>
           <a:p>
-            <a:endParaRPr lang="en-IN" dirty="0"/>
+            <a:r>
+              <a:rPr lang="en-IN" dirty="0"/>
+              <a:t>To get in touch with us visit www.Anvisys.net</a:t>
+            </a:r>
           </a:p>
         </p:txBody>
       </p:sp>
@@ -547,7 +550,7 @@
             <a:spLocks noGrp="1"/>
           </p:cNvSpPr>
           <p:nvPr>
-            <p:ph type="sldNum" sz="quarter" idx="10"/>
+            <p:ph type="sldNum" sz="quarter" idx="5"/>
           </p:nvPr>
         </p:nvSpPr>
         <p:spPr/>
@@ -555,9 +558,9 @@
           <a:bodyPr/>
           <a:lstStyle/>
           <a:p>
-            <a:fld id="{9DFC9AA0-513A-466B-8160-91129E36E7F6}" type="slidenum">
+            <a:fld id="{4CBD089A-0A94-4AFC-AFE6-28AD0A54A829}" type="slidenum">
               <a:rPr lang="en-IN" smtClean="0"/>
-              <a:t>12</a:t>
+              <a:t>2</a:t>
             </a:fld>
             <a:endParaRPr lang="en-IN"/>
           </a:p>
@@ -566,7 +569,7 @@
     </p:spTree>
     <p:extLst>
       <p:ext uri="{BB962C8B-B14F-4D97-AF65-F5344CB8AC3E}">
-        <p14:creationId xmlns:p14="http://schemas.microsoft.com/office/powerpoint/2010/main" val="3721229359"/>
+        <p14:creationId xmlns:p14="http://schemas.microsoft.com/office/powerpoint/2010/main" val="1353590057"/>
       </p:ext>
     </p:extLst>
   </p:cSld>
@@ -620,22 +623,6 @@
           <a:bodyPr/>
           <a:lstStyle/>
           <a:p>
-            <a:r>
-              <a:rPr lang="en-IN" dirty="0" smtClean="0"/>
-              <a:t>Need</a:t>
-            </a:r>
-            <a:r>
-              <a:rPr lang="en-IN" baseline="0" dirty="0" smtClean="0"/>
-              <a:t> to change the message at the top as per the requirement </a:t>
-            </a:r>
-          </a:p>
-          <a:p>
-            <a:r>
-              <a:rPr lang="en-IN" baseline="0" dirty="0" smtClean="0"/>
-              <a:t>Slide is about the services we offer to our clients. </a:t>
-            </a:r>
-          </a:p>
-          <a:p>
             <a:endParaRPr lang="en-IN" dirty="0"/>
           </a:p>
         </p:txBody>
@@ -655,9 +642,9 @@
           <a:bodyPr/>
           <a:lstStyle/>
           <a:p>
-            <a:fld id="{DBB8162B-FCEB-413A-811F-0A462A2092A9}" type="slidenum">
+            <a:fld id="{9DFC9AA0-513A-466B-8160-91129E36E7F6}" type="slidenum">
               <a:rPr lang="en-IN" smtClean="0"/>
-              <a:t>16</a:t>
+              <a:t>12</a:t>
             </a:fld>
             <a:endParaRPr lang="en-IN"/>
           </a:p>
@@ -666,7 +653,7 @@
     </p:spTree>
     <p:extLst>
       <p:ext uri="{BB962C8B-B14F-4D97-AF65-F5344CB8AC3E}">
-        <p14:creationId xmlns:p14="http://schemas.microsoft.com/office/powerpoint/2010/main" val="334959490"/>
+        <p14:creationId xmlns:p14="http://schemas.microsoft.com/office/powerpoint/2010/main" val="3721229359"/>
       </p:ext>
     </p:extLst>
   </p:cSld>
@@ -720,39 +707,223 @@
           <a:bodyPr/>
           <a:lstStyle/>
           <a:p>
+            <a:endParaRPr lang="en-IN" dirty="0"/>
+          </a:p>
+        </p:txBody>
+      </p:sp>
+      <p:sp>
+        <p:nvSpPr>
+          <p:cNvPr id="4" name="Slide Number Placeholder 3"/>
+          <p:cNvSpPr>
+            <a:spLocks noGrp="1"/>
+          </p:cNvSpPr>
+          <p:nvPr>
+            <p:ph type="sldNum" sz="quarter" idx="5"/>
+          </p:nvPr>
+        </p:nvSpPr>
+        <p:spPr/>
+        <p:txBody>
+          <a:bodyPr/>
+          <a:lstStyle/>
+          <a:p>
+            <a:fld id="{4CBD089A-0A94-4AFC-AFE6-28AD0A54A829}" type="slidenum">
+              <a:rPr lang="en-IN" smtClean="0"/>
+              <a:t>13</a:t>
+            </a:fld>
+            <a:endParaRPr lang="en-IN"/>
+          </a:p>
+        </p:txBody>
+      </p:sp>
+    </p:spTree>
+    <p:extLst>
+      <p:ext uri="{BB962C8B-B14F-4D97-AF65-F5344CB8AC3E}">
+        <p14:creationId xmlns:p14="http://schemas.microsoft.com/office/powerpoint/2010/main" val="2085948277"/>
+      </p:ext>
+    </p:extLst>
+  </p:cSld>
+  <p:clrMapOvr>
+    <a:masterClrMapping/>
+  </p:clrMapOvr>
+</p:notes>
+</file>
+
+<file path=ppt/notesSlides/notesSlide4.xml><?xml version="1.0" encoding="utf-8"?>
+<p:notes xmlns:a="http://schemas.openxmlformats.org/drawingml/2006/main" xmlns:r="http://schemas.openxmlformats.org/officeDocument/2006/relationships" xmlns:p="http://schemas.openxmlformats.org/presentationml/2006/main">
+  <p:cSld>
+    <p:spTree>
+      <p:nvGrpSpPr>
+        <p:cNvPr id="1" name=""/>
+        <p:cNvGrpSpPr/>
+        <p:nvPr/>
+      </p:nvGrpSpPr>
+      <p:grpSpPr>
+        <a:xfrm>
+          <a:off x="0" y="0"/>
+          <a:ext cx="0" cy="0"/>
+          <a:chOff x="0" y="0"/>
+          <a:chExt cx="0" cy="0"/>
+        </a:xfrm>
+      </p:grpSpPr>
+      <p:sp>
+        <p:nvSpPr>
+          <p:cNvPr id="2" name="Slide Image Placeholder 1"/>
+          <p:cNvSpPr>
+            <a:spLocks noGrp="1" noRot="1" noChangeAspect="1"/>
+          </p:cNvSpPr>
+          <p:nvPr>
+            <p:ph type="sldImg"/>
+          </p:nvPr>
+        </p:nvSpPr>
+        <p:spPr/>
+      </p:sp>
+      <p:sp>
+        <p:nvSpPr>
+          <p:cNvPr id="3" name="Notes Placeholder 2"/>
+          <p:cNvSpPr>
+            <a:spLocks noGrp="1"/>
+          </p:cNvSpPr>
+          <p:nvPr>
+            <p:ph type="body" idx="1"/>
+          </p:nvPr>
+        </p:nvSpPr>
+        <p:spPr/>
+        <p:txBody>
+          <a:bodyPr/>
+          <a:lstStyle/>
+          <a:p>
             <a:r>
-              <a:rPr lang="en-IN" dirty="0" smtClean="0"/>
+              <a:rPr lang="en-IN" dirty="0"/>
+              <a:t>Need</a:t>
+            </a:r>
+            <a:r>
+              <a:rPr lang="en-IN" baseline="0" dirty="0"/>
+              <a:t> to change the message at the top as per the requirement </a:t>
+            </a:r>
+          </a:p>
+          <a:p>
+            <a:r>
+              <a:rPr lang="en-IN" baseline="0" dirty="0"/>
+              <a:t>Slide is about the services we offer to our clients. </a:t>
+            </a:r>
+          </a:p>
+          <a:p>
+            <a:endParaRPr lang="en-IN" dirty="0"/>
+          </a:p>
+        </p:txBody>
+      </p:sp>
+      <p:sp>
+        <p:nvSpPr>
+          <p:cNvPr id="4" name="Slide Number Placeholder 3"/>
+          <p:cNvSpPr>
+            <a:spLocks noGrp="1"/>
+          </p:cNvSpPr>
+          <p:nvPr>
+            <p:ph type="sldNum" sz="quarter" idx="10"/>
+          </p:nvPr>
+        </p:nvSpPr>
+        <p:spPr/>
+        <p:txBody>
+          <a:bodyPr/>
+          <a:lstStyle/>
+          <a:p>
+            <a:fld id="{DBB8162B-FCEB-413A-811F-0A462A2092A9}" type="slidenum">
+              <a:rPr lang="en-IN" smtClean="0"/>
+              <a:t>16</a:t>
+            </a:fld>
+            <a:endParaRPr lang="en-IN"/>
+          </a:p>
+        </p:txBody>
+      </p:sp>
+    </p:spTree>
+    <p:extLst>
+      <p:ext uri="{BB962C8B-B14F-4D97-AF65-F5344CB8AC3E}">
+        <p14:creationId xmlns:p14="http://schemas.microsoft.com/office/powerpoint/2010/main" val="334959490"/>
+      </p:ext>
+    </p:extLst>
+  </p:cSld>
+  <p:clrMapOvr>
+    <a:masterClrMapping/>
+  </p:clrMapOvr>
+</p:notes>
+</file>
+
+<file path=ppt/notesSlides/notesSlide5.xml><?xml version="1.0" encoding="utf-8"?>
+<p:notes xmlns:a="http://schemas.openxmlformats.org/drawingml/2006/main" xmlns:r="http://schemas.openxmlformats.org/officeDocument/2006/relationships" xmlns:p="http://schemas.openxmlformats.org/presentationml/2006/main">
+  <p:cSld>
+    <p:spTree>
+      <p:nvGrpSpPr>
+        <p:cNvPr id="1" name=""/>
+        <p:cNvGrpSpPr/>
+        <p:nvPr/>
+      </p:nvGrpSpPr>
+      <p:grpSpPr>
+        <a:xfrm>
+          <a:off x="0" y="0"/>
+          <a:ext cx="0" cy="0"/>
+          <a:chOff x="0" y="0"/>
+          <a:chExt cx="0" cy="0"/>
+        </a:xfrm>
+      </p:grpSpPr>
+      <p:sp>
+        <p:nvSpPr>
+          <p:cNvPr id="2" name="Slide Image Placeholder 1"/>
+          <p:cNvSpPr>
+            <a:spLocks noGrp="1" noRot="1" noChangeAspect="1"/>
+          </p:cNvSpPr>
+          <p:nvPr>
+            <p:ph type="sldImg"/>
+          </p:nvPr>
+        </p:nvSpPr>
+        <p:spPr/>
+      </p:sp>
+      <p:sp>
+        <p:nvSpPr>
+          <p:cNvPr id="3" name="Notes Placeholder 2"/>
+          <p:cNvSpPr>
+            <a:spLocks noGrp="1"/>
+          </p:cNvSpPr>
+          <p:nvPr>
+            <p:ph type="body" idx="1"/>
+          </p:nvPr>
+        </p:nvSpPr>
+        <p:spPr/>
+        <p:txBody>
+          <a:bodyPr/>
+          <a:lstStyle/>
+          <a:p>
+            <a:r>
+              <a:rPr lang="en-IN" dirty="0"/>
               <a:t>Poster for</a:t>
             </a:r>
             <a:r>
-              <a:rPr lang="en-IN" baseline="0" dirty="0" smtClean="0"/>
+              <a:rPr lang="en-IN" baseline="0" dirty="0"/>
               <a:t> </a:t>
             </a:r>
             <a:r>
-              <a:rPr lang="en-IN" baseline="0" dirty="0" err="1" smtClean="0"/>
+              <a:rPr lang="en-IN" baseline="0" dirty="0" err="1"/>
               <a:t>anvisys</a:t>
             </a:r>
             <a:r>
-              <a:rPr lang="en-IN" baseline="0" dirty="0" smtClean="0"/>
+              <a:rPr lang="en-IN" baseline="0" dirty="0"/>
               <a:t> branding </a:t>
             </a:r>
           </a:p>
           <a:p>
             <a:r>
-              <a:rPr lang="en-IN" baseline="0" dirty="0" smtClean="0"/>
+              <a:rPr lang="en-IN" baseline="0" dirty="0"/>
               <a:t>Colour of the top needs to be changed accordingly</a:t>
             </a:r>
           </a:p>
           <a:p>
             <a:r>
-              <a:rPr lang="en-IN" baseline="0" dirty="0" smtClean="0"/>
+              <a:rPr lang="en-IN" baseline="0" dirty="0"/>
               <a:t>Fonts have been enhanced </a:t>
             </a:r>
             <a:r>
-              <a:rPr lang="en-IN" baseline="0" smtClean="0"/>
+              <a:rPr lang="en-IN" baseline="0"/>
               <a:t>and aligned  </a:t>
             </a:r>
-            <a:endParaRPr lang="en-IN" baseline="0" dirty="0" smtClean="0"/>
+            <a:endParaRPr lang="en-IN" baseline="0" dirty="0"/>
           </a:p>
         </p:txBody>
       </p:sp>
@@ -973,7 +1144,7 @@
           <a:p>
             <a:fld id="{D88684BC-97E8-4EB7-B548-A80FF2565271}" type="datetimeFigureOut">
               <a:rPr lang="en-IN" smtClean="0"/>
-              <a:t>27-06-2019</a:t>
+              <a:t>30-06-2019</a:t>
             </a:fld>
             <a:endParaRPr lang="en-IN"/>
           </a:p>
@@ -1143,7 +1314,7 @@
           <a:p>
             <a:fld id="{D88684BC-97E8-4EB7-B548-A80FF2565271}" type="datetimeFigureOut">
               <a:rPr lang="en-IN" smtClean="0"/>
-              <a:t>27-06-2019</a:t>
+              <a:t>30-06-2019</a:t>
             </a:fld>
             <a:endParaRPr lang="en-IN"/>
           </a:p>
@@ -1323,7 +1494,7 @@
           <a:p>
             <a:fld id="{D88684BC-97E8-4EB7-B548-A80FF2565271}" type="datetimeFigureOut">
               <a:rPr lang="en-IN" smtClean="0"/>
-              <a:t>27-06-2019</a:t>
+              <a:t>30-06-2019</a:t>
             </a:fld>
             <a:endParaRPr lang="en-IN"/>
           </a:p>
@@ -1493,7 +1664,7 @@
           <a:p>
             <a:fld id="{D88684BC-97E8-4EB7-B548-A80FF2565271}" type="datetimeFigureOut">
               <a:rPr lang="en-IN" smtClean="0"/>
-              <a:t>27-06-2019</a:t>
+              <a:t>30-06-2019</a:t>
             </a:fld>
             <a:endParaRPr lang="en-IN"/>
           </a:p>
@@ -1739,7 +1910,7 @@
           <a:p>
             <a:fld id="{D88684BC-97E8-4EB7-B548-A80FF2565271}" type="datetimeFigureOut">
               <a:rPr lang="en-IN" smtClean="0"/>
-              <a:t>27-06-2019</a:t>
+              <a:t>30-06-2019</a:t>
             </a:fld>
             <a:endParaRPr lang="en-IN"/>
           </a:p>
@@ -2027,7 +2198,7 @@
           <a:p>
             <a:fld id="{D88684BC-97E8-4EB7-B548-A80FF2565271}" type="datetimeFigureOut">
               <a:rPr lang="en-IN" smtClean="0"/>
-              <a:t>27-06-2019</a:t>
+              <a:t>30-06-2019</a:t>
             </a:fld>
             <a:endParaRPr lang="en-IN"/>
           </a:p>
@@ -2449,7 +2620,7 @@
           <a:p>
             <a:fld id="{D88684BC-97E8-4EB7-B548-A80FF2565271}" type="datetimeFigureOut">
               <a:rPr lang="en-IN" smtClean="0"/>
-              <a:t>27-06-2019</a:t>
+              <a:t>30-06-2019</a:t>
             </a:fld>
             <a:endParaRPr lang="en-IN"/>
           </a:p>
@@ -2567,7 +2738,7 @@
           <a:p>
             <a:fld id="{D88684BC-97E8-4EB7-B548-A80FF2565271}" type="datetimeFigureOut">
               <a:rPr lang="en-IN" smtClean="0"/>
-              <a:t>27-06-2019</a:t>
+              <a:t>30-06-2019</a:t>
             </a:fld>
             <a:endParaRPr lang="en-IN"/>
           </a:p>
@@ -2662,7 +2833,7 @@
           <a:p>
             <a:fld id="{D88684BC-97E8-4EB7-B548-A80FF2565271}" type="datetimeFigureOut">
               <a:rPr lang="en-IN" smtClean="0"/>
-              <a:t>27-06-2019</a:t>
+              <a:t>30-06-2019</a:t>
             </a:fld>
             <a:endParaRPr lang="en-IN"/>
           </a:p>
@@ -2939,7 +3110,7 @@
           <a:p>
             <a:fld id="{D88684BC-97E8-4EB7-B548-A80FF2565271}" type="datetimeFigureOut">
               <a:rPr lang="en-IN" smtClean="0"/>
-              <a:t>27-06-2019</a:t>
+              <a:t>30-06-2019</a:t>
             </a:fld>
             <a:endParaRPr lang="en-IN"/>
           </a:p>
@@ -3192,7 +3363,7 @@
           <a:p>
             <a:fld id="{D88684BC-97E8-4EB7-B548-A80FF2565271}" type="datetimeFigureOut">
               <a:rPr lang="en-IN" smtClean="0"/>
-              <a:t>27-06-2019</a:t>
+              <a:t>30-06-2019</a:t>
             </a:fld>
             <a:endParaRPr lang="en-IN"/>
           </a:p>
@@ -3405,7 +3576,7 @@
           <a:p>
             <a:fld id="{D88684BC-97E8-4EB7-B548-A80FF2565271}" type="datetimeFigureOut">
               <a:rPr lang="en-IN" smtClean="0"/>
-              <a:t>27-06-2019</a:t>
+              <a:t>30-06-2019</a:t>
             </a:fld>
             <a:endParaRPr lang="en-IN"/>
           </a:p>
@@ -10617,7 +10788,7 @@
             <p:cNvPr id="46" name="Picture 45">
               <a:extLst>
                 <a:ext uri="{FF2B5EF4-FFF2-40B4-BE49-F238E27FC236}">
-                  <a16:creationId xmlns="" xmlns:a16="http://schemas.microsoft.com/office/drawing/2014/main" id="{13C97FC4-4358-46A7-89E4-BB08F494C22B}"/>
+                  <a16:creationId xmlns:a16="http://schemas.microsoft.com/office/drawing/2014/main" id="{13C97FC4-4358-46A7-89E4-BB08F494C22B}"/>
                 </a:ext>
               </a:extLst>
             </p:cNvPr>
@@ -12061,11 +12232,13 @@
         </p:nvSpPr>
         <p:spPr>
           <a:xfrm>
-            <a:off x="448370" y="3062629"/>
-            <a:ext cx="1611086" cy="422103"/>
+            <a:off x="369296" y="2785610"/>
+            <a:ext cx="1744106" cy="572409"/>
           </a:xfrm>
           <a:prstGeom prst="roundRect">
-            <a:avLst/>
+            <a:avLst>
+              <a:gd name="adj" fmla="val 16667"/>
+            </a:avLst>
           </a:prstGeom>
           <a:solidFill>
             <a:schemeClr val="bg1"/>
@@ -12125,8 +12298,8 @@
         </p:nvSpPr>
         <p:spPr>
           <a:xfrm>
-            <a:off x="437851" y="3171912"/>
-            <a:ext cx="1973909" cy="540200"/>
+            <a:off x="320234" y="2910338"/>
+            <a:ext cx="1973909" cy="707886"/>
           </a:xfrm>
           <a:prstGeom prst="rect">
             <a:avLst/>
@@ -12162,12 +12335,12 @@
           <a:p>
             <a:pPr marL="0" lvl="1"/>
             <a:r>
-              <a:rPr lang="en-IN" sz="1200" b="1" dirty="0"/>
+              <a:rPr lang="en-IN" sz="1600" b="1" dirty="0"/>
               <a:t>Android Application</a:t>
             </a:r>
           </a:p>
           <a:p>
-            <a:endParaRPr lang="en-IN" dirty="0"/>
+            <a:endParaRPr lang="en-IN" sz="2400" dirty="0"/>
           </a:p>
         </p:txBody>
       </p:sp>
@@ -12179,8 +12352,8 @@
         </p:nvSpPr>
         <p:spPr>
           <a:xfrm>
-            <a:off x="2607353" y="4374171"/>
-            <a:ext cx="1396958" cy="342517"/>
+            <a:off x="2463651" y="3905005"/>
+            <a:ext cx="1676301" cy="523724"/>
           </a:xfrm>
           <a:prstGeom prst="roundRect">
             <a:avLst/>
@@ -12237,16 +12410,16 @@
       </p:sp>
       <p:grpSp>
         <p:nvGrpSpPr>
-          <p:cNvPr id="125" name="Group 124"/>
+          <p:cNvPr id="57" name="Group 56"/>
           <p:cNvGrpSpPr/>
           <p:nvPr/>
         </p:nvGrpSpPr>
         <p:grpSpPr>
           <a:xfrm>
-            <a:off x="2191938" y="8696"/>
-            <a:ext cx="2215863" cy="5241532"/>
-            <a:chOff x="2191939" y="8695"/>
-            <a:chExt cx="1903714" cy="5317105"/>
+            <a:off x="2191938" y="2126907"/>
+            <a:ext cx="2215863" cy="3123321"/>
+            <a:chOff x="143508" y="1190004"/>
+            <a:chExt cx="3312368" cy="4615259"/>
           </a:xfrm>
           <a:scene3d>
             <a:camera prst="orthographicFront">
@@ -12257,38 +12430,225 @@
             </a:lightRig>
           </a:scene3d>
         </p:grpSpPr>
+        <p:sp>
+          <p:nvSpPr>
+            <p:cNvPr id="58" name="Donut 57"/>
+            <p:cNvSpPr/>
+            <p:nvPr/>
+          </p:nvSpPr>
+          <p:spPr>
+            <a:xfrm>
+              <a:off x="143508" y="2780928"/>
+              <a:ext cx="3312368" cy="3024335"/>
+            </a:xfrm>
+            <a:prstGeom prst="donut">
+              <a:avLst>
+                <a:gd name="adj" fmla="val 5603"/>
+              </a:avLst>
+            </a:prstGeom>
+            <a:solidFill>
+              <a:srgbClr val="00B050"/>
+            </a:solidFill>
+            <a:ln>
+              <a:noFill/>
+            </a:ln>
+            <a:effectLst>
+              <a:outerShdw blurRad="190500" dist="228600" dir="2700000" algn="ctr">
+                <a:srgbClr val="000000">
+                  <a:alpha val="30000"/>
+                </a:srgbClr>
+              </a:outerShdw>
+            </a:effectLst>
+            <a:sp3d prstMaterial="matte">
+              <a:bevelT w="127000" h="63500"/>
+            </a:sp3d>
+          </p:spPr>
+          <p:style>
+            <a:lnRef idx="2">
+              <a:schemeClr val="accent1">
+                <a:shade val="50000"/>
+              </a:schemeClr>
+            </a:lnRef>
+            <a:fillRef idx="1">
+              <a:schemeClr val="accent1"/>
+            </a:fillRef>
+            <a:effectRef idx="0">
+              <a:schemeClr val="accent1"/>
+            </a:effectRef>
+            <a:fontRef idx="minor">
+              <a:schemeClr val="lt1"/>
+            </a:fontRef>
+          </p:style>
+          <p:txBody>
+            <a:bodyPr rtlCol="0" anchor="ctr"/>
+            <a:lstStyle/>
+            <a:p>
+              <a:pPr algn="ctr"/>
+              <a:endParaRPr lang="en-IN">
+                <a:solidFill>
+                  <a:schemeClr val="tx1"/>
+                </a:solidFill>
+              </a:endParaRPr>
+            </a:p>
+          </p:txBody>
+        </p:sp>
         <p:grpSp>
           <p:nvGrpSpPr>
-            <p:cNvPr id="57" name="Group 56"/>
+            <p:cNvPr id="59" name="Group 58"/>
             <p:cNvGrpSpPr/>
             <p:nvPr/>
           </p:nvGrpSpPr>
           <p:grpSpPr>
             <a:xfrm>
-              <a:off x="2191939" y="2157447"/>
-              <a:ext cx="1903714" cy="3168353"/>
-              <a:chOff x="143508" y="1190004"/>
-              <a:chExt cx="3312368" cy="4615259"/>
+              <a:off x="755576" y="1190004"/>
+              <a:ext cx="2088233" cy="2172770"/>
+              <a:chOff x="2339752" y="1051290"/>
+              <a:chExt cx="2232248" cy="2172771"/>
             </a:xfrm>
           </p:grpSpPr>
           <p:sp>
             <p:nvSpPr>
-              <p:cNvPr id="58" name="Donut 57"/>
+              <p:cNvPr id="60" name="Trapezoid 3"/>
               <p:cNvSpPr/>
               <p:nvPr/>
             </p:nvSpPr>
             <p:spPr>
               <a:xfrm>
-                <a:off x="143508" y="2780928"/>
-                <a:ext cx="3312368" cy="3024335"/>
+                <a:off x="2339752" y="2431973"/>
+                <a:ext cx="2232248" cy="792088"/>
+              </a:xfrm>
+              <a:custGeom>
+                <a:avLst/>
+                <a:gdLst/>
+                <a:ahLst/>
+                <a:cxnLst/>
+                <a:rect l="l" t="t" r="r" b="b"/>
+                <a:pathLst>
+                  <a:path w="2232248" h="792088">
+                    <a:moveTo>
+                      <a:pt x="184374" y="0"/>
+                    </a:moveTo>
+                    <a:lnTo>
+                      <a:pt x="2047874" y="0"/>
+                    </a:lnTo>
+                    <a:lnTo>
+                      <a:pt x="2232248" y="792088"/>
+                    </a:lnTo>
+                    <a:lnTo>
+                      <a:pt x="1942048" y="792088"/>
+                    </a:lnTo>
+                    <a:lnTo>
+                      <a:pt x="1944216" y="770581"/>
+                    </a:lnTo>
+                    <a:cubicBezTo>
+                      <a:pt x="1944216" y="671159"/>
+                      <a:pt x="1863618" y="590561"/>
+                      <a:pt x="1764196" y="590561"/>
+                    </a:cubicBezTo>
+                    <a:cubicBezTo>
+                      <a:pt x="1664774" y="590561"/>
+                      <a:pt x="1584176" y="671159"/>
+                      <a:pt x="1584176" y="770581"/>
+                    </a:cubicBezTo>
+                    <a:cubicBezTo>
+                      <a:pt x="1584176" y="777895"/>
+                      <a:pt x="1584612" y="785108"/>
+                      <a:pt x="1586344" y="792088"/>
+                    </a:cubicBezTo>
+                    <a:lnTo>
+                      <a:pt x="648072" y="792088"/>
+                    </a:lnTo>
+                    <a:cubicBezTo>
+                      <a:pt x="648072" y="692666"/>
+                      <a:pt x="567474" y="612068"/>
+                      <a:pt x="468052" y="612068"/>
+                    </a:cubicBezTo>
+                    <a:cubicBezTo>
+                      <a:pt x="368630" y="612068"/>
+                      <a:pt x="288032" y="692666"/>
+                      <a:pt x="288032" y="792088"/>
+                    </a:cubicBezTo>
+                    <a:lnTo>
+                      <a:pt x="0" y="792088"/>
+                    </a:lnTo>
+                    <a:close/>
+                  </a:path>
+                </a:pathLst>
+              </a:custGeom>
+              <a:gradFill>
+                <a:gsLst>
+                  <a:gs pos="54000">
+                    <a:schemeClr val="tx1">
+                      <a:lumMod val="95000"/>
+                      <a:lumOff val="5000"/>
+                    </a:schemeClr>
+                  </a:gs>
+                  <a:gs pos="10000">
+                    <a:schemeClr val="tx1"/>
+                  </a:gs>
+                  <a:gs pos="31000">
+                    <a:schemeClr val="bg1">
+                      <a:lumMod val="95000"/>
+                    </a:schemeClr>
+                  </a:gs>
+                </a:gsLst>
+                <a:lin ang="16200000" scaled="0"/>
+              </a:gradFill>
+              <a:ln>
+                <a:noFill/>
+              </a:ln>
+              <a:effectLst>
+                <a:outerShdw blurRad="190500" dist="228600" dir="2700000" algn="ctr">
+                  <a:srgbClr val="000000">
+                    <a:alpha val="30000"/>
+                  </a:srgbClr>
+                </a:outerShdw>
+              </a:effectLst>
+              <a:sp3d prstMaterial="matte">
+                <a:bevelT w="127000" h="63500"/>
+              </a:sp3d>
+            </p:spPr>
+            <p:style>
+              <a:lnRef idx="2">
+                <a:schemeClr val="accent1">
+                  <a:shade val="50000"/>
+                </a:schemeClr>
+              </a:lnRef>
+              <a:fillRef idx="1">
+                <a:schemeClr val="accent1"/>
+              </a:fillRef>
+              <a:effectRef idx="0">
+                <a:schemeClr val="accent1"/>
+              </a:effectRef>
+              <a:fontRef idx="minor">
+                <a:schemeClr val="lt1"/>
+              </a:fontRef>
+            </p:style>
+            <p:txBody>
+              <a:bodyPr rtlCol="0" anchor="ctr"/>
+              <a:lstStyle/>
+              <a:p>
+                <a:pPr algn="ctr"/>
+                <a:endParaRPr lang="en-IN"/>
+              </a:p>
+            </p:txBody>
+          </p:sp>
+          <p:sp>
+            <p:nvSpPr>
+              <p:cNvPr id="61" name="Donut 60"/>
+              <p:cNvSpPr/>
+              <p:nvPr/>
+            </p:nvSpPr>
+            <p:spPr>
+              <a:xfrm>
+                <a:off x="2940886" y="1051290"/>
+                <a:ext cx="756084" cy="216024"/>
               </a:xfrm>
               <a:prstGeom prst="donut">
-                <a:avLst>
-                  <a:gd name="adj" fmla="val 5603"/>
-                </a:avLst>
+                <a:avLst/>
               </a:prstGeom>
               <a:solidFill>
-                <a:srgbClr val="00B050"/>
+                <a:schemeClr val="tx1"/>
               </a:solidFill>
               <a:ln>
                 <a:noFill/>
@@ -12333,481 +12693,295 @@
               </a:p>
             </p:txBody>
           </p:sp>
-          <p:grpSp>
-            <p:nvGrpSpPr>
-              <p:cNvPr id="59" name="Group 58"/>
-              <p:cNvGrpSpPr/>
+          <p:sp>
+            <p:nvSpPr>
+              <p:cNvPr id="62" name="Rounded Rectangle 61"/>
+              <p:cNvSpPr/>
               <p:nvPr/>
-            </p:nvGrpSpPr>
-            <p:grpSpPr>
+            </p:nvSpPr>
+            <p:spPr>
+              <a:xfrm rot="509408">
+                <a:off x="2902133" y="1181970"/>
+                <a:ext cx="70210" cy="1833185"/>
+              </a:xfrm>
+              <a:prstGeom prst="roundRect">
+                <a:avLst/>
+              </a:prstGeom>
+              <a:solidFill>
+                <a:schemeClr val="tx1"/>
+              </a:solidFill>
+              <a:ln>
+                <a:noFill/>
+              </a:ln>
+              <a:effectLst>
+                <a:outerShdw blurRad="190500" dist="228600" dir="2700000" algn="ctr">
+                  <a:srgbClr val="000000">
+                    <a:alpha val="30000"/>
+                  </a:srgbClr>
+                </a:outerShdw>
+              </a:effectLst>
+              <a:sp3d prstMaterial="matte">
+                <a:bevelT w="127000" h="63500"/>
+              </a:sp3d>
+            </p:spPr>
+            <p:style>
+              <a:lnRef idx="2">
+                <a:schemeClr val="accent1">
+                  <a:shade val="50000"/>
+                </a:schemeClr>
+              </a:lnRef>
+              <a:fillRef idx="1">
+                <a:schemeClr val="accent1"/>
+              </a:fillRef>
+              <a:effectRef idx="0">
+                <a:schemeClr val="accent1"/>
+              </a:effectRef>
+              <a:fontRef idx="minor">
+                <a:schemeClr val="lt1"/>
+              </a:fontRef>
+            </p:style>
+            <p:txBody>
+              <a:bodyPr rtlCol="0" anchor="ctr"/>
+              <a:lstStyle/>
+              <a:p>
+                <a:pPr algn="ctr"/>
+                <a:endParaRPr lang="en-IN"/>
+              </a:p>
+            </p:txBody>
+          </p:sp>
+          <p:sp>
+            <p:nvSpPr>
+              <p:cNvPr id="63" name="Rounded Rectangle 62"/>
+              <p:cNvSpPr/>
+              <p:nvPr/>
+            </p:nvSpPr>
+            <p:spPr>
+              <a:xfrm rot="20675790" flipV="1">
+                <a:off x="3782775" y="1150951"/>
+                <a:ext cx="71999" cy="1879200"/>
+              </a:xfrm>
+              <a:prstGeom prst="roundRect">
+                <a:avLst/>
+              </a:prstGeom>
+              <a:solidFill>
+                <a:schemeClr val="tx1"/>
+              </a:solidFill>
+              <a:ln>
+                <a:noFill/>
+              </a:ln>
+              <a:effectLst>
+                <a:outerShdw blurRad="190500" dist="228600" dir="2700000" algn="ctr">
+                  <a:srgbClr val="000000">
+                    <a:alpha val="30000"/>
+                  </a:srgbClr>
+                </a:outerShdw>
+              </a:effectLst>
+              <a:sp3d prstMaterial="matte">
+                <a:bevelT w="127000" h="63500"/>
+              </a:sp3d>
+            </p:spPr>
+            <p:style>
+              <a:lnRef idx="2">
+                <a:schemeClr val="accent1">
+                  <a:shade val="50000"/>
+                </a:schemeClr>
+              </a:lnRef>
+              <a:fillRef idx="1">
+                <a:schemeClr val="accent1"/>
+              </a:fillRef>
+              <a:effectRef idx="0">
+                <a:schemeClr val="accent1"/>
+              </a:effectRef>
+              <a:fontRef idx="minor">
+                <a:schemeClr val="lt1"/>
+              </a:fontRef>
+            </p:style>
+            <p:txBody>
+              <a:bodyPr rtlCol="0" anchor="ctr"/>
+              <a:lstStyle/>
+              <a:p>
+                <a:pPr algn="ctr"/>
+                <a:endParaRPr lang="en-IN"/>
+              </a:p>
+            </p:txBody>
+          </p:sp>
+          <p:sp>
+            <p:nvSpPr>
+              <p:cNvPr id="64" name="Rounded Rectangle 63"/>
+              <p:cNvSpPr/>
+              <p:nvPr/>
+            </p:nvSpPr>
+            <p:spPr>
               <a:xfrm>
-                <a:off x="755576" y="1190004"/>
-                <a:ext cx="2088233" cy="2172770"/>
-                <a:chOff x="2339752" y="1051290"/>
-                <a:chExt cx="2232248" cy="2172771"/>
+                <a:off x="3130447" y="1159302"/>
+                <a:ext cx="389484" cy="108012"/>
               </a:xfrm>
-            </p:grpSpPr>
-            <p:sp>
-              <p:nvSpPr>
-                <p:cNvPr id="60" name="Trapezoid 3"/>
-                <p:cNvSpPr/>
-                <p:nvPr/>
-              </p:nvSpPr>
-              <p:spPr>
-                <a:xfrm>
-                  <a:off x="2339752" y="2431973"/>
-                  <a:ext cx="2232248" cy="792088"/>
-                </a:xfrm>
-                <a:custGeom>
-                  <a:avLst/>
-                  <a:gdLst/>
-                  <a:ahLst/>
-                  <a:cxnLst/>
-                  <a:rect l="l" t="t" r="r" b="b"/>
-                  <a:pathLst>
-                    <a:path w="2232248" h="792088">
-                      <a:moveTo>
-                        <a:pt x="184374" y="0"/>
-                      </a:moveTo>
-                      <a:lnTo>
-                        <a:pt x="2047874" y="0"/>
-                      </a:lnTo>
-                      <a:lnTo>
-                        <a:pt x="2232248" y="792088"/>
-                      </a:lnTo>
-                      <a:lnTo>
-                        <a:pt x="1942048" y="792088"/>
-                      </a:lnTo>
-                      <a:lnTo>
-                        <a:pt x="1944216" y="770581"/>
-                      </a:lnTo>
-                      <a:cubicBezTo>
-                        <a:pt x="1944216" y="671159"/>
-                        <a:pt x="1863618" y="590561"/>
-                        <a:pt x="1764196" y="590561"/>
-                      </a:cubicBezTo>
-                      <a:cubicBezTo>
-                        <a:pt x="1664774" y="590561"/>
-                        <a:pt x="1584176" y="671159"/>
-                        <a:pt x="1584176" y="770581"/>
-                      </a:cubicBezTo>
-                      <a:cubicBezTo>
-                        <a:pt x="1584176" y="777895"/>
-                        <a:pt x="1584612" y="785108"/>
-                        <a:pt x="1586344" y="792088"/>
-                      </a:cubicBezTo>
-                      <a:lnTo>
-                        <a:pt x="648072" y="792088"/>
-                      </a:lnTo>
-                      <a:cubicBezTo>
-                        <a:pt x="648072" y="692666"/>
-                        <a:pt x="567474" y="612068"/>
-                        <a:pt x="468052" y="612068"/>
-                      </a:cubicBezTo>
-                      <a:cubicBezTo>
-                        <a:pt x="368630" y="612068"/>
-                        <a:pt x="288032" y="692666"/>
-                        <a:pt x="288032" y="792088"/>
-                      </a:cubicBezTo>
-                      <a:lnTo>
-                        <a:pt x="0" y="792088"/>
-                      </a:lnTo>
-                      <a:close/>
-                    </a:path>
-                  </a:pathLst>
-                </a:custGeom>
-                <a:gradFill>
-                  <a:gsLst>
-                    <a:gs pos="54000">
-                      <a:schemeClr val="tx1">
-                        <a:lumMod val="95000"/>
-                        <a:lumOff val="5000"/>
-                      </a:schemeClr>
-                    </a:gs>
-                    <a:gs pos="10000">
-                      <a:schemeClr val="tx1"/>
-                    </a:gs>
-                    <a:gs pos="31000">
-                      <a:schemeClr val="bg1">
-                        <a:lumMod val="95000"/>
-                      </a:schemeClr>
-                    </a:gs>
-                  </a:gsLst>
-                  <a:lin ang="16200000" scaled="0"/>
-                </a:gradFill>
-                <a:ln>
-                  <a:noFill/>
-                </a:ln>
-                <a:effectLst>
-                  <a:outerShdw blurRad="190500" dist="228600" dir="2700000" algn="ctr">
-                    <a:srgbClr val="000000">
-                      <a:alpha val="30000"/>
-                    </a:srgbClr>
-                  </a:outerShdw>
-                </a:effectLst>
-                <a:sp3d prstMaterial="matte">
-                  <a:bevelT w="127000" h="63500"/>
-                </a:sp3d>
-              </p:spPr>
-              <p:style>
-                <a:lnRef idx="2">
-                  <a:schemeClr val="accent1">
-                    <a:shade val="50000"/>
-                  </a:schemeClr>
-                </a:lnRef>
-                <a:fillRef idx="1">
-                  <a:schemeClr val="accent1"/>
-                </a:fillRef>
-                <a:effectRef idx="0">
-                  <a:schemeClr val="accent1"/>
-                </a:effectRef>
-                <a:fontRef idx="minor">
-                  <a:schemeClr val="lt1"/>
-                </a:fontRef>
-              </p:style>
-              <p:txBody>
-                <a:bodyPr rtlCol="0" anchor="ctr"/>
-                <a:lstStyle/>
-                <a:p>
-                  <a:pPr algn="ctr"/>
-                  <a:endParaRPr lang="en-IN"/>
-                </a:p>
-              </p:txBody>
-            </p:sp>
-            <p:sp>
-              <p:nvSpPr>
-                <p:cNvPr id="61" name="Donut 60"/>
-                <p:cNvSpPr/>
-                <p:nvPr/>
-              </p:nvSpPr>
-              <p:spPr>
-                <a:xfrm>
-                  <a:off x="2940886" y="1051290"/>
-                  <a:ext cx="756084" cy="216024"/>
-                </a:xfrm>
-                <a:prstGeom prst="donut">
-                  <a:avLst/>
-                </a:prstGeom>
-                <a:solidFill>
-                  <a:schemeClr val="tx1"/>
-                </a:solidFill>
-                <a:ln>
-                  <a:noFill/>
-                </a:ln>
-                <a:effectLst>
-                  <a:outerShdw blurRad="190500" dist="228600" dir="2700000" algn="ctr">
-                    <a:srgbClr val="000000">
-                      <a:alpha val="30000"/>
-                    </a:srgbClr>
-                  </a:outerShdw>
-                </a:effectLst>
-                <a:sp3d prstMaterial="matte">
-                  <a:bevelT w="127000" h="63500"/>
-                </a:sp3d>
-              </p:spPr>
-              <p:style>
-                <a:lnRef idx="2">
-                  <a:schemeClr val="accent1">
-                    <a:shade val="50000"/>
-                  </a:schemeClr>
-                </a:lnRef>
-                <a:fillRef idx="1">
-                  <a:schemeClr val="accent1"/>
-                </a:fillRef>
-                <a:effectRef idx="0">
-                  <a:schemeClr val="accent1"/>
-                </a:effectRef>
-                <a:fontRef idx="minor">
-                  <a:schemeClr val="lt1"/>
-                </a:fontRef>
-              </p:style>
-              <p:txBody>
-                <a:bodyPr rtlCol="0" anchor="ctr"/>
-                <a:lstStyle/>
-                <a:p>
-                  <a:pPr algn="ctr"/>
-                  <a:endParaRPr lang="en-IN">
-                    <a:solidFill>
-                      <a:schemeClr val="tx1"/>
-                    </a:solidFill>
-                  </a:endParaRPr>
-                </a:p>
-              </p:txBody>
-            </p:sp>
-            <p:sp>
-              <p:nvSpPr>
-                <p:cNvPr id="62" name="Rounded Rectangle 61"/>
-                <p:cNvSpPr/>
-                <p:nvPr/>
-              </p:nvSpPr>
-              <p:spPr>
-                <a:xfrm rot="509408">
-                  <a:off x="2902133" y="1181970"/>
-                  <a:ext cx="70210" cy="1833185"/>
-                </a:xfrm>
-                <a:prstGeom prst="roundRect">
-                  <a:avLst/>
-                </a:prstGeom>
-                <a:solidFill>
-                  <a:schemeClr val="tx1"/>
-                </a:solidFill>
-                <a:ln>
-                  <a:noFill/>
-                </a:ln>
-                <a:effectLst>
-                  <a:outerShdw blurRad="190500" dist="228600" dir="2700000" algn="ctr">
-                    <a:srgbClr val="000000">
-                      <a:alpha val="30000"/>
-                    </a:srgbClr>
-                  </a:outerShdw>
-                </a:effectLst>
-                <a:sp3d prstMaterial="matte">
-                  <a:bevelT w="127000" h="63500"/>
-                </a:sp3d>
-              </p:spPr>
-              <p:style>
-                <a:lnRef idx="2">
-                  <a:schemeClr val="accent1">
-                    <a:shade val="50000"/>
-                  </a:schemeClr>
-                </a:lnRef>
-                <a:fillRef idx="1">
-                  <a:schemeClr val="accent1"/>
-                </a:fillRef>
-                <a:effectRef idx="0">
-                  <a:schemeClr val="accent1"/>
-                </a:effectRef>
-                <a:fontRef idx="minor">
-                  <a:schemeClr val="lt1"/>
-                </a:fontRef>
-              </p:style>
-              <p:txBody>
-                <a:bodyPr rtlCol="0" anchor="ctr"/>
-                <a:lstStyle/>
-                <a:p>
-                  <a:pPr algn="ctr"/>
-                  <a:endParaRPr lang="en-IN"/>
-                </a:p>
-              </p:txBody>
-            </p:sp>
-            <p:sp>
-              <p:nvSpPr>
-                <p:cNvPr id="63" name="Rounded Rectangle 62"/>
-                <p:cNvSpPr/>
-                <p:nvPr/>
-              </p:nvSpPr>
-              <p:spPr>
-                <a:xfrm rot="20675790" flipV="1">
-                  <a:off x="3782775" y="1150951"/>
-                  <a:ext cx="71999" cy="1879200"/>
-                </a:xfrm>
-                <a:prstGeom prst="roundRect">
-                  <a:avLst/>
-                </a:prstGeom>
-                <a:solidFill>
-                  <a:schemeClr val="tx1"/>
-                </a:solidFill>
-                <a:ln>
-                  <a:noFill/>
-                </a:ln>
-                <a:effectLst>
-                  <a:outerShdw blurRad="190500" dist="228600" dir="2700000" algn="ctr">
-                    <a:srgbClr val="000000">
-                      <a:alpha val="30000"/>
-                    </a:srgbClr>
-                  </a:outerShdw>
-                </a:effectLst>
-                <a:sp3d prstMaterial="matte">
-                  <a:bevelT w="127000" h="63500"/>
-                </a:sp3d>
-              </p:spPr>
-              <p:style>
-                <a:lnRef idx="2">
-                  <a:schemeClr val="accent1">
-                    <a:shade val="50000"/>
-                  </a:schemeClr>
-                </a:lnRef>
-                <a:fillRef idx="1">
-                  <a:schemeClr val="accent1"/>
-                </a:fillRef>
-                <a:effectRef idx="0">
-                  <a:schemeClr val="accent1"/>
-                </a:effectRef>
-                <a:fontRef idx="minor">
-                  <a:schemeClr val="lt1"/>
-                </a:fontRef>
-              </p:style>
-              <p:txBody>
-                <a:bodyPr rtlCol="0" anchor="ctr"/>
-                <a:lstStyle/>
-                <a:p>
-                  <a:pPr algn="ctr"/>
-                  <a:endParaRPr lang="en-IN"/>
-                </a:p>
-              </p:txBody>
-            </p:sp>
-            <p:sp>
-              <p:nvSpPr>
-                <p:cNvPr id="64" name="Rounded Rectangle 63"/>
-                <p:cNvSpPr/>
-                <p:nvPr/>
-              </p:nvSpPr>
-              <p:spPr>
-                <a:xfrm>
-                  <a:off x="3130447" y="1159302"/>
-                  <a:ext cx="389484" cy="108012"/>
-                </a:xfrm>
-                <a:prstGeom prst="roundRect">
-                  <a:avLst/>
-                </a:prstGeom>
-                <a:solidFill>
-                  <a:schemeClr val="bg1"/>
-                </a:solidFill>
-                <a:ln>
-                  <a:noFill/>
-                </a:ln>
-                <a:effectLst>
-                  <a:outerShdw blurRad="190500" dist="228600" dir="2700000" algn="ctr">
-                    <a:srgbClr val="000000">
-                      <a:alpha val="30000"/>
-                    </a:srgbClr>
-                  </a:outerShdw>
-                </a:effectLst>
-                <a:sp3d prstMaterial="matte">
-                  <a:bevelT w="127000" h="63500"/>
-                </a:sp3d>
-              </p:spPr>
-              <p:style>
-                <a:lnRef idx="2">
-                  <a:schemeClr val="accent1">
-                    <a:shade val="50000"/>
-                  </a:schemeClr>
-                </a:lnRef>
-                <a:fillRef idx="1">
-                  <a:schemeClr val="accent1"/>
-                </a:fillRef>
-                <a:effectRef idx="0">
-                  <a:schemeClr val="accent1"/>
-                </a:effectRef>
-                <a:fontRef idx="minor">
-                  <a:schemeClr val="lt1"/>
-                </a:fontRef>
-              </p:style>
-              <p:txBody>
-                <a:bodyPr rtlCol="0" anchor="ctr"/>
-                <a:lstStyle/>
-                <a:p>
-                  <a:pPr algn="ctr"/>
-                  <a:endParaRPr lang="en-IN"/>
-                </a:p>
-              </p:txBody>
-            </p:sp>
-          </p:grpSp>
+              <a:prstGeom prst="roundRect">
+                <a:avLst/>
+              </a:prstGeom>
+              <a:solidFill>
+                <a:schemeClr val="bg1"/>
+              </a:solidFill>
+              <a:ln>
+                <a:noFill/>
+              </a:ln>
+              <a:effectLst>
+                <a:outerShdw blurRad="190500" dist="228600" dir="2700000" algn="ctr">
+                  <a:srgbClr val="000000">
+                    <a:alpha val="30000"/>
+                  </a:srgbClr>
+                </a:outerShdw>
+              </a:effectLst>
+              <a:sp3d prstMaterial="matte">
+                <a:bevelT w="127000" h="63500"/>
+              </a:sp3d>
+            </p:spPr>
+            <p:style>
+              <a:lnRef idx="2">
+                <a:schemeClr val="accent1">
+                  <a:shade val="50000"/>
+                </a:schemeClr>
+              </a:lnRef>
+              <a:fillRef idx="1">
+                <a:schemeClr val="accent1"/>
+              </a:fillRef>
+              <a:effectRef idx="0">
+                <a:schemeClr val="accent1"/>
+              </a:effectRef>
+              <a:fontRef idx="minor">
+                <a:schemeClr val="lt1"/>
+              </a:fontRef>
+            </p:style>
+            <p:txBody>
+              <a:bodyPr rtlCol="0" anchor="ctr"/>
+              <a:lstStyle/>
+              <a:p>
+                <a:pPr algn="ctr"/>
+                <a:endParaRPr lang="en-IN"/>
+              </a:p>
+            </p:txBody>
+          </p:sp>
         </p:grpSp>
-        <p:sp>
-          <p:nvSpPr>
-            <p:cNvPr id="107" name="Rounded Rectangle 106"/>
-            <p:cNvSpPr/>
-            <p:nvPr/>
-          </p:nvSpPr>
-          <p:spPr>
-            <a:xfrm flipH="1">
-              <a:off x="3048900" y="8695"/>
-              <a:ext cx="50771" cy="2142386"/>
-            </a:xfrm>
-            <a:prstGeom prst="roundRect">
-              <a:avLst/>
-            </a:prstGeom>
-            <a:solidFill>
-              <a:srgbClr val="00B050"/>
-            </a:solidFill>
-            <a:ln>
-              <a:noFill/>
-            </a:ln>
-            <a:effectLst>
-              <a:outerShdw blurRad="190500" dist="228600" dir="2700000" algn="ctr">
-                <a:srgbClr val="000000">
-                  <a:alpha val="30000"/>
-                </a:srgbClr>
-              </a:outerShdw>
-            </a:effectLst>
-            <a:sp3d prstMaterial="matte">
-              <a:bevelT w="127000" h="63500"/>
-            </a:sp3d>
-          </p:spPr>
-          <p:style>
-            <a:lnRef idx="2">
-              <a:schemeClr val="accent1">
-                <a:shade val="50000"/>
-              </a:schemeClr>
-            </a:lnRef>
-            <a:fillRef idx="1">
-              <a:schemeClr val="accent1"/>
-            </a:fillRef>
-            <a:effectRef idx="0">
-              <a:schemeClr val="accent1"/>
-            </a:effectRef>
-            <a:fontRef idx="minor">
-              <a:schemeClr val="lt1"/>
-            </a:fontRef>
-          </p:style>
-          <p:txBody>
-            <a:bodyPr rtlCol="0" anchor="ctr"/>
-            <a:lstStyle/>
-            <a:p>
-              <a:pPr algn="ctr"/>
-              <a:endParaRPr lang="en-IN"/>
-            </a:p>
-          </p:txBody>
-        </p:sp>
-        <p:sp>
-          <p:nvSpPr>
-            <p:cNvPr id="119" name="TextBox 118"/>
-            <p:cNvSpPr txBox="1"/>
-            <p:nvPr/>
-          </p:nvSpPr>
-          <p:spPr>
-            <a:xfrm>
-              <a:off x="2602338" y="4461431"/>
-              <a:ext cx="1342270" cy="461665"/>
-            </a:xfrm>
-            <a:prstGeom prst="rect">
-              <a:avLst/>
-            </a:prstGeom>
+      </p:grpSp>
+      <p:sp>
+        <p:nvSpPr>
+          <p:cNvPr id="107" name="Rounded Rectangle 106"/>
+          <p:cNvSpPr/>
+          <p:nvPr/>
+        </p:nvSpPr>
+        <p:spPr>
+          <a:xfrm flipH="1">
+            <a:off x="3189414" y="8696"/>
+            <a:ext cx="59096" cy="2111936"/>
+          </a:xfrm>
+          <a:prstGeom prst="roundRect">
+            <a:avLst/>
+          </a:prstGeom>
+          <a:solidFill>
+            <a:srgbClr val="00B050"/>
+          </a:solidFill>
+          <a:ln>
             <a:noFill/>
-            <a:ln>
-              <a:noFill/>
-            </a:ln>
-            <a:effectLst>
-              <a:outerShdw blurRad="190500" dist="228600" dir="2700000" algn="ctr">
-                <a:srgbClr val="000000">
-                  <a:alpha val="30000"/>
-                </a:srgbClr>
-              </a:outerShdw>
-            </a:effectLst>
-            <a:sp3d prstMaterial="matte">
-              <a:bevelT w="127000" h="63500"/>
-            </a:sp3d>
-          </p:spPr>
-          <p:txBody>
-            <a:bodyPr wrap="square" rtlCol="0">
-              <a:spAutoFit/>
-            </a:bodyPr>
-            <a:lstStyle/>
-            <a:p>
-              <a:pPr marL="0" lvl="1"/>
-              <a:r>
-                <a:rPr lang="en-IN" sz="1200" b="1" dirty="0"/>
-                <a:t>Web Application</a:t>
-              </a:r>
-            </a:p>
-            <a:p>
-              <a:pPr marL="0" lvl="1"/>
-              <a:endParaRPr lang="en-IN" sz="1200" b="1" dirty="0"/>
-            </a:p>
-          </p:txBody>
-        </p:sp>
-      </p:grpSp>
+          </a:ln>
+          <a:effectLst>
+            <a:outerShdw blurRad="190500" dist="228600" dir="2700000" algn="ctr">
+              <a:srgbClr val="000000">
+                <a:alpha val="30000"/>
+              </a:srgbClr>
+            </a:outerShdw>
+          </a:effectLst>
+          <a:scene3d>
+            <a:camera prst="orthographicFront">
+              <a:rot lat="0" lon="0" rev="0"/>
+            </a:camera>
+            <a:lightRig rig="glow" dir="t">
+              <a:rot lat="0" lon="0" rev="4800000"/>
+            </a:lightRig>
+          </a:scene3d>
+          <a:sp3d prstMaterial="matte">
+            <a:bevelT w="127000" h="63500"/>
+          </a:sp3d>
+        </p:spPr>
+        <p:style>
+          <a:lnRef idx="2">
+            <a:schemeClr val="accent1">
+              <a:shade val="50000"/>
+            </a:schemeClr>
+          </a:lnRef>
+          <a:fillRef idx="1">
+            <a:schemeClr val="accent1"/>
+          </a:fillRef>
+          <a:effectRef idx="0">
+            <a:schemeClr val="accent1"/>
+          </a:effectRef>
+          <a:fontRef idx="minor">
+            <a:schemeClr val="lt1"/>
+          </a:fontRef>
+        </p:style>
+        <p:txBody>
+          <a:bodyPr rtlCol="0" anchor="ctr"/>
+          <a:lstStyle/>
+          <a:p>
+            <a:pPr algn="ctr"/>
+            <a:endParaRPr lang="en-IN"/>
+          </a:p>
+        </p:txBody>
+      </p:sp>
+      <p:sp>
+        <p:nvSpPr>
+          <p:cNvPr id="119" name="TextBox 118"/>
+          <p:cNvSpPr txBox="1"/>
+          <p:nvPr/>
+        </p:nvSpPr>
+        <p:spPr>
+          <a:xfrm>
+            <a:off x="2518526" y="3973182"/>
+            <a:ext cx="1676301" cy="584775"/>
+          </a:xfrm>
+          <a:prstGeom prst="rect">
+            <a:avLst/>
+          </a:prstGeom>
+          <a:noFill/>
+          <a:ln>
+            <a:noFill/>
+          </a:ln>
+          <a:effectLst>
+            <a:outerShdw blurRad="190500" dist="228600" dir="2700000" algn="ctr">
+              <a:srgbClr val="000000">
+                <a:alpha val="30000"/>
+              </a:srgbClr>
+            </a:outerShdw>
+          </a:effectLst>
+          <a:scene3d>
+            <a:camera prst="orthographicFront">
+              <a:rot lat="0" lon="0" rev="0"/>
+            </a:camera>
+            <a:lightRig rig="glow" dir="t">
+              <a:rot lat="0" lon="0" rev="4800000"/>
+            </a:lightRig>
+          </a:scene3d>
+          <a:sp3d prstMaterial="matte">
+            <a:bevelT w="127000" h="63500"/>
+          </a:sp3d>
+        </p:spPr>
+        <p:txBody>
+          <a:bodyPr wrap="square" rtlCol="0">
+            <a:spAutoFit/>
+          </a:bodyPr>
+          <a:lstStyle/>
+          <a:p>
+            <a:pPr marL="0" lvl="1"/>
+            <a:r>
+              <a:rPr lang="en-IN" sz="1600" b="1" dirty="0"/>
+              <a:t>Web Application</a:t>
+            </a:r>
+          </a:p>
+          <a:p>
+            <a:pPr marL="0" lvl="1"/>
+            <a:endParaRPr lang="en-IN" sz="1600" b="1" dirty="0"/>
+          </a:p>
+        </p:txBody>
+      </p:sp>
       <p:sp>
         <p:nvSpPr>
           <p:cNvPr id="116" name="Rounded Rectangle 115"/>
@@ -12816,8 +12990,8 @@
         </p:nvSpPr>
         <p:spPr>
           <a:xfrm>
-            <a:off x="4782133" y="2931609"/>
-            <a:ext cx="1511418" cy="328023"/>
+            <a:off x="4640016" y="2628954"/>
+            <a:ext cx="1671499" cy="513353"/>
           </a:xfrm>
           <a:prstGeom prst="roundRect">
             <a:avLst/>
@@ -12874,16 +13048,16 @@
       </p:sp>
       <p:grpSp>
         <p:nvGrpSpPr>
-          <p:cNvPr id="128" name="Group 127"/>
+          <p:cNvPr id="89" name="Group 88"/>
           <p:cNvGrpSpPr/>
           <p:nvPr/>
         </p:nvGrpSpPr>
         <p:grpSpPr>
           <a:xfrm>
-            <a:off x="4407807" y="0"/>
-            <a:ext cx="2472225" cy="3789040"/>
-            <a:chOff x="4407802" y="0"/>
-            <a:chExt cx="2197729" cy="4013505"/>
+            <a:off x="4407809" y="797885"/>
+            <a:ext cx="2141488" cy="2991155"/>
+            <a:chOff x="143508" y="1190004"/>
+            <a:chExt cx="3312368" cy="4615259"/>
           </a:xfrm>
           <a:scene3d>
             <a:camera prst="orthographicFront">
@@ -12894,38 +13068,225 @@
             </a:lightRig>
           </a:scene3d>
         </p:grpSpPr>
+        <p:sp>
+          <p:nvSpPr>
+            <p:cNvPr id="90" name="Donut 89"/>
+            <p:cNvSpPr/>
+            <p:nvPr/>
+          </p:nvSpPr>
+          <p:spPr>
+            <a:xfrm>
+              <a:off x="143508" y="2780928"/>
+              <a:ext cx="3312368" cy="3024335"/>
+            </a:xfrm>
+            <a:prstGeom prst="donut">
+              <a:avLst>
+                <a:gd name="adj" fmla="val 5603"/>
+              </a:avLst>
+            </a:prstGeom>
+            <a:solidFill>
+              <a:srgbClr val="00B0F0"/>
+            </a:solidFill>
+            <a:ln>
+              <a:noFill/>
+            </a:ln>
+            <a:effectLst>
+              <a:outerShdw blurRad="190500" dist="228600" dir="2700000" algn="ctr">
+                <a:srgbClr val="000000">
+                  <a:alpha val="30000"/>
+                </a:srgbClr>
+              </a:outerShdw>
+            </a:effectLst>
+            <a:sp3d prstMaterial="matte">
+              <a:bevelT w="127000" h="63500"/>
+            </a:sp3d>
+          </p:spPr>
+          <p:style>
+            <a:lnRef idx="2">
+              <a:schemeClr val="accent1">
+                <a:shade val="50000"/>
+              </a:schemeClr>
+            </a:lnRef>
+            <a:fillRef idx="1">
+              <a:schemeClr val="accent1"/>
+            </a:fillRef>
+            <a:effectRef idx="0">
+              <a:schemeClr val="accent1"/>
+            </a:effectRef>
+            <a:fontRef idx="minor">
+              <a:schemeClr val="lt1"/>
+            </a:fontRef>
+          </p:style>
+          <p:txBody>
+            <a:bodyPr rtlCol="0" anchor="ctr"/>
+            <a:lstStyle/>
+            <a:p>
+              <a:pPr algn="ctr"/>
+              <a:endParaRPr lang="en-IN">
+                <a:solidFill>
+                  <a:schemeClr val="tx1"/>
+                </a:solidFill>
+              </a:endParaRPr>
+            </a:p>
+          </p:txBody>
+        </p:sp>
         <p:grpSp>
           <p:nvGrpSpPr>
-            <p:cNvPr id="89" name="Group 88"/>
+            <p:cNvPr id="91" name="Group 90"/>
             <p:cNvGrpSpPr/>
             <p:nvPr/>
           </p:nvGrpSpPr>
           <p:grpSpPr>
             <a:xfrm>
-              <a:off x="4407802" y="845152"/>
-              <a:ext cx="1903714" cy="3168353"/>
-              <a:chOff x="143508" y="1190004"/>
-              <a:chExt cx="3312368" cy="4615259"/>
+              <a:off x="755576" y="1190004"/>
+              <a:ext cx="2088233" cy="2172770"/>
+              <a:chOff x="2339752" y="1051290"/>
+              <a:chExt cx="2232248" cy="2172771"/>
             </a:xfrm>
           </p:grpSpPr>
           <p:sp>
             <p:nvSpPr>
-              <p:cNvPr id="90" name="Donut 89"/>
+              <p:cNvPr id="92" name="Trapezoid 3"/>
               <p:cNvSpPr/>
               <p:nvPr/>
             </p:nvSpPr>
             <p:spPr>
               <a:xfrm>
-                <a:off x="143508" y="2780928"/>
-                <a:ext cx="3312368" cy="3024335"/>
+                <a:off x="2339752" y="2431973"/>
+                <a:ext cx="2232248" cy="792088"/>
+              </a:xfrm>
+              <a:custGeom>
+                <a:avLst/>
+                <a:gdLst/>
+                <a:ahLst/>
+                <a:cxnLst/>
+                <a:rect l="l" t="t" r="r" b="b"/>
+                <a:pathLst>
+                  <a:path w="2232248" h="792088">
+                    <a:moveTo>
+                      <a:pt x="184374" y="0"/>
+                    </a:moveTo>
+                    <a:lnTo>
+                      <a:pt x="2047874" y="0"/>
+                    </a:lnTo>
+                    <a:lnTo>
+                      <a:pt x="2232248" y="792088"/>
+                    </a:lnTo>
+                    <a:lnTo>
+                      <a:pt x="1942048" y="792088"/>
+                    </a:lnTo>
+                    <a:lnTo>
+                      <a:pt x="1944216" y="770581"/>
+                    </a:lnTo>
+                    <a:cubicBezTo>
+                      <a:pt x="1944216" y="671159"/>
+                      <a:pt x="1863618" y="590561"/>
+                      <a:pt x="1764196" y="590561"/>
+                    </a:cubicBezTo>
+                    <a:cubicBezTo>
+                      <a:pt x="1664774" y="590561"/>
+                      <a:pt x="1584176" y="671159"/>
+                      <a:pt x="1584176" y="770581"/>
+                    </a:cubicBezTo>
+                    <a:cubicBezTo>
+                      <a:pt x="1584176" y="777895"/>
+                      <a:pt x="1584612" y="785108"/>
+                      <a:pt x="1586344" y="792088"/>
+                    </a:cubicBezTo>
+                    <a:lnTo>
+                      <a:pt x="648072" y="792088"/>
+                    </a:lnTo>
+                    <a:cubicBezTo>
+                      <a:pt x="648072" y="692666"/>
+                      <a:pt x="567474" y="612068"/>
+                      <a:pt x="468052" y="612068"/>
+                    </a:cubicBezTo>
+                    <a:cubicBezTo>
+                      <a:pt x="368630" y="612068"/>
+                      <a:pt x="288032" y="692666"/>
+                      <a:pt x="288032" y="792088"/>
+                    </a:cubicBezTo>
+                    <a:lnTo>
+                      <a:pt x="0" y="792088"/>
+                    </a:lnTo>
+                    <a:close/>
+                  </a:path>
+                </a:pathLst>
+              </a:custGeom>
+              <a:gradFill>
+                <a:gsLst>
+                  <a:gs pos="54000">
+                    <a:schemeClr val="tx1">
+                      <a:lumMod val="95000"/>
+                      <a:lumOff val="5000"/>
+                    </a:schemeClr>
+                  </a:gs>
+                  <a:gs pos="10000">
+                    <a:schemeClr val="tx1"/>
+                  </a:gs>
+                  <a:gs pos="31000">
+                    <a:schemeClr val="bg1">
+                      <a:lumMod val="95000"/>
+                    </a:schemeClr>
+                  </a:gs>
+                </a:gsLst>
+                <a:lin ang="16200000" scaled="0"/>
+              </a:gradFill>
+              <a:ln>
+                <a:noFill/>
+              </a:ln>
+              <a:effectLst>
+                <a:outerShdw blurRad="190500" dist="228600" dir="2700000" algn="ctr">
+                  <a:srgbClr val="000000">
+                    <a:alpha val="30000"/>
+                  </a:srgbClr>
+                </a:outerShdw>
+              </a:effectLst>
+              <a:sp3d prstMaterial="matte">
+                <a:bevelT w="127000" h="63500"/>
+              </a:sp3d>
+            </p:spPr>
+            <p:style>
+              <a:lnRef idx="2">
+                <a:schemeClr val="accent1">
+                  <a:shade val="50000"/>
+                </a:schemeClr>
+              </a:lnRef>
+              <a:fillRef idx="1">
+                <a:schemeClr val="accent1"/>
+              </a:fillRef>
+              <a:effectRef idx="0">
+                <a:schemeClr val="accent1"/>
+              </a:effectRef>
+              <a:fontRef idx="minor">
+                <a:schemeClr val="lt1"/>
+              </a:fontRef>
+            </p:style>
+            <p:txBody>
+              <a:bodyPr rtlCol="0" anchor="ctr"/>
+              <a:lstStyle/>
+              <a:p>
+                <a:pPr algn="ctr"/>
+                <a:endParaRPr lang="en-IN"/>
+              </a:p>
+            </p:txBody>
+          </p:sp>
+          <p:sp>
+            <p:nvSpPr>
+              <p:cNvPr id="93" name="Donut 92"/>
+              <p:cNvSpPr/>
+              <p:nvPr/>
+            </p:nvSpPr>
+            <p:spPr>
+              <a:xfrm>
+                <a:off x="2940886" y="1051290"/>
+                <a:ext cx="756084" cy="216024"/>
               </a:xfrm>
               <a:prstGeom prst="donut">
-                <a:avLst>
-                  <a:gd name="adj" fmla="val 5603"/>
-                </a:avLst>
+                <a:avLst/>
               </a:prstGeom>
               <a:solidFill>
-                <a:srgbClr val="00B0F0"/>
+                <a:schemeClr val="tx1"/>
               </a:solidFill>
               <a:ln>
                 <a:noFill/>
@@ -12970,481 +13331,295 @@
               </a:p>
             </p:txBody>
           </p:sp>
-          <p:grpSp>
-            <p:nvGrpSpPr>
-              <p:cNvPr id="91" name="Group 90"/>
-              <p:cNvGrpSpPr/>
+          <p:sp>
+            <p:nvSpPr>
+              <p:cNvPr id="94" name="Rounded Rectangle 93"/>
+              <p:cNvSpPr/>
               <p:nvPr/>
-            </p:nvGrpSpPr>
-            <p:grpSpPr>
+            </p:nvSpPr>
+            <p:spPr>
+              <a:xfrm rot="509408">
+                <a:off x="2902133" y="1181970"/>
+                <a:ext cx="70210" cy="1833185"/>
+              </a:xfrm>
+              <a:prstGeom prst="roundRect">
+                <a:avLst/>
+              </a:prstGeom>
+              <a:solidFill>
+                <a:schemeClr val="tx1"/>
+              </a:solidFill>
+              <a:ln>
+                <a:noFill/>
+              </a:ln>
+              <a:effectLst>
+                <a:outerShdw blurRad="190500" dist="228600" dir="2700000" algn="ctr">
+                  <a:srgbClr val="000000">
+                    <a:alpha val="30000"/>
+                  </a:srgbClr>
+                </a:outerShdw>
+              </a:effectLst>
+              <a:sp3d prstMaterial="matte">
+                <a:bevelT w="127000" h="63500"/>
+              </a:sp3d>
+            </p:spPr>
+            <p:style>
+              <a:lnRef idx="2">
+                <a:schemeClr val="accent1">
+                  <a:shade val="50000"/>
+                </a:schemeClr>
+              </a:lnRef>
+              <a:fillRef idx="1">
+                <a:schemeClr val="accent1"/>
+              </a:fillRef>
+              <a:effectRef idx="0">
+                <a:schemeClr val="accent1"/>
+              </a:effectRef>
+              <a:fontRef idx="minor">
+                <a:schemeClr val="lt1"/>
+              </a:fontRef>
+            </p:style>
+            <p:txBody>
+              <a:bodyPr rtlCol="0" anchor="ctr"/>
+              <a:lstStyle/>
+              <a:p>
+                <a:pPr algn="ctr"/>
+                <a:endParaRPr lang="en-IN"/>
+              </a:p>
+            </p:txBody>
+          </p:sp>
+          <p:sp>
+            <p:nvSpPr>
+              <p:cNvPr id="95" name="Rounded Rectangle 94"/>
+              <p:cNvSpPr/>
+              <p:nvPr/>
+            </p:nvSpPr>
+            <p:spPr>
+              <a:xfrm rot="20675790" flipV="1">
+                <a:off x="3782775" y="1150951"/>
+                <a:ext cx="71999" cy="1879200"/>
+              </a:xfrm>
+              <a:prstGeom prst="roundRect">
+                <a:avLst/>
+              </a:prstGeom>
+              <a:solidFill>
+                <a:schemeClr val="tx1"/>
+              </a:solidFill>
+              <a:ln>
+                <a:noFill/>
+              </a:ln>
+              <a:effectLst>
+                <a:outerShdw blurRad="190500" dist="228600" dir="2700000" algn="ctr">
+                  <a:srgbClr val="000000">
+                    <a:alpha val="30000"/>
+                  </a:srgbClr>
+                </a:outerShdw>
+              </a:effectLst>
+              <a:sp3d prstMaterial="matte">
+                <a:bevelT w="127000" h="63500"/>
+              </a:sp3d>
+            </p:spPr>
+            <p:style>
+              <a:lnRef idx="2">
+                <a:schemeClr val="accent1">
+                  <a:shade val="50000"/>
+                </a:schemeClr>
+              </a:lnRef>
+              <a:fillRef idx="1">
+                <a:schemeClr val="accent1"/>
+              </a:fillRef>
+              <a:effectRef idx="0">
+                <a:schemeClr val="accent1"/>
+              </a:effectRef>
+              <a:fontRef idx="minor">
+                <a:schemeClr val="lt1"/>
+              </a:fontRef>
+            </p:style>
+            <p:txBody>
+              <a:bodyPr rtlCol="0" anchor="ctr"/>
+              <a:lstStyle/>
+              <a:p>
+                <a:pPr algn="ctr"/>
+                <a:endParaRPr lang="en-IN"/>
+              </a:p>
+            </p:txBody>
+          </p:sp>
+          <p:sp>
+            <p:nvSpPr>
+              <p:cNvPr id="96" name="Rounded Rectangle 95"/>
+              <p:cNvSpPr/>
+              <p:nvPr/>
+            </p:nvSpPr>
+            <p:spPr>
               <a:xfrm>
-                <a:off x="755576" y="1190004"/>
-                <a:ext cx="2088233" cy="2172770"/>
-                <a:chOff x="2339752" y="1051290"/>
-                <a:chExt cx="2232248" cy="2172771"/>
+                <a:off x="3130447" y="1159302"/>
+                <a:ext cx="389484" cy="108012"/>
               </a:xfrm>
-            </p:grpSpPr>
-            <p:sp>
-              <p:nvSpPr>
-                <p:cNvPr id="92" name="Trapezoid 3"/>
-                <p:cNvSpPr/>
-                <p:nvPr/>
-              </p:nvSpPr>
-              <p:spPr>
-                <a:xfrm>
-                  <a:off x="2339752" y="2431973"/>
-                  <a:ext cx="2232248" cy="792088"/>
-                </a:xfrm>
-                <a:custGeom>
-                  <a:avLst/>
-                  <a:gdLst/>
-                  <a:ahLst/>
-                  <a:cxnLst/>
-                  <a:rect l="l" t="t" r="r" b="b"/>
-                  <a:pathLst>
-                    <a:path w="2232248" h="792088">
-                      <a:moveTo>
-                        <a:pt x="184374" y="0"/>
-                      </a:moveTo>
-                      <a:lnTo>
-                        <a:pt x="2047874" y="0"/>
-                      </a:lnTo>
-                      <a:lnTo>
-                        <a:pt x="2232248" y="792088"/>
-                      </a:lnTo>
-                      <a:lnTo>
-                        <a:pt x="1942048" y="792088"/>
-                      </a:lnTo>
-                      <a:lnTo>
-                        <a:pt x="1944216" y="770581"/>
-                      </a:lnTo>
-                      <a:cubicBezTo>
-                        <a:pt x="1944216" y="671159"/>
-                        <a:pt x="1863618" y="590561"/>
-                        <a:pt x="1764196" y="590561"/>
-                      </a:cubicBezTo>
-                      <a:cubicBezTo>
-                        <a:pt x="1664774" y="590561"/>
-                        <a:pt x="1584176" y="671159"/>
-                        <a:pt x="1584176" y="770581"/>
-                      </a:cubicBezTo>
-                      <a:cubicBezTo>
-                        <a:pt x="1584176" y="777895"/>
-                        <a:pt x="1584612" y="785108"/>
-                        <a:pt x="1586344" y="792088"/>
-                      </a:cubicBezTo>
-                      <a:lnTo>
-                        <a:pt x="648072" y="792088"/>
-                      </a:lnTo>
-                      <a:cubicBezTo>
-                        <a:pt x="648072" y="692666"/>
-                        <a:pt x="567474" y="612068"/>
-                        <a:pt x="468052" y="612068"/>
-                      </a:cubicBezTo>
-                      <a:cubicBezTo>
-                        <a:pt x="368630" y="612068"/>
-                        <a:pt x="288032" y="692666"/>
-                        <a:pt x="288032" y="792088"/>
-                      </a:cubicBezTo>
-                      <a:lnTo>
-                        <a:pt x="0" y="792088"/>
-                      </a:lnTo>
-                      <a:close/>
-                    </a:path>
-                  </a:pathLst>
-                </a:custGeom>
-                <a:gradFill>
-                  <a:gsLst>
-                    <a:gs pos="54000">
-                      <a:schemeClr val="tx1">
-                        <a:lumMod val="95000"/>
-                        <a:lumOff val="5000"/>
-                      </a:schemeClr>
-                    </a:gs>
-                    <a:gs pos="10000">
-                      <a:schemeClr val="tx1"/>
-                    </a:gs>
-                    <a:gs pos="31000">
-                      <a:schemeClr val="bg1">
-                        <a:lumMod val="95000"/>
-                      </a:schemeClr>
-                    </a:gs>
-                  </a:gsLst>
-                  <a:lin ang="16200000" scaled="0"/>
-                </a:gradFill>
-                <a:ln>
-                  <a:noFill/>
-                </a:ln>
-                <a:effectLst>
-                  <a:outerShdw blurRad="190500" dist="228600" dir="2700000" algn="ctr">
-                    <a:srgbClr val="000000">
-                      <a:alpha val="30000"/>
-                    </a:srgbClr>
-                  </a:outerShdw>
-                </a:effectLst>
-                <a:sp3d prstMaterial="matte">
-                  <a:bevelT w="127000" h="63500"/>
-                </a:sp3d>
-              </p:spPr>
-              <p:style>
-                <a:lnRef idx="2">
-                  <a:schemeClr val="accent1">
-                    <a:shade val="50000"/>
-                  </a:schemeClr>
-                </a:lnRef>
-                <a:fillRef idx="1">
-                  <a:schemeClr val="accent1"/>
-                </a:fillRef>
-                <a:effectRef idx="0">
-                  <a:schemeClr val="accent1"/>
-                </a:effectRef>
-                <a:fontRef idx="minor">
-                  <a:schemeClr val="lt1"/>
-                </a:fontRef>
-              </p:style>
-              <p:txBody>
-                <a:bodyPr rtlCol="0" anchor="ctr"/>
-                <a:lstStyle/>
-                <a:p>
-                  <a:pPr algn="ctr"/>
-                  <a:endParaRPr lang="en-IN"/>
-                </a:p>
-              </p:txBody>
-            </p:sp>
-            <p:sp>
-              <p:nvSpPr>
-                <p:cNvPr id="93" name="Donut 92"/>
-                <p:cNvSpPr/>
-                <p:nvPr/>
-              </p:nvSpPr>
-              <p:spPr>
-                <a:xfrm>
-                  <a:off x="2940886" y="1051290"/>
-                  <a:ext cx="756084" cy="216024"/>
-                </a:xfrm>
-                <a:prstGeom prst="donut">
-                  <a:avLst/>
-                </a:prstGeom>
-                <a:solidFill>
-                  <a:schemeClr val="tx1"/>
-                </a:solidFill>
-                <a:ln>
-                  <a:noFill/>
-                </a:ln>
-                <a:effectLst>
-                  <a:outerShdw blurRad="190500" dist="228600" dir="2700000" algn="ctr">
-                    <a:srgbClr val="000000">
-                      <a:alpha val="30000"/>
-                    </a:srgbClr>
-                  </a:outerShdw>
-                </a:effectLst>
-                <a:sp3d prstMaterial="matte">
-                  <a:bevelT w="127000" h="63500"/>
-                </a:sp3d>
-              </p:spPr>
-              <p:style>
-                <a:lnRef idx="2">
-                  <a:schemeClr val="accent1">
-                    <a:shade val="50000"/>
-                  </a:schemeClr>
-                </a:lnRef>
-                <a:fillRef idx="1">
-                  <a:schemeClr val="accent1"/>
-                </a:fillRef>
-                <a:effectRef idx="0">
-                  <a:schemeClr val="accent1"/>
-                </a:effectRef>
-                <a:fontRef idx="minor">
-                  <a:schemeClr val="lt1"/>
-                </a:fontRef>
-              </p:style>
-              <p:txBody>
-                <a:bodyPr rtlCol="0" anchor="ctr"/>
-                <a:lstStyle/>
-                <a:p>
-                  <a:pPr algn="ctr"/>
-                  <a:endParaRPr lang="en-IN">
-                    <a:solidFill>
-                      <a:schemeClr val="tx1"/>
-                    </a:solidFill>
-                  </a:endParaRPr>
-                </a:p>
-              </p:txBody>
-            </p:sp>
-            <p:sp>
-              <p:nvSpPr>
-                <p:cNvPr id="94" name="Rounded Rectangle 93"/>
-                <p:cNvSpPr/>
-                <p:nvPr/>
-              </p:nvSpPr>
-              <p:spPr>
-                <a:xfrm rot="509408">
-                  <a:off x="2902133" y="1181970"/>
-                  <a:ext cx="70210" cy="1833185"/>
-                </a:xfrm>
-                <a:prstGeom prst="roundRect">
-                  <a:avLst/>
-                </a:prstGeom>
-                <a:solidFill>
-                  <a:schemeClr val="tx1"/>
-                </a:solidFill>
-                <a:ln>
-                  <a:noFill/>
-                </a:ln>
-                <a:effectLst>
-                  <a:outerShdw blurRad="190500" dist="228600" dir="2700000" algn="ctr">
-                    <a:srgbClr val="000000">
-                      <a:alpha val="30000"/>
-                    </a:srgbClr>
-                  </a:outerShdw>
-                </a:effectLst>
-                <a:sp3d prstMaterial="matte">
-                  <a:bevelT w="127000" h="63500"/>
-                </a:sp3d>
-              </p:spPr>
-              <p:style>
-                <a:lnRef idx="2">
-                  <a:schemeClr val="accent1">
-                    <a:shade val="50000"/>
-                  </a:schemeClr>
-                </a:lnRef>
-                <a:fillRef idx="1">
-                  <a:schemeClr val="accent1"/>
-                </a:fillRef>
-                <a:effectRef idx="0">
-                  <a:schemeClr val="accent1"/>
-                </a:effectRef>
-                <a:fontRef idx="minor">
-                  <a:schemeClr val="lt1"/>
-                </a:fontRef>
-              </p:style>
-              <p:txBody>
-                <a:bodyPr rtlCol="0" anchor="ctr"/>
-                <a:lstStyle/>
-                <a:p>
-                  <a:pPr algn="ctr"/>
-                  <a:endParaRPr lang="en-IN"/>
-                </a:p>
-              </p:txBody>
-            </p:sp>
-            <p:sp>
-              <p:nvSpPr>
-                <p:cNvPr id="95" name="Rounded Rectangle 94"/>
-                <p:cNvSpPr/>
-                <p:nvPr/>
-              </p:nvSpPr>
-              <p:spPr>
-                <a:xfrm rot="20675790" flipV="1">
-                  <a:off x="3782775" y="1150951"/>
-                  <a:ext cx="71999" cy="1879200"/>
-                </a:xfrm>
-                <a:prstGeom prst="roundRect">
-                  <a:avLst/>
-                </a:prstGeom>
-                <a:solidFill>
-                  <a:schemeClr val="tx1"/>
-                </a:solidFill>
-                <a:ln>
-                  <a:noFill/>
-                </a:ln>
-                <a:effectLst>
-                  <a:outerShdw blurRad="190500" dist="228600" dir="2700000" algn="ctr">
-                    <a:srgbClr val="000000">
-                      <a:alpha val="30000"/>
-                    </a:srgbClr>
-                  </a:outerShdw>
-                </a:effectLst>
-                <a:sp3d prstMaterial="matte">
-                  <a:bevelT w="127000" h="63500"/>
-                </a:sp3d>
-              </p:spPr>
-              <p:style>
-                <a:lnRef idx="2">
-                  <a:schemeClr val="accent1">
-                    <a:shade val="50000"/>
-                  </a:schemeClr>
-                </a:lnRef>
-                <a:fillRef idx="1">
-                  <a:schemeClr val="accent1"/>
-                </a:fillRef>
-                <a:effectRef idx="0">
-                  <a:schemeClr val="accent1"/>
-                </a:effectRef>
-                <a:fontRef idx="minor">
-                  <a:schemeClr val="lt1"/>
-                </a:fontRef>
-              </p:style>
-              <p:txBody>
-                <a:bodyPr rtlCol="0" anchor="ctr"/>
-                <a:lstStyle/>
-                <a:p>
-                  <a:pPr algn="ctr"/>
-                  <a:endParaRPr lang="en-IN"/>
-                </a:p>
-              </p:txBody>
-            </p:sp>
-            <p:sp>
-              <p:nvSpPr>
-                <p:cNvPr id="96" name="Rounded Rectangle 95"/>
-                <p:cNvSpPr/>
-                <p:nvPr/>
-              </p:nvSpPr>
-              <p:spPr>
-                <a:xfrm>
-                  <a:off x="3130447" y="1159302"/>
-                  <a:ext cx="389484" cy="108012"/>
-                </a:xfrm>
-                <a:prstGeom prst="roundRect">
-                  <a:avLst/>
-                </a:prstGeom>
-                <a:solidFill>
-                  <a:schemeClr val="bg1"/>
-                </a:solidFill>
-                <a:ln>
-                  <a:noFill/>
-                </a:ln>
-                <a:effectLst>
-                  <a:outerShdw blurRad="190500" dist="228600" dir="2700000" algn="ctr">
-                    <a:srgbClr val="000000">
-                      <a:alpha val="30000"/>
-                    </a:srgbClr>
-                  </a:outerShdw>
-                </a:effectLst>
-                <a:sp3d prstMaterial="matte">
-                  <a:bevelT w="127000" h="63500"/>
-                </a:sp3d>
-              </p:spPr>
-              <p:style>
-                <a:lnRef idx="2">
-                  <a:schemeClr val="accent1">
-                    <a:shade val="50000"/>
-                  </a:schemeClr>
-                </a:lnRef>
-                <a:fillRef idx="1">
-                  <a:schemeClr val="accent1"/>
-                </a:fillRef>
-                <a:effectRef idx="0">
-                  <a:schemeClr val="accent1"/>
-                </a:effectRef>
-                <a:fontRef idx="minor">
-                  <a:schemeClr val="lt1"/>
-                </a:fontRef>
-              </p:style>
-              <p:txBody>
-                <a:bodyPr rtlCol="0" anchor="ctr"/>
-                <a:lstStyle/>
-                <a:p>
-                  <a:pPr algn="ctr"/>
-                  <a:endParaRPr lang="en-IN"/>
-                </a:p>
-              </p:txBody>
-            </p:sp>
-          </p:grpSp>
+              <a:prstGeom prst="roundRect">
+                <a:avLst/>
+              </a:prstGeom>
+              <a:solidFill>
+                <a:schemeClr val="bg1"/>
+              </a:solidFill>
+              <a:ln>
+                <a:noFill/>
+              </a:ln>
+              <a:effectLst>
+                <a:outerShdw blurRad="190500" dist="228600" dir="2700000" algn="ctr">
+                  <a:srgbClr val="000000">
+                    <a:alpha val="30000"/>
+                  </a:srgbClr>
+                </a:outerShdw>
+              </a:effectLst>
+              <a:sp3d prstMaterial="matte">
+                <a:bevelT w="127000" h="63500"/>
+              </a:sp3d>
+            </p:spPr>
+            <p:style>
+              <a:lnRef idx="2">
+                <a:schemeClr val="accent1">
+                  <a:shade val="50000"/>
+                </a:schemeClr>
+              </a:lnRef>
+              <a:fillRef idx="1">
+                <a:schemeClr val="accent1"/>
+              </a:fillRef>
+              <a:effectRef idx="0">
+                <a:schemeClr val="accent1"/>
+              </a:effectRef>
+              <a:fontRef idx="minor">
+                <a:schemeClr val="lt1"/>
+              </a:fontRef>
+            </p:style>
+            <p:txBody>
+              <a:bodyPr rtlCol="0" anchor="ctr"/>
+              <a:lstStyle/>
+              <a:p>
+                <a:pPr algn="ctr"/>
+                <a:endParaRPr lang="en-IN"/>
+              </a:p>
+            </p:txBody>
+          </p:sp>
         </p:grpSp>
-        <p:sp>
-          <p:nvSpPr>
-            <p:cNvPr id="106" name="Rounded Rectangle 105"/>
-            <p:cNvSpPr/>
-            <p:nvPr/>
-          </p:nvSpPr>
-          <p:spPr>
-            <a:xfrm>
-              <a:off x="5269101" y="0"/>
-              <a:ext cx="45719" cy="828000"/>
-            </a:xfrm>
-            <a:prstGeom prst="roundRect">
-              <a:avLst/>
-            </a:prstGeom>
-            <a:solidFill>
-              <a:srgbClr val="00B0F0"/>
-            </a:solidFill>
-            <a:ln>
-              <a:noFill/>
-            </a:ln>
-            <a:effectLst>
-              <a:outerShdw blurRad="190500" dist="228600" dir="2700000" algn="ctr">
-                <a:srgbClr val="000000">
-                  <a:alpha val="30000"/>
-                </a:srgbClr>
-              </a:outerShdw>
-            </a:effectLst>
-            <a:sp3d prstMaterial="matte">
-              <a:bevelT w="127000" h="63500"/>
-            </a:sp3d>
-          </p:spPr>
-          <p:style>
-            <a:lnRef idx="2">
-              <a:schemeClr val="accent1">
-                <a:shade val="50000"/>
-              </a:schemeClr>
-            </a:lnRef>
-            <a:fillRef idx="1">
-              <a:schemeClr val="accent1"/>
-            </a:fillRef>
-            <a:effectRef idx="0">
-              <a:schemeClr val="accent1"/>
-            </a:effectRef>
-            <a:fontRef idx="minor">
-              <a:schemeClr val="lt1"/>
-            </a:fontRef>
-          </p:style>
-          <p:txBody>
-            <a:bodyPr rtlCol="0" anchor="ctr"/>
-            <a:lstStyle/>
-            <a:p>
-              <a:pPr algn="ctr"/>
-              <a:endParaRPr lang="en-IN"/>
-            </a:p>
-          </p:txBody>
-        </p:sp>
-        <p:sp>
-          <p:nvSpPr>
-            <p:cNvPr id="120" name="TextBox 119"/>
-            <p:cNvSpPr txBox="1"/>
-            <p:nvPr/>
-          </p:nvSpPr>
-          <p:spPr>
-            <a:xfrm>
-              <a:off x="4740344" y="3132149"/>
-              <a:ext cx="1865187" cy="461665"/>
-            </a:xfrm>
-            <a:prstGeom prst="rect">
-              <a:avLst/>
-            </a:prstGeom>
+      </p:grpSp>
+      <p:sp>
+        <p:nvSpPr>
+          <p:cNvPr id="106" name="Rounded Rectangle 105"/>
+          <p:cNvSpPr/>
+          <p:nvPr/>
+        </p:nvSpPr>
+        <p:spPr>
+          <a:xfrm>
+            <a:off x="5376684" y="0"/>
+            <a:ext cx="51429" cy="781692"/>
+          </a:xfrm>
+          <a:prstGeom prst="roundRect">
+            <a:avLst/>
+          </a:prstGeom>
+          <a:solidFill>
+            <a:srgbClr val="00B0F0"/>
+          </a:solidFill>
+          <a:ln>
             <a:noFill/>
-            <a:ln>
-              <a:noFill/>
-            </a:ln>
-            <a:effectLst>
-              <a:outerShdw blurRad="190500" dist="228600" dir="2700000" algn="ctr">
-                <a:srgbClr val="000000">
-                  <a:alpha val="30000"/>
-                </a:srgbClr>
-              </a:outerShdw>
-            </a:effectLst>
-            <a:sp3d prstMaterial="matte">
-              <a:bevelT w="127000" h="63500"/>
-            </a:sp3d>
-          </p:spPr>
-          <p:txBody>
-            <a:bodyPr wrap="square" rtlCol="0">
-              <a:spAutoFit/>
-            </a:bodyPr>
-            <a:lstStyle/>
-            <a:p>
-              <a:pPr marL="0" lvl="1"/>
-              <a:r>
-                <a:rPr lang="en-IN" sz="1200" b="1" dirty="0"/>
-                <a:t>Desktop Application</a:t>
-              </a:r>
-            </a:p>
-            <a:p>
-              <a:pPr marL="0" lvl="1"/>
-              <a:endParaRPr lang="en-IN" sz="1200" b="1" dirty="0"/>
-            </a:p>
-          </p:txBody>
-        </p:sp>
-      </p:grpSp>
+          </a:ln>
+          <a:effectLst>
+            <a:outerShdw blurRad="190500" dist="228600" dir="2700000" algn="ctr">
+              <a:srgbClr val="000000">
+                <a:alpha val="30000"/>
+              </a:srgbClr>
+            </a:outerShdw>
+          </a:effectLst>
+          <a:scene3d>
+            <a:camera prst="orthographicFront">
+              <a:rot lat="0" lon="0" rev="0"/>
+            </a:camera>
+            <a:lightRig rig="glow" dir="t">
+              <a:rot lat="0" lon="0" rev="4800000"/>
+            </a:lightRig>
+          </a:scene3d>
+          <a:sp3d prstMaterial="matte">
+            <a:bevelT w="127000" h="63500"/>
+          </a:sp3d>
+        </p:spPr>
+        <p:style>
+          <a:lnRef idx="2">
+            <a:schemeClr val="accent1">
+              <a:shade val="50000"/>
+            </a:schemeClr>
+          </a:lnRef>
+          <a:fillRef idx="1">
+            <a:schemeClr val="accent1"/>
+          </a:fillRef>
+          <a:effectRef idx="0">
+            <a:schemeClr val="accent1"/>
+          </a:effectRef>
+          <a:fontRef idx="minor">
+            <a:schemeClr val="lt1"/>
+          </a:fontRef>
+        </p:style>
+        <p:txBody>
+          <a:bodyPr rtlCol="0" anchor="ctr"/>
+          <a:lstStyle/>
+          <a:p>
+            <a:pPr algn="ctr"/>
+            <a:endParaRPr lang="en-IN"/>
+          </a:p>
+        </p:txBody>
+      </p:sp>
+      <p:sp>
+        <p:nvSpPr>
+          <p:cNvPr id="120" name="TextBox 119"/>
+          <p:cNvSpPr txBox="1"/>
+          <p:nvPr/>
+        </p:nvSpPr>
+        <p:spPr>
+          <a:xfrm>
+            <a:off x="4556092" y="2673906"/>
+            <a:ext cx="1936143" cy="584775"/>
+          </a:xfrm>
+          <a:prstGeom prst="rect">
+            <a:avLst/>
+          </a:prstGeom>
+          <a:noFill/>
+          <a:ln>
+            <a:noFill/>
+          </a:ln>
+          <a:effectLst>
+            <a:outerShdw blurRad="190500" dist="228600" dir="2700000" algn="ctr">
+              <a:srgbClr val="000000">
+                <a:alpha val="30000"/>
+              </a:srgbClr>
+            </a:outerShdw>
+          </a:effectLst>
+          <a:scene3d>
+            <a:camera prst="orthographicFront">
+              <a:rot lat="0" lon="0" rev="0"/>
+            </a:camera>
+            <a:lightRig rig="glow" dir="t">
+              <a:rot lat="0" lon="0" rev="4800000"/>
+            </a:lightRig>
+          </a:scene3d>
+          <a:sp3d prstMaterial="matte">
+            <a:bevelT w="127000" h="63500"/>
+          </a:sp3d>
+        </p:spPr>
+        <p:txBody>
+          <a:bodyPr wrap="square" rtlCol="0">
+            <a:spAutoFit/>
+          </a:bodyPr>
+          <a:lstStyle/>
+          <a:p>
+            <a:pPr marL="0" lvl="1"/>
+            <a:r>
+              <a:rPr lang="en-IN" sz="1600" b="1" dirty="0"/>
+              <a:t>Desktop Application</a:t>
+            </a:r>
+          </a:p>
+          <a:p>
+            <a:pPr marL="0" lvl="1"/>
+            <a:endParaRPr lang="en-IN" sz="1600" b="1" dirty="0"/>
+          </a:p>
+        </p:txBody>
+      </p:sp>
       <p:grpSp>
         <p:nvGrpSpPr>
           <p:cNvPr id="97" name="Group 96"/>
@@ -13972,8 +14147,8 @@
         </p:nvSpPr>
         <p:spPr>
           <a:xfrm>
-            <a:off x="6894704" y="4078891"/>
-            <a:ext cx="1572289" cy="404088"/>
+            <a:off x="6958757" y="3739960"/>
+            <a:ext cx="1656390" cy="519419"/>
           </a:xfrm>
           <a:prstGeom prst="roundRect">
             <a:avLst/>
@@ -14036,8 +14211,8 @@
         </p:nvSpPr>
         <p:spPr>
           <a:xfrm>
-            <a:off x="6960096" y="4135815"/>
-            <a:ext cx="2276595" cy="440996"/>
+            <a:off x="6867405" y="3815181"/>
+            <a:ext cx="2276595" cy="584775"/>
           </a:xfrm>
           <a:prstGeom prst="rect">
             <a:avLst/>
@@ -14073,13 +14248,13 @@
           <a:p>
             <a:pPr marL="0" lvl="1"/>
             <a:r>
-              <a:rPr lang="en-IN" sz="1200" b="1" dirty="0"/>
+              <a:rPr lang="en-IN" sz="1600" b="1" dirty="0"/>
               <a:t>Database Designing</a:t>
             </a:r>
           </a:p>
           <a:p>
             <a:pPr marL="0" lvl="1"/>
-            <a:endParaRPr lang="en-IN" sz="1200" b="1" dirty="0"/>
+            <a:endParaRPr lang="en-IN" sz="1600" b="1" dirty="0"/>
           </a:p>
         </p:txBody>
       </p:sp>
@@ -20081,19 +20256,8 @@
                 <a:latin typeface="Times New Roman" pitchFamily="18" charset="0"/>
                 <a:cs typeface="Times New Roman" pitchFamily="18" charset="0"/>
               </a:rPr>
-              <a:t>Android , Desktop, Web, </a:t>
+              <a:t>Android , Desktop, Web, DB</a:t>
             </a:r>
-            <a:r>
-              <a:rPr lang="en-IN" sz="1600" dirty="0" smtClean="0">
-                <a:latin typeface="Times New Roman" pitchFamily="18" charset="0"/>
-                <a:cs typeface="Times New Roman" pitchFamily="18" charset="0"/>
-              </a:rPr>
-              <a:t>DB</a:t>
-            </a:r>
-            <a:endParaRPr lang="en-IN" sz="1600" dirty="0">
-              <a:latin typeface="Times New Roman" pitchFamily="18" charset="0"/>
-              <a:cs typeface="Times New Roman" pitchFamily="18" charset="0"/>
-            </a:endParaRPr>
           </a:p>
           <a:p>
             <a:endParaRPr lang="en-IN" sz="2400" dirty="0"/>
@@ -20232,14 +20396,11 @@
           <a:lstStyle/>
           <a:p>
             <a:r>
-              <a:rPr lang="en-IN" b="1" dirty="0" smtClean="0">
+              <a:rPr lang="en-IN" b="1" dirty="0">
                 <a:latin typeface="AR ESSENCE" pitchFamily="2" charset="0"/>
               </a:rPr>
               <a:t>Services </a:t>
             </a:r>
-            <a:endParaRPr lang="en-IN" b="1" dirty="0">
-              <a:latin typeface="AR ESSENCE" pitchFamily="2" charset="0"/>
-            </a:endParaRPr>
           </a:p>
         </p:txBody>
       </p:sp>
@@ -20345,10 +20506,9 @@
           <a:lstStyle/>
           <a:p>
             <a:r>
-              <a:rPr lang="en-IN" b="1" dirty="0" smtClean="0"/>
+              <a:rPr lang="en-IN" b="1" dirty="0"/>
               <a:t>WE AIM TO MAINTAIN A LONG TERM RELATION WITH OUR CLIENTS BY PROVIDING A RANGE OF SERVICES. </a:t>
             </a:r>
-            <a:endParaRPr lang="en-IN" b="1" dirty="0"/>
           </a:p>
         </p:txBody>
       </p:sp>
@@ -20362,13 +20522,6 @@
   <p:clrMapOvr>
     <a:masterClrMapping/>
   </p:clrMapOvr>
-  <p:timing>
-    <p:tnLst>
-      <p:par>
-        <p:cTn id="1" dur="indefinite" restart="never" nodeType="tmRoot"/>
-      </p:par>
-    </p:tnLst>
-  </p:timing>
 </p:sld>
 </file>
 
@@ -20684,7 +20837,7 @@
                 <a:latin typeface="AR ESSENCE" pitchFamily="2" charset="0"/>
                 <a:cs typeface="Times New Roman" pitchFamily="18" charset="0"/>
               </a:rPr>
-              <a:t> technology </a:t>
+              <a:t> Technology </a:t>
             </a:r>
             <a:r>
               <a:rPr lang="en-IN" sz="3200" b="1" i="1" dirty="0" err="1">
@@ -27962,10 +28115,9 @@
           <a:p>
             <a:pPr algn="ctr"/>
             <a:r>
-              <a:rPr lang="en-IN" b="1" dirty="0" smtClean="0"/>
+              <a:rPr lang="en-IN" b="1" dirty="0"/>
               <a:t>Complete IT support</a:t>
             </a:r>
-            <a:endParaRPr lang="en-IN" b="1" dirty="0"/>
           </a:p>
         </p:txBody>
       </p:sp>
@@ -27993,10 +28145,9 @@
           <a:p>
             <a:pPr algn="ctr"/>
             <a:r>
-              <a:rPr lang="en-IN" b="1" dirty="0" smtClean="0"/>
+              <a:rPr lang="en-IN" b="1" dirty="0"/>
               <a:t>Latest technology</a:t>
             </a:r>
-            <a:endParaRPr lang="en-IN" b="1" dirty="0"/>
           </a:p>
         </p:txBody>
       </p:sp>
@@ -28024,10 +28175,9 @@
           <a:p>
             <a:pPr algn="ctr"/>
             <a:r>
-              <a:rPr lang="en-IN" b="1" dirty="0" smtClean="0"/>
+              <a:rPr lang="en-IN" b="1" dirty="0"/>
               <a:t>Problem solving solutions </a:t>
             </a:r>
-            <a:endParaRPr lang="en-IN" b="1" dirty="0"/>
           </a:p>
         </p:txBody>
       </p:sp>
@@ -28055,10 +28205,9 @@
           <a:p>
             <a:pPr algn="ctr"/>
             <a:r>
-              <a:rPr lang="en-IN" b="1" dirty="0" smtClean="0"/>
+              <a:rPr lang="en-IN" b="1" dirty="0"/>
               <a:t>Timely completion of projects </a:t>
             </a:r>
-            <a:endParaRPr lang="en-IN" b="1" dirty="0"/>
           </a:p>
         </p:txBody>
       </p:sp>
@@ -28072,13 +28221,6 @@
   <p:clrMapOvr>
     <a:masterClrMapping/>
   </p:clrMapOvr>
-  <p:timing>
-    <p:tnLst>
-      <p:par>
-        <p:cTn id="1" dur="indefinite" restart="never" nodeType="tmRoot"/>
-      </p:par>
-    </p:tnLst>
-  </p:timing>
 </p:sld>
 </file>
 
@@ -28865,7 +29007,7 @@
           <p:nvPr/>
         </p:nvPicPr>
         <p:blipFill>
-          <a:blip r:embed="rId2" cstate="print"/>
+          <a:blip r:embed="rId3" cstate="print"/>
           <a:srcRect/>
           <a:stretch>
             <a:fillRect/>
@@ -28910,17 +29052,7 @@
                 <a:latin typeface="Times New Roman" pitchFamily="18" charset="0"/>
                 <a:cs typeface="Times New Roman" pitchFamily="18" charset="0"/>
               </a:rPr>
-              <a:t>I.T consultant team</a:t>
-            </a:r>
-          </a:p>
-          <a:p>
-            <a:pPr algn="ctr"/>
-            <a:r>
-              <a:rPr lang="en-IN" sz="2400" dirty="0">
-                <a:latin typeface="Times New Roman" pitchFamily="18" charset="0"/>
-                <a:cs typeface="Times New Roman" pitchFamily="18" charset="0"/>
-              </a:rPr>
-              <a:t>Mobile (Android Application)</a:t>
+              <a:t>I.T consultant Mobile (Android Application)</a:t>
             </a:r>
           </a:p>
           <a:p>
@@ -28940,7 +29072,7 @@
                 <a:latin typeface="Times New Roman" pitchFamily="18" charset="0"/>
                 <a:cs typeface="Times New Roman" pitchFamily="18" charset="0"/>
               </a:rPr>
-              <a:t> based in Noida. </a:t>
+              <a:t> SQL, MONGODB</a:t>
             </a:r>
           </a:p>
         </p:txBody>
@@ -29050,8 +29182,8 @@
         </p:nvSpPr>
         <p:spPr>
           <a:xfrm>
-            <a:off x="6293484" y="1675363"/>
-            <a:ext cx="2199954" cy="2308324"/>
+            <a:off x="5965409" y="1675363"/>
+            <a:ext cx="2528029" cy="1569660"/>
           </a:xfrm>
           <a:prstGeom prst="rect">
             <a:avLst/>
@@ -29064,15 +29196,27 @@
           </a:bodyPr>
           <a:lstStyle/>
           <a:p>
+            <a:pPr algn="ctr"/>
             <a:r>
               <a:rPr lang="en-IN" sz="2400" dirty="0">
                 <a:latin typeface="Times New Roman" pitchFamily="18" charset="0"/>
                 <a:cs typeface="Times New Roman" pitchFamily="18" charset="0"/>
               </a:rPr>
-              <a:t>Focus on Client’s Requirement</a:t>
+              <a:t>Focus </a:t>
             </a:r>
           </a:p>
           <a:p>
+            <a:pPr algn="ctr"/>
+            <a:r>
+              <a:rPr lang="en-IN" sz="2400" dirty="0">
+                <a:latin typeface="Times New Roman" pitchFamily="18" charset="0"/>
+                <a:cs typeface="Times New Roman" pitchFamily="18" charset="0"/>
+              </a:rPr>
+              <a:t>Client’s Goal</a:t>
+            </a:r>
+          </a:p>
+          <a:p>
+            <a:pPr algn="ctr"/>
             <a:r>
               <a:rPr lang="en-IN" sz="2400" dirty="0">
                 <a:latin typeface="Times New Roman" pitchFamily="18" charset="0"/>
@@ -29082,6 +29226,7 @@
             </a:r>
           </a:p>
           <a:p>
+            <a:pPr algn="ctr"/>
             <a:r>
               <a:rPr lang="en-IN" sz="2400" dirty="0">
                 <a:latin typeface="Times New Roman" pitchFamily="18" charset="0"/>
@@ -29102,13 +29247,6 @@
   <p:clrMapOvr>
     <a:masterClrMapping/>
   </p:clrMapOvr>
-  <p:timing>
-    <p:tnLst>
-      <p:par>
-        <p:cTn id="1" dur="indefinite" restart="never" nodeType="tmRoot"/>
-      </p:par>
-    </p:tnLst>
-  </p:timing>
 </p:sld>
 </file>
 
@@ -30321,8 +30459,8 @@
           </p:nvSpPr>
           <p:spPr>
             <a:xfrm>
-              <a:off x="5048218" y="5014453"/>
-              <a:ext cx="1918400" cy="1292662"/>
+              <a:off x="4717386" y="5014453"/>
+              <a:ext cx="2249232" cy="923330"/>
             </a:xfrm>
             <a:prstGeom prst="rect">
               <a:avLst/>
@@ -30335,15 +30473,24 @@
             </a:bodyPr>
             <a:lstStyle/>
             <a:p>
+              <a:pPr algn="ctr"/>
+              <a:r>
+                <a:rPr lang="en-IN" b="1" dirty="0">
+                  <a:latin typeface="Times New Roman" pitchFamily="18" charset="0"/>
+                  <a:cs typeface="Times New Roman" pitchFamily="18" charset="0"/>
+                </a:rPr>
+                <a:t>(GIS)</a:t>
+              </a:r>
+            </a:p>
+            <a:p>
+              <a:pPr algn="ctr"/>
               <a:r>
                 <a:rPr lang="en-IN" dirty="0">
                   <a:latin typeface="Times New Roman" pitchFamily="18" charset="0"/>
                   <a:cs typeface="Times New Roman" pitchFamily="18" charset="0"/>
                 </a:rPr>
-                <a:t>Geographical Information System(GIS)</a:t>
+                <a:t>Geographical Information System</a:t>
               </a:r>
-            </a:p>
-            <a:p>
               <a:endParaRPr lang="en-IN" sz="2400" dirty="0"/>
             </a:p>
           </p:txBody>
@@ -30397,8 +30544,8 @@
           </p:nvSpPr>
           <p:spPr>
             <a:xfrm>
-              <a:off x="4747530" y="1137716"/>
-              <a:ext cx="2251448" cy="800219"/>
+              <a:off x="4408947" y="1148638"/>
+              <a:ext cx="2251448" cy="861774"/>
             </a:xfrm>
             <a:prstGeom prst="rect">
               <a:avLst/>
@@ -30411,17 +30558,35 @@
             </a:bodyPr>
             <a:lstStyle/>
             <a:p>
-              <a:pPr lvl="0"/>
+              <a:pPr lvl="0" algn="ctr"/>
               <a:r>
-                <a:rPr lang="en-IN" sz="1400" dirty="0">
+                <a:rPr lang="en-IN" b="1" dirty="0">
                   <a:latin typeface="Times New Roman" pitchFamily="18" charset="0"/>
                   <a:cs typeface="Times New Roman" pitchFamily="18" charset="0"/>
                 </a:rPr>
-                <a:t>Staffing – Software Professionals</a:t>
+                <a:t>Staffing</a:t>
+              </a:r>
+              <a:r>
+                <a:rPr lang="en-IN" sz="1600" b="1" dirty="0">
+                  <a:latin typeface="Times New Roman" pitchFamily="18" charset="0"/>
+                  <a:cs typeface="Times New Roman" pitchFamily="18" charset="0"/>
+                </a:rPr>
+                <a:t> </a:t>
               </a:r>
             </a:p>
             <a:p>
-              <a:endParaRPr lang="en-IN" dirty="0"/>
+              <a:pPr lvl="0" algn="ctr"/>
+              <a:r>
+                <a:rPr lang="en-IN" sz="1600" dirty="0">
+                  <a:latin typeface="Times New Roman" pitchFamily="18" charset="0"/>
+                  <a:cs typeface="Times New Roman" pitchFamily="18" charset="0"/>
+                </a:rPr>
+                <a:t>Software Professionals</a:t>
+              </a:r>
+            </a:p>
+            <a:p>
+              <a:pPr algn="ctr"/>
+              <a:endParaRPr lang="en-IN" sz="1600" dirty="0"/>
             </a:p>
           </p:txBody>
         </p:sp>
@@ -30433,7 +30598,7 @@
           </p:nvSpPr>
           <p:spPr>
             <a:xfrm>
-              <a:off x="2377093" y="5522234"/>
+              <a:off x="2296993" y="5528439"/>
               <a:ext cx="1961755" cy="369332"/>
             </a:xfrm>
             <a:prstGeom prst="rect">
@@ -30447,7 +30612,7 @@
             </a:bodyPr>
             <a:lstStyle/>
             <a:p>
-              <a:pPr lvl="0"/>
+              <a:pPr lvl="0" algn="ctr"/>
               <a:r>
                 <a:rPr lang="en-IN" dirty="0">
                   <a:latin typeface="Times New Roman" pitchFamily="18" charset="0"/>
@@ -30467,8 +30632,8 @@
           </p:nvSpPr>
           <p:spPr>
             <a:xfrm>
-              <a:off x="2201329" y="928321"/>
-              <a:ext cx="2097640" cy="1384995"/>
+              <a:off x="2047521" y="928321"/>
+              <a:ext cx="2251448" cy="1384995"/>
             </a:xfrm>
             <a:prstGeom prst="rect">
               <a:avLst/>
@@ -30481,7 +30646,17 @@
             </a:bodyPr>
             <a:lstStyle/>
             <a:p>
-              <a:pPr lvl="0"/>
+              <a:pPr algn="ctr"/>
+              <a:r>
+                <a:rPr lang="en-IN" b="1" dirty="0">
+                  <a:latin typeface="Times New Roman" pitchFamily="18" charset="0"/>
+                  <a:cs typeface="Times New Roman" pitchFamily="18" charset="0"/>
+                </a:rPr>
+                <a:t>Android , Desktop, Web</a:t>
+              </a:r>
+            </a:p>
+            <a:p>
+              <a:pPr lvl="0" algn="ctr"/>
               <a:r>
                 <a:rPr lang="en-IN" sz="1600" dirty="0">
                   <a:latin typeface="Times New Roman" pitchFamily="18" charset="0"/>
@@ -30491,17 +30666,8 @@
               </a:r>
             </a:p>
             <a:p>
-              <a:pPr lvl="0"/>
-              <a:r>
-                <a:rPr lang="en-IN" sz="1600" dirty="0">
-                  <a:latin typeface="Times New Roman" pitchFamily="18" charset="0"/>
-                  <a:cs typeface="Times New Roman" pitchFamily="18" charset="0"/>
-                </a:rPr>
-                <a:t>Android , Desktop, Web, DB etc</a:t>
-              </a:r>
-            </a:p>
-            <a:p>
-              <a:endParaRPr lang="en-IN" sz="2000" dirty="0"/>
+              <a:pPr algn="ctr"/>
+              <a:endParaRPr lang="en-IN" sz="1600" dirty="0"/>
             </a:p>
           </p:txBody>
         </p:sp>
@@ -30600,8 +30766,8 @@
         </p:nvSpPr>
         <p:spPr>
           <a:xfrm>
-            <a:off x="7020272" y="3262546"/>
-            <a:ext cx="1787199" cy="1107996"/>
+            <a:off x="6922655" y="3245767"/>
+            <a:ext cx="2131453" cy="1107996"/>
           </a:xfrm>
           <a:prstGeom prst="rect">
             <a:avLst/>
@@ -30616,28 +30782,28 @@
             <a:pPr algn="ctr"/>
             <a:r>
               <a:rPr lang="en-IN" sz="2200" dirty="0" err="1">
-                <a:latin typeface="AR BERKLEY" pitchFamily="2" charset="0"/>
+                <a:latin typeface="+mj-lt"/>
                 <a:cs typeface="Times New Roman" pitchFamily="18" charset="0"/>
               </a:rPr>
               <a:t>Anvisys</a:t>
             </a:r>
             <a:r>
               <a:rPr lang="en-IN" sz="2200" dirty="0">
-                <a:latin typeface="AR BERKLEY" pitchFamily="2" charset="0"/>
+                <a:latin typeface="+mj-lt"/>
                 <a:cs typeface="Times New Roman" pitchFamily="18" charset="0"/>
               </a:rPr>
-              <a:t> technology </a:t>
+              <a:t> Technology </a:t>
             </a:r>
             <a:r>
               <a:rPr lang="en-IN" sz="2200" dirty="0" err="1">
-                <a:latin typeface="AR BERKLEY" pitchFamily="2" charset="0"/>
+                <a:latin typeface="+mj-lt"/>
                 <a:cs typeface="Times New Roman" pitchFamily="18" charset="0"/>
               </a:rPr>
               <a:t>Pvt.</a:t>
             </a:r>
             <a:r>
               <a:rPr lang="en-IN" sz="2200" dirty="0">
-                <a:latin typeface="AR BERKLEY" pitchFamily="2" charset="0"/>
+                <a:latin typeface="+mj-lt"/>
                 <a:cs typeface="Times New Roman" pitchFamily="18" charset="0"/>
               </a:rPr>
               <a:t> Ltd.</a:t>
@@ -31051,13 +31217,6 @@
   <p:clrMapOvr>
     <a:masterClrMapping/>
   </p:clrMapOvr>
-  <p:timing>
-    <p:tnLst>
-      <p:par>
-        <p:cTn id="1" dur="indefinite" restart="never" nodeType="tmRoot"/>
-      </p:par>
-    </p:tnLst>
-  </p:timing>
 </p:sld>
 </file>
 
@@ -31083,7 +31242,7 @@
           <p:cNvPr id="2" name="Title 1">
             <a:extLst>
               <a:ext uri="{FF2B5EF4-FFF2-40B4-BE49-F238E27FC236}">
-                <a16:creationId xmlns="" xmlns:a16="http://schemas.microsoft.com/office/drawing/2014/main" id="{865131AC-C32E-4601-89C1-F9ECEAF1EE04}"/>
+                <a16:creationId xmlns:a16="http://schemas.microsoft.com/office/drawing/2014/main" id="{865131AC-C32E-4601-89C1-F9ECEAF1EE04}"/>
               </a:ext>
             </a:extLst>
           </p:cNvPr>
@@ -31111,7 +31270,7 @@
           <p:cNvPr id="4" name="Content Placeholder 3">
             <a:extLst>
               <a:ext uri="{FF2B5EF4-FFF2-40B4-BE49-F238E27FC236}">
-                <a16:creationId xmlns="" xmlns:a16="http://schemas.microsoft.com/office/drawing/2014/main" id="{A72069BE-05CC-45C4-AAAF-DD81FB7FC5EC}"/>
+                <a16:creationId xmlns:a16="http://schemas.microsoft.com/office/drawing/2014/main" id="{A72069BE-05CC-45C4-AAAF-DD81FB7FC5EC}"/>
               </a:ext>
             </a:extLst>
           </p:cNvPr>
@@ -31143,7 +31302,7 @@
           <p:cNvPr id="6" name="Content Placeholder 4">
             <a:extLst>
               <a:ext uri="{FF2B5EF4-FFF2-40B4-BE49-F238E27FC236}">
-                <a16:creationId xmlns="" xmlns:a16="http://schemas.microsoft.com/office/drawing/2014/main" id="{7BF9F0F9-5BC9-4CB9-99D8-5D9E77EBA532}"/>
+                <a16:creationId xmlns:a16="http://schemas.microsoft.com/office/drawing/2014/main" id="{7BF9F0F9-5BC9-4CB9-99D8-5D9E77EBA532}"/>
               </a:ext>
             </a:extLst>
           </p:cNvPr>
@@ -31408,13 +31567,6 @@
   <p:clrMapOvr>
     <a:masterClrMapping/>
   </p:clrMapOvr>
-  <p:timing>
-    <p:tnLst>
-      <p:par>
-        <p:cTn id="1" dur="indefinite" restart="never" nodeType="tmRoot"/>
-      </p:par>
-    </p:tnLst>
-  </p:timing>
 </p:sld>
 </file>
 
@@ -34299,10 +34451,9 @@
             <a:lstStyle/>
             <a:p>
               <a:r>
-                <a:rPr lang="en-IN" sz="1600" dirty="0" smtClean="0"/>
+                <a:rPr lang="en-IN" sz="1600" dirty="0"/>
                 <a:t>Client </a:t>
               </a:r>
-              <a:endParaRPr lang="en-IN" sz="1600" dirty="0"/>
             </a:p>
           </p:txBody>
         </p:sp>
@@ -34329,10 +34480,9 @@
             <a:lstStyle/>
             <a:p>
               <a:r>
-                <a:rPr lang="en-IN" sz="1600" dirty="0" smtClean="0"/>
+                <a:rPr lang="en-IN" sz="1600" dirty="0"/>
                 <a:t>HTTP request</a:t>
               </a:r>
-              <a:endParaRPr lang="en-IN" sz="1600" dirty="0"/>
             </a:p>
           </p:txBody>
         </p:sp>
@@ -34359,10 +34509,9 @@
             <a:lstStyle/>
             <a:p>
               <a:r>
-                <a:rPr lang="en-IN" sz="1600" dirty="0" smtClean="0"/>
+                <a:rPr lang="en-IN" sz="1600" dirty="0"/>
                 <a:t>JSON/XML</a:t>
               </a:r>
-              <a:endParaRPr lang="en-IN" sz="1600" dirty="0"/>
             </a:p>
           </p:txBody>
         </p:sp>
@@ -34389,10 +34538,9 @@
             <a:lstStyle/>
             <a:p>
               <a:r>
-                <a:rPr lang="en-IN" sz="1600" dirty="0" smtClean="0"/>
+                <a:rPr lang="en-IN" sz="1600" dirty="0"/>
                 <a:t>Device</a:t>
               </a:r>
-              <a:endParaRPr lang="en-IN" sz="1600" dirty="0"/>
             </a:p>
           </p:txBody>
         </p:sp>
@@ -34419,10 +34567,9 @@
             <a:lstStyle/>
             <a:p>
               <a:r>
-                <a:rPr lang="en-IN" sz="1600" dirty="0" smtClean="0"/>
+                <a:rPr lang="en-IN" sz="1600" dirty="0"/>
                 <a:t>Web Apps Desktop</a:t>
               </a:r>
-              <a:endParaRPr lang="en-IN" sz="1600" dirty="0"/>
             </a:p>
           </p:txBody>
         </p:sp>
@@ -34449,10 +34596,9 @@
             <a:lstStyle/>
             <a:p>
               <a:r>
-                <a:rPr lang="en-IN" sz="1600" dirty="0" smtClean="0"/>
+                <a:rPr lang="en-IN" sz="1600" dirty="0"/>
                 <a:t>Database</a:t>
               </a:r>
-              <a:endParaRPr lang="en-IN" sz="1600" dirty="0"/>
             </a:p>
           </p:txBody>
         </p:sp>
@@ -34479,10 +34625,9 @@
             <a:lstStyle/>
             <a:p>
               <a:r>
-                <a:rPr lang="en-IN" sz="1600" dirty="0" smtClean="0"/>
+                <a:rPr lang="en-IN" sz="1600" dirty="0"/>
                 <a:t>Web service </a:t>
               </a:r>
-              <a:endParaRPr lang="en-IN" sz="1600" dirty="0"/>
             </a:p>
           </p:txBody>
         </p:sp>
@@ -34510,14 +34655,11 @@
           <a:lstStyle/>
           <a:p>
             <a:r>
-              <a:rPr lang="en-IN" sz="2800" dirty="0" smtClean="0">
+              <a:rPr lang="en-IN" sz="2800" dirty="0">
                 <a:latin typeface="AR ESSENCE" pitchFamily="2" charset="0"/>
               </a:rPr>
               <a:t>Result web service </a:t>
             </a:r>
-            <a:endParaRPr lang="en-IN" sz="2800" dirty="0">
-              <a:latin typeface="AR ESSENCE" pitchFamily="2" charset="0"/>
-            </a:endParaRPr>
           </a:p>
         </p:txBody>
       </p:sp>
@@ -34531,13 +34673,6 @@
   <p:clrMapOvr>
     <a:masterClrMapping/>
   </p:clrMapOvr>
-  <p:timing>
-    <p:tnLst>
-      <p:par>
-        <p:cTn id="1" dur="indefinite" restart="never" nodeType="tmRoot"/>
-      </p:par>
-    </p:tnLst>
-  </p:timing>
 </p:sld>
 </file>
 
@@ -34563,7 +34698,7 @@
           <p:cNvPr id="2" name="Title 1">
             <a:extLst>
               <a:ext uri="{FF2B5EF4-FFF2-40B4-BE49-F238E27FC236}">
-                <a16:creationId xmlns="" xmlns:a16="http://schemas.microsoft.com/office/drawing/2014/main" id="{FDB1AA29-50E7-47E6-B428-02DFC33376E2}"/>
+                <a16:creationId xmlns:a16="http://schemas.microsoft.com/office/drawing/2014/main" id="{FDB1AA29-50E7-47E6-B428-02DFC33376E2}"/>
               </a:ext>
             </a:extLst>
           </p:cNvPr>
@@ -34591,7 +34726,7 @@
           <p:cNvPr id="5" name="Content Placeholder 4">
             <a:extLst>
               <a:ext uri="{FF2B5EF4-FFF2-40B4-BE49-F238E27FC236}">
-                <a16:creationId xmlns="" xmlns:a16="http://schemas.microsoft.com/office/drawing/2014/main" id="{847CD382-9F7F-4E8D-9A4A-354D788A0575}"/>
+                <a16:creationId xmlns:a16="http://schemas.microsoft.com/office/drawing/2014/main" id="{847CD382-9F7F-4E8D-9A4A-354D788A0575}"/>
               </a:ext>
             </a:extLst>
           </p:cNvPr>
@@ -34626,7 +34761,7 @@
           <p:cNvPr id="6" name="Rectangle 5">
             <a:extLst>
               <a:ext uri="{FF2B5EF4-FFF2-40B4-BE49-F238E27FC236}">
-                <a16:creationId xmlns="" xmlns:a16="http://schemas.microsoft.com/office/drawing/2014/main" id="{098B67DA-9FA7-4BEF-A34E-941BB7FC651C}"/>
+                <a16:creationId xmlns:a16="http://schemas.microsoft.com/office/drawing/2014/main" id="{098B67DA-9FA7-4BEF-A34E-941BB7FC651C}"/>
               </a:ext>
             </a:extLst>
           </p:cNvPr>
@@ -34713,13 +34848,6 @@
   <p:clrMapOvr>
     <a:masterClrMapping/>
   </p:clrMapOvr>
-  <p:timing>
-    <p:tnLst>
-      <p:par>
-        <p:cTn id="1" dur="indefinite" restart="never" nodeType="tmRoot"/>
-      </p:par>
-    </p:tnLst>
-  </p:timing>
 </p:sld>
 </file>
 
@@ -34745,7 +34873,7 @@
           <p:cNvPr id="2" name="Title 1">
             <a:extLst>
               <a:ext uri="{FF2B5EF4-FFF2-40B4-BE49-F238E27FC236}">
-                <a16:creationId xmlns="" xmlns:a16="http://schemas.microsoft.com/office/drawing/2014/main" id="{50593DC5-4360-41D5-8B5E-737BD66331DD}"/>
+                <a16:creationId xmlns:a16="http://schemas.microsoft.com/office/drawing/2014/main" id="{50593DC5-4360-41D5-8B5E-737BD66331DD}"/>
               </a:ext>
             </a:extLst>
           </p:cNvPr>
@@ -34773,7 +34901,7 @@
           <p:cNvPr id="3" name="Content Placeholder 2">
             <a:extLst>
               <a:ext uri="{FF2B5EF4-FFF2-40B4-BE49-F238E27FC236}">
-                <a16:creationId xmlns="" xmlns:a16="http://schemas.microsoft.com/office/drawing/2014/main" id="{C5AE02B3-EF90-4416-AEEE-224A06B0B82F}"/>
+                <a16:creationId xmlns:a16="http://schemas.microsoft.com/office/drawing/2014/main" id="{C5AE02B3-EF90-4416-AEEE-224A06B0B82F}"/>
               </a:ext>
             </a:extLst>
           </p:cNvPr>
@@ -34843,7 +34971,7 @@
           <p:cNvPr id="4" name="Picture 3">
             <a:extLst>
               <a:ext uri="{FF2B5EF4-FFF2-40B4-BE49-F238E27FC236}">
-                <a16:creationId xmlns="" xmlns:a16="http://schemas.microsoft.com/office/drawing/2014/main" id="{A42434AC-FE93-41AA-8252-B01263232350}"/>
+                <a16:creationId xmlns:a16="http://schemas.microsoft.com/office/drawing/2014/main" id="{A42434AC-FE93-41AA-8252-B01263232350}"/>
               </a:ext>
             </a:extLst>
           </p:cNvPr>
@@ -34878,13 +35006,6 @@
   <p:clrMapOvr>
     <a:masterClrMapping/>
   </p:clrMapOvr>
-  <p:timing>
-    <p:tnLst>
-      <p:par>
-        <p:cTn id="1" dur="indefinite" restart="never" nodeType="tmRoot"/>
-      </p:par>
-    </p:tnLst>
-  </p:timing>
 </p:sld>
 </file>
 
@@ -34910,7 +35031,7 @@
           <p:cNvPr id="2" name="Title 1">
             <a:extLst>
               <a:ext uri="{FF2B5EF4-FFF2-40B4-BE49-F238E27FC236}">
-                <a16:creationId xmlns="" xmlns:a16="http://schemas.microsoft.com/office/drawing/2014/main" id="{C92193BD-EEB5-4CC3-BE21-D39BD95A385D}"/>
+                <a16:creationId xmlns:a16="http://schemas.microsoft.com/office/drawing/2014/main" id="{C92193BD-EEB5-4CC3-BE21-D39BD95A385D}"/>
               </a:ext>
             </a:extLst>
           </p:cNvPr>
@@ -34938,7 +35059,7 @@
           <p:cNvPr id="3" name="Content Placeholder 2">
             <a:extLst>
               <a:ext uri="{FF2B5EF4-FFF2-40B4-BE49-F238E27FC236}">
-                <a16:creationId xmlns="" xmlns:a16="http://schemas.microsoft.com/office/drawing/2014/main" id="{A4590DDC-E5B1-460D-8B70-03C4082BCC79}"/>
+                <a16:creationId xmlns:a16="http://schemas.microsoft.com/office/drawing/2014/main" id="{A4590DDC-E5B1-460D-8B70-03C4082BCC79}"/>
               </a:ext>
             </a:extLst>
           </p:cNvPr>
